--- a/Sessions/Build a Custom Monitoring Solution for your SQL Server Environment/2025-07-19 - SQLSATSF/Custom monitoring solution.pptx
+++ b/Sessions/Build a Custom Monitoring Solution for your SQL Server Environment/2025-07-19 - SQLSATSF/Custom monitoring solution.pptx
@@ -2,7 +2,7 @@
 <file path=ppt/presentation.xml><?xml version="1.0" encoding="utf-8"?>
 <p:presentation xmlns:a="http://schemas.openxmlformats.org/drawingml/2006/main" xmlns:r="http://schemas.openxmlformats.org/officeDocument/2006/relationships" xmlns:p="http://schemas.openxmlformats.org/presentationml/2006/main" saveSubsetFonts="1">
   <p:sldMasterIdLst>
-    <p:sldMasterId id="2147483660" r:id="rId1"/>
+    <p:sldMasterId id="2147483682" r:id="rId1"/>
   </p:sldMasterIdLst>
   <p:sldIdLst>
     <p:sldId id="261" r:id="rId2"/>
@@ -10,21 +10,21 @@
     <p:sldId id="263" r:id="rId4"/>
     <p:sldId id="280" r:id="rId5"/>
     <p:sldId id="264" r:id="rId6"/>
-    <p:sldId id="265" r:id="rId7"/>
-    <p:sldId id="266" r:id="rId8"/>
-    <p:sldId id="267" r:id="rId9"/>
-    <p:sldId id="268" r:id="rId10"/>
-    <p:sldId id="269" r:id="rId11"/>
-    <p:sldId id="270" r:id="rId12"/>
-    <p:sldId id="271" r:id="rId13"/>
-    <p:sldId id="272" r:id="rId14"/>
-    <p:sldId id="273" r:id="rId15"/>
-    <p:sldId id="274" r:id="rId16"/>
-    <p:sldId id="275" r:id="rId17"/>
-    <p:sldId id="276" r:id="rId18"/>
-    <p:sldId id="277" r:id="rId19"/>
-    <p:sldId id="278" r:id="rId20"/>
-    <p:sldId id="279" r:id="rId21"/>
+    <p:sldId id="277" r:id="rId7"/>
+    <p:sldId id="265" r:id="rId8"/>
+    <p:sldId id="266" r:id="rId9"/>
+    <p:sldId id="267" r:id="rId10"/>
+    <p:sldId id="268" r:id="rId11"/>
+    <p:sldId id="269" r:id="rId12"/>
+    <p:sldId id="278" r:id="rId13"/>
+    <p:sldId id="270" r:id="rId14"/>
+    <p:sldId id="271" r:id="rId15"/>
+    <p:sldId id="272" r:id="rId16"/>
+    <p:sldId id="273" r:id="rId17"/>
+    <p:sldId id="274" r:id="rId18"/>
+    <p:sldId id="279" r:id="rId19"/>
+    <p:sldId id="275" r:id="rId20"/>
+    <p:sldId id="276" r:id="rId21"/>
   </p:sldIdLst>
   <p:sldSz cx="12192000" cy="6858000"/>
   <p:notesSz cx="6858000" cy="9144000"/>
@@ -32,7 +32,7 @@
     <a:defPPr>
       <a:defRPr lang="en-US"/>
     </a:defPPr>
-    <a:lvl1pPr marL="0" algn="l" defTabSz="914400" rtl="0" eaLnBrk="1" latinLnBrk="0" hangingPunct="1">
+    <a:lvl1pPr marL="0" algn="l" defTabSz="457200" rtl="0" eaLnBrk="1" latinLnBrk="0" hangingPunct="1">
       <a:defRPr sz="1800" kern="1200">
         <a:solidFill>
           <a:schemeClr val="tx1"/>
@@ -42,7 +42,7 @@
         <a:cs typeface="+mn-cs"/>
       </a:defRPr>
     </a:lvl1pPr>
-    <a:lvl2pPr marL="457200" algn="l" defTabSz="914400" rtl="0" eaLnBrk="1" latinLnBrk="0" hangingPunct="1">
+    <a:lvl2pPr marL="457200" algn="l" defTabSz="457200" rtl="0" eaLnBrk="1" latinLnBrk="0" hangingPunct="1">
       <a:defRPr sz="1800" kern="1200">
         <a:solidFill>
           <a:schemeClr val="tx1"/>
@@ -52,7 +52,7 @@
         <a:cs typeface="+mn-cs"/>
       </a:defRPr>
     </a:lvl2pPr>
-    <a:lvl3pPr marL="914400" algn="l" defTabSz="914400" rtl="0" eaLnBrk="1" latinLnBrk="0" hangingPunct="1">
+    <a:lvl3pPr marL="914400" algn="l" defTabSz="457200" rtl="0" eaLnBrk="1" latinLnBrk="0" hangingPunct="1">
       <a:defRPr sz="1800" kern="1200">
         <a:solidFill>
           <a:schemeClr val="tx1"/>
@@ -62,7 +62,7 @@
         <a:cs typeface="+mn-cs"/>
       </a:defRPr>
     </a:lvl3pPr>
-    <a:lvl4pPr marL="1371600" algn="l" defTabSz="914400" rtl="0" eaLnBrk="1" latinLnBrk="0" hangingPunct="1">
+    <a:lvl4pPr marL="1371600" algn="l" defTabSz="457200" rtl="0" eaLnBrk="1" latinLnBrk="0" hangingPunct="1">
       <a:defRPr sz="1800" kern="1200">
         <a:solidFill>
           <a:schemeClr val="tx1"/>
@@ -72,7 +72,7 @@
         <a:cs typeface="+mn-cs"/>
       </a:defRPr>
     </a:lvl4pPr>
-    <a:lvl5pPr marL="1828800" algn="l" defTabSz="914400" rtl="0" eaLnBrk="1" latinLnBrk="0" hangingPunct="1">
+    <a:lvl5pPr marL="1828800" algn="l" defTabSz="457200" rtl="0" eaLnBrk="1" latinLnBrk="0" hangingPunct="1">
       <a:defRPr sz="1800" kern="1200">
         <a:solidFill>
           <a:schemeClr val="tx1"/>
@@ -82,7 +82,7 @@
         <a:cs typeface="+mn-cs"/>
       </a:defRPr>
     </a:lvl5pPr>
-    <a:lvl6pPr marL="2286000" algn="l" defTabSz="914400" rtl="0" eaLnBrk="1" latinLnBrk="0" hangingPunct="1">
+    <a:lvl6pPr marL="2286000" algn="l" defTabSz="457200" rtl="0" eaLnBrk="1" latinLnBrk="0" hangingPunct="1">
       <a:defRPr sz="1800" kern="1200">
         <a:solidFill>
           <a:schemeClr val="tx1"/>
@@ -92,7 +92,7 @@
         <a:cs typeface="+mn-cs"/>
       </a:defRPr>
     </a:lvl6pPr>
-    <a:lvl7pPr marL="2743200" algn="l" defTabSz="914400" rtl="0" eaLnBrk="1" latinLnBrk="0" hangingPunct="1">
+    <a:lvl7pPr marL="2743200" algn="l" defTabSz="457200" rtl="0" eaLnBrk="1" latinLnBrk="0" hangingPunct="1">
       <a:defRPr sz="1800" kern="1200">
         <a:solidFill>
           <a:schemeClr val="tx1"/>
@@ -102,7 +102,7 @@
         <a:cs typeface="+mn-cs"/>
       </a:defRPr>
     </a:lvl7pPr>
-    <a:lvl8pPr marL="3200400" algn="l" defTabSz="914400" rtl="0" eaLnBrk="1" latinLnBrk="0" hangingPunct="1">
+    <a:lvl8pPr marL="3200400" algn="l" defTabSz="457200" rtl="0" eaLnBrk="1" latinLnBrk="0" hangingPunct="1">
       <a:defRPr sz="1800" kern="1200">
         <a:solidFill>
           <a:schemeClr val="tx1"/>
@@ -112,7 +112,7 @@
         <a:cs typeface="+mn-cs"/>
       </a:defRPr>
     </a:lvl8pPr>
-    <a:lvl9pPr marL="3657600" algn="l" defTabSz="914400" rtl="0" eaLnBrk="1" latinLnBrk="0" hangingPunct="1">
+    <a:lvl9pPr marL="3657600" algn="l" defTabSz="457200" rtl="0" eaLnBrk="1" latinLnBrk="0" hangingPunct="1">
       <a:defRPr sz="1800" kern="1200">
         <a:solidFill>
           <a:schemeClr val="tx1"/>
@@ -123,6 +123,11 @@
       </a:defRPr>
     </a:lvl9pPr>
   </p:defaultTextStyle>
+  <p:extLst>
+    <p:ext uri="{EFAFB233-063F-42B5-8137-9DF3F51BA10A}">
+      <p15:sldGuideLst xmlns:p15="http://schemas.microsoft.com/office/powerpoint/2012/main"/>
+    </p:ext>
+  </p:extLst>
 </p:presentation>
 </file>
 
@@ -145,205 +150,58 @@
       </p:grpSpPr>
       <p:sp>
         <p:nvSpPr>
-          <p:cNvPr id="7" name="Freeform: Shape 6">
-            <a:extLst>
-              <a:ext uri="{FF2B5EF4-FFF2-40B4-BE49-F238E27FC236}">
-                <a16:creationId xmlns:a16="http://schemas.microsoft.com/office/drawing/2014/main" id="{EA67E988-5919-57BB-C7DE-D3EAD38A3045}"/>
-              </a:ext>
-              <a:ext uri="{C183D7F6-B498-43B3-948B-1728B52AA6E4}">
-                <adec:decorative xmlns:adec="http://schemas.microsoft.com/office/drawing/2017/decorative" val="1"/>
-              </a:ext>
-            </a:extLst>
-          </p:cNvPr>
-          <p:cNvSpPr/>
-          <p:nvPr/>
+          <p:cNvPr id="2" name="Title 1"/>
+          <p:cNvSpPr>
+            <a:spLocks noGrp="1"/>
+          </p:cNvSpPr>
+          <p:nvPr>
+            <p:ph type="ctrTitle"/>
+          </p:nvPr>
         </p:nvSpPr>
         <p:spPr>
           <a:xfrm>
-            <a:off x="517870" y="6209925"/>
-            <a:ext cx="11155680" cy="45719"/>
+            <a:off x="1524000" y="1122363"/>
+            <a:ext cx="9144000" cy="2387600"/>
           </a:xfrm>
-          <a:custGeom>
-            <a:avLst/>
-            <a:gdLst>
-              <a:gd name="connsiteX0" fmla="*/ 0 w 8715708"/>
-              <a:gd name="connsiteY0" fmla="*/ 0 h 45719"/>
-              <a:gd name="connsiteX1" fmla="*/ 3694525 w 8715708"/>
-              <a:gd name="connsiteY1" fmla="*/ 0 h 45719"/>
-              <a:gd name="connsiteX2" fmla="*/ 5021183 w 8715708"/>
-              <a:gd name="connsiteY2" fmla="*/ 0 h 45719"/>
-              <a:gd name="connsiteX3" fmla="*/ 8715708 w 8715708"/>
-              <a:gd name="connsiteY3" fmla="*/ 0 h 45719"/>
-              <a:gd name="connsiteX4" fmla="*/ 8715708 w 8715708"/>
-              <a:gd name="connsiteY4" fmla="*/ 45719 h 45719"/>
-              <a:gd name="connsiteX5" fmla="*/ 5021183 w 8715708"/>
-              <a:gd name="connsiteY5" fmla="*/ 45719 h 45719"/>
-              <a:gd name="connsiteX6" fmla="*/ 3694525 w 8715708"/>
-              <a:gd name="connsiteY6" fmla="*/ 45719 h 45719"/>
-              <a:gd name="connsiteX7" fmla="*/ 0 w 8715708"/>
-              <a:gd name="connsiteY7" fmla="*/ 45719 h 45719"/>
-            </a:gdLst>
-            <a:ahLst/>
-            <a:cxnLst>
-              <a:cxn ang="0">
-                <a:pos x="connsiteX0" y="connsiteY0"/>
-              </a:cxn>
-              <a:cxn ang="0">
-                <a:pos x="connsiteX1" y="connsiteY1"/>
-              </a:cxn>
-              <a:cxn ang="0">
-                <a:pos x="connsiteX2" y="connsiteY2"/>
-              </a:cxn>
-              <a:cxn ang="0">
-                <a:pos x="connsiteX3" y="connsiteY3"/>
-              </a:cxn>
-              <a:cxn ang="0">
-                <a:pos x="connsiteX4" y="connsiteY4"/>
-              </a:cxn>
-              <a:cxn ang="0">
-                <a:pos x="connsiteX5" y="connsiteY5"/>
-              </a:cxn>
-              <a:cxn ang="0">
-                <a:pos x="connsiteX6" y="connsiteY6"/>
-              </a:cxn>
-              <a:cxn ang="0">
-                <a:pos x="connsiteX7" y="connsiteY7"/>
-              </a:cxn>
-            </a:cxnLst>
-            <a:rect l="l" t="t" r="r" b="b"/>
-            <a:pathLst>
-              <a:path w="8715708" h="45719">
-                <a:moveTo>
-                  <a:pt x="0" y="0"/>
-                </a:moveTo>
-                <a:lnTo>
-                  <a:pt x="3694525" y="0"/>
-                </a:lnTo>
-                <a:lnTo>
-                  <a:pt x="5021183" y="0"/>
-                </a:lnTo>
-                <a:lnTo>
-                  <a:pt x="8715708" y="0"/>
-                </a:lnTo>
-                <a:lnTo>
-                  <a:pt x="8715708" y="45719"/>
-                </a:lnTo>
-                <a:lnTo>
-                  <a:pt x="5021183" y="45719"/>
-                </a:lnTo>
-                <a:lnTo>
-                  <a:pt x="3694525" y="45719"/>
-                </a:lnTo>
-                <a:lnTo>
-                  <a:pt x="0" y="45719"/>
-                </a:lnTo>
-                <a:close/>
-              </a:path>
-            </a:pathLst>
-          </a:custGeom>
-          <a:solidFill>
-            <a:schemeClr val="tx1"/>
-          </a:solidFill>
-          <a:ln>
-            <a:noFill/>
-          </a:ln>
         </p:spPr>
-        <p:style>
-          <a:lnRef idx="2">
-            <a:schemeClr val="accent1">
-              <a:shade val="50000"/>
-            </a:schemeClr>
-          </a:lnRef>
-          <a:fillRef idx="1">
-            <a:schemeClr val="accent1"/>
-          </a:fillRef>
-          <a:effectRef idx="0">
-            <a:schemeClr val="accent1"/>
-          </a:effectRef>
-          <a:fontRef idx="minor">
-            <a:schemeClr val="lt1"/>
-          </a:fontRef>
-        </p:style>
-        <p:txBody>
-          <a:bodyPr wrap="square" rtlCol="0" anchor="ctr">
-            <a:noAutofit/>
-          </a:bodyPr>
-          <a:lstStyle/>
-          <a:p>
-            <a:pPr algn="ctr"/>
-            <a:endParaRPr lang="en-US"/>
-          </a:p>
-        </p:txBody>
-      </p:sp>
-      <p:sp>
-        <p:nvSpPr>
-          <p:cNvPr id="2" name="Title 1">
-            <a:extLst>
-              <a:ext uri="{FF2B5EF4-FFF2-40B4-BE49-F238E27FC236}">
-                <a16:creationId xmlns:a16="http://schemas.microsoft.com/office/drawing/2014/main" id="{5B2327B2-BA4B-2C04-0751-5CB63D4AA425}"/>
-              </a:ext>
-            </a:extLst>
-          </p:cNvPr>
-          <p:cNvSpPr>
-            <a:spLocks noGrp="1"/>
-          </p:cNvSpPr>
-          <p:nvPr>
-            <p:ph type="ctrTitle"/>
+        <p:txBody>
+          <a:bodyPr anchor="b"/>
+          <a:lstStyle>
+            <a:lvl1pPr algn="ctr">
+              <a:defRPr sz="6000"/>
+            </a:lvl1pPr>
+          </a:lstStyle>
+          <a:p>
+            <a:r>
+              <a:rPr lang="en-US"/>
+              <a:t>Click to edit Master title style</a:t>
+            </a:r>
+            <a:endParaRPr lang="en-US" dirty="0"/>
+          </a:p>
+        </p:txBody>
+      </p:sp>
+      <p:sp>
+        <p:nvSpPr>
+          <p:cNvPr id="3" name="Subtitle 2"/>
+          <p:cNvSpPr>
+            <a:spLocks noGrp="1"/>
+          </p:cNvSpPr>
+          <p:nvPr>
+            <p:ph type="subTitle" idx="1"/>
           </p:nvPr>
         </p:nvSpPr>
         <p:spPr>
           <a:xfrm>
-            <a:off x="521208" y="978408"/>
-            <a:ext cx="11155680" cy="3429000"/>
+            <a:off x="1524000" y="3602038"/>
+            <a:ext cx="9144000" cy="1655762"/>
           </a:xfrm>
         </p:spPr>
         <p:txBody>
-          <a:bodyPr anchor="t">
-            <a:normAutofit/>
-          </a:bodyPr>
+          <a:bodyPr/>
           <a:lstStyle>
-            <a:lvl1pPr algn="l">
-              <a:defRPr sz="7200"/>
-            </a:lvl1pPr>
-          </a:lstStyle>
-          <a:p>
-            <a:r>
-              <a:rPr lang="en-US" dirty="0"/>
-              <a:t>Click to edit Master title style</a:t>
-            </a:r>
-          </a:p>
-        </p:txBody>
-      </p:sp>
-      <p:sp>
-        <p:nvSpPr>
-          <p:cNvPr id="3" name="Subtitle 2">
-            <a:extLst>
-              <a:ext uri="{FF2B5EF4-FFF2-40B4-BE49-F238E27FC236}">
-                <a16:creationId xmlns:a16="http://schemas.microsoft.com/office/drawing/2014/main" id="{E7201176-DC7A-4C3D-3D8F-352526DA7B5D}"/>
-              </a:ext>
-            </a:extLst>
-          </p:cNvPr>
-          <p:cNvSpPr>
-            <a:spLocks noGrp="1"/>
-          </p:cNvSpPr>
-          <p:nvPr>
-            <p:ph type="subTitle" idx="1"/>
-          </p:nvPr>
-        </p:nvSpPr>
-        <p:spPr>
-          <a:xfrm>
-            <a:off x="521208" y="4480560"/>
-            <a:ext cx="7104888" cy="1399032"/>
-          </a:xfrm>
-        </p:spPr>
-        <p:txBody>
-          <a:bodyPr anchor="b">
-            <a:normAutofit/>
-          </a:bodyPr>
-          <a:lstStyle>
-            <a:lvl1pPr marL="0" indent="0" algn="l">
+            <a:lvl1pPr marL="0" indent="0" algn="ctr">
               <a:buNone/>
-              <a:defRPr sz="2200" i="1"/>
+              <a:defRPr sz="2400"/>
             </a:lvl1pPr>
             <a:lvl2pPr marL="457200" indent="0" algn="ctr">
               <a:buNone/>
@@ -383,18 +241,13 @@
               <a:rPr lang="en-US"/>
               <a:t>Click to edit Master subtitle style</a:t>
             </a:r>
-          </a:p>
-        </p:txBody>
-      </p:sp>
-      <p:sp>
-        <p:nvSpPr>
-          <p:cNvPr id="4" name="Date Placeholder 3">
-            <a:extLst>
-              <a:ext uri="{FF2B5EF4-FFF2-40B4-BE49-F238E27FC236}">
-                <a16:creationId xmlns:a16="http://schemas.microsoft.com/office/drawing/2014/main" id="{C67DC221-9A2E-7459-102F-C3CFB27CC389}"/>
-              </a:ext>
-            </a:extLst>
-          </p:cNvPr>
+            <a:endParaRPr lang="en-US" dirty="0"/>
+          </a:p>
+        </p:txBody>
+      </p:sp>
+      <p:sp>
+        <p:nvSpPr>
+          <p:cNvPr id="4" name="Date Placeholder 3"/>
           <p:cNvSpPr>
             <a:spLocks noGrp="1"/>
           </p:cNvSpPr>
@@ -409,7 +262,8 @@
           <a:p>
             <a:fld id="{E80C50CD-E178-4744-9B35-B2F624D6C5E9}" type="datetimeFigureOut">
               <a:rPr lang="en-US" smtClean="0"/>
-              <a:t>7/16/2025</a:t>
+              <a:pPr/>
+              <a:t>7/17/2025</a:t>
             </a:fld>
             <a:endParaRPr lang="en-US"/>
           </a:p>
@@ -417,13 +271,7 @@
       </p:sp>
       <p:sp>
         <p:nvSpPr>
-          <p:cNvPr id="5" name="Footer Placeholder 4">
-            <a:extLst>
-              <a:ext uri="{FF2B5EF4-FFF2-40B4-BE49-F238E27FC236}">
-                <a16:creationId xmlns:a16="http://schemas.microsoft.com/office/drawing/2014/main" id="{A5020671-6F7D-3A03-EEC1-661A87F96F40}"/>
-              </a:ext>
-            </a:extLst>
-          </p:cNvPr>
+          <p:cNvPr id="5" name="Footer Placeholder 4"/>
           <p:cNvSpPr>
             <a:spLocks noGrp="1"/>
           </p:cNvSpPr>
@@ -436,19 +284,13 @@
           <a:bodyPr/>
           <a:lstStyle/>
           <a:p>
-            <a:endParaRPr lang="en-US"/>
-          </a:p>
-        </p:txBody>
-      </p:sp>
-      <p:sp>
-        <p:nvSpPr>
-          <p:cNvPr id="6" name="Slide Number Placeholder 5">
-            <a:extLst>
-              <a:ext uri="{FF2B5EF4-FFF2-40B4-BE49-F238E27FC236}">
-                <a16:creationId xmlns:a16="http://schemas.microsoft.com/office/drawing/2014/main" id="{F2453D3A-E0F9-8386-2A6C-96671FBB15A5}"/>
-              </a:ext>
-            </a:extLst>
-          </p:cNvPr>
+            <a:endParaRPr lang="en-US" dirty="0"/>
+          </a:p>
+        </p:txBody>
+      </p:sp>
+      <p:sp>
+        <p:nvSpPr>
+          <p:cNvPr id="6" name="Slide Number Placeholder 5"/>
           <p:cNvSpPr>
             <a:spLocks noGrp="1"/>
           </p:cNvSpPr>
@@ -463,6 +305,7 @@
           <a:p>
             <a:fld id="{148CC95F-0247-41B6-91CF-DC97C76A7088}" type="slidenum">
               <a:rPr lang="en-US" smtClean="0"/>
+              <a:pPr/>
               <a:t>‹#›</a:t>
             </a:fld>
             <a:endParaRPr lang="en-US"/>
@@ -472,7 +315,7 @@
     </p:spTree>
     <p:extLst>
       <p:ext uri="{BB962C8B-B14F-4D97-AF65-F5344CB8AC3E}">
-        <p14:creationId xmlns:p14="http://schemas.microsoft.com/office/powerpoint/2010/main" val="3833848187"/>
+        <p14:creationId xmlns:p14="http://schemas.microsoft.com/office/powerpoint/2010/main" val="940295842"/>
       </p:ext>
     </p:extLst>
   </p:cSld>
@@ -501,13 +344,7 @@
       </p:grpSpPr>
       <p:sp>
         <p:nvSpPr>
-          <p:cNvPr id="2" name="Title 1">
-            <a:extLst>
-              <a:ext uri="{FF2B5EF4-FFF2-40B4-BE49-F238E27FC236}">
-                <a16:creationId xmlns:a16="http://schemas.microsoft.com/office/drawing/2014/main" id="{36C36771-E72D-FAD8-771E-3E196DD2E1C8}"/>
-              </a:ext>
-            </a:extLst>
-          </p:cNvPr>
+          <p:cNvPr id="2" name="Title 1"/>
           <p:cNvSpPr>
             <a:spLocks noGrp="1"/>
           </p:cNvSpPr>
@@ -524,18 +361,13 @@
               <a:rPr lang="en-US"/>
               <a:t>Click to edit Master title style</a:t>
             </a:r>
-          </a:p>
-        </p:txBody>
-      </p:sp>
-      <p:sp>
-        <p:nvSpPr>
-          <p:cNvPr id="3" name="Vertical Text Placeholder 2">
-            <a:extLst>
-              <a:ext uri="{FF2B5EF4-FFF2-40B4-BE49-F238E27FC236}">
-                <a16:creationId xmlns:a16="http://schemas.microsoft.com/office/drawing/2014/main" id="{DB5BB827-257D-60D9-792F-E69590042971}"/>
-              </a:ext>
-            </a:extLst>
-          </p:cNvPr>
+            <a:endParaRPr lang="en-US" dirty="0"/>
+          </a:p>
+        </p:txBody>
+      </p:sp>
+      <p:sp>
+        <p:nvSpPr>
+          <p:cNvPr id="3" name="Vertical Text Placeholder 2"/>
           <p:cNvSpPr>
             <a:spLocks noGrp="1"/>
           </p:cNvSpPr>
@@ -581,18 +413,13 @@
               <a:rPr lang="en-US"/>
               <a:t>Fifth level</a:t>
             </a:r>
-          </a:p>
-        </p:txBody>
-      </p:sp>
-      <p:sp>
-        <p:nvSpPr>
-          <p:cNvPr id="4" name="Date Placeholder 3">
-            <a:extLst>
-              <a:ext uri="{FF2B5EF4-FFF2-40B4-BE49-F238E27FC236}">
-                <a16:creationId xmlns:a16="http://schemas.microsoft.com/office/drawing/2014/main" id="{2CE5D2E7-C856-F78A-E88C-375474982A5F}"/>
-              </a:ext>
-            </a:extLst>
-          </p:cNvPr>
+            <a:endParaRPr lang="en-US" dirty="0"/>
+          </a:p>
+        </p:txBody>
+      </p:sp>
+      <p:sp>
+        <p:nvSpPr>
+          <p:cNvPr id="4" name="Date Placeholder 3"/>
           <p:cNvSpPr>
             <a:spLocks noGrp="1"/>
           </p:cNvSpPr>
@@ -607,7 +434,8 @@
           <a:p>
             <a:fld id="{E80C50CD-E178-4744-9B35-B2F624D6C5E9}" type="datetimeFigureOut">
               <a:rPr lang="en-US" smtClean="0"/>
-              <a:t>7/16/2025</a:t>
+              <a:pPr/>
+              <a:t>7/17/2025</a:t>
             </a:fld>
             <a:endParaRPr lang="en-US"/>
           </a:p>
@@ -615,13 +443,7 @@
       </p:sp>
       <p:sp>
         <p:nvSpPr>
-          <p:cNvPr id="5" name="Footer Placeholder 4">
-            <a:extLst>
-              <a:ext uri="{FF2B5EF4-FFF2-40B4-BE49-F238E27FC236}">
-                <a16:creationId xmlns:a16="http://schemas.microsoft.com/office/drawing/2014/main" id="{0FDAB289-9591-51C9-9E3C-B6F2ACC6A62A}"/>
-              </a:ext>
-            </a:extLst>
-          </p:cNvPr>
+          <p:cNvPr id="5" name="Footer Placeholder 4"/>
           <p:cNvSpPr>
             <a:spLocks noGrp="1"/>
           </p:cNvSpPr>
@@ -634,19 +456,13 @@
           <a:bodyPr/>
           <a:lstStyle/>
           <a:p>
-            <a:endParaRPr lang="en-US"/>
-          </a:p>
-        </p:txBody>
-      </p:sp>
-      <p:sp>
-        <p:nvSpPr>
-          <p:cNvPr id="6" name="Slide Number Placeholder 5">
-            <a:extLst>
-              <a:ext uri="{FF2B5EF4-FFF2-40B4-BE49-F238E27FC236}">
-                <a16:creationId xmlns:a16="http://schemas.microsoft.com/office/drawing/2014/main" id="{27FE037C-790D-7442-8E43-D2740B3952B1}"/>
-              </a:ext>
-            </a:extLst>
-          </p:cNvPr>
+            <a:endParaRPr lang="en-US" dirty="0"/>
+          </a:p>
+        </p:txBody>
+      </p:sp>
+      <p:sp>
+        <p:nvSpPr>
+          <p:cNvPr id="6" name="Slide Number Placeholder 5"/>
           <p:cNvSpPr>
             <a:spLocks noGrp="1"/>
           </p:cNvSpPr>
@@ -661,6 +477,7 @@
           <a:p>
             <a:fld id="{148CC95F-0247-41B6-91CF-DC97C76A7088}" type="slidenum">
               <a:rPr lang="en-US" smtClean="0"/>
+              <a:pPr/>
               <a:t>‹#›</a:t>
             </a:fld>
             <a:endParaRPr lang="en-US"/>
@@ -670,7 +487,7 @@
     </p:spTree>
     <p:extLst>
       <p:ext uri="{BB962C8B-B14F-4D97-AF65-F5344CB8AC3E}">
-        <p14:creationId xmlns:p14="http://schemas.microsoft.com/office/powerpoint/2010/main" val="4147048221"/>
+        <p14:creationId xmlns:p14="http://schemas.microsoft.com/office/powerpoint/2010/main" val="1457888327"/>
       </p:ext>
     </p:extLst>
   </p:cSld>
@@ -681,7 +498,7 @@
 </file>
 
 <file path=ppt/slideLayouts/slideLayout11.xml><?xml version="1.0" encoding="utf-8"?>
-<p:sldLayout xmlns:a="http://schemas.openxmlformats.org/drawingml/2006/main" xmlns:r="http://schemas.openxmlformats.org/officeDocument/2006/relationships" xmlns:p="http://schemas.openxmlformats.org/presentationml/2006/main" showMasterSp="0" type="vertTitleAndTx" preserve="1">
+<p:sldLayout xmlns:a="http://schemas.openxmlformats.org/drawingml/2006/main" xmlns:r="http://schemas.openxmlformats.org/officeDocument/2006/relationships" xmlns:p="http://schemas.openxmlformats.org/presentationml/2006/main" type="vertTitleAndTx" preserve="1">
   <p:cSld name="Vertical Title and Text">
     <p:spTree>
       <p:nvGrpSpPr>
@@ -699,13 +516,7 @@
       </p:grpSpPr>
       <p:sp>
         <p:nvSpPr>
-          <p:cNvPr id="2" name="Vertical Title 1">
-            <a:extLst>
-              <a:ext uri="{FF2B5EF4-FFF2-40B4-BE49-F238E27FC236}">
-                <a16:creationId xmlns:a16="http://schemas.microsoft.com/office/drawing/2014/main" id="{C2635151-A38B-3766-6A32-FF1DF7687D9F}"/>
-              </a:ext>
-            </a:extLst>
-          </p:cNvPr>
+          <p:cNvPr id="2" name="Vertical Title 1"/>
           <p:cNvSpPr>
             <a:spLocks noGrp="1"/>
           </p:cNvSpPr>
@@ -715,8 +526,8 @@
         </p:nvSpPr>
         <p:spPr>
           <a:xfrm>
-            <a:off x="8659368" y="978408"/>
-            <a:ext cx="2551176" cy="5367528"/>
+            <a:off x="8724900" y="365125"/>
+            <a:ext cx="2628900" cy="5811838"/>
           </a:xfrm>
         </p:spPr>
         <p:txBody>
@@ -724,21 +535,16 @@
           <a:lstStyle/>
           <a:p>
             <a:r>
-              <a:rPr lang="en-US" dirty="0"/>
+              <a:rPr lang="en-US"/>
               <a:t>Click to edit Master title style</a:t>
             </a:r>
-          </a:p>
-        </p:txBody>
-      </p:sp>
-      <p:sp>
-        <p:nvSpPr>
-          <p:cNvPr id="3" name="Vertical Text Placeholder 2">
-            <a:extLst>
-              <a:ext uri="{FF2B5EF4-FFF2-40B4-BE49-F238E27FC236}">
-                <a16:creationId xmlns:a16="http://schemas.microsoft.com/office/drawing/2014/main" id="{33D132D1-640C-FB9A-AD6F-D845738349F6}"/>
-              </a:ext>
-            </a:extLst>
-          </p:cNvPr>
+            <a:endParaRPr lang="en-US" dirty="0"/>
+          </a:p>
+        </p:txBody>
+      </p:sp>
+      <p:sp>
+        <p:nvSpPr>
+          <p:cNvPr id="3" name="Vertical Text Placeholder 2"/>
           <p:cNvSpPr>
             <a:spLocks noGrp="1"/>
           </p:cNvSpPr>
@@ -748,8 +554,8 @@
         </p:nvSpPr>
         <p:spPr>
           <a:xfrm>
-            <a:off x="521208" y="978408"/>
-            <a:ext cx="8010144" cy="5367528"/>
+            <a:off x="838200" y="365125"/>
+            <a:ext cx="7734300" cy="5811838"/>
           </a:xfrm>
         </p:spPr>
         <p:txBody>
@@ -758,49 +564,44 @@
           <a:p>
             <a:pPr lvl="0"/>
             <a:r>
-              <a:rPr lang="en-US" dirty="0"/>
+              <a:rPr lang="en-US"/>
               <a:t>Click to edit Master text styles</a:t>
             </a:r>
           </a:p>
           <a:p>
             <a:pPr lvl="1"/>
             <a:r>
-              <a:rPr lang="en-US" dirty="0"/>
+              <a:rPr lang="en-US"/>
               <a:t>Second level</a:t>
             </a:r>
           </a:p>
           <a:p>
             <a:pPr lvl="2"/>
             <a:r>
-              <a:rPr lang="en-US" dirty="0"/>
+              <a:rPr lang="en-US"/>
               <a:t>Third level</a:t>
             </a:r>
           </a:p>
           <a:p>
             <a:pPr lvl="3"/>
             <a:r>
-              <a:rPr lang="en-US" dirty="0"/>
+              <a:rPr lang="en-US"/>
               <a:t>Fourth level</a:t>
             </a:r>
           </a:p>
           <a:p>
             <a:pPr lvl="4"/>
             <a:r>
-              <a:rPr lang="en-US" dirty="0"/>
+              <a:rPr lang="en-US"/>
               <a:t>Fifth level</a:t>
             </a:r>
-          </a:p>
-        </p:txBody>
-      </p:sp>
-      <p:sp>
-        <p:nvSpPr>
-          <p:cNvPr id="4" name="Date Placeholder 3">
-            <a:extLst>
-              <a:ext uri="{FF2B5EF4-FFF2-40B4-BE49-F238E27FC236}">
-                <a16:creationId xmlns:a16="http://schemas.microsoft.com/office/drawing/2014/main" id="{6955F80A-4BA7-8ED8-9A62-B92194272620}"/>
-              </a:ext>
-            </a:extLst>
-          </p:cNvPr>
+            <a:endParaRPr lang="en-US" dirty="0"/>
+          </a:p>
+        </p:txBody>
+      </p:sp>
+      <p:sp>
+        <p:nvSpPr>
+          <p:cNvPr id="4" name="Date Placeholder 3"/>
           <p:cNvSpPr>
             <a:spLocks noGrp="1"/>
           </p:cNvSpPr>
@@ -815,7 +616,8 @@
           <a:p>
             <a:fld id="{E80C50CD-E178-4744-9B35-B2F624D6C5E9}" type="datetimeFigureOut">
               <a:rPr lang="en-US" smtClean="0"/>
-              <a:t>7/16/2025</a:t>
+              <a:pPr/>
+              <a:t>7/17/2025</a:t>
             </a:fld>
             <a:endParaRPr lang="en-US"/>
           </a:p>
@@ -823,13 +625,7 @@
       </p:sp>
       <p:sp>
         <p:nvSpPr>
-          <p:cNvPr id="5" name="Footer Placeholder 4">
-            <a:extLst>
-              <a:ext uri="{FF2B5EF4-FFF2-40B4-BE49-F238E27FC236}">
-                <a16:creationId xmlns:a16="http://schemas.microsoft.com/office/drawing/2014/main" id="{85E38113-D55A-A1A0-D1FE-53C95860FB63}"/>
-              </a:ext>
-            </a:extLst>
-          </p:cNvPr>
+          <p:cNvPr id="5" name="Footer Placeholder 4"/>
           <p:cNvSpPr>
             <a:spLocks noGrp="1"/>
           </p:cNvSpPr>
@@ -842,19 +638,13 @@
           <a:bodyPr/>
           <a:lstStyle/>
           <a:p>
-            <a:endParaRPr lang="en-US"/>
-          </a:p>
-        </p:txBody>
-      </p:sp>
-      <p:sp>
-        <p:nvSpPr>
-          <p:cNvPr id="6" name="Slide Number Placeholder 5">
-            <a:extLst>
-              <a:ext uri="{FF2B5EF4-FFF2-40B4-BE49-F238E27FC236}">
-                <a16:creationId xmlns:a16="http://schemas.microsoft.com/office/drawing/2014/main" id="{68919DDB-F89D-4B2D-21A2-82AF1D1023E4}"/>
-              </a:ext>
-            </a:extLst>
-          </p:cNvPr>
+            <a:endParaRPr lang="en-US" dirty="0"/>
+          </a:p>
+        </p:txBody>
+      </p:sp>
+      <p:sp>
+        <p:nvSpPr>
+          <p:cNvPr id="6" name="Slide Number Placeholder 5"/>
           <p:cNvSpPr>
             <a:spLocks noGrp="1"/>
           </p:cNvSpPr>
@@ -869,68 +659,17 @@
           <a:p>
             <a:fld id="{148CC95F-0247-41B6-91CF-DC97C76A7088}" type="slidenum">
               <a:rPr lang="en-US" smtClean="0"/>
+              <a:pPr/>
               <a:t>‹#›</a:t>
             </a:fld>
             <a:endParaRPr lang="en-US"/>
           </a:p>
         </p:txBody>
       </p:sp>
-      <p:sp>
-        <p:nvSpPr>
-          <p:cNvPr id="7" name="Rectangle 6">
-            <a:extLst>
-              <a:ext uri="{FF2B5EF4-FFF2-40B4-BE49-F238E27FC236}">
-                <a16:creationId xmlns:a16="http://schemas.microsoft.com/office/drawing/2014/main" id="{262572D8-D485-1DB1-34B1-C35C61C89940}"/>
-              </a:ext>
-            </a:extLst>
-          </p:cNvPr>
-          <p:cNvSpPr/>
-          <p:nvPr/>
-        </p:nvSpPr>
-        <p:spPr>
-          <a:xfrm rot="5400000">
-            <a:off x="8936623" y="3585018"/>
-            <a:ext cx="5325734" cy="149279"/>
-          </a:xfrm>
-          <a:prstGeom prst="rect">
-            <a:avLst/>
-          </a:prstGeom>
-          <a:solidFill>
-            <a:schemeClr val="tx1"/>
-          </a:solidFill>
-          <a:ln>
-            <a:noFill/>
-          </a:ln>
-        </p:spPr>
-        <p:style>
-          <a:lnRef idx="2">
-            <a:schemeClr val="accent1">
-              <a:shade val="50000"/>
-            </a:schemeClr>
-          </a:lnRef>
-          <a:fillRef idx="1">
-            <a:schemeClr val="accent1"/>
-          </a:fillRef>
-          <a:effectRef idx="0">
-            <a:schemeClr val="accent1"/>
-          </a:effectRef>
-          <a:fontRef idx="minor">
-            <a:schemeClr val="lt1"/>
-          </a:fontRef>
-        </p:style>
-        <p:txBody>
-          <a:bodyPr rtlCol="0" anchor="ctr"/>
-          <a:lstStyle/>
-          <a:p>
-            <a:pPr algn="ctr"/>
-            <a:endParaRPr lang="en-US"/>
-          </a:p>
-        </p:txBody>
-      </p:sp>
     </p:spTree>
     <p:extLst>
       <p:ext uri="{BB962C8B-B14F-4D97-AF65-F5344CB8AC3E}">
-        <p14:creationId xmlns:p14="http://schemas.microsoft.com/office/powerpoint/2010/main" val="3407968277"/>
+        <p14:creationId xmlns:p14="http://schemas.microsoft.com/office/powerpoint/2010/main" val="4287609678"/>
       </p:ext>
     </p:extLst>
   </p:cSld>
@@ -1065,7 +804,7 @@
           <a:p>
             <a:fld id="{019ACA60-8491-411F-9F1E-B1C7906F9720}" type="datetimeFigureOut">
               <a:rPr lang="en-US" smtClean="0"/>
-              <a:t>7/16/2025</a:t>
+              <a:t>7/17/2025</a:t>
             </a:fld>
             <a:endParaRPr lang="en-US"/>
           </a:p>
@@ -1128,7 +867,7 @@
     </p:spTree>
     <p:extLst>
       <p:ext uri="{BB962C8B-B14F-4D97-AF65-F5344CB8AC3E}">
-        <p14:creationId xmlns:p14="http://schemas.microsoft.com/office/powerpoint/2010/main" val="257902227"/>
+        <p14:creationId xmlns:p14="http://schemas.microsoft.com/office/powerpoint/2010/main" val="832542589"/>
       </p:ext>
     </p:extLst>
   </p:cSld>
@@ -1157,13 +896,7 @@
       </p:grpSpPr>
       <p:sp>
         <p:nvSpPr>
-          <p:cNvPr id="2" name="Title 1">
-            <a:extLst>
-              <a:ext uri="{FF2B5EF4-FFF2-40B4-BE49-F238E27FC236}">
-                <a16:creationId xmlns:a16="http://schemas.microsoft.com/office/drawing/2014/main" id="{6FA26D03-149A-DAB3-4B2A-E9B74F2E2514}"/>
-              </a:ext>
-            </a:extLst>
-          </p:cNvPr>
+          <p:cNvPr id="2" name="Title 1"/>
           <p:cNvSpPr>
             <a:spLocks noGrp="1"/>
           </p:cNvSpPr>
@@ -1180,18 +913,13 @@
               <a:rPr lang="en-US"/>
               <a:t>Click to edit Master title style</a:t>
             </a:r>
-          </a:p>
-        </p:txBody>
-      </p:sp>
-      <p:sp>
-        <p:nvSpPr>
-          <p:cNvPr id="3" name="Content Placeholder 2">
-            <a:extLst>
-              <a:ext uri="{FF2B5EF4-FFF2-40B4-BE49-F238E27FC236}">
-                <a16:creationId xmlns:a16="http://schemas.microsoft.com/office/drawing/2014/main" id="{23C1E73D-41A7-9934-0990-9208B952329C}"/>
-              </a:ext>
-            </a:extLst>
-          </p:cNvPr>
+            <a:endParaRPr lang="en-US" dirty="0"/>
+          </a:p>
+        </p:txBody>
+      </p:sp>
+      <p:sp>
+        <p:nvSpPr>
+          <p:cNvPr id="3" name="Content Placeholder 2"/>
           <p:cNvSpPr>
             <a:spLocks noGrp="1"/>
           </p:cNvSpPr>
@@ -1237,18 +965,13 @@
               <a:rPr lang="en-US"/>
               <a:t>Fifth level</a:t>
             </a:r>
-          </a:p>
-        </p:txBody>
-      </p:sp>
-      <p:sp>
-        <p:nvSpPr>
-          <p:cNvPr id="4" name="Date Placeholder 3">
-            <a:extLst>
-              <a:ext uri="{FF2B5EF4-FFF2-40B4-BE49-F238E27FC236}">
-                <a16:creationId xmlns:a16="http://schemas.microsoft.com/office/drawing/2014/main" id="{F8BB2A3F-E719-673C-5D56-F663712D0E7F}"/>
-              </a:ext>
-            </a:extLst>
-          </p:cNvPr>
+            <a:endParaRPr lang="en-US" dirty="0"/>
+          </a:p>
+        </p:txBody>
+      </p:sp>
+      <p:sp>
+        <p:nvSpPr>
+          <p:cNvPr id="4" name="Date Placeholder 3"/>
           <p:cNvSpPr>
             <a:spLocks noGrp="1"/>
           </p:cNvSpPr>
@@ -1263,7 +986,8 @@
           <a:p>
             <a:fld id="{E80C50CD-E178-4744-9B35-B2F624D6C5E9}" type="datetimeFigureOut">
               <a:rPr lang="en-US" smtClean="0"/>
-              <a:t>7/16/2025</a:t>
+              <a:pPr/>
+              <a:t>7/17/2025</a:t>
             </a:fld>
             <a:endParaRPr lang="en-US"/>
           </a:p>
@@ -1271,13 +995,7 @@
       </p:sp>
       <p:sp>
         <p:nvSpPr>
-          <p:cNvPr id="5" name="Footer Placeholder 4">
-            <a:extLst>
-              <a:ext uri="{FF2B5EF4-FFF2-40B4-BE49-F238E27FC236}">
-                <a16:creationId xmlns:a16="http://schemas.microsoft.com/office/drawing/2014/main" id="{04AE594A-52F5-D85E-343C-ADFEE3C72E00}"/>
-              </a:ext>
-            </a:extLst>
-          </p:cNvPr>
+          <p:cNvPr id="5" name="Footer Placeholder 4"/>
           <p:cNvSpPr>
             <a:spLocks noGrp="1"/>
           </p:cNvSpPr>
@@ -1290,19 +1008,13 @@
           <a:bodyPr/>
           <a:lstStyle/>
           <a:p>
-            <a:endParaRPr lang="en-US"/>
-          </a:p>
-        </p:txBody>
-      </p:sp>
-      <p:sp>
-        <p:nvSpPr>
-          <p:cNvPr id="6" name="Slide Number Placeholder 5">
-            <a:extLst>
-              <a:ext uri="{FF2B5EF4-FFF2-40B4-BE49-F238E27FC236}">
-                <a16:creationId xmlns:a16="http://schemas.microsoft.com/office/drawing/2014/main" id="{207D5C9C-B2E2-FC26-E459-9E880EF975BA}"/>
-              </a:ext>
-            </a:extLst>
-          </p:cNvPr>
+            <a:endParaRPr lang="en-US" dirty="0"/>
+          </a:p>
+        </p:txBody>
+      </p:sp>
+      <p:sp>
+        <p:nvSpPr>
+          <p:cNvPr id="6" name="Slide Number Placeholder 5"/>
           <p:cNvSpPr>
             <a:spLocks noGrp="1"/>
           </p:cNvSpPr>
@@ -1317,6 +1029,7 @@
           <a:p>
             <a:fld id="{148CC95F-0247-41B6-91CF-DC97C76A7088}" type="slidenum">
               <a:rPr lang="en-US" smtClean="0"/>
+              <a:pPr/>
               <a:t>‹#›</a:t>
             </a:fld>
             <a:endParaRPr lang="en-US"/>
@@ -1326,7 +1039,7 @@
     </p:spTree>
     <p:extLst>
       <p:ext uri="{BB962C8B-B14F-4D97-AF65-F5344CB8AC3E}">
-        <p14:creationId xmlns:p14="http://schemas.microsoft.com/office/powerpoint/2010/main" val="436356738"/>
+        <p14:creationId xmlns:p14="http://schemas.microsoft.com/office/powerpoint/2010/main" val="1134680051"/>
       </p:ext>
     </p:extLst>
   </p:cSld>
@@ -1337,7 +1050,7 @@
 </file>
 
 <file path=ppt/slideLayouts/slideLayout3.xml><?xml version="1.0" encoding="utf-8"?>
-<p:sldLayout xmlns:a="http://schemas.openxmlformats.org/drawingml/2006/main" xmlns:r="http://schemas.openxmlformats.org/officeDocument/2006/relationships" xmlns:p="http://schemas.openxmlformats.org/presentationml/2006/main" showMasterSp="0" type="secHead" preserve="1">
+<p:sldLayout xmlns:a="http://schemas.openxmlformats.org/drawingml/2006/main" xmlns:r="http://schemas.openxmlformats.org/officeDocument/2006/relationships" xmlns:p="http://schemas.openxmlformats.org/presentationml/2006/main" type="secHead" preserve="1">
   <p:cSld name="Section Header">
     <p:spTree>
       <p:nvGrpSpPr>
@@ -1355,13 +1068,7 @@
       </p:grpSpPr>
       <p:sp>
         <p:nvSpPr>
-          <p:cNvPr id="2" name="Title 1">
-            <a:extLst>
-              <a:ext uri="{FF2B5EF4-FFF2-40B4-BE49-F238E27FC236}">
-                <a16:creationId xmlns:a16="http://schemas.microsoft.com/office/drawing/2014/main" id="{D029D51F-B2D5-2804-4F7C-C99850FBD05B}"/>
-              </a:ext>
-            </a:extLst>
-          </p:cNvPr>
+          <p:cNvPr id="2" name="Title 1"/>
           <p:cNvSpPr>
             <a:spLocks noGrp="1"/>
           </p:cNvSpPr>
@@ -1371,36 +1078,29 @@
         </p:nvSpPr>
         <p:spPr>
           <a:xfrm>
-            <a:off x="521208" y="978408"/>
-            <a:ext cx="5020056" cy="4288536"/>
+            <a:off x="831850" y="1709738"/>
+            <a:ext cx="10515600" cy="2852737"/>
           </a:xfrm>
         </p:spPr>
         <p:txBody>
-          <a:bodyPr anchor="t">
-            <a:normAutofit/>
-          </a:bodyPr>
+          <a:bodyPr anchor="b"/>
           <a:lstStyle>
             <a:lvl1pPr>
-              <a:defRPr sz="5400"/>
+              <a:defRPr sz="6000"/>
             </a:lvl1pPr>
           </a:lstStyle>
           <a:p>
             <a:r>
-              <a:rPr lang="en-US" dirty="0"/>
+              <a:rPr lang="en-US"/>
               <a:t>Click to edit Master title style</a:t>
             </a:r>
-          </a:p>
-        </p:txBody>
-      </p:sp>
-      <p:sp>
-        <p:nvSpPr>
-          <p:cNvPr id="3" name="Text Placeholder 2">
-            <a:extLst>
-              <a:ext uri="{FF2B5EF4-FFF2-40B4-BE49-F238E27FC236}">
-                <a16:creationId xmlns:a16="http://schemas.microsoft.com/office/drawing/2014/main" id="{15FE5516-03B6-C488-EB4A-68AE681EDFB8}"/>
-              </a:ext>
-            </a:extLst>
-          </p:cNvPr>
+            <a:endParaRPr lang="en-US" dirty="0"/>
+          </a:p>
+        </p:txBody>
+      </p:sp>
+      <p:sp>
+        <p:nvSpPr>
+          <p:cNvPr id="3" name="Text Placeholder 2"/>
           <p:cNvSpPr>
             <a:spLocks noGrp="1"/>
           </p:cNvSpPr>
@@ -1410,21 +1110,19 @@
         </p:nvSpPr>
         <p:spPr>
           <a:xfrm>
-            <a:off x="521208" y="5266944"/>
-            <a:ext cx="5020056" cy="1088136"/>
+            <a:off x="831850" y="4589463"/>
+            <a:ext cx="10515600" cy="1500187"/>
           </a:xfrm>
         </p:spPr>
         <p:txBody>
-          <a:bodyPr anchor="b">
-            <a:normAutofit/>
-          </a:bodyPr>
+          <a:bodyPr/>
           <a:lstStyle>
             <a:lvl1pPr marL="0" indent="0">
               <a:buNone/>
-              <a:defRPr sz="2200" i="1">
+              <a:defRPr sz="2400">
                 <a:solidFill>
                   <a:schemeClr val="tx1">
-                    <a:tint val="82000"/>
+                    <a:tint val="75000"/>
                   </a:schemeClr>
                 </a:solidFill>
               </a:defRPr>
@@ -1434,7 +1132,7 @@
               <a:defRPr sz="2000">
                 <a:solidFill>
                   <a:schemeClr val="tx1">
-                    <a:tint val="82000"/>
+                    <a:tint val="75000"/>
                   </a:schemeClr>
                 </a:solidFill>
               </a:defRPr>
@@ -1444,7 +1142,7 @@
               <a:defRPr sz="1800">
                 <a:solidFill>
                   <a:schemeClr val="tx1">
-                    <a:tint val="82000"/>
+                    <a:tint val="75000"/>
                   </a:schemeClr>
                 </a:solidFill>
               </a:defRPr>
@@ -1454,7 +1152,7 @@
               <a:defRPr sz="1600">
                 <a:solidFill>
                   <a:schemeClr val="tx1">
-                    <a:tint val="82000"/>
+                    <a:tint val="75000"/>
                   </a:schemeClr>
                 </a:solidFill>
               </a:defRPr>
@@ -1464,7 +1162,7 @@
               <a:defRPr sz="1600">
                 <a:solidFill>
                   <a:schemeClr val="tx1">
-                    <a:tint val="82000"/>
+                    <a:tint val="75000"/>
                   </a:schemeClr>
                 </a:solidFill>
               </a:defRPr>
@@ -1474,7 +1172,7 @@
               <a:defRPr sz="1600">
                 <a:solidFill>
                   <a:schemeClr val="tx1">
-                    <a:tint val="82000"/>
+                    <a:tint val="75000"/>
                   </a:schemeClr>
                 </a:solidFill>
               </a:defRPr>
@@ -1484,7 +1182,7 @@
               <a:defRPr sz="1600">
                 <a:solidFill>
                   <a:schemeClr val="tx1">
-                    <a:tint val="82000"/>
+                    <a:tint val="75000"/>
                   </a:schemeClr>
                 </a:solidFill>
               </a:defRPr>
@@ -1494,7 +1192,7 @@
               <a:defRPr sz="1600">
                 <a:solidFill>
                   <a:schemeClr val="tx1">
-                    <a:tint val="82000"/>
+                    <a:tint val="75000"/>
                   </a:schemeClr>
                 </a:solidFill>
               </a:defRPr>
@@ -1504,7 +1202,7 @@
               <a:defRPr sz="1600">
                 <a:solidFill>
                   <a:schemeClr val="tx1">
-                    <a:tint val="82000"/>
+                    <a:tint val="75000"/>
                   </a:schemeClr>
                 </a:solidFill>
               </a:defRPr>
@@ -1513,7 +1211,7 @@
           <a:p>
             <a:pPr lvl="0"/>
             <a:r>
-              <a:rPr lang="en-US" dirty="0"/>
+              <a:rPr lang="en-US"/>
               <a:t>Click to edit Master text styles</a:t>
             </a:r>
           </a:p>
@@ -1521,13 +1219,7 @@
       </p:sp>
       <p:sp>
         <p:nvSpPr>
-          <p:cNvPr id="4" name="Date Placeholder 3">
-            <a:extLst>
-              <a:ext uri="{FF2B5EF4-FFF2-40B4-BE49-F238E27FC236}">
-                <a16:creationId xmlns:a16="http://schemas.microsoft.com/office/drawing/2014/main" id="{50ECB4D7-49A7-D050-70B9-11A1E2D445D8}"/>
-              </a:ext>
-            </a:extLst>
-          </p:cNvPr>
+          <p:cNvPr id="4" name="Date Placeholder 3"/>
           <p:cNvSpPr>
             <a:spLocks noGrp="1"/>
           </p:cNvSpPr>
@@ -1542,7 +1234,8 @@
           <a:p>
             <a:fld id="{E80C50CD-E178-4744-9B35-B2F624D6C5E9}" type="datetimeFigureOut">
               <a:rPr lang="en-US" smtClean="0"/>
-              <a:t>7/16/2025</a:t>
+              <a:pPr/>
+              <a:t>7/17/2025</a:t>
             </a:fld>
             <a:endParaRPr lang="en-US"/>
           </a:p>
@@ -1550,13 +1243,7 @@
       </p:sp>
       <p:sp>
         <p:nvSpPr>
-          <p:cNvPr id="5" name="Footer Placeholder 4">
-            <a:extLst>
-              <a:ext uri="{FF2B5EF4-FFF2-40B4-BE49-F238E27FC236}">
-                <a16:creationId xmlns:a16="http://schemas.microsoft.com/office/drawing/2014/main" id="{8A9A913F-AD00-C1EE-B01A-8590671C014B}"/>
-              </a:ext>
-            </a:extLst>
-          </p:cNvPr>
+          <p:cNvPr id="5" name="Footer Placeholder 4"/>
           <p:cNvSpPr>
             <a:spLocks noGrp="1"/>
           </p:cNvSpPr>
@@ -1569,19 +1256,13 @@
           <a:bodyPr/>
           <a:lstStyle/>
           <a:p>
-            <a:endParaRPr lang="en-US"/>
-          </a:p>
-        </p:txBody>
-      </p:sp>
-      <p:sp>
-        <p:nvSpPr>
-          <p:cNvPr id="6" name="Slide Number Placeholder 5">
-            <a:extLst>
-              <a:ext uri="{FF2B5EF4-FFF2-40B4-BE49-F238E27FC236}">
-                <a16:creationId xmlns:a16="http://schemas.microsoft.com/office/drawing/2014/main" id="{314FC386-B2AF-6FAD-D053-E22D48CD7285}"/>
-              </a:ext>
-            </a:extLst>
-          </p:cNvPr>
+            <a:endParaRPr lang="en-US" dirty="0"/>
+          </a:p>
+        </p:txBody>
+      </p:sp>
+      <p:sp>
+        <p:nvSpPr>
+          <p:cNvPr id="6" name="Slide Number Placeholder 5"/>
           <p:cNvSpPr>
             <a:spLocks noGrp="1"/>
           </p:cNvSpPr>
@@ -1596,68 +1277,17 @@
           <a:p>
             <a:fld id="{148CC95F-0247-41B6-91CF-DC97C76A7088}" type="slidenum">
               <a:rPr lang="en-US" smtClean="0"/>
+              <a:pPr/>
               <a:t>‹#›</a:t>
             </a:fld>
             <a:endParaRPr lang="en-US"/>
           </a:p>
         </p:txBody>
       </p:sp>
-      <p:sp>
-        <p:nvSpPr>
-          <p:cNvPr id="7" name="Rectangle 6">
-            <a:extLst>
-              <a:ext uri="{FF2B5EF4-FFF2-40B4-BE49-F238E27FC236}">
-                <a16:creationId xmlns:a16="http://schemas.microsoft.com/office/drawing/2014/main" id="{4E1E1B67-3BFF-F04B-52F4-7E724FB3B24D}"/>
-              </a:ext>
-            </a:extLst>
-          </p:cNvPr>
-          <p:cNvSpPr/>
-          <p:nvPr/>
-        </p:nvSpPr>
-        <p:spPr>
-          <a:xfrm>
-            <a:off x="517870" y="508090"/>
-            <a:ext cx="5021183" cy="149279"/>
-          </a:xfrm>
-          <a:prstGeom prst="rect">
-            <a:avLst/>
-          </a:prstGeom>
-          <a:solidFill>
-            <a:schemeClr val="tx1"/>
-          </a:solidFill>
-          <a:ln>
-            <a:noFill/>
-          </a:ln>
-        </p:spPr>
-        <p:style>
-          <a:lnRef idx="2">
-            <a:schemeClr val="accent1">
-              <a:shade val="50000"/>
-            </a:schemeClr>
-          </a:lnRef>
-          <a:fillRef idx="1">
-            <a:schemeClr val="accent1"/>
-          </a:fillRef>
-          <a:effectRef idx="0">
-            <a:schemeClr val="accent1"/>
-          </a:effectRef>
-          <a:fontRef idx="minor">
-            <a:schemeClr val="lt1"/>
-          </a:fontRef>
-        </p:style>
-        <p:txBody>
-          <a:bodyPr rtlCol="0" anchor="ctr"/>
-          <a:lstStyle/>
-          <a:p>
-            <a:pPr algn="ctr"/>
-            <a:endParaRPr lang="en-US"/>
-          </a:p>
-        </p:txBody>
-      </p:sp>
     </p:spTree>
     <p:extLst>
       <p:ext uri="{BB962C8B-B14F-4D97-AF65-F5344CB8AC3E}">
-        <p14:creationId xmlns:p14="http://schemas.microsoft.com/office/powerpoint/2010/main" val="2475712941"/>
+        <p14:creationId xmlns:p14="http://schemas.microsoft.com/office/powerpoint/2010/main" val="2738423745"/>
       </p:ext>
     </p:extLst>
   </p:cSld>
@@ -1686,13 +1316,7 @@
       </p:grpSpPr>
       <p:sp>
         <p:nvSpPr>
-          <p:cNvPr id="2" name="Title 1">
-            <a:extLst>
-              <a:ext uri="{FF2B5EF4-FFF2-40B4-BE49-F238E27FC236}">
-                <a16:creationId xmlns:a16="http://schemas.microsoft.com/office/drawing/2014/main" id="{03CE3B21-CF4D-1B01-0F4E-D32C1B218B63}"/>
-              </a:ext>
-            </a:extLst>
-          </p:cNvPr>
+          <p:cNvPr id="2" name="Title 1"/>
           <p:cNvSpPr>
             <a:spLocks noGrp="1"/>
           </p:cNvSpPr>
@@ -1706,21 +1330,16 @@
           <a:lstStyle/>
           <a:p>
             <a:r>
-              <a:rPr lang="en-US" dirty="0"/>
+              <a:rPr lang="en-US"/>
               <a:t>Click to edit Master title style</a:t>
             </a:r>
-          </a:p>
-        </p:txBody>
-      </p:sp>
-      <p:sp>
-        <p:nvSpPr>
-          <p:cNvPr id="3" name="Content Placeholder 2">
-            <a:extLst>
-              <a:ext uri="{FF2B5EF4-FFF2-40B4-BE49-F238E27FC236}">
-                <a16:creationId xmlns:a16="http://schemas.microsoft.com/office/drawing/2014/main" id="{1FB39FF2-6858-B514-B695-58442557D0C1}"/>
-              </a:ext>
-            </a:extLst>
-          </p:cNvPr>
+            <a:endParaRPr lang="en-US" dirty="0"/>
+          </a:p>
+        </p:txBody>
+      </p:sp>
+      <p:sp>
+        <p:nvSpPr>
+          <p:cNvPr id="3" name="Content Placeholder 2"/>
           <p:cNvSpPr>
             <a:spLocks noGrp="1"/>
           </p:cNvSpPr>
@@ -1730,8 +1349,8 @@
         </p:nvSpPr>
         <p:spPr>
           <a:xfrm>
-            <a:off x="521208" y="2578608"/>
-            <a:ext cx="5166360" cy="3767328"/>
+            <a:off x="838200" y="1825625"/>
+            <a:ext cx="5181600" cy="4351338"/>
           </a:xfrm>
         </p:spPr>
         <p:txBody>
@@ -1771,18 +1390,13 @@
               <a:rPr lang="en-US"/>
               <a:t>Fifth level</a:t>
             </a:r>
-          </a:p>
-        </p:txBody>
-      </p:sp>
-      <p:sp>
-        <p:nvSpPr>
-          <p:cNvPr id="4" name="Content Placeholder 3">
-            <a:extLst>
-              <a:ext uri="{FF2B5EF4-FFF2-40B4-BE49-F238E27FC236}">
-                <a16:creationId xmlns:a16="http://schemas.microsoft.com/office/drawing/2014/main" id="{8FA30130-974D-B91D-5B93-EC52AABDB5B0}"/>
-              </a:ext>
-            </a:extLst>
-          </p:cNvPr>
+            <a:endParaRPr lang="en-US" dirty="0"/>
+          </a:p>
+        </p:txBody>
+      </p:sp>
+      <p:sp>
+        <p:nvSpPr>
+          <p:cNvPr id="4" name="Content Placeholder 3"/>
           <p:cNvSpPr>
             <a:spLocks noGrp="1"/>
           </p:cNvSpPr>
@@ -1792,8 +1406,8 @@
         </p:nvSpPr>
         <p:spPr>
           <a:xfrm>
-            <a:off x="6519672" y="2578608"/>
-            <a:ext cx="5166360" cy="3767328"/>
+            <a:off x="6172200" y="1825625"/>
+            <a:ext cx="5181600" cy="4351338"/>
           </a:xfrm>
         </p:spPr>
         <p:txBody>
@@ -1833,18 +1447,13 @@
               <a:rPr lang="en-US"/>
               <a:t>Fifth level</a:t>
             </a:r>
-          </a:p>
-        </p:txBody>
-      </p:sp>
-      <p:sp>
-        <p:nvSpPr>
-          <p:cNvPr id="5" name="Date Placeholder 4">
-            <a:extLst>
-              <a:ext uri="{FF2B5EF4-FFF2-40B4-BE49-F238E27FC236}">
-                <a16:creationId xmlns:a16="http://schemas.microsoft.com/office/drawing/2014/main" id="{515BED99-6FD7-9C6B-1152-A6E42715BB79}"/>
-              </a:ext>
-            </a:extLst>
-          </p:cNvPr>
+            <a:endParaRPr lang="en-US" dirty="0"/>
+          </a:p>
+        </p:txBody>
+      </p:sp>
+      <p:sp>
+        <p:nvSpPr>
+          <p:cNvPr id="5" name="Date Placeholder 4"/>
           <p:cNvSpPr>
             <a:spLocks noGrp="1"/>
           </p:cNvSpPr>
@@ -1859,7 +1468,8 @@
           <a:p>
             <a:fld id="{E80C50CD-E178-4744-9B35-B2F624D6C5E9}" type="datetimeFigureOut">
               <a:rPr lang="en-US" smtClean="0"/>
-              <a:t>7/16/2025</a:t>
+              <a:pPr/>
+              <a:t>7/17/2025</a:t>
             </a:fld>
             <a:endParaRPr lang="en-US"/>
           </a:p>
@@ -1867,13 +1477,7 @@
       </p:sp>
       <p:sp>
         <p:nvSpPr>
-          <p:cNvPr id="6" name="Footer Placeholder 5">
-            <a:extLst>
-              <a:ext uri="{FF2B5EF4-FFF2-40B4-BE49-F238E27FC236}">
-                <a16:creationId xmlns:a16="http://schemas.microsoft.com/office/drawing/2014/main" id="{BA253AAC-5967-2565-A715-82D3505ABF0F}"/>
-              </a:ext>
-            </a:extLst>
-          </p:cNvPr>
+          <p:cNvPr id="6" name="Footer Placeholder 5"/>
           <p:cNvSpPr>
             <a:spLocks noGrp="1"/>
           </p:cNvSpPr>
@@ -1886,19 +1490,13 @@
           <a:bodyPr/>
           <a:lstStyle/>
           <a:p>
-            <a:endParaRPr lang="en-US"/>
-          </a:p>
-        </p:txBody>
-      </p:sp>
-      <p:sp>
-        <p:nvSpPr>
-          <p:cNvPr id="7" name="Slide Number Placeholder 6">
-            <a:extLst>
-              <a:ext uri="{FF2B5EF4-FFF2-40B4-BE49-F238E27FC236}">
-                <a16:creationId xmlns:a16="http://schemas.microsoft.com/office/drawing/2014/main" id="{A4B51313-69FB-E016-3CC1-62CA476ED214}"/>
-              </a:ext>
-            </a:extLst>
-          </p:cNvPr>
+            <a:endParaRPr lang="en-US" dirty="0"/>
+          </a:p>
+        </p:txBody>
+      </p:sp>
+      <p:sp>
+        <p:nvSpPr>
+          <p:cNvPr id="7" name="Slide Number Placeholder 6"/>
           <p:cNvSpPr>
             <a:spLocks noGrp="1"/>
           </p:cNvSpPr>
@@ -1913,6 +1511,7 @@
           <a:p>
             <a:fld id="{148CC95F-0247-41B6-91CF-DC97C76A7088}" type="slidenum">
               <a:rPr lang="en-US" smtClean="0"/>
+              <a:pPr/>
               <a:t>‹#›</a:t>
             </a:fld>
             <a:endParaRPr lang="en-US"/>
@@ -1922,7 +1521,7 @@
     </p:spTree>
     <p:extLst>
       <p:ext uri="{BB962C8B-B14F-4D97-AF65-F5344CB8AC3E}">
-        <p14:creationId xmlns:p14="http://schemas.microsoft.com/office/powerpoint/2010/main" val="1808880931"/>
+        <p14:creationId xmlns:p14="http://schemas.microsoft.com/office/powerpoint/2010/main" val="3571018718"/>
       </p:ext>
     </p:extLst>
   </p:cSld>
@@ -1951,13 +1550,7 @@
       </p:grpSpPr>
       <p:sp>
         <p:nvSpPr>
-          <p:cNvPr id="2" name="Title 1">
-            <a:extLst>
-              <a:ext uri="{FF2B5EF4-FFF2-40B4-BE49-F238E27FC236}">
-                <a16:creationId xmlns:a16="http://schemas.microsoft.com/office/drawing/2014/main" id="{A8B3DF9D-B849-CE37-97E4-AD37F880677F}"/>
-              </a:ext>
-            </a:extLst>
-          </p:cNvPr>
+          <p:cNvPr id="2" name="Title 1"/>
           <p:cNvSpPr>
             <a:spLocks noGrp="1"/>
           </p:cNvSpPr>
@@ -1967,8 +1560,8 @@
         </p:nvSpPr>
         <p:spPr>
           <a:xfrm>
-            <a:off x="521208" y="978408"/>
-            <a:ext cx="11164824" cy="1216152"/>
+            <a:off x="839788" y="365125"/>
+            <a:ext cx="10515600" cy="1325563"/>
           </a:xfrm>
         </p:spPr>
         <p:txBody>
@@ -1979,18 +1572,13 @@
               <a:rPr lang="en-US"/>
               <a:t>Click to edit Master title style</a:t>
             </a:r>
-          </a:p>
-        </p:txBody>
-      </p:sp>
-      <p:sp>
-        <p:nvSpPr>
-          <p:cNvPr id="3" name="Text Placeholder 2">
-            <a:extLst>
-              <a:ext uri="{FF2B5EF4-FFF2-40B4-BE49-F238E27FC236}">
-                <a16:creationId xmlns:a16="http://schemas.microsoft.com/office/drawing/2014/main" id="{79D4C626-4008-960A-E601-6AA9F4BB8D8B}"/>
-              </a:ext>
-            </a:extLst>
-          </p:cNvPr>
+            <a:endParaRPr lang="en-US" dirty="0"/>
+          </a:p>
+        </p:txBody>
+      </p:sp>
+      <p:sp>
+        <p:nvSpPr>
+          <p:cNvPr id="3" name="Text Placeholder 2"/>
           <p:cNvSpPr>
             <a:spLocks noGrp="1"/>
           </p:cNvSpPr>
@@ -2000,18 +1588,16 @@
         </p:nvSpPr>
         <p:spPr>
           <a:xfrm>
-            <a:off x="521208" y="2340864"/>
-            <a:ext cx="5166360" cy="658368"/>
+            <a:off x="839788" y="1681163"/>
+            <a:ext cx="5157787" cy="823912"/>
           </a:xfrm>
         </p:spPr>
         <p:txBody>
-          <a:bodyPr anchor="b">
-            <a:normAutofit/>
-          </a:bodyPr>
+          <a:bodyPr anchor="b"/>
           <a:lstStyle>
             <a:lvl1pPr marL="0" indent="0">
               <a:buNone/>
-              <a:defRPr sz="2200" b="0" i="1"/>
+              <a:defRPr sz="2400" b="1"/>
             </a:lvl1pPr>
             <a:lvl2pPr marL="457200" indent="0">
               <a:buNone/>
@@ -2049,7 +1635,7 @@
           <a:p>
             <a:pPr lvl="0"/>
             <a:r>
-              <a:rPr lang="en-US" dirty="0"/>
+              <a:rPr lang="en-US"/>
               <a:t>Click to edit Master text styles</a:t>
             </a:r>
           </a:p>
@@ -2057,13 +1643,7 @@
       </p:sp>
       <p:sp>
         <p:nvSpPr>
-          <p:cNvPr id="4" name="Content Placeholder 3">
-            <a:extLst>
-              <a:ext uri="{FF2B5EF4-FFF2-40B4-BE49-F238E27FC236}">
-                <a16:creationId xmlns:a16="http://schemas.microsoft.com/office/drawing/2014/main" id="{806E8D6C-AC07-ED6B-2EA8-9C40A5AEA748}"/>
-              </a:ext>
-            </a:extLst>
-          </p:cNvPr>
+          <p:cNvPr id="4" name="Content Placeholder 3"/>
           <p:cNvSpPr>
             <a:spLocks noGrp="1"/>
           </p:cNvSpPr>
@@ -2073,8 +1653,8 @@
         </p:nvSpPr>
         <p:spPr>
           <a:xfrm>
-            <a:off x="521208" y="3035808"/>
-            <a:ext cx="5166360" cy="3310128"/>
+            <a:off x="839788" y="2505075"/>
+            <a:ext cx="5157787" cy="3684588"/>
           </a:xfrm>
         </p:spPr>
         <p:txBody>
@@ -2083,49 +1663,44 @@
           <a:p>
             <a:pPr lvl="0"/>
             <a:r>
-              <a:rPr lang="en-US" dirty="0"/>
+              <a:rPr lang="en-US"/>
               <a:t>Click to edit Master text styles</a:t>
             </a:r>
           </a:p>
           <a:p>
             <a:pPr lvl="1"/>
             <a:r>
-              <a:rPr lang="en-US" dirty="0"/>
+              <a:rPr lang="en-US"/>
               <a:t>Second level</a:t>
             </a:r>
           </a:p>
           <a:p>
             <a:pPr lvl="2"/>
             <a:r>
-              <a:rPr lang="en-US" dirty="0"/>
+              <a:rPr lang="en-US"/>
               <a:t>Third level</a:t>
             </a:r>
           </a:p>
           <a:p>
             <a:pPr lvl="3"/>
             <a:r>
-              <a:rPr lang="en-US" dirty="0"/>
+              <a:rPr lang="en-US"/>
               <a:t>Fourth level</a:t>
             </a:r>
           </a:p>
           <a:p>
             <a:pPr lvl="4"/>
             <a:r>
-              <a:rPr lang="en-US" dirty="0"/>
+              <a:rPr lang="en-US"/>
               <a:t>Fifth level</a:t>
             </a:r>
-          </a:p>
-        </p:txBody>
-      </p:sp>
-      <p:sp>
-        <p:nvSpPr>
-          <p:cNvPr id="5" name="Text Placeholder 4">
-            <a:extLst>
-              <a:ext uri="{FF2B5EF4-FFF2-40B4-BE49-F238E27FC236}">
-                <a16:creationId xmlns:a16="http://schemas.microsoft.com/office/drawing/2014/main" id="{3C52617E-C6D9-246B-E7B7-8159DF17C0A3}"/>
-              </a:ext>
-            </a:extLst>
-          </p:cNvPr>
+            <a:endParaRPr lang="en-US" dirty="0"/>
+          </a:p>
+        </p:txBody>
+      </p:sp>
+      <p:sp>
+        <p:nvSpPr>
+          <p:cNvPr id="5" name="Text Placeholder 4"/>
           <p:cNvSpPr>
             <a:spLocks noGrp="1"/>
           </p:cNvSpPr>
@@ -2135,18 +1710,16 @@
         </p:nvSpPr>
         <p:spPr>
           <a:xfrm>
-            <a:off x="6519672" y="2340864"/>
-            <a:ext cx="5166360" cy="658368"/>
+            <a:off x="6172200" y="1681163"/>
+            <a:ext cx="5183188" cy="823912"/>
           </a:xfrm>
         </p:spPr>
         <p:txBody>
-          <a:bodyPr anchor="b">
-            <a:normAutofit/>
-          </a:bodyPr>
+          <a:bodyPr anchor="b"/>
           <a:lstStyle>
             <a:lvl1pPr marL="0" indent="0">
               <a:buNone/>
-              <a:defRPr sz="2200" b="0" i="1"/>
+              <a:defRPr sz="2400" b="1"/>
             </a:lvl1pPr>
             <a:lvl2pPr marL="457200" indent="0">
               <a:buNone/>
@@ -2184,7 +1757,7 @@
           <a:p>
             <a:pPr lvl="0"/>
             <a:r>
-              <a:rPr lang="en-US" dirty="0"/>
+              <a:rPr lang="en-US"/>
               <a:t>Click to edit Master text styles</a:t>
             </a:r>
           </a:p>
@@ -2192,13 +1765,7 @@
       </p:sp>
       <p:sp>
         <p:nvSpPr>
-          <p:cNvPr id="6" name="Content Placeholder 5">
-            <a:extLst>
-              <a:ext uri="{FF2B5EF4-FFF2-40B4-BE49-F238E27FC236}">
-                <a16:creationId xmlns:a16="http://schemas.microsoft.com/office/drawing/2014/main" id="{3DBC2094-7EBC-02C5-5AB5-233E63080A9C}"/>
-              </a:ext>
-            </a:extLst>
-          </p:cNvPr>
+          <p:cNvPr id="6" name="Content Placeholder 5"/>
           <p:cNvSpPr>
             <a:spLocks noGrp="1"/>
           </p:cNvSpPr>
@@ -2208,8 +1775,8 @@
         </p:nvSpPr>
         <p:spPr>
           <a:xfrm>
-            <a:off x="6519672" y="3035808"/>
-            <a:ext cx="5166360" cy="3310128"/>
+            <a:off x="6172200" y="2505075"/>
+            <a:ext cx="5183188" cy="3684588"/>
           </a:xfrm>
         </p:spPr>
         <p:txBody>
@@ -2218,49 +1785,44 @@
           <a:p>
             <a:pPr lvl="0"/>
             <a:r>
-              <a:rPr lang="en-US" dirty="0"/>
+              <a:rPr lang="en-US"/>
               <a:t>Click to edit Master text styles</a:t>
             </a:r>
           </a:p>
           <a:p>
             <a:pPr lvl="1"/>
             <a:r>
-              <a:rPr lang="en-US" dirty="0"/>
+              <a:rPr lang="en-US"/>
               <a:t>Second level</a:t>
             </a:r>
           </a:p>
           <a:p>
             <a:pPr lvl="2"/>
             <a:r>
-              <a:rPr lang="en-US" dirty="0"/>
+              <a:rPr lang="en-US"/>
               <a:t>Third level</a:t>
             </a:r>
           </a:p>
           <a:p>
             <a:pPr lvl="3"/>
             <a:r>
-              <a:rPr lang="en-US" dirty="0"/>
+              <a:rPr lang="en-US"/>
               <a:t>Fourth level</a:t>
             </a:r>
           </a:p>
           <a:p>
             <a:pPr lvl="4"/>
             <a:r>
-              <a:rPr lang="en-US" dirty="0"/>
+              <a:rPr lang="en-US"/>
               <a:t>Fifth level</a:t>
             </a:r>
-          </a:p>
-        </p:txBody>
-      </p:sp>
-      <p:sp>
-        <p:nvSpPr>
-          <p:cNvPr id="7" name="Date Placeholder 6">
-            <a:extLst>
-              <a:ext uri="{FF2B5EF4-FFF2-40B4-BE49-F238E27FC236}">
-                <a16:creationId xmlns:a16="http://schemas.microsoft.com/office/drawing/2014/main" id="{23010BD2-59B4-FD2E-3C5E-C83AE6003985}"/>
-              </a:ext>
-            </a:extLst>
-          </p:cNvPr>
+            <a:endParaRPr lang="en-US" dirty="0"/>
+          </a:p>
+        </p:txBody>
+      </p:sp>
+      <p:sp>
+        <p:nvSpPr>
+          <p:cNvPr id="7" name="Date Placeholder 6"/>
           <p:cNvSpPr>
             <a:spLocks noGrp="1"/>
           </p:cNvSpPr>
@@ -2275,7 +1837,7 @@
           <a:p>
             <a:fld id="{E80C50CD-E178-4744-9B35-B2F624D6C5E9}" type="datetimeFigureOut">
               <a:rPr lang="en-US" smtClean="0"/>
-              <a:t>7/16/2025</a:t>
+              <a:t>7/17/2025</a:t>
             </a:fld>
             <a:endParaRPr lang="en-US"/>
           </a:p>
@@ -2283,13 +1845,7 @@
       </p:sp>
       <p:sp>
         <p:nvSpPr>
-          <p:cNvPr id="8" name="Footer Placeholder 7">
-            <a:extLst>
-              <a:ext uri="{FF2B5EF4-FFF2-40B4-BE49-F238E27FC236}">
-                <a16:creationId xmlns:a16="http://schemas.microsoft.com/office/drawing/2014/main" id="{E72B35C4-A654-7759-BDA0-94D9D1A21663}"/>
-              </a:ext>
-            </a:extLst>
-          </p:cNvPr>
+          <p:cNvPr id="8" name="Footer Placeholder 7"/>
           <p:cNvSpPr>
             <a:spLocks noGrp="1"/>
           </p:cNvSpPr>
@@ -2308,13 +1864,7 @@
       </p:sp>
       <p:sp>
         <p:nvSpPr>
-          <p:cNvPr id="9" name="Slide Number Placeholder 8">
-            <a:extLst>
-              <a:ext uri="{FF2B5EF4-FFF2-40B4-BE49-F238E27FC236}">
-                <a16:creationId xmlns:a16="http://schemas.microsoft.com/office/drawing/2014/main" id="{F55F4347-2EC0-CA6E-2637-8048456D7ECB}"/>
-              </a:ext>
-            </a:extLst>
-          </p:cNvPr>
+          <p:cNvPr id="9" name="Slide Number Placeholder 8"/>
           <p:cNvSpPr>
             <a:spLocks noGrp="1"/>
           </p:cNvSpPr>
@@ -2338,7 +1888,7 @@
     </p:spTree>
     <p:extLst>
       <p:ext uri="{BB962C8B-B14F-4D97-AF65-F5344CB8AC3E}">
-        <p14:creationId xmlns:p14="http://schemas.microsoft.com/office/powerpoint/2010/main" val="1657872565"/>
+        <p14:creationId xmlns:p14="http://schemas.microsoft.com/office/powerpoint/2010/main" val="984348012"/>
       </p:ext>
     </p:extLst>
   </p:cSld>
@@ -2367,13 +1917,7 @@
       </p:grpSpPr>
       <p:sp>
         <p:nvSpPr>
-          <p:cNvPr id="2" name="Title 1">
-            <a:extLst>
-              <a:ext uri="{FF2B5EF4-FFF2-40B4-BE49-F238E27FC236}">
-                <a16:creationId xmlns:a16="http://schemas.microsoft.com/office/drawing/2014/main" id="{2734716D-52F2-C7FB-83B1-2DA1AD375EAE}"/>
-              </a:ext>
-            </a:extLst>
-          </p:cNvPr>
+          <p:cNvPr id="2" name="Title 1"/>
           <p:cNvSpPr>
             <a:spLocks noGrp="1"/>
           </p:cNvSpPr>
@@ -2387,21 +1931,16 @@
           <a:lstStyle/>
           <a:p>
             <a:r>
-              <a:rPr lang="en-US" dirty="0"/>
+              <a:rPr lang="en-US"/>
               <a:t>Click to edit Master title style</a:t>
             </a:r>
-          </a:p>
-        </p:txBody>
-      </p:sp>
-      <p:sp>
-        <p:nvSpPr>
-          <p:cNvPr id="3" name="Date Placeholder 2">
-            <a:extLst>
-              <a:ext uri="{FF2B5EF4-FFF2-40B4-BE49-F238E27FC236}">
-                <a16:creationId xmlns:a16="http://schemas.microsoft.com/office/drawing/2014/main" id="{56F4A371-AC27-6A28-32E6-74A28371BF55}"/>
-              </a:ext>
-            </a:extLst>
-          </p:cNvPr>
+            <a:endParaRPr lang="en-US" dirty="0"/>
+          </a:p>
+        </p:txBody>
+      </p:sp>
+      <p:sp>
+        <p:nvSpPr>
+          <p:cNvPr id="3" name="Date Placeholder 2"/>
           <p:cNvSpPr>
             <a:spLocks noGrp="1"/>
           </p:cNvSpPr>
@@ -2416,7 +1955,7 @@
           <a:p>
             <a:fld id="{E80C50CD-E178-4744-9B35-B2F624D6C5E9}" type="datetimeFigureOut">
               <a:rPr lang="en-US" smtClean="0"/>
-              <a:t>7/16/2025</a:t>
+              <a:t>7/17/2025</a:t>
             </a:fld>
             <a:endParaRPr lang="en-US"/>
           </a:p>
@@ -2424,13 +1963,7 @@
       </p:sp>
       <p:sp>
         <p:nvSpPr>
-          <p:cNvPr id="4" name="Footer Placeholder 3">
-            <a:extLst>
-              <a:ext uri="{FF2B5EF4-FFF2-40B4-BE49-F238E27FC236}">
-                <a16:creationId xmlns:a16="http://schemas.microsoft.com/office/drawing/2014/main" id="{D155941A-A24E-885D-E894-0326F4C4004D}"/>
-              </a:ext>
-            </a:extLst>
-          </p:cNvPr>
+          <p:cNvPr id="4" name="Footer Placeholder 3"/>
           <p:cNvSpPr>
             <a:spLocks noGrp="1"/>
           </p:cNvSpPr>
@@ -2449,13 +1982,7 @@
       </p:sp>
       <p:sp>
         <p:nvSpPr>
-          <p:cNvPr id="5" name="Slide Number Placeholder 4">
-            <a:extLst>
-              <a:ext uri="{FF2B5EF4-FFF2-40B4-BE49-F238E27FC236}">
-                <a16:creationId xmlns:a16="http://schemas.microsoft.com/office/drawing/2014/main" id="{99D5E5B4-971F-FF6A-1B07-A5C85370552D}"/>
-              </a:ext>
-            </a:extLst>
-          </p:cNvPr>
+          <p:cNvPr id="5" name="Slide Number Placeholder 4"/>
           <p:cNvSpPr>
             <a:spLocks noGrp="1"/>
           </p:cNvSpPr>
@@ -2479,7 +2006,7 @@
     </p:spTree>
     <p:extLst>
       <p:ext uri="{BB962C8B-B14F-4D97-AF65-F5344CB8AC3E}">
-        <p14:creationId xmlns:p14="http://schemas.microsoft.com/office/powerpoint/2010/main" val="3527878735"/>
+        <p14:creationId xmlns:p14="http://schemas.microsoft.com/office/powerpoint/2010/main" val="1137177970"/>
       </p:ext>
     </p:extLst>
   </p:cSld>
@@ -2490,7 +2017,7 @@
 </file>
 
 <file path=ppt/slideLayouts/slideLayout7.xml><?xml version="1.0" encoding="utf-8"?>
-<p:sldLayout xmlns:a="http://schemas.openxmlformats.org/drawingml/2006/main" xmlns:r="http://schemas.openxmlformats.org/officeDocument/2006/relationships" xmlns:p="http://schemas.openxmlformats.org/presentationml/2006/main" showMasterSp="0" type="blank" preserve="1">
+<p:sldLayout xmlns:a="http://schemas.openxmlformats.org/drawingml/2006/main" xmlns:r="http://schemas.openxmlformats.org/officeDocument/2006/relationships" xmlns:p="http://schemas.openxmlformats.org/presentationml/2006/main" type="blank" preserve="1">
   <p:cSld name="Blank">
     <p:spTree>
       <p:nvGrpSpPr>
@@ -2508,13 +2035,7 @@
       </p:grpSpPr>
       <p:sp>
         <p:nvSpPr>
-          <p:cNvPr id="2" name="Date Placeholder 1">
-            <a:extLst>
-              <a:ext uri="{FF2B5EF4-FFF2-40B4-BE49-F238E27FC236}">
-                <a16:creationId xmlns:a16="http://schemas.microsoft.com/office/drawing/2014/main" id="{199F431F-E6DC-4137-3092-A30A0A3628EC}"/>
-              </a:ext>
-            </a:extLst>
-          </p:cNvPr>
+          <p:cNvPr id="2" name="Date Placeholder 1"/>
           <p:cNvSpPr>
             <a:spLocks noGrp="1"/>
           </p:cNvSpPr>
@@ -2529,7 +2050,8 @@
           <a:p>
             <a:fld id="{E80C50CD-E178-4744-9B35-B2F624D6C5E9}" type="datetimeFigureOut">
               <a:rPr lang="en-US" smtClean="0"/>
-              <a:t>7/16/2025</a:t>
+              <a:pPr/>
+              <a:t>7/17/2025</a:t>
             </a:fld>
             <a:endParaRPr lang="en-US"/>
           </a:p>
@@ -2537,13 +2059,7 @@
       </p:sp>
       <p:sp>
         <p:nvSpPr>
-          <p:cNvPr id="3" name="Footer Placeholder 2">
-            <a:extLst>
-              <a:ext uri="{FF2B5EF4-FFF2-40B4-BE49-F238E27FC236}">
-                <a16:creationId xmlns:a16="http://schemas.microsoft.com/office/drawing/2014/main" id="{06AC814B-67B4-C70F-FA51-6205D5E2CB81}"/>
-              </a:ext>
-            </a:extLst>
-          </p:cNvPr>
+          <p:cNvPr id="3" name="Footer Placeholder 2"/>
           <p:cNvSpPr>
             <a:spLocks noGrp="1"/>
           </p:cNvSpPr>
@@ -2556,19 +2072,13 @@
           <a:bodyPr/>
           <a:lstStyle/>
           <a:p>
-            <a:endParaRPr lang="en-US"/>
-          </a:p>
-        </p:txBody>
-      </p:sp>
-      <p:sp>
-        <p:nvSpPr>
-          <p:cNvPr id="4" name="Slide Number Placeholder 3">
-            <a:extLst>
-              <a:ext uri="{FF2B5EF4-FFF2-40B4-BE49-F238E27FC236}">
-                <a16:creationId xmlns:a16="http://schemas.microsoft.com/office/drawing/2014/main" id="{91EAA9C9-D895-DD20-1089-EA75EA428951}"/>
-              </a:ext>
-            </a:extLst>
-          </p:cNvPr>
+            <a:endParaRPr lang="en-US" dirty="0"/>
+          </a:p>
+        </p:txBody>
+      </p:sp>
+      <p:sp>
+        <p:nvSpPr>
+          <p:cNvPr id="4" name="Slide Number Placeholder 3"/>
           <p:cNvSpPr>
             <a:spLocks noGrp="1"/>
           </p:cNvSpPr>
@@ -2583,6 +2093,7 @@
           <a:p>
             <a:fld id="{148CC95F-0247-41B6-91CF-DC97C76A7088}" type="slidenum">
               <a:rPr lang="en-US" smtClean="0"/>
+              <a:pPr/>
               <a:t>‹#›</a:t>
             </a:fld>
             <a:endParaRPr lang="en-US"/>
@@ -2592,7 +2103,7 @@
     </p:spTree>
     <p:extLst>
       <p:ext uri="{BB962C8B-B14F-4D97-AF65-F5344CB8AC3E}">
-        <p14:creationId xmlns:p14="http://schemas.microsoft.com/office/powerpoint/2010/main" val="929441785"/>
+        <p14:creationId xmlns:p14="http://schemas.microsoft.com/office/powerpoint/2010/main" val="4017040214"/>
       </p:ext>
     </p:extLst>
   </p:cSld>
@@ -2621,13 +2132,7 @@
       </p:grpSpPr>
       <p:sp>
         <p:nvSpPr>
-          <p:cNvPr id="2" name="Title 1">
-            <a:extLst>
-              <a:ext uri="{FF2B5EF4-FFF2-40B4-BE49-F238E27FC236}">
-                <a16:creationId xmlns:a16="http://schemas.microsoft.com/office/drawing/2014/main" id="{FBB50562-884C-9053-70C1-3B72A0B45EA6}"/>
-              </a:ext>
-            </a:extLst>
-          </p:cNvPr>
+          <p:cNvPr id="2" name="Title 1"/>
           <p:cNvSpPr>
             <a:spLocks noGrp="1"/>
           </p:cNvSpPr>
@@ -2637,36 +2142,29 @@
         </p:nvSpPr>
         <p:spPr>
           <a:xfrm>
-            <a:off x="521208" y="978408"/>
-            <a:ext cx="5020056" cy="2459736"/>
+            <a:off x="839788" y="457200"/>
+            <a:ext cx="3932237" cy="1600200"/>
           </a:xfrm>
         </p:spPr>
         <p:txBody>
-          <a:bodyPr anchor="t">
-            <a:noAutofit/>
-          </a:bodyPr>
+          <a:bodyPr anchor="b"/>
           <a:lstStyle>
             <a:lvl1pPr>
-              <a:defRPr sz="4400"/>
+              <a:defRPr sz="3200"/>
             </a:lvl1pPr>
           </a:lstStyle>
           <a:p>
             <a:r>
-              <a:rPr lang="en-US" dirty="0"/>
+              <a:rPr lang="en-US"/>
               <a:t>Click to edit Master title style</a:t>
             </a:r>
-          </a:p>
-        </p:txBody>
-      </p:sp>
-      <p:sp>
-        <p:nvSpPr>
-          <p:cNvPr id="3" name="Content Placeholder 2">
-            <a:extLst>
-              <a:ext uri="{FF2B5EF4-FFF2-40B4-BE49-F238E27FC236}">
-                <a16:creationId xmlns:a16="http://schemas.microsoft.com/office/drawing/2014/main" id="{0318F509-68F0-39D5-1A8B-CE246715AE46}"/>
-              </a:ext>
-            </a:extLst>
-          </p:cNvPr>
+            <a:endParaRPr lang="en-US" dirty="0"/>
+          </a:p>
+        </p:txBody>
+      </p:sp>
+      <p:sp>
+        <p:nvSpPr>
+          <p:cNvPr id="3" name="Content Placeholder 2"/>
           <p:cNvSpPr>
             <a:spLocks noGrp="1"/>
           </p:cNvSpPr>
@@ -2676,29 +2174,27 @@
         </p:nvSpPr>
         <p:spPr>
           <a:xfrm>
-            <a:off x="6519672" y="987424"/>
-            <a:ext cx="5166360" cy="5358384"/>
+            <a:off x="5183188" y="987425"/>
+            <a:ext cx="6172200" cy="4873625"/>
           </a:xfrm>
         </p:spPr>
         <p:txBody>
-          <a:bodyPr>
-            <a:normAutofit/>
-          </a:bodyPr>
+          <a:bodyPr/>
           <a:lstStyle>
             <a:lvl1pPr>
-              <a:defRPr sz="2000"/>
+              <a:defRPr sz="3200"/>
             </a:lvl1pPr>
             <a:lvl2pPr>
-              <a:defRPr sz="1800"/>
+              <a:defRPr sz="2800"/>
             </a:lvl2pPr>
             <a:lvl3pPr>
-              <a:defRPr sz="1600"/>
+              <a:defRPr sz="2400"/>
             </a:lvl3pPr>
             <a:lvl4pPr>
-              <a:defRPr sz="1400"/>
+              <a:defRPr sz="2000"/>
             </a:lvl4pPr>
             <a:lvl5pPr>
-              <a:defRPr sz="1400"/>
+              <a:defRPr sz="2000"/>
             </a:lvl5pPr>
             <a:lvl6pPr>
               <a:defRPr sz="2000"/>
@@ -2716,49 +2212,44 @@
           <a:p>
             <a:pPr lvl="0"/>
             <a:r>
-              <a:rPr lang="en-US" dirty="0"/>
+              <a:rPr lang="en-US"/>
               <a:t>Click to edit Master text styles</a:t>
             </a:r>
           </a:p>
           <a:p>
             <a:pPr lvl="1"/>
             <a:r>
-              <a:rPr lang="en-US" dirty="0"/>
+              <a:rPr lang="en-US"/>
               <a:t>Second level</a:t>
             </a:r>
           </a:p>
           <a:p>
             <a:pPr lvl="2"/>
             <a:r>
-              <a:rPr lang="en-US" dirty="0"/>
+              <a:rPr lang="en-US"/>
               <a:t>Third level</a:t>
             </a:r>
           </a:p>
           <a:p>
             <a:pPr lvl="3"/>
             <a:r>
-              <a:rPr lang="en-US" dirty="0"/>
+              <a:rPr lang="en-US"/>
               <a:t>Fourth level</a:t>
             </a:r>
           </a:p>
           <a:p>
             <a:pPr lvl="4"/>
             <a:r>
-              <a:rPr lang="en-US" dirty="0"/>
+              <a:rPr lang="en-US"/>
               <a:t>Fifth level</a:t>
             </a:r>
-          </a:p>
-        </p:txBody>
-      </p:sp>
-      <p:sp>
-        <p:nvSpPr>
-          <p:cNvPr id="4" name="Text Placeholder 3">
-            <a:extLst>
-              <a:ext uri="{FF2B5EF4-FFF2-40B4-BE49-F238E27FC236}">
-                <a16:creationId xmlns:a16="http://schemas.microsoft.com/office/drawing/2014/main" id="{F158E37C-27CE-3A84-FC74-BDCCD8A9A3EC}"/>
-              </a:ext>
-            </a:extLst>
-          </p:cNvPr>
+            <a:endParaRPr lang="en-US" dirty="0"/>
+          </a:p>
+        </p:txBody>
+      </p:sp>
+      <p:sp>
+        <p:nvSpPr>
+          <p:cNvPr id="4" name="Text Placeholder 3"/>
           <p:cNvSpPr>
             <a:spLocks noGrp="1"/>
           </p:cNvSpPr>
@@ -2768,18 +2259,16 @@
         </p:nvSpPr>
         <p:spPr>
           <a:xfrm>
-            <a:off x="521208" y="3575304"/>
-            <a:ext cx="5020056" cy="2770632"/>
+            <a:off x="839788" y="2057400"/>
+            <a:ext cx="3932237" cy="3811588"/>
           </a:xfrm>
         </p:spPr>
         <p:txBody>
-          <a:bodyPr>
-            <a:normAutofit/>
-          </a:bodyPr>
+          <a:bodyPr/>
           <a:lstStyle>
             <a:lvl1pPr marL="0" indent="0">
               <a:buNone/>
-              <a:defRPr sz="2200" i="1"/>
+              <a:defRPr sz="1600"/>
             </a:lvl1pPr>
             <a:lvl2pPr marL="457200" indent="0">
               <a:buNone/>
@@ -2825,13 +2314,7 @@
       </p:sp>
       <p:sp>
         <p:nvSpPr>
-          <p:cNvPr id="5" name="Date Placeholder 4">
-            <a:extLst>
-              <a:ext uri="{FF2B5EF4-FFF2-40B4-BE49-F238E27FC236}">
-                <a16:creationId xmlns:a16="http://schemas.microsoft.com/office/drawing/2014/main" id="{02A95F79-E23E-11D2-40BF-66ED340195DB}"/>
-              </a:ext>
-            </a:extLst>
-          </p:cNvPr>
+          <p:cNvPr id="5" name="Date Placeholder 4"/>
           <p:cNvSpPr>
             <a:spLocks noGrp="1"/>
           </p:cNvSpPr>
@@ -2846,7 +2329,8 @@
           <a:p>
             <a:fld id="{E80C50CD-E178-4744-9B35-B2F624D6C5E9}" type="datetimeFigureOut">
               <a:rPr lang="en-US" smtClean="0"/>
-              <a:t>7/16/2025</a:t>
+              <a:pPr/>
+              <a:t>7/17/2025</a:t>
             </a:fld>
             <a:endParaRPr lang="en-US"/>
           </a:p>
@@ -2854,13 +2338,7 @@
       </p:sp>
       <p:sp>
         <p:nvSpPr>
-          <p:cNvPr id="6" name="Footer Placeholder 5">
-            <a:extLst>
-              <a:ext uri="{FF2B5EF4-FFF2-40B4-BE49-F238E27FC236}">
-                <a16:creationId xmlns:a16="http://schemas.microsoft.com/office/drawing/2014/main" id="{4457F7FC-06F3-3D89-5D1A-4EC4B1D7355E}"/>
-              </a:ext>
-            </a:extLst>
-          </p:cNvPr>
+          <p:cNvPr id="6" name="Footer Placeholder 5"/>
           <p:cNvSpPr>
             <a:spLocks noGrp="1"/>
           </p:cNvSpPr>
@@ -2873,19 +2351,13 @@
           <a:bodyPr/>
           <a:lstStyle/>
           <a:p>
-            <a:endParaRPr lang="en-US"/>
-          </a:p>
-        </p:txBody>
-      </p:sp>
-      <p:sp>
-        <p:nvSpPr>
-          <p:cNvPr id="7" name="Slide Number Placeholder 6">
-            <a:extLst>
-              <a:ext uri="{FF2B5EF4-FFF2-40B4-BE49-F238E27FC236}">
-                <a16:creationId xmlns:a16="http://schemas.microsoft.com/office/drawing/2014/main" id="{9554ACD5-6E0B-5713-DC9A-41E9D62AB12D}"/>
-              </a:ext>
-            </a:extLst>
-          </p:cNvPr>
+            <a:endParaRPr lang="en-US" dirty="0"/>
+          </a:p>
+        </p:txBody>
+      </p:sp>
+      <p:sp>
+        <p:nvSpPr>
+          <p:cNvPr id="7" name="Slide Number Placeholder 6"/>
           <p:cNvSpPr>
             <a:spLocks noGrp="1"/>
           </p:cNvSpPr>
@@ -2900,6 +2372,7 @@
           <a:p>
             <a:fld id="{148CC95F-0247-41B6-91CF-DC97C76A7088}" type="slidenum">
               <a:rPr lang="en-US" smtClean="0"/>
+              <a:pPr/>
               <a:t>‹#›</a:t>
             </a:fld>
             <a:endParaRPr lang="en-US"/>
@@ -2909,7 +2382,7 @@
     </p:spTree>
     <p:extLst>
       <p:ext uri="{BB962C8B-B14F-4D97-AF65-F5344CB8AC3E}">
-        <p14:creationId xmlns:p14="http://schemas.microsoft.com/office/powerpoint/2010/main" val="3184950082"/>
+        <p14:creationId xmlns:p14="http://schemas.microsoft.com/office/powerpoint/2010/main" val="1251247636"/>
       </p:ext>
     </p:extLst>
   </p:cSld>
@@ -2938,13 +2411,7 @@
       </p:grpSpPr>
       <p:sp>
         <p:nvSpPr>
-          <p:cNvPr id="2" name="Title 1">
-            <a:extLst>
-              <a:ext uri="{FF2B5EF4-FFF2-40B4-BE49-F238E27FC236}">
-                <a16:creationId xmlns:a16="http://schemas.microsoft.com/office/drawing/2014/main" id="{DF5B2D45-7CDB-D38C-2AAE-273F797674E1}"/>
-              </a:ext>
-            </a:extLst>
-          </p:cNvPr>
+          <p:cNvPr id="2" name="Title 1"/>
           <p:cNvSpPr>
             <a:spLocks noGrp="1"/>
           </p:cNvSpPr>
@@ -2954,38 +2421,31 @@
         </p:nvSpPr>
         <p:spPr>
           <a:xfrm>
-            <a:off x="521208" y="978408"/>
-            <a:ext cx="5020056" cy="2459736"/>
+            <a:off x="839788" y="457200"/>
+            <a:ext cx="3932237" cy="1600200"/>
           </a:xfrm>
         </p:spPr>
         <p:txBody>
-          <a:bodyPr anchor="t">
-            <a:noAutofit/>
-          </a:bodyPr>
+          <a:bodyPr anchor="b"/>
           <a:lstStyle>
             <a:lvl1pPr>
-              <a:defRPr sz="4400"/>
+              <a:defRPr sz="3200"/>
             </a:lvl1pPr>
           </a:lstStyle>
           <a:p>
             <a:r>
-              <a:rPr lang="en-US" dirty="0"/>
+              <a:rPr lang="en-US"/>
               <a:t>Click to edit Master title style</a:t>
             </a:r>
-          </a:p>
-        </p:txBody>
-      </p:sp>
-      <p:sp>
-        <p:nvSpPr>
-          <p:cNvPr id="3" name="Picture Placeholder 2">
-            <a:extLst>
-              <a:ext uri="{FF2B5EF4-FFF2-40B4-BE49-F238E27FC236}">
-                <a16:creationId xmlns:a16="http://schemas.microsoft.com/office/drawing/2014/main" id="{CCBF0855-1744-56E4-B115-3A3C5EA7834B}"/>
-              </a:ext>
-            </a:extLst>
-          </p:cNvPr>
-          <p:cNvSpPr>
-            <a:spLocks noGrp="1"/>
+            <a:endParaRPr lang="en-US" dirty="0"/>
+          </a:p>
+        </p:txBody>
+      </p:sp>
+      <p:sp>
+        <p:nvSpPr>
+          <p:cNvPr id="3" name="Picture Placeholder 2"/>
+          <p:cNvSpPr>
+            <a:spLocks noGrp="1" noChangeAspect="1"/>
           </p:cNvSpPr>
           <p:nvPr>
             <p:ph type="pic" idx="1"/>
@@ -2993,12 +2453,12 @@
         </p:nvSpPr>
         <p:spPr>
           <a:xfrm>
-            <a:off x="6519672" y="987424"/>
-            <a:ext cx="5166360" cy="5358384"/>
+            <a:off x="5183188" y="987425"/>
+            <a:ext cx="6172200" cy="4873625"/>
           </a:xfrm>
         </p:spPr>
         <p:txBody>
-          <a:bodyPr/>
+          <a:bodyPr anchor="t"/>
           <a:lstStyle>
             <a:lvl1pPr marL="0" indent="0">
               <a:buNone/>
@@ -3038,19 +2498,17 @@
             </a:lvl9pPr>
           </a:lstStyle>
           <a:p>
-            <a:endParaRPr lang="en-US"/>
-          </a:p>
-        </p:txBody>
-      </p:sp>
-      <p:sp>
-        <p:nvSpPr>
-          <p:cNvPr id="4" name="Text Placeholder 3">
-            <a:extLst>
-              <a:ext uri="{FF2B5EF4-FFF2-40B4-BE49-F238E27FC236}">
-                <a16:creationId xmlns:a16="http://schemas.microsoft.com/office/drawing/2014/main" id="{385E8A1D-28AE-4A19-BD96-401D4822A53D}"/>
-              </a:ext>
-            </a:extLst>
-          </p:cNvPr>
+            <a:r>
+              <a:rPr lang="en-US"/>
+              <a:t>Click icon to add picture</a:t>
+            </a:r>
+            <a:endParaRPr lang="en-US" dirty="0"/>
+          </a:p>
+        </p:txBody>
+      </p:sp>
+      <p:sp>
+        <p:nvSpPr>
+          <p:cNvPr id="4" name="Text Placeholder 3"/>
           <p:cNvSpPr>
             <a:spLocks noGrp="1"/>
           </p:cNvSpPr>
@@ -3060,18 +2518,16 @@
         </p:nvSpPr>
         <p:spPr>
           <a:xfrm>
-            <a:off x="521208" y="3575304"/>
-            <a:ext cx="5020056" cy="2770632"/>
+            <a:off x="839788" y="2057400"/>
+            <a:ext cx="3932237" cy="3811588"/>
           </a:xfrm>
         </p:spPr>
         <p:txBody>
-          <a:bodyPr>
-            <a:normAutofit/>
-          </a:bodyPr>
+          <a:bodyPr/>
           <a:lstStyle>
             <a:lvl1pPr marL="0" indent="0">
               <a:buNone/>
-              <a:defRPr sz="2200" i="1"/>
+              <a:defRPr sz="1600"/>
             </a:lvl1pPr>
             <a:lvl2pPr marL="457200" indent="0">
               <a:buNone/>
@@ -3117,13 +2573,7 @@
       </p:sp>
       <p:sp>
         <p:nvSpPr>
-          <p:cNvPr id="5" name="Date Placeholder 4">
-            <a:extLst>
-              <a:ext uri="{FF2B5EF4-FFF2-40B4-BE49-F238E27FC236}">
-                <a16:creationId xmlns:a16="http://schemas.microsoft.com/office/drawing/2014/main" id="{97327DDB-CE95-4C89-DFC5-7DDBFC24E89C}"/>
-              </a:ext>
-            </a:extLst>
-          </p:cNvPr>
+          <p:cNvPr id="5" name="Date Placeholder 4"/>
           <p:cNvSpPr>
             <a:spLocks noGrp="1"/>
           </p:cNvSpPr>
@@ -3138,7 +2588,8 @@
           <a:p>
             <a:fld id="{E80C50CD-E178-4744-9B35-B2F624D6C5E9}" type="datetimeFigureOut">
               <a:rPr lang="en-US" smtClean="0"/>
-              <a:t>7/16/2025</a:t>
+              <a:pPr/>
+              <a:t>7/17/2025</a:t>
             </a:fld>
             <a:endParaRPr lang="en-US"/>
           </a:p>
@@ -3146,13 +2597,7 @@
       </p:sp>
       <p:sp>
         <p:nvSpPr>
-          <p:cNvPr id="6" name="Footer Placeholder 5">
-            <a:extLst>
-              <a:ext uri="{FF2B5EF4-FFF2-40B4-BE49-F238E27FC236}">
-                <a16:creationId xmlns:a16="http://schemas.microsoft.com/office/drawing/2014/main" id="{0522C835-F3B5-943C-FFC4-D5BA9666AF34}"/>
-              </a:ext>
-            </a:extLst>
-          </p:cNvPr>
+          <p:cNvPr id="6" name="Footer Placeholder 5"/>
           <p:cNvSpPr>
             <a:spLocks noGrp="1"/>
           </p:cNvSpPr>
@@ -3165,19 +2610,13 @@
           <a:bodyPr/>
           <a:lstStyle/>
           <a:p>
-            <a:endParaRPr lang="en-US"/>
-          </a:p>
-        </p:txBody>
-      </p:sp>
-      <p:sp>
-        <p:nvSpPr>
-          <p:cNvPr id="7" name="Slide Number Placeholder 6">
-            <a:extLst>
-              <a:ext uri="{FF2B5EF4-FFF2-40B4-BE49-F238E27FC236}">
-                <a16:creationId xmlns:a16="http://schemas.microsoft.com/office/drawing/2014/main" id="{68709891-6E3C-ADED-01DD-15FCED37AF4A}"/>
-              </a:ext>
-            </a:extLst>
-          </p:cNvPr>
+            <a:endParaRPr lang="en-US" dirty="0"/>
+          </a:p>
+        </p:txBody>
+      </p:sp>
+      <p:sp>
+        <p:nvSpPr>
+          <p:cNvPr id="7" name="Slide Number Placeholder 6"/>
           <p:cNvSpPr>
             <a:spLocks noGrp="1"/>
           </p:cNvSpPr>
@@ -3192,6 +2631,7 @@
           <a:p>
             <a:fld id="{148CC95F-0247-41B6-91CF-DC97C76A7088}" type="slidenum">
               <a:rPr lang="en-US" smtClean="0"/>
+              <a:pPr/>
               <a:t>‹#›</a:t>
             </a:fld>
             <a:endParaRPr lang="en-US"/>
@@ -3201,7 +2641,7 @@
     </p:spTree>
     <p:extLst>
       <p:ext uri="{BB962C8B-B14F-4D97-AF65-F5344CB8AC3E}">
-        <p14:creationId xmlns:p14="http://schemas.microsoft.com/office/powerpoint/2010/main" val="2718817592"/>
+        <p14:creationId xmlns:p14="http://schemas.microsoft.com/office/powerpoint/2010/main" val="384698037"/>
       </p:ext>
     </p:extLst>
   </p:cSld>
@@ -3235,13 +2675,7 @@
       </p:grpSpPr>
       <p:sp>
         <p:nvSpPr>
-          <p:cNvPr id="2" name="Title Placeholder 1">
-            <a:extLst>
-              <a:ext uri="{FF2B5EF4-FFF2-40B4-BE49-F238E27FC236}">
-                <a16:creationId xmlns:a16="http://schemas.microsoft.com/office/drawing/2014/main" id="{C31A28D7-6581-4956-AAE3-9104804DF55B}"/>
-              </a:ext>
-            </a:extLst>
-          </p:cNvPr>
+          <p:cNvPr id="2" name="Title Placeholder 1"/>
           <p:cNvSpPr>
             <a:spLocks noGrp="1"/>
           </p:cNvSpPr>
@@ -3251,35 +2685,30 @@
         </p:nvSpPr>
         <p:spPr>
           <a:xfrm>
-            <a:off x="521208" y="978408"/>
-            <a:ext cx="11155680" cy="1463040"/>
+            <a:off x="838200" y="365125"/>
+            <a:ext cx="10515600" cy="1325563"/>
           </a:xfrm>
           <a:prstGeom prst="rect">
             <a:avLst/>
           </a:prstGeom>
         </p:spPr>
         <p:txBody>
-          <a:bodyPr vert="horz" lIns="91440" tIns="45720" rIns="91440" bIns="45720" rtlCol="0" anchor="t">
+          <a:bodyPr vert="horz" lIns="91440" tIns="45720" rIns="91440" bIns="45720" rtlCol="0" anchor="ctr">
             <a:normAutofit/>
           </a:bodyPr>
           <a:lstStyle/>
           <a:p>
             <a:r>
-              <a:rPr lang="en-US" dirty="0"/>
+              <a:rPr lang="en-US"/>
               <a:t>Click to edit Master title style</a:t>
             </a:r>
-          </a:p>
-        </p:txBody>
-      </p:sp>
-      <p:sp>
-        <p:nvSpPr>
-          <p:cNvPr id="3" name="Text Placeholder 2">
-            <a:extLst>
-              <a:ext uri="{FF2B5EF4-FFF2-40B4-BE49-F238E27FC236}">
-                <a16:creationId xmlns:a16="http://schemas.microsoft.com/office/drawing/2014/main" id="{F3CFCCA4-57A4-08A1-FC45-D2BBA66FABFA}"/>
-              </a:ext>
-            </a:extLst>
-          </p:cNvPr>
+            <a:endParaRPr lang="en-US" dirty="0"/>
+          </a:p>
+        </p:txBody>
+      </p:sp>
+      <p:sp>
+        <p:nvSpPr>
+          <p:cNvPr id="3" name="Text Placeholder 2"/>
           <p:cNvSpPr>
             <a:spLocks noGrp="1"/>
           </p:cNvSpPr>
@@ -3289,8 +2718,8 @@
         </p:nvSpPr>
         <p:spPr>
           <a:xfrm>
-            <a:off x="521208" y="2578608"/>
-            <a:ext cx="11155680" cy="3767328"/>
+            <a:off x="838200" y="1825625"/>
+            <a:ext cx="10515600" cy="4351338"/>
           </a:xfrm>
           <a:prstGeom prst="rect">
             <a:avLst/>
@@ -3304,49 +2733,44 @@
           <a:p>
             <a:pPr lvl="0"/>
             <a:r>
-              <a:rPr lang="en-US" dirty="0"/>
+              <a:rPr lang="en-US"/>
               <a:t>Click to edit Master text styles</a:t>
             </a:r>
           </a:p>
           <a:p>
             <a:pPr lvl="1"/>
             <a:r>
-              <a:rPr lang="en-US" dirty="0"/>
+              <a:rPr lang="en-US"/>
               <a:t>Second level</a:t>
             </a:r>
           </a:p>
           <a:p>
             <a:pPr lvl="2"/>
             <a:r>
-              <a:rPr lang="en-US" dirty="0"/>
+              <a:rPr lang="en-US"/>
               <a:t>Third level</a:t>
             </a:r>
           </a:p>
           <a:p>
             <a:pPr lvl="3"/>
             <a:r>
-              <a:rPr lang="en-US" dirty="0"/>
+              <a:rPr lang="en-US"/>
               <a:t>Fourth level</a:t>
             </a:r>
           </a:p>
           <a:p>
             <a:pPr lvl="4"/>
             <a:r>
-              <a:rPr lang="en-US" dirty="0"/>
+              <a:rPr lang="en-US"/>
               <a:t>Fifth level</a:t>
             </a:r>
-          </a:p>
-        </p:txBody>
-      </p:sp>
-      <p:sp>
-        <p:nvSpPr>
-          <p:cNvPr id="4" name="Date Placeholder 3">
-            <a:extLst>
-              <a:ext uri="{FF2B5EF4-FFF2-40B4-BE49-F238E27FC236}">
-                <a16:creationId xmlns:a16="http://schemas.microsoft.com/office/drawing/2014/main" id="{B0FAA0F4-2442-8D45-3C3D-1B8F55C8683A}"/>
-              </a:ext>
-            </a:extLst>
-          </p:cNvPr>
+            <a:endParaRPr lang="en-US" dirty="0"/>
+          </a:p>
+        </p:txBody>
+      </p:sp>
+      <p:sp>
+        <p:nvSpPr>
+          <p:cNvPr id="4" name="Date Placeholder 3"/>
           <p:cNvSpPr>
             <a:spLocks noGrp="1"/>
           </p:cNvSpPr>
@@ -3356,7 +2780,7 @@
         </p:nvSpPr>
         <p:spPr>
           <a:xfrm>
-            <a:off x="521208" y="6419088"/>
+            <a:off x="838200" y="6356350"/>
             <a:ext cx="2743200" cy="365125"/>
           </a:xfrm>
           <a:prstGeom prst="rect">
@@ -3367,9 +2791,11 @@
           <a:bodyPr vert="horz" lIns="91440" tIns="45720" rIns="91440" bIns="45720" rtlCol="0" anchor="ctr"/>
           <a:lstStyle>
             <a:lvl1pPr algn="l">
-              <a:defRPr sz="900">
-                <a:solidFill>
-                  <a:schemeClr val="tx1"/>
+              <a:defRPr sz="1200">
+                <a:solidFill>
+                  <a:schemeClr val="tx1">
+                    <a:tint val="75000"/>
+                  </a:schemeClr>
                 </a:solidFill>
               </a:defRPr>
             </a:lvl1pPr>
@@ -3378,7 +2804,7 @@
             <a:fld id="{E80C50CD-E178-4744-9B35-B2F624D6C5E9}" type="datetimeFigureOut">
               <a:rPr lang="en-US" smtClean="0"/>
               <a:pPr/>
-              <a:t>7/16/2025</a:t>
+              <a:t>7/17/2025</a:t>
             </a:fld>
             <a:endParaRPr lang="en-US"/>
           </a:p>
@@ -3386,13 +2812,7 @@
       </p:sp>
       <p:sp>
         <p:nvSpPr>
-          <p:cNvPr id="5" name="Footer Placeholder 4">
-            <a:extLst>
-              <a:ext uri="{FF2B5EF4-FFF2-40B4-BE49-F238E27FC236}">
-                <a16:creationId xmlns:a16="http://schemas.microsoft.com/office/drawing/2014/main" id="{9E03785E-FB42-1D54-92AC-D0A61A8FABD4}"/>
-              </a:ext>
-            </a:extLst>
-          </p:cNvPr>
+          <p:cNvPr id="5" name="Footer Placeholder 4"/>
           <p:cNvSpPr>
             <a:spLocks noGrp="1"/>
           </p:cNvSpPr>
@@ -3402,7 +2822,7 @@
         </p:nvSpPr>
         <p:spPr>
           <a:xfrm>
-            <a:off x="521208" y="100584"/>
+            <a:off x="4038600" y="6356350"/>
             <a:ext cx="4114800" cy="365125"/>
           </a:xfrm>
           <a:prstGeom prst="rect">
@@ -3412,10 +2832,12 @@
         <p:txBody>
           <a:bodyPr vert="horz" lIns="91440" tIns="45720" rIns="91440" bIns="45720" rtlCol="0" anchor="ctr"/>
           <a:lstStyle>
-            <a:lvl1pPr algn="l">
-              <a:defRPr sz="900">
-                <a:solidFill>
-                  <a:schemeClr val="tx1"/>
+            <a:lvl1pPr algn="ctr">
+              <a:defRPr sz="1200">
+                <a:solidFill>
+                  <a:schemeClr val="tx1">
+                    <a:tint val="75000"/>
+                  </a:schemeClr>
                 </a:solidFill>
               </a:defRPr>
             </a:lvl1pPr>
@@ -3427,13 +2849,7 @@
       </p:sp>
       <p:sp>
         <p:nvSpPr>
-          <p:cNvPr id="6" name="Slide Number Placeholder 5">
-            <a:extLst>
-              <a:ext uri="{FF2B5EF4-FFF2-40B4-BE49-F238E27FC236}">
-                <a16:creationId xmlns:a16="http://schemas.microsoft.com/office/drawing/2014/main" id="{BCC9CF34-1274-DB45-4809-90E5D244A9AE}"/>
-              </a:ext>
-            </a:extLst>
-          </p:cNvPr>
+          <p:cNvPr id="6" name="Slide Number Placeholder 5"/>
           <p:cNvSpPr>
             <a:spLocks noGrp="1"/>
           </p:cNvSpPr>
@@ -3443,8 +2859,8 @@
         </p:nvSpPr>
         <p:spPr>
           <a:xfrm>
-            <a:off x="11457432" y="6419088"/>
-            <a:ext cx="640080" cy="365125"/>
+            <a:off x="8610600" y="6356350"/>
+            <a:ext cx="2743200" cy="365125"/>
           </a:xfrm>
           <a:prstGeom prst="rect">
             <a:avLst/>
@@ -3454,9 +2870,11 @@
           <a:bodyPr vert="horz" lIns="91440" tIns="45720" rIns="91440" bIns="45720" rtlCol="0" anchor="ctr"/>
           <a:lstStyle>
             <a:lvl1pPr algn="r">
-              <a:defRPr sz="900">
-                <a:solidFill>
-                  <a:schemeClr val="tx1"/>
+              <a:defRPr sz="1200">
+                <a:solidFill>
+                  <a:schemeClr val="tx1">
+                    <a:tint val="75000"/>
+                  </a:schemeClr>
                 </a:solidFill>
               </a:defRPr>
             </a:lvl1pPr>
@@ -3471,139 +2889,39 @@
           </a:p>
         </p:txBody>
       </p:sp>
-      <p:sp>
-        <p:nvSpPr>
-          <p:cNvPr id="7" name="Freeform: Shape 6">
-            <a:extLst>
-              <a:ext uri="{FF2B5EF4-FFF2-40B4-BE49-F238E27FC236}">
-                <a16:creationId xmlns:a16="http://schemas.microsoft.com/office/drawing/2014/main" id="{774A975B-A886-5202-0489-6965514A0D14}"/>
-              </a:ext>
-              <a:ext uri="{C183D7F6-B498-43B3-948B-1728B52AA6E4}">
-                <adec:decorative xmlns:adec="http://schemas.microsoft.com/office/drawing/2017/decorative" val="1"/>
-              </a:ext>
-            </a:extLst>
-          </p:cNvPr>
-          <p:cNvSpPr/>
-          <p:nvPr/>
-        </p:nvSpPr>
-        <p:spPr>
-          <a:xfrm>
-            <a:off x="517869" y="508090"/>
-            <a:ext cx="11153214" cy="149279"/>
-          </a:xfrm>
-          <a:custGeom>
-            <a:avLst/>
-            <a:gdLst>
-              <a:gd name="connsiteX0" fmla="*/ 0 w 8085002"/>
-              <a:gd name="connsiteY0" fmla="*/ 0 h 149279"/>
-              <a:gd name="connsiteX1" fmla="*/ 8085002 w 8085002"/>
-              <a:gd name="connsiteY1" fmla="*/ 0 h 149279"/>
-              <a:gd name="connsiteX2" fmla="*/ 8085002 w 8085002"/>
-              <a:gd name="connsiteY2" fmla="*/ 149279 h 149279"/>
-              <a:gd name="connsiteX3" fmla="*/ 0 w 8085002"/>
-              <a:gd name="connsiteY3" fmla="*/ 149279 h 149279"/>
-            </a:gdLst>
-            <a:ahLst/>
-            <a:cxnLst>
-              <a:cxn ang="0">
-                <a:pos x="connsiteX0" y="connsiteY0"/>
-              </a:cxn>
-              <a:cxn ang="0">
-                <a:pos x="connsiteX1" y="connsiteY1"/>
-              </a:cxn>
-              <a:cxn ang="0">
-                <a:pos x="connsiteX2" y="connsiteY2"/>
-              </a:cxn>
-              <a:cxn ang="0">
-                <a:pos x="connsiteX3" y="connsiteY3"/>
-              </a:cxn>
-            </a:cxnLst>
-            <a:rect l="l" t="t" r="r" b="b"/>
-            <a:pathLst>
-              <a:path w="8085002" h="149279">
-                <a:moveTo>
-                  <a:pt x="0" y="0"/>
-                </a:moveTo>
-                <a:lnTo>
-                  <a:pt x="8085002" y="0"/>
-                </a:lnTo>
-                <a:lnTo>
-                  <a:pt x="8085002" y="149279"/>
-                </a:lnTo>
-                <a:lnTo>
-                  <a:pt x="0" y="149279"/>
-                </a:lnTo>
-                <a:close/>
-              </a:path>
-            </a:pathLst>
-          </a:custGeom>
-          <a:solidFill>
-            <a:schemeClr val="tx1"/>
-          </a:solidFill>
-          <a:ln>
-            <a:noFill/>
-          </a:ln>
-        </p:spPr>
-        <p:style>
-          <a:lnRef idx="2">
-            <a:schemeClr val="accent1">
-              <a:shade val="50000"/>
-            </a:schemeClr>
-          </a:lnRef>
-          <a:fillRef idx="1">
-            <a:schemeClr val="accent1"/>
-          </a:fillRef>
-          <a:effectRef idx="0">
-            <a:schemeClr val="accent1"/>
-          </a:effectRef>
-          <a:fontRef idx="minor">
-            <a:schemeClr val="lt1"/>
-          </a:fontRef>
-        </p:style>
-        <p:txBody>
-          <a:bodyPr wrap="square" rtlCol="0" anchor="ctr">
-            <a:noAutofit/>
-          </a:bodyPr>
-          <a:lstStyle/>
-          <a:p>
-            <a:pPr algn="ctr"/>
-            <a:endParaRPr lang="en-US"/>
-          </a:p>
-        </p:txBody>
-      </p:sp>
     </p:spTree>
     <p:extLst>
       <p:ext uri="{BB962C8B-B14F-4D97-AF65-F5344CB8AC3E}">
-        <p14:creationId xmlns:p14="http://schemas.microsoft.com/office/powerpoint/2010/main" val="1072626027"/>
+        <p14:creationId xmlns:p14="http://schemas.microsoft.com/office/powerpoint/2010/main" val="1420027587"/>
       </p:ext>
     </p:extLst>
   </p:cSld>
   <p:clrMap bg1="lt1" tx1="dk1" bg2="lt2" tx2="dk2" accent1="accent1" accent2="accent2" accent3="accent3" accent4="accent4" accent5="accent5" accent6="accent6" hlink="hlink" folHlink="folHlink"/>
   <p:sldLayoutIdLst>
-    <p:sldLayoutId id="2147483671" r:id="rId1"/>
-    <p:sldLayoutId id="2147483670" r:id="rId2"/>
-    <p:sldLayoutId id="2147483669" r:id="rId3"/>
-    <p:sldLayoutId id="2147483668" r:id="rId4"/>
-    <p:sldLayoutId id="2147483667" r:id="rId5"/>
-    <p:sldLayoutId id="2147483666" r:id="rId6"/>
-    <p:sldLayoutId id="2147483665" r:id="rId7"/>
-    <p:sldLayoutId id="2147483664" r:id="rId8"/>
-    <p:sldLayoutId id="2147483663" r:id="rId9"/>
-    <p:sldLayoutId id="2147483662" r:id="rId10"/>
-    <p:sldLayoutId id="2147483661" r:id="rId11"/>
-    <p:sldLayoutId id="2147483672" r:id="rId12"/>
+    <p:sldLayoutId id="2147483683" r:id="rId1"/>
+    <p:sldLayoutId id="2147483684" r:id="rId2"/>
+    <p:sldLayoutId id="2147483685" r:id="rId3"/>
+    <p:sldLayoutId id="2147483686" r:id="rId4"/>
+    <p:sldLayoutId id="2147483687" r:id="rId5"/>
+    <p:sldLayoutId id="2147483688" r:id="rId6"/>
+    <p:sldLayoutId id="2147483689" r:id="rId7"/>
+    <p:sldLayoutId id="2147483690" r:id="rId8"/>
+    <p:sldLayoutId id="2147483691" r:id="rId9"/>
+    <p:sldLayoutId id="2147483692" r:id="rId10"/>
+    <p:sldLayoutId id="2147483693" r:id="rId11"/>
+    <p:sldLayoutId id="2147483694" r:id="rId12"/>
   </p:sldLayoutIdLst>
   <p:txStyles>
     <p:titleStyle>
       <a:lvl1pPr algn="l" defTabSz="914400" rtl="0" eaLnBrk="1" latinLnBrk="0" hangingPunct="1">
         <a:lnSpc>
-          <a:spcPct val="100000"/>
+          <a:spcPct val="90000"/>
         </a:lnSpc>
         <a:spcBef>
           <a:spcPct val="0"/>
         </a:spcBef>
         <a:buNone/>
-        <a:defRPr sz="4400" b="1" kern="1200">
+        <a:defRPr sz="4400" kern="1200">
           <a:solidFill>
             <a:schemeClr val="tx1"/>
           </a:solidFill>
@@ -3616,10 +2934,64 @@
     <p:bodyStyle>
       <a:lvl1pPr marL="228600" indent="-228600" algn="l" defTabSz="914400" rtl="0" eaLnBrk="1" latinLnBrk="0" hangingPunct="1">
         <a:lnSpc>
-          <a:spcPct val="110000"/>
+          <a:spcPct val="90000"/>
         </a:lnSpc>
         <a:spcBef>
           <a:spcPts val="1000"/>
+        </a:spcBef>
+        <a:buFont typeface="Arial" panose="020B0604020202020204" pitchFamily="34" charset="0"/>
+        <a:buChar char="•"/>
+        <a:defRPr sz="2800" kern="1200">
+          <a:solidFill>
+            <a:schemeClr val="tx1"/>
+          </a:solidFill>
+          <a:latin typeface="+mn-lt"/>
+          <a:ea typeface="+mn-ea"/>
+          <a:cs typeface="+mn-cs"/>
+        </a:defRPr>
+      </a:lvl1pPr>
+      <a:lvl2pPr marL="685800" indent="-228600" algn="l" defTabSz="914400" rtl="0" eaLnBrk="1" latinLnBrk="0" hangingPunct="1">
+        <a:lnSpc>
+          <a:spcPct val="90000"/>
+        </a:lnSpc>
+        <a:spcBef>
+          <a:spcPts val="500"/>
+        </a:spcBef>
+        <a:buFont typeface="Arial" panose="020B0604020202020204" pitchFamily="34" charset="0"/>
+        <a:buChar char="•"/>
+        <a:defRPr sz="2400" kern="1200">
+          <a:solidFill>
+            <a:schemeClr val="tx1"/>
+          </a:solidFill>
+          <a:latin typeface="+mn-lt"/>
+          <a:ea typeface="+mn-ea"/>
+          <a:cs typeface="+mn-cs"/>
+        </a:defRPr>
+      </a:lvl2pPr>
+      <a:lvl3pPr marL="1143000" indent="-228600" algn="l" defTabSz="914400" rtl="0" eaLnBrk="1" latinLnBrk="0" hangingPunct="1">
+        <a:lnSpc>
+          <a:spcPct val="90000"/>
+        </a:lnSpc>
+        <a:spcBef>
+          <a:spcPts val="500"/>
+        </a:spcBef>
+        <a:buFont typeface="Arial" panose="020B0604020202020204" pitchFamily="34" charset="0"/>
+        <a:buChar char="•"/>
+        <a:defRPr sz="2000" kern="1200">
+          <a:solidFill>
+            <a:schemeClr val="tx1"/>
+          </a:solidFill>
+          <a:latin typeface="+mn-lt"/>
+          <a:ea typeface="+mn-ea"/>
+          <a:cs typeface="+mn-cs"/>
+        </a:defRPr>
+      </a:lvl3pPr>
+      <a:lvl4pPr marL="1600200" indent="-228600" algn="l" defTabSz="914400" rtl="0" eaLnBrk="1" latinLnBrk="0" hangingPunct="1">
+        <a:lnSpc>
+          <a:spcPct val="90000"/>
+        </a:lnSpc>
+        <a:spcBef>
+          <a:spcPts val="500"/>
         </a:spcBef>
         <a:buFont typeface="Arial" panose="020B0604020202020204" pitchFamily="34" charset="0"/>
         <a:buChar char="•"/>
@@ -3631,71 +3003,17 @@
           <a:ea typeface="+mn-ea"/>
           <a:cs typeface="+mn-cs"/>
         </a:defRPr>
-      </a:lvl1pPr>
-      <a:lvl2pPr marL="685800" indent="-228600" algn="l" defTabSz="914400" rtl="0" eaLnBrk="1" latinLnBrk="0" hangingPunct="1">
+      </a:lvl4pPr>
+      <a:lvl5pPr marL="2057400" indent="-228600" algn="l" defTabSz="914400" rtl="0" eaLnBrk="1" latinLnBrk="0" hangingPunct="1">
         <a:lnSpc>
-          <a:spcPct val="110000"/>
+          <a:spcPct val="90000"/>
         </a:lnSpc>
         <a:spcBef>
           <a:spcPts val="500"/>
         </a:spcBef>
         <a:buFont typeface="Arial" panose="020B0604020202020204" pitchFamily="34" charset="0"/>
         <a:buChar char="•"/>
-        <a:defRPr sz="1600" kern="1200">
-          <a:solidFill>
-            <a:schemeClr val="tx1"/>
-          </a:solidFill>
-          <a:latin typeface="+mn-lt"/>
-          <a:ea typeface="+mn-ea"/>
-          <a:cs typeface="+mn-cs"/>
-        </a:defRPr>
-      </a:lvl2pPr>
-      <a:lvl3pPr marL="1143000" indent="-228600" algn="l" defTabSz="914400" rtl="0" eaLnBrk="1" latinLnBrk="0" hangingPunct="1">
-        <a:lnSpc>
-          <a:spcPct val="110000"/>
-        </a:lnSpc>
-        <a:spcBef>
-          <a:spcPts val="500"/>
-        </a:spcBef>
-        <a:buFont typeface="Arial" panose="020B0604020202020204" pitchFamily="34" charset="0"/>
-        <a:buChar char="•"/>
-        <a:defRPr sz="1400" kern="1200">
-          <a:solidFill>
-            <a:schemeClr val="tx1"/>
-          </a:solidFill>
-          <a:latin typeface="+mn-lt"/>
-          <a:ea typeface="+mn-ea"/>
-          <a:cs typeface="+mn-cs"/>
-        </a:defRPr>
-      </a:lvl3pPr>
-      <a:lvl4pPr marL="1600200" indent="-228600" algn="l" defTabSz="914400" rtl="0" eaLnBrk="1" latinLnBrk="0" hangingPunct="1">
-        <a:lnSpc>
-          <a:spcPct val="110000"/>
-        </a:lnSpc>
-        <a:spcBef>
-          <a:spcPts val="500"/>
-        </a:spcBef>
-        <a:buFont typeface="Arial" panose="020B0604020202020204" pitchFamily="34" charset="0"/>
-        <a:buChar char="•"/>
-        <a:defRPr sz="1200" kern="1200">
-          <a:solidFill>
-            <a:schemeClr val="tx1"/>
-          </a:solidFill>
-          <a:latin typeface="+mn-lt"/>
-          <a:ea typeface="+mn-ea"/>
-          <a:cs typeface="+mn-cs"/>
-        </a:defRPr>
-      </a:lvl4pPr>
-      <a:lvl5pPr marL="2057400" indent="-228600" algn="l" defTabSz="914400" rtl="0" eaLnBrk="1" latinLnBrk="0" hangingPunct="1">
-        <a:lnSpc>
-          <a:spcPct val="110000"/>
-        </a:lnSpc>
-        <a:spcBef>
-          <a:spcPts val="500"/>
-        </a:spcBef>
-        <a:buFont typeface="Arial" panose="020B0604020202020204" pitchFamily="34" charset="0"/>
-        <a:buChar char="•"/>
-        <a:defRPr sz="1200" kern="1200">
+        <a:defRPr sz="1800" kern="1200">
           <a:solidFill>
             <a:schemeClr val="tx1"/>
           </a:solidFill>
@@ -3873,6 +3191,11 @@
       </a:lvl9pPr>
     </p:otherStyle>
   </p:txStyles>
+  <p:extLst>
+    <p:ext uri="{27BBF7A9-308A-43DC-89C8-2F10F3537804}">
+      <p15:sldGuideLst xmlns:p15="http://schemas.microsoft.com/office/powerpoint/2012/main"/>
+    </p:ext>
+  </p:extLst>
 </p:sldMaster>
 </file>
 
@@ -3909,21 +3232,33 @@
             <p:ph type="ctrTitle"/>
           </p:nvPr>
         </p:nvSpPr>
-        <p:spPr/>
-        <p:txBody>
-          <a:bodyPr/>
-          <a:lstStyle/>
-          <a:p>
-            <a:pPr marR="0" rtl="0"/>
-            <a:r>
-              <a:rPr lang="en-US" b="0" i="0" u="none" strike="noStrike" kern="100" baseline="0">
-                <a:solidFill>
-                  <a:srgbClr val="0F4761"/>
-                </a:solidFill>
-                <a:latin typeface="Times New Roman" panose="02020603050405020304" pitchFamily="18" charset="0"/>
-              </a:rPr>
-              <a:t>Slide 1: Title Slide</a:t>
-            </a:r>
+        <p:spPr>
+          <a:xfrm>
+            <a:off x="521208" y="2286000"/>
+            <a:ext cx="11155680" cy="2121408"/>
+          </a:xfrm>
+        </p:spPr>
+        <p:txBody>
+          <a:bodyPr>
+            <a:normAutofit/>
+          </a:bodyPr>
+          <a:lstStyle/>
+          <a:p>
+            <a:r>
+              <a:rPr lang="en-US" sz="5400" kern="100" dirty="0">
+                <a:solidFill>
+                  <a:srgbClr val="0F4761"/>
+                </a:solidFill>
+                <a:latin typeface="Times New Roman" panose="02020603050405020304" pitchFamily="18" charset="0"/>
+              </a:rPr>
+              <a:t>Build a Custom Monitoring Solution for your SQL Server Environment</a:t>
+            </a:r>
+            <a:endParaRPr lang="en-US" sz="5400" b="0" i="0" u="none" strike="noStrike" kern="100" baseline="0" dirty="0">
+              <a:solidFill>
+                <a:srgbClr val="0F4761"/>
+              </a:solidFill>
+              <a:latin typeface="Times New Roman" panose="02020603050405020304" pitchFamily="18" charset="0"/>
+            </a:endParaRPr>
           </a:p>
         </p:txBody>
       </p:sp>
@@ -3943,34 +3278,153 @@
             <p:ph type="subTitle" idx="1"/>
           </p:nvPr>
         </p:nvSpPr>
-        <p:spPr/>
+        <p:spPr>
+          <a:xfrm>
+            <a:off x="521208" y="4572000"/>
+            <a:ext cx="10451592" cy="1568850"/>
+          </a:xfrm>
+        </p:spPr>
         <p:txBody>
           <a:bodyPr>
-            <a:normAutofit fontScale="47500" lnSpcReduction="20000"/>
+            <a:normAutofit fontScale="85000" lnSpcReduction="10000"/>
           </a:bodyPr>
           <a:lstStyle/>
           <a:p>
             <a:pPr marR="0" lvl="0" rtl="0"/>
             <a:r>
-              <a:rPr lang="en-US" b="0" i="0" u="none" strike="noStrike" kern="100" baseline="0">
-                <a:solidFill>
-                  <a:srgbClr val="0F4761"/>
-                </a:solidFill>
-                <a:latin typeface="Times New Roman" panose="02020603050405020304" pitchFamily="18" charset="0"/>
-              </a:rPr>
-              <a:t> </a:t>
-            </a:r>
-            <a:r>
-              <a:rPr lang="en-US" b="1" i="0" u="none" strike="noStrike" kern="100" baseline="0">
-                <a:solidFill>
-                  <a:srgbClr val="0F4761"/>
-                </a:solidFill>
-                <a:latin typeface="Times New Roman" panose="02020603050405020304" pitchFamily="18" charset="0"/>
-              </a:rPr>
-              <a:t>Session Title</a:t>
-            </a:r>
-            <a:r>
-              <a:rPr lang="en-US" b="0" i="0" u="none" strike="noStrike" kern="100" baseline="0">
+              <a:rPr lang="en-US" b="1" i="0" u="none" strike="noStrike" kern="100" baseline="0" dirty="0">
+                <a:solidFill>
+                  <a:srgbClr val="0F4761"/>
+                </a:solidFill>
+                <a:latin typeface="Times New Roman" panose="02020603050405020304" pitchFamily="18" charset="0"/>
+              </a:rPr>
+              <a:t>David Seis – DBA &amp; Proactive Team Lead</a:t>
+            </a:r>
+          </a:p>
+          <a:p>
+            <a:pPr marR="0" lvl="0" rtl="0"/>
+            <a:r>
+              <a:rPr lang="en-US" b="1" i="0" u="none" strike="noStrike" kern="100" baseline="0" dirty="0">
+                <a:solidFill>
+                  <a:srgbClr val="0F4761"/>
+                </a:solidFill>
+                <a:latin typeface="Times New Roman" panose="02020603050405020304" pitchFamily="18" charset="0"/>
+              </a:rPr>
+              <a:t>Abstract</a:t>
+            </a:r>
+            <a:r>
+              <a:rPr lang="en-US" b="0" i="0" u="none" strike="noStrike" kern="100" baseline="0" dirty="0">
+                <a:solidFill>
+                  <a:srgbClr val="0F4761"/>
+                </a:solidFill>
+                <a:latin typeface="Times New Roman" panose="02020603050405020304" pitchFamily="18" charset="0"/>
+              </a:rPr>
+              <a:t>: Increasing the </a:t>
+            </a:r>
+            <a:r>
+              <a:rPr lang="en-US" b="1" i="0" u="none" strike="noStrike" kern="100" baseline="0" dirty="0">
+                <a:solidFill>
+                  <a:srgbClr val="0F4761"/>
+                </a:solidFill>
+                <a:latin typeface="Times New Roman" panose="02020603050405020304" pitchFamily="18" charset="0"/>
+              </a:rPr>
+              <a:t>observability of your SQL Server Estate is key to making informed decisions</a:t>
+            </a:r>
+            <a:r>
+              <a:rPr lang="en-US" i="0" kern="100" dirty="0">
+                <a:solidFill>
+                  <a:srgbClr val="0F4761"/>
+                </a:solidFill>
+                <a:latin typeface="Times New Roman" panose="02020603050405020304" pitchFamily="18" charset="0"/>
+              </a:rPr>
+              <a:t>. </a:t>
+            </a:r>
+            <a:r>
+              <a:rPr lang="en-US" b="0" i="0" u="none" strike="noStrike" kern="100" baseline="0" dirty="0">
+                <a:solidFill>
+                  <a:srgbClr val="0F4761"/>
+                </a:solidFill>
+                <a:latin typeface="Times New Roman" panose="02020603050405020304" pitchFamily="18" charset="0"/>
+              </a:rPr>
+              <a:t>While many paid options exist, </a:t>
+            </a:r>
+            <a:r>
+              <a:rPr lang="en-US" b="1" i="0" u="none" strike="noStrike" kern="100" baseline="0" dirty="0">
+                <a:solidFill>
+                  <a:srgbClr val="0F4761"/>
+                </a:solidFill>
+                <a:latin typeface="Times New Roman" panose="02020603050405020304" pitchFamily="18" charset="0"/>
+              </a:rPr>
+              <a:t>"every tool is missing something“</a:t>
+            </a:r>
+            <a:r>
+              <a:rPr lang="en-US" i="0" kern="100" dirty="0">
+                <a:solidFill>
+                  <a:srgbClr val="0F4761"/>
+                </a:solidFill>
+                <a:latin typeface="Times New Roman" panose="02020603050405020304" pitchFamily="18" charset="0"/>
+              </a:rPr>
+              <a:t>. </a:t>
+            </a:r>
+            <a:r>
+              <a:rPr lang="en-US" b="0" i="0" u="none" strike="noStrike" kern="100" baseline="0" dirty="0">
+                <a:solidFill>
+                  <a:srgbClr val="0F4761"/>
+                </a:solidFill>
+                <a:latin typeface="Times New Roman" panose="02020603050405020304" pitchFamily="18" charset="0"/>
+              </a:rPr>
+              <a:t>Learn how to </a:t>
+            </a:r>
+            <a:r>
+              <a:rPr lang="en-US" b="1" i="0" u="none" strike="noStrike" kern="100" baseline="0" dirty="0">
+                <a:solidFill>
+                  <a:srgbClr val="0F4761"/>
+                </a:solidFill>
+                <a:latin typeface="Times New Roman" panose="02020603050405020304" pitchFamily="18" charset="0"/>
+              </a:rPr>
+              <a:t>build a custom tool, for free</a:t>
+            </a:r>
+            <a:r>
+              <a:rPr lang="en-US" b="0" i="0" u="none" strike="noStrike" kern="100" baseline="0" dirty="0">
+                <a:solidFill>
+                  <a:srgbClr val="0F4761"/>
+                </a:solidFill>
+                <a:latin typeface="Times New Roman" panose="02020603050405020304" pitchFamily="18" charset="0"/>
+              </a:rPr>
+              <a:t>, to </a:t>
+            </a:r>
+            <a:r>
+              <a:rPr lang="en-US" b="1" i="0" u="none" strike="noStrike" kern="100" baseline="0" dirty="0">
+                <a:solidFill>
+                  <a:srgbClr val="0F4761"/>
+                </a:solidFill>
+                <a:latin typeface="Times New Roman" panose="02020603050405020304" pitchFamily="18" charset="0"/>
+              </a:rPr>
+              <a:t>monitor the specific metrics you care about</a:t>
+            </a:r>
+            <a:r>
+              <a:rPr lang="en-US" b="0" i="0" u="none" strike="noStrike" kern="100" baseline="0" dirty="0">
+                <a:solidFill>
+                  <a:srgbClr val="0F4761"/>
+                </a:solidFill>
+                <a:latin typeface="Times New Roman" panose="02020603050405020304" pitchFamily="18" charset="0"/>
+              </a:rPr>
+              <a:t>.</a:t>
+            </a:r>
+          </a:p>
+          <a:p>
+            <a:pPr marR="0" lvl="0" rtl="0"/>
+            <a:r>
+              <a:rPr lang="en-US" b="1" i="0" u="none" strike="noStrike" kern="100" baseline="0" dirty="0">
+                <a:solidFill>
+                  <a:srgbClr val="0F4761"/>
+                </a:solidFill>
+                <a:latin typeface="Times New Roman" panose="02020603050405020304" pitchFamily="18" charset="0"/>
+              </a:rPr>
+              <a:t>Target Audience</a:t>
+            </a:r>
+            <a:r>
+              <a:rPr lang="en-US" b="0" i="0" u="none" strike="noStrike" kern="100" baseline="0" dirty="0">
                 <a:solidFill>
                   <a:srgbClr val="0F4761"/>
                 </a:solidFill>
@@ -3979,178 +3433,16 @@
               <a:t>: </a:t>
             </a:r>
             <a:r>
-              <a:rPr lang="en-US" b="1" i="0" u="none" strike="noStrike" kern="100" baseline="0">
-                <a:solidFill>
-                  <a:srgbClr val="0F4761"/>
-                </a:solidFill>
-                <a:latin typeface="Times New Roman" panose="02020603050405020304" pitchFamily="18" charset="0"/>
-              </a:rPr>
-              <a:t>Build a Custom Monitoring Solution for your SQL Server Environment</a:t>
-            </a:r>
-            <a:r>
-              <a:rPr lang="en-US" b="0" i="0" u="none" strike="noStrike" kern="100" baseline="0">
-                <a:solidFill>
-                  <a:srgbClr val="0F4761"/>
-                </a:solidFill>
-                <a:latin typeface="Times New Roman" panose="02020603050405020304" pitchFamily="18" charset="0"/>
-              </a:rPr>
-              <a:t> [1-3]</a:t>
-            </a:r>
-          </a:p>
-          <a:p>
-            <a:pPr marR="0" lvl="0" rtl="0"/>
-            <a:r>
-              <a:rPr lang="en-US" b="0" i="0" u="none" strike="noStrike" kern="100" baseline="0">
-                <a:solidFill>
-                  <a:srgbClr val="0F4761"/>
-                </a:solidFill>
-                <a:latin typeface="Times New Roman" panose="02020603050405020304" pitchFamily="18" charset="0"/>
-              </a:rPr>
-              <a:t> </a:t>
-            </a:r>
-            <a:r>
-              <a:rPr lang="en-US" b="1" i="0" u="none" strike="noStrike" kern="100" baseline="0">
-                <a:solidFill>
-                  <a:srgbClr val="0F4761"/>
-                </a:solidFill>
-                <a:latin typeface="Times New Roman" panose="02020603050405020304" pitchFamily="18" charset="0"/>
-              </a:rPr>
-              <a:t>Speaker Name/Affiliation</a:t>
-            </a:r>
-          </a:p>
-          <a:p>
-            <a:pPr marR="0" lvl="0" rtl="0"/>
-            <a:r>
-              <a:rPr lang="en-US" b="0" i="0" u="none" strike="noStrike" kern="100" baseline="0">
-                <a:solidFill>
-                  <a:srgbClr val="0F4761"/>
-                </a:solidFill>
-                <a:latin typeface="Times New Roman" panose="02020603050405020304" pitchFamily="18" charset="0"/>
-              </a:rPr>
-              <a:t> </a:t>
-            </a:r>
-            <a:r>
-              <a:rPr lang="en-US" b="1" i="0" u="none" strike="noStrike" kern="100" baseline="0">
-                <a:solidFill>
-                  <a:srgbClr val="0F4761"/>
-                </a:solidFill>
-                <a:latin typeface="Times New Roman" panose="02020603050405020304" pitchFamily="18" charset="0"/>
-              </a:rPr>
-              <a:t>Abstract</a:t>
-            </a:r>
-            <a:r>
-              <a:rPr lang="en-US" b="0" i="0" u="none" strike="noStrike" kern="100" baseline="0">
-                <a:solidFill>
-                  <a:srgbClr val="0F4761"/>
-                </a:solidFill>
-                <a:latin typeface="Times New Roman" panose="02020603050405020304" pitchFamily="18" charset="0"/>
-              </a:rPr>
-              <a:t>: Increasing the </a:t>
-            </a:r>
-            <a:r>
-              <a:rPr lang="en-US" b="1" i="0" u="none" strike="noStrike" kern="100" baseline="0">
-                <a:solidFill>
-                  <a:srgbClr val="0F4761"/>
-                </a:solidFill>
-                <a:latin typeface="Times New Roman" panose="02020603050405020304" pitchFamily="18" charset="0"/>
-              </a:rPr>
-              <a:t>observability of your SQL Server Estate is key to making informed decisions</a:t>
-            </a:r>
-            <a:r>
-              <a:rPr lang="en-US" b="0" i="0" u="none" strike="noStrike" kern="100" baseline="0">
-                <a:solidFill>
-                  <a:srgbClr val="0F4761"/>
-                </a:solidFill>
-                <a:latin typeface="Times New Roman" panose="02020603050405020304" pitchFamily="18" charset="0"/>
-              </a:rPr>
-              <a:t> [1, 2]. While many paid options exist, </a:t>
-            </a:r>
-            <a:r>
-              <a:rPr lang="en-US" b="1" i="0" u="none" strike="noStrike" kern="100" baseline="0">
-                <a:solidFill>
-                  <a:srgbClr val="0F4761"/>
-                </a:solidFill>
-                <a:latin typeface="Times New Roman" panose="02020603050405020304" pitchFamily="18" charset="0"/>
-              </a:rPr>
-              <a:t>"every tool is missing something"</a:t>
-            </a:r>
-            <a:r>
-              <a:rPr lang="en-US" b="0" i="0" u="none" strike="noStrike" kern="100" baseline="0">
-                <a:solidFill>
-                  <a:srgbClr val="0F4761"/>
-                </a:solidFill>
-                <a:latin typeface="Times New Roman" panose="02020603050405020304" pitchFamily="18" charset="0"/>
-              </a:rPr>
-              <a:t> [1, 2]. Learn how to </a:t>
-            </a:r>
-            <a:r>
-              <a:rPr lang="en-US" b="1" i="0" u="none" strike="noStrike" kern="100" baseline="0">
-                <a:solidFill>
-                  <a:srgbClr val="0F4761"/>
-                </a:solidFill>
-                <a:latin typeface="Times New Roman" panose="02020603050405020304" pitchFamily="18" charset="0"/>
-              </a:rPr>
-              <a:t>build a custom tool, for free</a:t>
-            </a:r>
-            <a:r>
-              <a:rPr lang="en-US" b="0" i="0" u="none" strike="noStrike" kern="100" baseline="0">
-                <a:solidFill>
-                  <a:srgbClr val="0F4761"/>
-                </a:solidFill>
-                <a:latin typeface="Times New Roman" panose="02020603050405020304" pitchFamily="18" charset="0"/>
-              </a:rPr>
-              <a:t>, to </a:t>
-            </a:r>
-            <a:r>
-              <a:rPr lang="en-US" b="1" i="0" u="none" strike="noStrike" kern="100" baseline="0">
-                <a:solidFill>
-                  <a:srgbClr val="0F4761"/>
-                </a:solidFill>
-                <a:latin typeface="Times New Roman" panose="02020603050405020304" pitchFamily="18" charset="0"/>
-              </a:rPr>
-              <a:t>monitor the specific metrics you care about</a:t>
-            </a:r>
-            <a:r>
-              <a:rPr lang="en-US" b="0" i="0" u="none" strike="noStrike" kern="100" baseline="0">
-                <a:solidFill>
-                  <a:srgbClr val="0F4761"/>
-                </a:solidFill>
-                <a:latin typeface="Times New Roman" panose="02020603050405020304" pitchFamily="18" charset="0"/>
-              </a:rPr>
-              <a:t> [1, 2].</a:t>
-            </a:r>
-          </a:p>
-          <a:p>
-            <a:pPr marR="0" lvl="0" rtl="0"/>
-            <a:r>
-              <a:rPr lang="en-US" b="0" i="0" u="none" strike="noStrike" kern="100" baseline="0">
-                <a:solidFill>
-                  <a:srgbClr val="0F4761"/>
-                </a:solidFill>
-                <a:latin typeface="Times New Roman" panose="02020603050405020304" pitchFamily="18" charset="0"/>
-              </a:rPr>
-              <a:t> </a:t>
-            </a:r>
-            <a:r>
-              <a:rPr lang="en-US" b="1" i="0" u="none" strike="noStrike" kern="100" baseline="0">
-                <a:solidFill>
-                  <a:srgbClr val="0F4761"/>
-                </a:solidFill>
-                <a:latin typeface="Times New Roman" panose="02020603050405020304" pitchFamily="18" charset="0"/>
-              </a:rPr>
-              <a:t>Target Audience</a:t>
-            </a:r>
-            <a:r>
-              <a:rPr lang="en-US" b="0" i="0" u="none" strike="noStrike" kern="100" baseline="0">
-                <a:solidFill>
-                  <a:srgbClr val="0F4761"/>
-                </a:solidFill>
-                <a:latin typeface="Times New Roman" panose="02020603050405020304" pitchFamily="18" charset="0"/>
-              </a:rPr>
-              <a:t>: </a:t>
-            </a:r>
-            <a:r>
-              <a:rPr lang="en-US" b="1" i="0" u="none" strike="noStrike" kern="100" baseline="0">
+              <a:rPr lang="en-US" i="0" kern="100" dirty="0">
+                <a:solidFill>
+                  <a:srgbClr val="0F4761"/>
+                </a:solidFill>
+                <a:latin typeface="Times New Roman" panose="02020603050405020304" pitchFamily="18" charset="0"/>
+              </a:rPr>
+              <a:t>100-200 - </a:t>
+            </a:r>
+            <a:r>
+              <a:rPr lang="en-US" b="1" i="0" u="none" strike="noStrike" kern="100" baseline="0" dirty="0">
                 <a:solidFill>
                   <a:srgbClr val="0F4761"/>
                 </a:solidFill>
@@ -4158,15 +3450,12 @@
               </a:rPr>
               <a:t>Database Administrators (DBAs) and Developers</a:t>
             </a:r>
-            <a:r>
-              <a:rPr lang="en-US" b="0" i="0" u="none" strike="noStrike" kern="100" baseline="0">
-                <a:solidFill>
-                  <a:srgbClr val="0F4761"/>
-                </a:solidFill>
-                <a:latin typeface="Times New Roman" panose="02020603050405020304" pitchFamily="18" charset="0"/>
-              </a:rPr>
-              <a:t> [1-3]</a:t>
-            </a:r>
+            <a:endParaRPr lang="en-US" b="0" i="0" u="none" strike="noStrike" kern="100" baseline="0" dirty="0">
+              <a:solidFill>
+                <a:srgbClr val="0F4761"/>
+              </a:solidFill>
+              <a:latin typeface="Times New Roman" panose="02020603050405020304" pitchFamily="18" charset="0"/>
+            </a:endParaRPr>
           </a:p>
         </p:txBody>
       </p:sp>
@@ -4205,7 +3494,7 @@
           <p:cNvPr id="2" name="Title 1">
             <a:extLst>
               <a:ext uri="{FF2B5EF4-FFF2-40B4-BE49-F238E27FC236}">
-                <a16:creationId xmlns:a16="http://schemas.microsoft.com/office/drawing/2014/main" id="{C7DC07F1-9A13-97E2-6F53-F92E7AD38A43}"/>
+                <a16:creationId xmlns:a16="http://schemas.microsoft.com/office/drawing/2014/main" id="{C4F6C270-A8F5-32AA-2CD4-134C7D696FD9}"/>
               </a:ext>
             </a:extLst>
           </p:cNvPr>
@@ -4223,13 +3512,13 @@
           <a:p>
             <a:pPr marR="0" rtl="0"/>
             <a:r>
-              <a:rPr lang="en-US" b="0" i="0" u="none" strike="noStrike" kern="100" baseline="0">
-                <a:solidFill>
-                  <a:srgbClr val="0F4761"/>
-                </a:solidFill>
-                <a:latin typeface="Times New Roman" panose="02020603050405020304" pitchFamily="18" charset="0"/>
-              </a:rPr>
-              <a:t>Slide 10: Part 2: SQL Server - Demonstration/Lab Prep</a:t>
+              <a:rPr lang="fr-FR" b="0" i="0" u="none" strike="noStrike" kern="100" baseline="0">
+                <a:solidFill>
+                  <a:srgbClr val="0F4761"/>
+                </a:solidFill>
+                <a:latin typeface="Times New Roman" panose="02020603050405020304" pitchFamily="18" charset="0"/>
+              </a:rPr>
+              <a:t>Slide 9: Part 2: SQL Server - Ingestion &amp; Maintenance</a:t>
             </a:r>
           </a:p>
         </p:txBody>
@@ -4239,7 +3528,7 @@
           <p:cNvPr id="3" name="Text Placeholder 2">
             <a:extLst>
               <a:ext uri="{FF2B5EF4-FFF2-40B4-BE49-F238E27FC236}">
-                <a16:creationId xmlns:a16="http://schemas.microsoft.com/office/drawing/2014/main" id="{D14D7AEF-8565-EF99-EE6E-98F3C0B02F6B}"/>
+                <a16:creationId xmlns:a16="http://schemas.microsoft.com/office/drawing/2014/main" id="{29CE66E4-11E3-7A37-07F0-862AF07B50B4}"/>
               </a:ext>
             </a:extLst>
           </p:cNvPr>
@@ -4272,16 +3561,16 @@
                 </a:solidFill>
                 <a:latin typeface="Times New Roman" panose="02020603050405020304" pitchFamily="18" charset="0"/>
               </a:rPr>
-              <a:t>Brief Demo</a:t>
-            </a:r>
-            <a:r>
-              <a:rPr lang="en-US" b="0" i="0" u="none" strike="noStrike" kern="100" baseline="0">
-                <a:solidFill>
-                  <a:srgbClr val="0F4761"/>
-                </a:solidFill>
-                <a:latin typeface="Times New Roman" panose="02020603050405020304" pitchFamily="18" charset="0"/>
-              </a:rPr>
-              <a:t>: Show the database schema and a few rows of collected data.</a:t>
+              <a:t>Ingestion Methods</a:t>
+            </a:r>
+            <a:r>
+              <a:rPr lang="en-US" b="0" i="0" u="none" strike="noStrike" kern="100" baseline="0">
+                <a:solidFill>
+                  <a:srgbClr val="0F4761"/>
+                </a:solidFill>
+                <a:latin typeface="Times New Roman" panose="02020603050405020304" pitchFamily="18" charset="0"/>
+              </a:rPr>
+              <a:t>: How Powershell will insert data into SQL Server (e.g., Invoke-Sqlcmd, Bulk Insert).</a:t>
             </a:r>
           </a:p>
           <a:p>
@@ -4302,16 +3591,16 @@
                 </a:solidFill>
                 <a:latin typeface="Times New Roman" panose="02020603050405020304" pitchFamily="18" charset="0"/>
               </a:rPr>
-              <a:t>Transition to Lab</a:t>
-            </a:r>
-            <a:r>
-              <a:rPr lang="en-US" b="0" i="0" u="none" strike="noStrike" kern="100" baseline="0">
-                <a:solidFill>
-                  <a:srgbClr val="0F4761"/>
-                </a:solidFill>
-                <a:latin typeface="Times New Roman" panose="02020603050405020304" pitchFamily="18" charset="0"/>
-              </a:rPr>
-              <a:t>: Guide attendees to populate their monitoring database.</a:t>
+              <a:t>SQL Server Agent Jobs</a:t>
+            </a:r>
+            <a:r>
+              <a:rPr lang="en-US" b="0" i="0" u="none" strike="noStrike" kern="100" baseline="0">
+                <a:solidFill>
+                  <a:srgbClr val="0F4761"/>
+                </a:solidFill>
+                <a:latin typeface="Times New Roman" panose="02020603050405020304" pitchFamily="18" charset="0"/>
+              </a:rPr>
+              <a:t>: Scheduling Powershell scripts for automated data collection.</a:t>
             </a:r>
           </a:p>
           <a:p>
@@ -4323,7 +3612,25 @@
                 </a:solidFill>
                 <a:latin typeface="Times New Roman" panose="02020603050405020304" pitchFamily="18" charset="0"/>
               </a:rPr>
-              <a:t>--------------------------------------------------------------------------------</a:t>
+              <a:t> </a:t>
+            </a:r>
+            <a:r>
+              <a:rPr lang="en-US" b="1" i="0" u="none" strike="noStrike" kern="100" baseline="0">
+                <a:solidFill>
+                  <a:srgbClr val="0F4761"/>
+                </a:solidFill>
+                <a:latin typeface="Times New Roman" panose="02020603050405020304" pitchFamily="18" charset="0"/>
+              </a:rPr>
+              <a:t>Maintenance Tasks</a:t>
+            </a:r>
+            <a:r>
+              <a:rPr lang="en-US" b="0" i="0" u="none" strike="noStrike" kern="100" baseline="0">
+                <a:solidFill>
+                  <a:srgbClr val="0F4761"/>
+                </a:solidFill>
+                <a:latin typeface="Times New Roman" panose="02020603050405020304" pitchFamily="18" charset="0"/>
+              </a:rPr>
+              <a:t>: Backup, index maintenance, and cleanup.</a:t>
             </a:r>
           </a:p>
         </p:txBody>
@@ -4331,7 +3638,7 @@
     </p:spTree>
     <p:extLst>
       <p:ext uri="{BB962C8B-B14F-4D97-AF65-F5344CB8AC3E}">
-        <p14:creationId xmlns:p14="http://schemas.microsoft.com/office/powerpoint/2010/main" val="4097416305"/>
+        <p14:creationId xmlns:p14="http://schemas.microsoft.com/office/powerpoint/2010/main" val="3579246247"/>
       </p:ext>
     </p:extLst>
   </p:cSld>
@@ -4363,7 +3670,7 @@
           <p:cNvPr id="2" name="Title 1">
             <a:extLst>
               <a:ext uri="{FF2B5EF4-FFF2-40B4-BE49-F238E27FC236}">
-                <a16:creationId xmlns:a16="http://schemas.microsoft.com/office/drawing/2014/main" id="{164E4D37-A06C-D62C-DBE6-F18C259232AE}"/>
+                <a16:creationId xmlns:a16="http://schemas.microsoft.com/office/drawing/2014/main" id="{C7DC07F1-9A13-97E2-6F53-F92E7AD38A43}"/>
               </a:ext>
             </a:extLst>
           </p:cNvPr>
@@ -4387,7 +3694,7 @@
                 </a:solidFill>
                 <a:latin typeface="Times New Roman" panose="02020603050405020304" pitchFamily="18" charset="0"/>
               </a:rPr>
-              <a:t>Slide 11: Part 3: PowerBI to Visualize Your Data - Introduction</a:t>
+              <a:t>Slide 10: Part 2: SQL Server - Demonstration/Lab Prep</a:t>
             </a:r>
           </a:p>
         </p:txBody>
@@ -4397,7 +3704,7 @@
           <p:cNvPr id="3" name="Text Placeholder 2">
             <a:extLst>
               <a:ext uri="{FF2B5EF4-FFF2-40B4-BE49-F238E27FC236}">
-                <a16:creationId xmlns:a16="http://schemas.microsoft.com/office/drawing/2014/main" id="{FB5035E7-6646-8A3C-7A31-B9025CE38FC4}"/>
+                <a16:creationId xmlns:a16="http://schemas.microsoft.com/office/drawing/2014/main" id="{D14D7AEF-8565-EF99-EE6E-98F3C0B02F6B}"/>
               </a:ext>
             </a:extLst>
           </p:cNvPr>
@@ -4415,7 +3722,7 @@
           <a:p>
             <a:pPr marR="0" lvl="0" rtl="0"/>
             <a:r>
-              <a:rPr lang="en-US" b="0" i="0" u="none" strike="noStrike" kern="100" baseline="0">
+              <a:rPr lang="en-US" b="0" i="0" u="none" strike="noStrike" kern="100" baseline="0" dirty="0">
                 <a:solidFill>
                   <a:srgbClr val="0F4761"/>
                 </a:solidFill>
@@ -4424,46 +3731,28 @@
               <a:t> </a:t>
             </a:r>
             <a:r>
-              <a:rPr lang="en-US" b="1" i="0" u="none" strike="noStrike" kern="100" baseline="0">
-                <a:solidFill>
-                  <a:srgbClr val="0F4761"/>
-                </a:solidFill>
-                <a:latin typeface="Times New Roman" panose="02020603050405020304" pitchFamily="18" charset="0"/>
-              </a:rPr>
-              <a:t>Purpose</a:t>
-            </a:r>
-            <a:r>
-              <a:rPr lang="en-US" b="0" i="0" u="none" strike="noStrike" kern="100" baseline="0">
-                <a:solidFill>
-                  <a:srgbClr val="0F4761"/>
-                </a:solidFill>
-                <a:latin typeface="Times New Roman" panose="02020603050405020304" pitchFamily="18" charset="0"/>
-              </a:rPr>
-              <a:t>: </a:t>
-            </a:r>
-            <a:r>
-              <a:rPr lang="en-US" b="1" i="0" u="none" strike="noStrike" kern="100" baseline="0">
-                <a:solidFill>
-                  <a:srgbClr val="0F4761"/>
-                </a:solidFill>
-                <a:latin typeface="Times New Roman" panose="02020603050405020304" pitchFamily="18" charset="0"/>
-              </a:rPr>
-              <a:t>Creating interactive and insightful visualizations</a:t>
-            </a:r>
-            <a:r>
-              <a:rPr lang="en-US" b="0" i="0" u="none" strike="noStrike" kern="100" baseline="0">
-                <a:solidFill>
-                  <a:srgbClr val="0F4761"/>
-                </a:solidFill>
-                <a:latin typeface="Times New Roman" panose="02020603050405020304" pitchFamily="18" charset="0"/>
-              </a:rPr>
-              <a:t> of the collected data [2, 4].</a:t>
+              <a:rPr lang="en-US" b="1" i="0" u="none" strike="noStrike" kern="100" baseline="0" dirty="0">
+                <a:solidFill>
+                  <a:srgbClr val="0F4761"/>
+                </a:solidFill>
+                <a:latin typeface="Times New Roman" panose="02020603050405020304" pitchFamily="18" charset="0"/>
+              </a:rPr>
+              <a:t>Brief Demo</a:t>
+            </a:r>
+            <a:r>
+              <a:rPr lang="en-US" b="0" i="0" u="none" strike="noStrike" kern="100" baseline="0" dirty="0">
+                <a:solidFill>
+                  <a:srgbClr val="0F4761"/>
+                </a:solidFill>
+                <a:latin typeface="Times New Roman" panose="02020603050405020304" pitchFamily="18" charset="0"/>
+              </a:rPr>
+              <a:t>: Show the database schema and a few rows of collected data.</a:t>
             </a:r>
           </a:p>
           <a:p>
             <a:pPr marR="0" lvl="0" rtl="0"/>
             <a:r>
-              <a:rPr lang="en-US" b="0" i="0" u="none" strike="noStrike" kern="100" baseline="0">
+              <a:rPr lang="en-US" b="0" i="0" u="none" strike="noStrike" kern="100" baseline="0" dirty="0">
                 <a:solidFill>
                   <a:srgbClr val="0F4761"/>
                 </a:solidFill>
@@ -4472,124 +3761,22 @@
               <a:t> </a:t>
             </a:r>
             <a:r>
-              <a:rPr lang="en-US" b="1" i="0" u="none" strike="noStrike" kern="100" baseline="0">
-                <a:solidFill>
-                  <a:srgbClr val="0F4761"/>
-                </a:solidFill>
-                <a:latin typeface="Times New Roman" panose="02020603050405020304" pitchFamily="18" charset="0"/>
-              </a:rPr>
-              <a:t>Why PowerBI?</a:t>
-            </a:r>
-            <a:r>
-              <a:rPr lang="en-US" b="0" i="0" u="none" strike="noStrike" kern="100" baseline="0">
-                <a:solidFill>
-                  <a:srgbClr val="0F4761"/>
-                </a:solidFill>
-                <a:latin typeface="Times New Roman" panose="02020603050405020304" pitchFamily="18" charset="0"/>
-              </a:rPr>
-              <a:t>: Enables </a:t>
-            </a:r>
-            <a:r>
-              <a:rPr lang="en-US" b="1" i="0" u="none" strike="noStrike" kern="100" baseline="0">
-                <a:solidFill>
-                  <a:srgbClr val="0F4761"/>
-                </a:solidFill>
-                <a:latin typeface="Times New Roman" panose="02020603050405020304" pitchFamily="18" charset="0"/>
-              </a:rPr>
-              <a:t>easy interpretation of complex data</a:t>
-            </a:r>
-            <a:r>
-              <a:rPr lang="en-US" b="0" i="0" u="none" strike="noStrike" kern="100" baseline="0">
-                <a:solidFill>
-                  <a:srgbClr val="0F4761"/>
-                </a:solidFill>
-                <a:latin typeface="Times New Roman" panose="02020603050405020304" pitchFamily="18" charset="0"/>
-              </a:rPr>
-              <a:t> [2, 4].</a:t>
-            </a:r>
-          </a:p>
-          <a:p>
-            <a:pPr marR="0" lvl="0" rtl="0"/>
-            <a:r>
-              <a:rPr lang="en-US" b="0" i="0" u="none" strike="noStrike" kern="100" baseline="0">
-                <a:solidFill>
-                  <a:srgbClr val="0F4761"/>
-                </a:solidFill>
-                <a:latin typeface="Times New Roman" panose="02020603050405020304" pitchFamily="18" charset="0"/>
-              </a:rPr>
-              <a:t> </a:t>
-            </a:r>
-            <a:r>
-              <a:rPr lang="en-US" b="1" i="0" u="none" strike="noStrike" kern="100" baseline="0">
-                <a:solidFill>
-                  <a:srgbClr val="0F4761"/>
-                </a:solidFill>
-                <a:latin typeface="Times New Roman" panose="02020603050405020304" pitchFamily="18" charset="0"/>
-              </a:rPr>
-              <a:t>Benefits</a:t>
-            </a:r>
-            <a:r>
-              <a:rPr lang="en-US" b="0" i="0" u="none" strike="noStrike" kern="100" baseline="0">
-                <a:solidFill>
-                  <a:srgbClr val="0F4761"/>
-                </a:solidFill>
-                <a:latin typeface="Times New Roman" panose="02020603050405020304" pitchFamily="18" charset="0"/>
-              </a:rPr>
-              <a:t>: Helps </a:t>
-            </a:r>
-            <a:r>
-              <a:rPr lang="en-US" b="1" i="0" u="none" strike="noStrike" kern="100" baseline="0">
-                <a:solidFill>
-                  <a:srgbClr val="0F4761"/>
-                </a:solidFill>
-                <a:latin typeface="Times New Roman" panose="02020603050405020304" pitchFamily="18" charset="0"/>
-              </a:rPr>
-              <a:t>identify performance bottlenecks</a:t>
-            </a:r>
-            <a:r>
-              <a:rPr lang="en-US" b="0" i="0" u="none" strike="noStrike" kern="100" baseline="0">
-                <a:solidFill>
-                  <a:srgbClr val="0F4761"/>
-                </a:solidFill>
-                <a:latin typeface="Times New Roman" panose="02020603050405020304" pitchFamily="18" charset="0"/>
-              </a:rPr>
-              <a:t>, </a:t>
-            </a:r>
-            <a:r>
-              <a:rPr lang="en-US" b="1" i="0" u="none" strike="noStrike" kern="100" baseline="0">
-                <a:solidFill>
-                  <a:srgbClr val="0F4761"/>
-                </a:solidFill>
-                <a:latin typeface="Times New Roman" panose="02020603050405020304" pitchFamily="18" charset="0"/>
-              </a:rPr>
-              <a:t>monitor trends</a:t>
-            </a:r>
-            <a:r>
-              <a:rPr lang="en-US" b="0" i="0" u="none" strike="noStrike" kern="100" baseline="0">
-                <a:solidFill>
-                  <a:srgbClr val="0F4761"/>
-                </a:solidFill>
-                <a:latin typeface="Times New Roman" panose="02020603050405020304" pitchFamily="18" charset="0"/>
-              </a:rPr>
-              <a:t>, and gain a </a:t>
-            </a:r>
-            <a:r>
-              <a:rPr lang="en-US" b="1" i="0" u="none" strike="noStrike" kern="100" baseline="0">
-                <a:solidFill>
-                  <a:srgbClr val="0F4761"/>
-                </a:solidFill>
-                <a:latin typeface="Times New Roman" panose="02020603050405020304" pitchFamily="18" charset="0"/>
-              </a:rPr>
-              <a:t>clear, at-a-glance understanding</a:t>
-            </a:r>
-            <a:r>
-              <a:rPr lang="en-US" b="0" i="0" u="none" strike="noStrike" kern="100" baseline="0">
-                <a:solidFill>
-                  <a:srgbClr val="0F4761"/>
-                </a:solidFill>
-                <a:latin typeface="Times New Roman" panose="02020603050405020304" pitchFamily="18" charset="0"/>
-              </a:rPr>
-              <a:t> of your SQL Server estate's status [2, 4].</a:t>
+              <a:rPr lang="en-US" b="1" i="0" u="none" strike="noStrike" kern="100" baseline="0" dirty="0">
+                <a:solidFill>
+                  <a:srgbClr val="0F4761"/>
+                </a:solidFill>
+                <a:latin typeface="Times New Roman" panose="02020603050405020304" pitchFamily="18" charset="0"/>
+              </a:rPr>
+              <a:t>Transition to Lab</a:t>
+            </a:r>
+            <a:r>
+              <a:rPr lang="en-US" b="0" i="0" u="none" strike="noStrike" kern="100" baseline="0" dirty="0">
+                <a:solidFill>
+                  <a:srgbClr val="0F4761"/>
+                </a:solidFill>
+                <a:latin typeface="Times New Roman" panose="02020603050405020304" pitchFamily="18" charset="0"/>
+              </a:rPr>
+              <a:t>: Guide attendees to populate their monitoring database.</a:t>
             </a:r>
           </a:p>
         </p:txBody>
@@ -4597,7 +3784,7 @@
     </p:spTree>
     <p:extLst>
       <p:ext uri="{BB962C8B-B14F-4D97-AF65-F5344CB8AC3E}">
-        <p14:creationId xmlns:p14="http://schemas.microsoft.com/office/powerpoint/2010/main" val="1747642976"/>
+        <p14:creationId xmlns:p14="http://schemas.microsoft.com/office/powerpoint/2010/main" val="4097416305"/>
       </p:ext>
     </p:extLst>
   </p:cSld>
@@ -4629,7 +3816,7 @@
           <p:cNvPr id="2" name="Title 1">
             <a:extLst>
               <a:ext uri="{FF2B5EF4-FFF2-40B4-BE49-F238E27FC236}">
-                <a16:creationId xmlns:a16="http://schemas.microsoft.com/office/drawing/2014/main" id="{2EDF5AFC-1855-B5AA-A241-BC1CE93A9C81}"/>
+                <a16:creationId xmlns:a16="http://schemas.microsoft.com/office/drawing/2014/main" id="{8C861E73-C46B-21A4-B723-B904DCB3A417}"/>
               </a:ext>
             </a:extLst>
           </p:cNvPr>
@@ -4653,7 +3840,7 @@
                 </a:solidFill>
                 <a:latin typeface="Times New Roman" panose="02020603050405020304" pitchFamily="18" charset="0"/>
               </a:rPr>
-              <a:t>Slide 12: Part 3: PowerBI - Connecting &amp; Transforming Data</a:t>
+              <a:t>Lab 2: SQL Server to Host Your Data (Approx. 10-15 minutes)</a:t>
             </a:r>
           </a:p>
         </p:txBody>
@@ -4663,7 +3850,7 @@
           <p:cNvPr id="3" name="Text Placeholder 2">
             <a:extLst>
               <a:ext uri="{FF2B5EF4-FFF2-40B4-BE49-F238E27FC236}">
-                <a16:creationId xmlns:a16="http://schemas.microsoft.com/office/drawing/2014/main" id="{69544E8B-C604-BCF7-0AE3-0BA779769181}"/>
+                <a16:creationId xmlns:a16="http://schemas.microsoft.com/office/drawing/2014/main" id="{C16F8E84-8D76-42D1-4DDC-C31BE1798A10}"/>
               </a:ext>
             </a:extLst>
           </p:cNvPr>
@@ -4676,7 +3863,9 @@
         </p:nvSpPr>
         <p:spPr/>
         <p:txBody>
-          <a:bodyPr/>
+          <a:bodyPr>
+            <a:normAutofit fontScale="77500" lnSpcReduction="20000"/>
+          </a:bodyPr>
           <a:lstStyle/>
           <a:p>
             <a:pPr marR="0" lvl="0" rtl="0"/>
@@ -4696,16 +3885,16 @@
                 </a:solidFill>
                 <a:latin typeface="Times New Roman" panose="02020603050405020304" pitchFamily="18" charset="0"/>
               </a:rPr>
-              <a:t>Connecting to SQL Server</a:t>
-            </a:r>
-            <a:r>
-              <a:rPr lang="en-US" b="0" i="0" u="none" strike="noStrike" kern="100" baseline="0">
-                <a:solidFill>
-                  <a:srgbClr val="0F4761"/>
-                </a:solidFill>
-                <a:latin typeface="Times New Roman" panose="02020603050405020304" pitchFamily="18" charset="0"/>
-              </a:rPr>
-              <a:t>: Using PowerBI Desktop to connect to your monitoring database.</a:t>
+              <a:t>Objective</a:t>
+            </a:r>
+            <a:r>
+              <a:rPr lang="en-US" b="0" i="0" u="none" strike="noStrike" kern="100" baseline="0">
+                <a:solidFill>
+                  <a:srgbClr val="0F4761"/>
+                </a:solidFill>
+                <a:latin typeface="Times New Roman" panose="02020603050405020304" pitchFamily="18" charset="0"/>
+              </a:rPr>
+              <a:t>: To create a simple table in a SQL Server database and manually insert data collected from the previous lab.</a:t>
             </a:r>
           </a:p>
           <a:p>
@@ -4726,16 +3915,16 @@
                 </a:solidFill>
                 <a:latin typeface="Times New Roman" panose="02020603050405020304" pitchFamily="18" charset="0"/>
               </a:rPr>
-              <a:t>Querying Data</a:t>
-            </a:r>
-            <a:r>
-              <a:rPr lang="en-US" b="0" i="0" u="none" strike="noStrike" kern="100" baseline="0">
-                <a:solidFill>
-                  <a:srgbClr val="0F4761"/>
-                </a:solidFill>
-                <a:latin typeface="Times New Roman" panose="02020603050405020304" pitchFamily="18" charset="0"/>
-              </a:rPr>
-              <a:t>: Building T-SQL queries for specific reports (e.g., CPU usage over time, disk space trends).</a:t>
+              <a:t>Task</a:t>
+            </a:r>
+            <a:r>
+              <a:rPr lang="en-US" b="0" i="0" u="none" strike="noStrike" kern="100" baseline="0">
+                <a:solidFill>
+                  <a:srgbClr val="0F4761"/>
+                </a:solidFill>
+                <a:latin typeface="Times New Roman" panose="02020603050405020304" pitchFamily="18" charset="0"/>
+              </a:rPr>
+              <a:t>:</a:t>
             </a:r>
           </a:p>
           <a:p>
@@ -4747,6 +3936,156 @@
                 </a:solidFill>
                 <a:latin typeface="Times New Roman" panose="02020603050405020304" pitchFamily="18" charset="0"/>
               </a:rPr>
+              <a:t>    1. </a:t>
+            </a:r>
+            <a:r>
+              <a:rPr lang="en-US" b="1" i="0" u="none" strike="noStrike" kern="100" baseline="0">
+                <a:solidFill>
+                  <a:srgbClr val="0F4761"/>
+                </a:solidFill>
+                <a:latin typeface="Times New Roman" panose="02020603050405020304" pitchFamily="18" charset="0"/>
+              </a:rPr>
+              <a:t>Connect to your SQL Server instance</a:t>
+            </a:r>
+            <a:r>
+              <a:rPr lang="en-US" b="0" i="0" u="none" strike="noStrike" kern="100" baseline="0">
+                <a:solidFill>
+                  <a:srgbClr val="0F4761"/>
+                </a:solidFill>
+                <a:latin typeface="Times New Roman" panose="02020603050405020304" pitchFamily="18" charset="0"/>
+              </a:rPr>
+              <a:t> using SQL Server Management Studio (SSMS).</a:t>
+            </a:r>
+          </a:p>
+          <a:p>
+            <a:pPr marR="0" lvl="0" rtl="0"/>
+            <a:r>
+              <a:rPr lang="en-US" b="0" i="0" u="none" strike="noStrike" kern="100" baseline="0">
+                <a:solidFill>
+                  <a:srgbClr val="0F4761"/>
+                </a:solidFill>
+                <a:latin typeface="Times New Roman" panose="02020603050405020304" pitchFamily="18" charset="0"/>
+              </a:rPr>
+              <a:t>    2. </a:t>
+            </a:r>
+            <a:r>
+              <a:rPr lang="en-US" b="1" i="0" u="none" strike="noStrike" kern="100" baseline="0">
+                <a:solidFill>
+                  <a:srgbClr val="0F4761"/>
+                </a:solidFill>
+                <a:latin typeface="Times New Roman" panose="02020603050405020304" pitchFamily="18" charset="0"/>
+              </a:rPr>
+              <a:t>Create a new database</a:t>
+            </a:r>
+            <a:r>
+              <a:rPr lang="en-US" b="0" i="0" u="none" strike="noStrike" kern="100" baseline="0">
+                <a:solidFill>
+                  <a:srgbClr val="0F4761"/>
+                </a:solidFill>
+                <a:latin typeface="Times New Roman" panose="02020603050405020304" pitchFamily="18" charset="0"/>
+              </a:rPr>
+              <a:t> specifically for monitoring (e.g., SQLMonitorDB).</a:t>
+            </a:r>
+          </a:p>
+          <a:p>
+            <a:pPr marR="0" lvl="0" rtl="0"/>
+            <a:r>
+              <a:rPr lang="en-US" b="0" i="0" u="none" strike="noStrike" kern="100" baseline="0">
+                <a:solidFill>
+                  <a:srgbClr val="0F4761"/>
+                </a:solidFill>
+                <a:latin typeface="Times New Roman" panose="02020603050405020304" pitchFamily="18" charset="0"/>
+              </a:rPr>
+              <a:t>    3. </a:t>
+            </a:r>
+            <a:r>
+              <a:rPr lang="en-US" b="1" i="0" u="none" strike="noStrike" kern="100" baseline="0">
+                <a:solidFill>
+                  <a:srgbClr val="0F4761"/>
+                </a:solidFill>
+                <a:latin typeface="Times New Roman" panose="02020603050405020304" pitchFamily="18" charset="0"/>
+              </a:rPr>
+              <a:t>Create a table</a:t>
+            </a:r>
+            <a:r>
+              <a:rPr lang="en-US" b="0" i="0" u="none" strike="noStrike" kern="100" baseline="0">
+                <a:solidFill>
+                  <a:srgbClr val="0F4761"/>
+                </a:solidFill>
+                <a:latin typeface="Times New Roman" panose="02020603050405020304" pitchFamily="18" charset="0"/>
+              </a:rPr>
+              <a:t> within SQLMonitorDB (e.g., dbo.CpuHistory) with appropriate columns to store the CPU utilization and a timestamp.</a:t>
+            </a:r>
+          </a:p>
+          <a:p>
+            <a:pPr marR="0" lvl="0" rtl="0"/>
+            <a:r>
+              <a:rPr lang="en-US" b="0" i="0" u="none" strike="noStrike" kern="100" baseline="0">
+                <a:solidFill>
+                  <a:srgbClr val="0F4761"/>
+                </a:solidFill>
+                <a:latin typeface="Times New Roman" panose="02020603050405020304" pitchFamily="18" charset="0"/>
+              </a:rPr>
+              <a:t>    4. </a:t>
+            </a:r>
+            <a:r>
+              <a:rPr lang="en-US" b="1" i="0" u="none" strike="noStrike" kern="100" baseline="0">
+                <a:solidFill>
+                  <a:srgbClr val="0F4761"/>
+                </a:solidFill>
+                <a:latin typeface="Times New Roman" panose="02020603050405020304" pitchFamily="18" charset="0"/>
+              </a:rPr>
+              <a:t>Write and execute an INSERT statement</a:t>
+            </a:r>
+            <a:r>
+              <a:rPr lang="en-US" b="0" i="0" u="none" strike="noStrike" kern="100" baseline="0">
+                <a:solidFill>
+                  <a:srgbClr val="0F4761"/>
+                </a:solidFill>
+                <a:latin typeface="Times New Roman" panose="02020603050405020304" pitchFamily="18" charset="0"/>
+              </a:rPr>
+              <a:t> to manually add a few rows of sample CPU data into your new dbo.CpuHistory table, mimicking data collected by Powershell.</a:t>
+            </a:r>
+          </a:p>
+          <a:p>
+            <a:pPr marR="0" lvl="0" rtl="0"/>
+            <a:r>
+              <a:rPr lang="en-US" b="0" i="0" u="none" strike="noStrike" kern="100" baseline="0">
+                <a:solidFill>
+                  <a:srgbClr val="0F4761"/>
+                </a:solidFill>
+                <a:latin typeface="Times New Roman" panose="02020603050405020304" pitchFamily="18" charset="0"/>
+              </a:rPr>
+              <a:t>    5. </a:t>
+            </a:r>
+            <a:r>
+              <a:rPr lang="en-US" b="1" i="0" u="none" strike="noStrike" kern="100" baseline="0">
+                <a:solidFill>
+                  <a:srgbClr val="0F4761"/>
+                </a:solidFill>
+                <a:latin typeface="Times New Roman" panose="02020603050405020304" pitchFamily="18" charset="0"/>
+              </a:rPr>
+              <a:t>Run a SELECT query</a:t>
+            </a:r>
+            <a:r>
+              <a:rPr lang="en-US" b="0" i="0" u="none" strike="noStrike" kern="100" baseline="0">
+                <a:solidFill>
+                  <a:srgbClr val="0F4761"/>
+                </a:solidFill>
+                <a:latin typeface="Times New Roman" panose="02020603050405020304" pitchFamily="18" charset="0"/>
+              </a:rPr>
+              <a:t> to verify the data is stored [2, 4].</a:t>
+            </a:r>
+          </a:p>
+          <a:p>
+            <a:pPr marR="0" lvl="0" rtl="0"/>
+            <a:r>
+              <a:rPr lang="en-US" b="0" i="0" u="none" strike="noStrike" kern="100" baseline="0">
+                <a:solidFill>
+                  <a:srgbClr val="0F4761"/>
+                </a:solidFill>
+                <a:latin typeface="Times New Roman" panose="02020603050405020304" pitchFamily="18" charset="0"/>
+              </a:rPr>
               <a:t> </a:t>
             </a:r>
             <a:r>
@@ -4756,16 +4095,34 @@
                 </a:solidFill>
                 <a:latin typeface="Times New Roman" panose="02020603050405020304" pitchFamily="18" charset="0"/>
               </a:rPr>
-              <a:t>Data Transformation (Power Query)</a:t>
-            </a:r>
-            <a:r>
-              <a:rPr lang="en-US" b="0" i="0" u="none" strike="noStrike" kern="100" baseline="0">
-                <a:solidFill>
-                  <a:srgbClr val="0F4761"/>
-                </a:solidFill>
-                <a:latin typeface="Times New Roman" panose="02020603050405020304" pitchFamily="18" charset="0"/>
-              </a:rPr>
-              <a:t>: Cleaning, shaping, and combining data for optimal visualization.</a:t>
+              <a:t>Learning Outcome</a:t>
+            </a:r>
+            <a:r>
+              <a:rPr lang="en-US" b="0" i="0" u="none" strike="noStrike" kern="100" baseline="0">
+                <a:solidFill>
+                  <a:srgbClr val="0F4761"/>
+                </a:solidFill>
+                <a:latin typeface="Times New Roman" panose="02020603050405020304" pitchFamily="18" charset="0"/>
+              </a:rPr>
+              <a:t>: Grasp the concept of SQL Server as a </a:t>
+            </a:r>
+            <a:r>
+              <a:rPr lang="en-US" b="1" i="0" u="none" strike="noStrike" kern="100" baseline="0">
+                <a:solidFill>
+                  <a:srgbClr val="0F4761"/>
+                </a:solidFill>
+                <a:latin typeface="Times New Roman" panose="02020603050405020304" pitchFamily="18" charset="0"/>
+              </a:rPr>
+              <a:t>central repository for structured storage of historical information</a:t>
+            </a:r>
+            <a:r>
+              <a:rPr lang="en-US" b="0" i="0" u="none" strike="noStrike" kern="100" baseline="0">
+                <a:solidFill>
+                  <a:srgbClr val="0F4761"/>
+                </a:solidFill>
+                <a:latin typeface="Times New Roman" panose="02020603050405020304" pitchFamily="18" charset="0"/>
+              </a:rPr>
+              <a:t> [2, 4].</a:t>
             </a:r>
           </a:p>
         </p:txBody>
@@ -4773,7 +4130,7 @@
     </p:spTree>
     <p:extLst>
       <p:ext uri="{BB962C8B-B14F-4D97-AF65-F5344CB8AC3E}">
-        <p14:creationId xmlns:p14="http://schemas.microsoft.com/office/powerpoint/2010/main" val="3201385034"/>
+        <p14:creationId xmlns:p14="http://schemas.microsoft.com/office/powerpoint/2010/main" val="2248362403"/>
       </p:ext>
     </p:extLst>
   </p:cSld>
@@ -4805,7 +4162,7 @@
           <p:cNvPr id="2" name="Title 1">
             <a:extLst>
               <a:ext uri="{FF2B5EF4-FFF2-40B4-BE49-F238E27FC236}">
-                <a16:creationId xmlns:a16="http://schemas.microsoft.com/office/drawing/2014/main" id="{39F19C1E-E2D9-6C9B-B0C9-0B08C184446F}"/>
+                <a16:creationId xmlns:a16="http://schemas.microsoft.com/office/drawing/2014/main" id="{164E4D37-A06C-D62C-DBE6-F18C259232AE}"/>
               </a:ext>
             </a:extLst>
           </p:cNvPr>
@@ -4829,7 +4186,7 @@
                 </a:solidFill>
                 <a:latin typeface="Times New Roman" panose="02020603050405020304" pitchFamily="18" charset="0"/>
               </a:rPr>
-              <a:t>Slide 13: Part 3: PowerBI - Creating Visualizations</a:t>
+              <a:t>Slide 11: Part 3: PowerBI to Visualize Your Data - Introduction</a:t>
             </a:r>
           </a:p>
         </p:txBody>
@@ -4839,7 +4196,7 @@
           <p:cNvPr id="3" name="Text Placeholder 2">
             <a:extLst>
               <a:ext uri="{FF2B5EF4-FFF2-40B4-BE49-F238E27FC236}">
-                <a16:creationId xmlns:a16="http://schemas.microsoft.com/office/drawing/2014/main" id="{3F606311-21BA-022C-536D-2D90826DD310}"/>
+                <a16:creationId xmlns:a16="http://schemas.microsoft.com/office/drawing/2014/main" id="{FB5035E7-6646-8A3C-7A31-B9025CE38FC4}"/>
               </a:ext>
             </a:extLst>
           </p:cNvPr>
@@ -4872,16 +4229,34 @@
                 </a:solidFill>
                 <a:latin typeface="Times New Roman" panose="02020603050405020304" pitchFamily="18" charset="0"/>
               </a:rPr>
-              <a:t>Choosing the Right Visual</a:t>
-            </a:r>
-            <a:r>
-              <a:rPr lang="en-US" b="0" i="0" u="none" strike="noStrike" kern="100" baseline="0">
-                <a:solidFill>
-                  <a:srgbClr val="0F4761"/>
-                </a:solidFill>
-                <a:latin typeface="Times New Roman" panose="02020603050405020304" pitchFamily="18" charset="0"/>
-              </a:rPr>
-              <a:t>: Bar charts, line charts, tables, gauges for different metrics.</a:t>
+              <a:t>Purpose</a:t>
+            </a:r>
+            <a:r>
+              <a:rPr lang="en-US" b="0" i="0" u="none" strike="noStrike" kern="100" baseline="0">
+                <a:solidFill>
+                  <a:srgbClr val="0F4761"/>
+                </a:solidFill>
+                <a:latin typeface="Times New Roman" panose="02020603050405020304" pitchFamily="18" charset="0"/>
+              </a:rPr>
+              <a:t>: </a:t>
+            </a:r>
+            <a:r>
+              <a:rPr lang="en-US" b="1" i="0" u="none" strike="noStrike" kern="100" baseline="0">
+                <a:solidFill>
+                  <a:srgbClr val="0F4761"/>
+                </a:solidFill>
+                <a:latin typeface="Times New Roman" panose="02020603050405020304" pitchFamily="18" charset="0"/>
+              </a:rPr>
+              <a:t>Creating interactive and insightful visualizations</a:t>
+            </a:r>
+            <a:r>
+              <a:rPr lang="en-US" b="0" i="0" u="none" strike="noStrike" kern="100" baseline="0">
+                <a:solidFill>
+                  <a:srgbClr val="0F4761"/>
+                </a:solidFill>
+                <a:latin typeface="Times New Roman" panose="02020603050405020304" pitchFamily="18" charset="0"/>
+              </a:rPr>
+              <a:t> of the collected data [2, 4].</a:t>
             </a:r>
           </a:p>
           <a:p>
@@ -4902,16 +4277,34 @@
                 </a:solidFill>
                 <a:latin typeface="Times New Roman" panose="02020603050405020304" pitchFamily="18" charset="0"/>
               </a:rPr>
-              <a:t>Designing Effective Dashboards</a:t>
-            </a:r>
-            <a:r>
-              <a:rPr lang="en-US" b="0" i="0" u="none" strike="noStrike" kern="100" baseline="0">
-                <a:solidFill>
-                  <a:srgbClr val="0F4761"/>
-                </a:solidFill>
-                <a:latin typeface="Times New Roman" panose="02020603050405020304" pitchFamily="18" charset="0"/>
-              </a:rPr>
-              <a:t>: Layout, interactivity, filtering.</a:t>
+              <a:t>Why PowerBI?</a:t>
+            </a:r>
+            <a:r>
+              <a:rPr lang="en-US" b="0" i="0" u="none" strike="noStrike" kern="100" baseline="0">
+                <a:solidFill>
+                  <a:srgbClr val="0F4761"/>
+                </a:solidFill>
+                <a:latin typeface="Times New Roman" panose="02020603050405020304" pitchFamily="18" charset="0"/>
+              </a:rPr>
+              <a:t>: Enables </a:t>
+            </a:r>
+            <a:r>
+              <a:rPr lang="en-US" b="1" i="0" u="none" strike="noStrike" kern="100" baseline="0">
+                <a:solidFill>
+                  <a:srgbClr val="0F4761"/>
+                </a:solidFill>
+                <a:latin typeface="Times New Roman" panose="02020603050405020304" pitchFamily="18" charset="0"/>
+              </a:rPr>
+              <a:t>easy interpretation of complex data</a:t>
+            </a:r>
+            <a:r>
+              <a:rPr lang="en-US" b="0" i="0" u="none" strike="noStrike" kern="100" baseline="0">
+                <a:solidFill>
+                  <a:srgbClr val="0F4761"/>
+                </a:solidFill>
+                <a:latin typeface="Times New Roman" panose="02020603050405020304" pitchFamily="18" charset="0"/>
+              </a:rPr>
+              <a:t> [2, 4].</a:t>
             </a:r>
           </a:p>
           <a:p>
@@ -4932,16 +4325,70 @@
                 </a:solidFill>
                 <a:latin typeface="Times New Roman" panose="02020603050405020304" pitchFamily="18" charset="0"/>
               </a:rPr>
-              <a:t>Examples</a:t>
-            </a:r>
-            <a:r>
-              <a:rPr lang="en-US" b="0" i="0" u="none" strike="noStrike" kern="100" baseline="0">
-                <a:solidFill>
-                  <a:srgbClr val="0F4761"/>
-                </a:solidFill>
-                <a:latin typeface="Times New Roman" panose="02020603050405020304" pitchFamily="18" charset="0"/>
-              </a:rPr>
-              <a:t>: CPU utilization dashboard, Disk Space trending report, SQL Agent Job status monitor.</a:t>
+              <a:t>Benefits</a:t>
+            </a:r>
+            <a:r>
+              <a:rPr lang="en-US" b="0" i="0" u="none" strike="noStrike" kern="100" baseline="0">
+                <a:solidFill>
+                  <a:srgbClr val="0F4761"/>
+                </a:solidFill>
+                <a:latin typeface="Times New Roman" panose="02020603050405020304" pitchFamily="18" charset="0"/>
+              </a:rPr>
+              <a:t>: Helps </a:t>
+            </a:r>
+            <a:r>
+              <a:rPr lang="en-US" b="1" i="0" u="none" strike="noStrike" kern="100" baseline="0">
+                <a:solidFill>
+                  <a:srgbClr val="0F4761"/>
+                </a:solidFill>
+                <a:latin typeface="Times New Roman" panose="02020603050405020304" pitchFamily="18" charset="0"/>
+              </a:rPr>
+              <a:t>identify performance bottlenecks</a:t>
+            </a:r>
+            <a:r>
+              <a:rPr lang="en-US" b="0" i="0" u="none" strike="noStrike" kern="100" baseline="0">
+                <a:solidFill>
+                  <a:srgbClr val="0F4761"/>
+                </a:solidFill>
+                <a:latin typeface="Times New Roman" panose="02020603050405020304" pitchFamily="18" charset="0"/>
+              </a:rPr>
+              <a:t>, </a:t>
+            </a:r>
+            <a:r>
+              <a:rPr lang="en-US" b="1" i="0" u="none" strike="noStrike" kern="100" baseline="0">
+                <a:solidFill>
+                  <a:srgbClr val="0F4761"/>
+                </a:solidFill>
+                <a:latin typeface="Times New Roman" panose="02020603050405020304" pitchFamily="18" charset="0"/>
+              </a:rPr>
+              <a:t>monitor trends</a:t>
+            </a:r>
+            <a:r>
+              <a:rPr lang="en-US" b="0" i="0" u="none" strike="noStrike" kern="100" baseline="0">
+                <a:solidFill>
+                  <a:srgbClr val="0F4761"/>
+                </a:solidFill>
+                <a:latin typeface="Times New Roman" panose="02020603050405020304" pitchFamily="18" charset="0"/>
+              </a:rPr>
+              <a:t>, and gain a </a:t>
+            </a:r>
+            <a:r>
+              <a:rPr lang="en-US" b="1" i="0" u="none" strike="noStrike" kern="100" baseline="0">
+                <a:solidFill>
+                  <a:srgbClr val="0F4761"/>
+                </a:solidFill>
+                <a:latin typeface="Times New Roman" panose="02020603050405020304" pitchFamily="18" charset="0"/>
+              </a:rPr>
+              <a:t>clear, at-a-glance understanding</a:t>
+            </a:r>
+            <a:r>
+              <a:rPr lang="en-US" b="0" i="0" u="none" strike="noStrike" kern="100" baseline="0">
+                <a:solidFill>
+                  <a:srgbClr val="0F4761"/>
+                </a:solidFill>
+                <a:latin typeface="Times New Roman" panose="02020603050405020304" pitchFamily="18" charset="0"/>
+              </a:rPr>
+              <a:t> of your SQL Server estate's status [2, 4].</a:t>
             </a:r>
           </a:p>
         </p:txBody>
@@ -4949,7 +4396,7 @@
     </p:spTree>
     <p:extLst>
       <p:ext uri="{BB962C8B-B14F-4D97-AF65-F5344CB8AC3E}">
-        <p14:creationId xmlns:p14="http://schemas.microsoft.com/office/powerpoint/2010/main" val="2150714557"/>
+        <p14:creationId xmlns:p14="http://schemas.microsoft.com/office/powerpoint/2010/main" val="1747642976"/>
       </p:ext>
     </p:extLst>
   </p:cSld>
@@ -4981,7 +4428,7 @@
           <p:cNvPr id="2" name="Title 1">
             <a:extLst>
               <a:ext uri="{FF2B5EF4-FFF2-40B4-BE49-F238E27FC236}">
-                <a16:creationId xmlns:a16="http://schemas.microsoft.com/office/drawing/2014/main" id="{3696E619-088D-AA86-2A84-4E05BFB39AF5}"/>
+                <a16:creationId xmlns:a16="http://schemas.microsoft.com/office/drawing/2014/main" id="{2EDF5AFC-1855-B5AA-A241-BC1CE93A9C81}"/>
               </a:ext>
             </a:extLst>
           </p:cNvPr>
@@ -5005,7 +4452,7 @@
                 </a:solidFill>
                 <a:latin typeface="Times New Roman" panose="02020603050405020304" pitchFamily="18" charset="0"/>
               </a:rPr>
-              <a:t>Slide 14: Part 3: PowerBI - Publishing &amp; Sharing</a:t>
+              <a:t>Slide 12: Part 3: PowerBI - Connecting &amp; Transforming Data</a:t>
             </a:r>
           </a:p>
         </p:txBody>
@@ -5015,7 +4462,7 @@
           <p:cNvPr id="3" name="Text Placeholder 2">
             <a:extLst>
               <a:ext uri="{FF2B5EF4-FFF2-40B4-BE49-F238E27FC236}">
-                <a16:creationId xmlns:a16="http://schemas.microsoft.com/office/drawing/2014/main" id="{8D62B37F-9297-A7A2-553D-758E1127083A}"/>
+                <a16:creationId xmlns:a16="http://schemas.microsoft.com/office/drawing/2014/main" id="{69544E8B-C604-BCF7-0AE3-0BA779769181}"/>
               </a:ext>
             </a:extLst>
           </p:cNvPr>
@@ -5048,16 +4495,16 @@
                 </a:solidFill>
                 <a:latin typeface="Times New Roman" panose="02020603050405020304" pitchFamily="18" charset="0"/>
               </a:rPr>
-              <a:t>PowerBI Service</a:t>
-            </a:r>
-            <a:r>
-              <a:rPr lang="en-US" b="0" i="0" u="none" strike="noStrike" kern="100" baseline="0">
-                <a:solidFill>
-                  <a:srgbClr val="0F4761"/>
-                </a:solidFill>
-                <a:latin typeface="Times New Roman" panose="02020603050405020304" pitchFamily="18" charset="0"/>
-              </a:rPr>
-              <a:t>: Publishing reports to the cloud.</a:t>
+              <a:t>Connecting to SQL Server</a:t>
+            </a:r>
+            <a:r>
+              <a:rPr lang="en-US" b="0" i="0" u="none" strike="noStrike" kern="100" baseline="0">
+                <a:solidFill>
+                  <a:srgbClr val="0F4761"/>
+                </a:solidFill>
+                <a:latin typeface="Times New Roman" panose="02020603050405020304" pitchFamily="18" charset="0"/>
+              </a:rPr>
+              <a:t>: Using PowerBI Desktop to connect to your monitoring database.</a:t>
             </a:r>
           </a:p>
           <a:p>
@@ -5078,16 +4525,16 @@
                 </a:solidFill>
                 <a:latin typeface="Times New Roman" panose="02020603050405020304" pitchFamily="18" charset="0"/>
               </a:rPr>
-              <a:t>Sharing with Teams</a:t>
-            </a:r>
-            <a:r>
-              <a:rPr lang="en-US" b="0" i="0" u="none" strike="noStrike" kern="100" baseline="0">
-                <a:solidFill>
-                  <a:srgbClr val="0F4761"/>
-                </a:solidFill>
-                <a:latin typeface="Times New Roman" panose="02020603050405020304" pitchFamily="18" charset="0"/>
-              </a:rPr>
-              <a:t>: Granting access and setting up refresh schedules.</a:t>
+              <a:t>Querying Data</a:t>
+            </a:r>
+            <a:r>
+              <a:rPr lang="en-US" b="0" i="0" u="none" strike="noStrike" kern="100" baseline="0">
+                <a:solidFill>
+                  <a:srgbClr val="0F4761"/>
+                </a:solidFill>
+                <a:latin typeface="Times New Roman" panose="02020603050405020304" pitchFamily="18" charset="0"/>
+              </a:rPr>
+              <a:t>: Building T-SQL queries for specific reports (e.g., CPU usage over time, disk space trends).</a:t>
             </a:r>
           </a:p>
           <a:p>
@@ -5108,16 +4555,16 @@
                 </a:solidFill>
                 <a:latin typeface="Times New Roman" panose="02020603050405020304" pitchFamily="18" charset="0"/>
               </a:rPr>
-              <a:t>Alerts</a:t>
-            </a:r>
-            <a:r>
-              <a:rPr lang="en-US" b="0" i="0" u="none" strike="noStrike" kern="100" baseline="0">
-                <a:solidFill>
-                  <a:srgbClr val="0F4761"/>
-                </a:solidFill>
-                <a:latin typeface="Times New Roman" panose="02020603050405020304" pitchFamily="18" charset="0"/>
-              </a:rPr>
-              <a:t>: Setting up data-driven alerts for critical thresholds.</a:t>
+              <a:t>Data Transformation (Power Query)</a:t>
+            </a:r>
+            <a:r>
+              <a:rPr lang="en-US" b="0" i="0" u="none" strike="noStrike" kern="100" baseline="0">
+                <a:solidFill>
+                  <a:srgbClr val="0F4761"/>
+                </a:solidFill>
+                <a:latin typeface="Times New Roman" panose="02020603050405020304" pitchFamily="18" charset="0"/>
+              </a:rPr>
+              <a:t>: Cleaning, shaping, and combining data for optimal visualization.</a:t>
             </a:r>
           </a:p>
         </p:txBody>
@@ -5125,7 +4572,7 @@
     </p:spTree>
     <p:extLst>
       <p:ext uri="{BB962C8B-B14F-4D97-AF65-F5344CB8AC3E}">
-        <p14:creationId xmlns:p14="http://schemas.microsoft.com/office/powerpoint/2010/main" val="3248119280"/>
+        <p14:creationId xmlns:p14="http://schemas.microsoft.com/office/powerpoint/2010/main" val="3201385034"/>
       </p:ext>
     </p:extLst>
   </p:cSld>
@@ -5157,7 +4604,7 @@
           <p:cNvPr id="2" name="Title 1">
             <a:extLst>
               <a:ext uri="{FF2B5EF4-FFF2-40B4-BE49-F238E27FC236}">
-                <a16:creationId xmlns:a16="http://schemas.microsoft.com/office/drawing/2014/main" id="{B1D3D612-0A29-243A-2FD7-0B844C8E5F15}"/>
+                <a16:creationId xmlns:a16="http://schemas.microsoft.com/office/drawing/2014/main" id="{39F19C1E-E2D9-6C9B-B0C9-0B08C184446F}"/>
               </a:ext>
             </a:extLst>
           </p:cNvPr>
@@ -5181,7 +4628,7 @@
                 </a:solidFill>
                 <a:latin typeface="Times New Roman" panose="02020603050405020304" pitchFamily="18" charset="0"/>
               </a:rPr>
-              <a:t>Slide 15: Part 3: PowerBI - Demonstration/Lab Prep</a:t>
+              <a:t>Slide 13: Part 3: PowerBI - Creating Visualizations</a:t>
             </a:r>
           </a:p>
         </p:txBody>
@@ -5191,7 +4638,7 @@
           <p:cNvPr id="3" name="Text Placeholder 2">
             <a:extLst>
               <a:ext uri="{FF2B5EF4-FFF2-40B4-BE49-F238E27FC236}">
-                <a16:creationId xmlns:a16="http://schemas.microsoft.com/office/drawing/2014/main" id="{B86D2796-9E04-4679-DF6F-E027E6264146}"/>
+                <a16:creationId xmlns:a16="http://schemas.microsoft.com/office/drawing/2014/main" id="{3F606311-21BA-022C-536D-2D90826DD310}"/>
               </a:ext>
             </a:extLst>
           </p:cNvPr>
@@ -5209,7 +4656,7 @@
           <a:p>
             <a:pPr marR="0" lvl="0" rtl="0"/>
             <a:r>
-              <a:rPr lang="en-US" b="0" i="0" u="none" strike="noStrike" kern="100" baseline="0" dirty="0">
+              <a:rPr lang="en-US" b="0" i="0" u="none" strike="noStrike" kern="100" baseline="0">
                 <a:solidFill>
                   <a:srgbClr val="0F4761"/>
                 </a:solidFill>
@@ -5218,28 +4665,28 @@
               <a:t> </a:t>
             </a:r>
             <a:r>
-              <a:rPr lang="en-US" b="1" i="0" u="none" strike="noStrike" kern="100" baseline="0" dirty="0">
-                <a:solidFill>
-                  <a:srgbClr val="0F4761"/>
-                </a:solidFill>
-                <a:latin typeface="Times New Roman" panose="02020603050405020304" pitchFamily="18" charset="0"/>
-              </a:rPr>
-              <a:t>Brief Demo</a:t>
-            </a:r>
-            <a:r>
-              <a:rPr lang="en-US" b="0" i="0" u="none" strike="noStrike" kern="100" baseline="0" dirty="0">
-                <a:solidFill>
-                  <a:srgbClr val="0F4761"/>
-                </a:solidFill>
-                <a:latin typeface="Times New Roman" panose="02020603050405020304" pitchFamily="18" charset="0"/>
-              </a:rPr>
-              <a:t>: Showcase a pre-built PowerBI dashboard leveraging the collected data.</a:t>
+              <a:rPr lang="en-US" b="1" i="0" u="none" strike="noStrike" kern="100" baseline="0">
+                <a:solidFill>
+                  <a:srgbClr val="0F4761"/>
+                </a:solidFill>
+                <a:latin typeface="Times New Roman" panose="02020603050405020304" pitchFamily="18" charset="0"/>
+              </a:rPr>
+              <a:t>Choosing the Right Visual</a:t>
+            </a:r>
+            <a:r>
+              <a:rPr lang="en-US" b="0" i="0" u="none" strike="noStrike" kern="100" baseline="0">
+                <a:solidFill>
+                  <a:srgbClr val="0F4761"/>
+                </a:solidFill>
+                <a:latin typeface="Times New Roman" panose="02020603050405020304" pitchFamily="18" charset="0"/>
+              </a:rPr>
+              <a:t>: Bar charts, line charts, tables, gauges for different metrics.</a:t>
             </a:r>
           </a:p>
           <a:p>
             <a:pPr marR="0" lvl="0" rtl="0"/>
             <a:r>
-              <a:rPr lang="en-US" b="0" i="0" u="none" strike="noStrike" kern="100" baseline="0" dirty="0">
+              <a:rPr lang="en-US" b="0" i="0" u="none" strike="noStrike" kern="100" baseline="0">
                 <a:solidFill>
                   <a:srgbClr val="0F4761"/>
                 </a:solidFill>
@@ -5248,22 +4695,52 @@
               <a:t> </a:t>
             </a:r>
             <a:r>
-              <a:rPr lang="en-US" b="1" i="0" u="none" strike="noStrike" kern="100" baseline="0" dirty="0">
-                <a:solidFill>
-                  <a:srgbClr val="0F4761"/>
-                </a:solidFill>
-                <a:latin typeface="Times New Roman" panose="02020603050405020304" pitchFamily="18" charset="0"/>
-              </a:rPr>
-              <a:t>Transition to Lab</a:t>
-            </a:r>
-            <a:r>
-              <a:rPr lang="en-US" b="0" i="0" u="none" strike="noStrike" kern="100" baseline="0" dirty="0">
-                <a:solidFill>
-                  <a:srgbClr val="0F4761"/>
-                </a:solidFill>
-                <a:latin typeface="Times New Roman" panose="02020603050405020304" pitchFamily="18" charset="0"/>
-              </a:rPr>
-              <a:t>: Prepare attendees to build their own basic report.</a:t>
+              <a:rPr lang="en-US" b="1" i="0" u="none" strike="noStrike" kern="100" baseline="0">
+                <a:solidFill>
+                  <a:srgbClr val="0F4761"/>
+                </a:solidFill>
+                <a:latin typeface="Times New Roman" panose="02020603050405020304" pitchFamily="18" charset="0"/>
+              </a:rPr>
+              <a:t>Designing Effective Dashboards</a:t>
+            </a:r>
+            <a:r>
+              <a:rPr lang="en-US" b="0" i="0" u="none" strike="noStrike" kern="100" baseline="0">
+                <a:solidFill>
+                  <a:srgbClr val="0F4761"/>
+                </a:solidFill>
+                <a:latin typeface="Times New Roman" panose="02020603050405020304" pitchFamily="18" charset="0"/>
+              </a:rPr>
+              <a:t>: Layout, interactivity, filtering.</a:t>
+            </a:r>
+          </a:p>
+          <a:p>
+            <a:pPr marR="0" lvl="0" rtl="0"/>
+            <a:r>
+              <a:rPr lang="en-US" b="0" i="0" u="none" strike="noStrike" kern="100" baseline="0">
+                <a:solidFill>
+                  <a:srgbClr val="0F4761"/>
+                </a:solidFill>
+                <a:latin typeface="Times New Roman" panose="02020603050405020304" pitchFamily="18" charset="0"/>
+              </a:rPr>
+              <a:t> </a:t>
+            </a:r>
+            <a:r>
+              <a:rPr lang="en-US" b="1" i="0" u="none" strike="noStrike" kern="100" baseline="0">
+                <a:solidFill>
+                  <a:srgbClr val="0F4761"/>
+                </a:solidFill>
+                <a:latin typeface="Times New Roman" panose="02020603050405020304" pitchFamily="18" charset="0"/>
+              </a:rPr>
+              <a:t>Examples</a:t>
+            </a:r>
+            <a:r>
+              <a:rPr lang="en-US" b="0" i="0" u="none" strike="noStrike" kern="100" baseline="0">
+                <a:solidFill>
+                  <a:srgbClr val="0F4761"/>
+                </a:solidFill>
+                <a:latin typeface="Times New Roman" panose="02020603050405020304" pitchFamily="18" charset="0"/>
+              </a:rPr>
+              <a:t>: CPU utilization dashboard, Disk Space trending report, SQL Agent Job status monitor.</a:t>
             </a:r>
           </a:p>
         </p:txBody>
@@ -5271,7 +4748,7 @@
     </p:spTree>
     <p:extLst>
       <p:ext uri="{BB962C8B-B14F-4D97-AF65-F5344CB8AC3E}">
-        <p14:creationId xmlns:p14="http://schemas.microsoft.com/office/powerpoint/2010/main" val="1381814583"/>
+        <p14:creationId xmlns:p14="http://schemas.microsoft.com/office/powerpoint/2010/main" val="2150714557"/>
       </p:ext>
     </p:extLst>
   </p:cSld>
@@ -5303,7 +4780,7 @@
           <p:cNvPr id="2" name="Title 1">
             <a:extLst>
               <a:ext uri="{FF2B5EF4-FFF2-40B4-BE49-F238E27FC236}">
-                <a16:creationId xmlns:a16="http://schemas.microsoft.com/office/drawing/2014/main" id="{2334FB08-5538-10CB-5411-03EC8014015C}"/>
+                <a16:creationId xmlns:a16="http://schemas.microsoft.com/office/drawing/2014/main" id="{3696E619-088D-AA86-2A84-4E05BFB39AF5}"/>
               </a:ext>
             </a:extLst>
           </p:cNvPr>
@@ -5327,7 +4804,7 @@
                 </a:solidFill>
                 <a:latin typeface="Times New Roman" panose="02020603050405020304" pitchFamily="18" charset="0"/>
               </a:rPr>
-              <a:t>Slide 16: Key Takeaways &amp; Next Steps</a:t>
+              <a:t>Slide 14: Part 3: PowerBI - Publishing &amp; Sharing</a:t>
             </a:r>
           </a:p>
         </p:txBody>
@@ -5337,7 +4814,7 @@
           <p:cNvPr id="3" name="Text Placeholder 2">
             <a:extLst>
               <a:ext uri="{FF2B5EF4-FFF2-40B4-BE49-F238E27FC236}">
-                <a16:creationId xmlns:a16="http://schemas.microsoft.com/office/drawing/2014/main" id="{9BCE943D-438C-D7FC-7297-A31C12C01CA9}"/>
+                <a16:creationId xmlns:a16="http://schemas.microsoft.com/office/drawing/2014/main" id="{8D62B37F-9297-A7A2-553D-758E1127083A}"/>
               </a:ext>
             </a:extLst>
           </p:cNvPr>
@@ -5370,16 +4847,28 @@
                 </a:solidFill>
                 <a:latin typeface="Times New Roman" panose="02020603050405020304" pitchFamily="18" charset="0"/>
               </a:rPr>
-              <a:t>Recap</a:t>
-            </a:r>
-            <a:r>
-              <a:rPr lang="en-US" b="0" i="0" u="none" strike="noStrike" kern="100" baseline="0">
-                <a:solidFill>
-                  <a:srgbClr val="0F4761"/>
-                </a:solidFill>
-                <a:latin typeface="Times New Roman" panose="02020603050405020304" pitchFamily="18" charset="0"/>
-              </a:rPr>
-              <a:t>: You can </a:t>
+              <a:t>PowerBI Service</a:t>
+            </a:r>
+            <a:r>
+              <a:rPr lang="en-US" b="0" i="0" u="none" strike="noStrike" kern="100" baseline="0">
+                <a:solidFill>
+                  <a:srgbClr val="0F4761"/>
+                </a:solidFill>
+                <a:latin typeface="Times New Roman" panose="02020603050405020304" pitchFamily="18" charset="0"/>
+              </a:rPr>
+              <a:t>: Publishing reports to the cloud.</a:t>
+            </a:r>
+          </a:p>
+          <a:p>
+            <a:pPr marR="0" lvl="0" rtl="0"/>
+            <a:r>
+              <a:rPr lang="en-US" b="0" i="0" u="none" strike="noStrike" kern="100" baseline="0">
+                <a:solidFill>
+                  <a:srgbClr val="0F4761"/>
+                </a:solidFill>
+                <a:latin typeface="Times New Roman" panose="02020603050405020304" pitchFamily="18" charset="0"/>
+              </a:rPr>
+              <a:t> </a:t>
             </a:r>
             <a:r>
               <a:rPr lang="en-US" b="1" i="0" u="none" strike="noStrike" kern="100" baseline="0">
@@ -5388,16 +4877,28 @@
                 </a:solidFill>
                 <a:latin typeface="Times New Roman" panose="02020603050405020304" pitchFamily="18" charset="0"/>
               </a:rPr>
-              <a:t>build a custom monitoring tool, for free</a:t>
-            </a:r>
-            <a:r>
-              <a:rPr lang="en-US" b="0" i="0" u="none" strike="noStrike" kern="100" baseline="0">
-                <a:solidFill>
-                  <a:srgbClr val="0F4761"/>
-                </a:solidFill>
-                <a:latin typeface="Times New Roman" panose="02020603050405020304" pitchFamily="18" charset="0"/>
-              </a:rPr>
-              <a:t> [1-3], using </a:t>
+              <a:t>Sharing with Teams</a:t>
+            </a:r>
+            <a:r>
+              <a:rPr lang="en-US" b="0" i="0" u="none" strike="noStrike" kern="100" baseline="0">
+                <a:solidFill>
+                  <a:srgbClr val="0F4761"/>
+                </a:solidFill>
+                <a:latin typeface="Times New Roman" panose="02020603050405020304" pitchFamily="18" charset="0"/>
+              </a:rPr>
+              <a:t>: Granting access and setting up refresh schedules.</a:t>
+            </a:r>
+          </a:p>
+          <a:p>
+            <a:pPr marR="0" lvl="0" rtl="0"/>
+            <a:r>
+              <a:rPr lang="en-US" b="0" i="0" u="none" strike="noStrike" kern="100" baseline="0">
+                <a:solidFill>
+                  <a:srgbClr val="0F4761"/>
+                </a:solidFill>
+                <a:latin typeface="Times New Roman" panose="02020603050405020304" pitchFamily="18" charset="0"/>
+              </a:rPr>
+              <a:t> </a:t>
             </a:r>
             <a:r>
               <a:rPr lang="en-US" b="1" i="0" u="none" strike="noStrike" kern="100" baseline="0">
@@ -5406,160 +4907,16 @@
                 </a:solidFill>
                 <a:latin typeface="Times New Roman" panose="02020603050405020304" pitchFamily="18" charset="0"/>
               </a:rPr>
-              <a:t>Powershell, SQL Server, and PowerBI</a:t>
-            </a:r>
-            <a:r>
-              <a:rPr lang="en-US" b="0" i="0" u="none" strike="noStrike" kern="100" baseline="0">
-                <a:solidFill>
-                  <a:srgbClr val="0F4761"/>
-                </a:solidFill>
-                <a:latin typeface="Times New Roman" panose="02020603050405020304" pitchFamily="18" charset="0"/>
-              </a:rPr>
-              <a:t> [2, 4].</a:t>
-            </a:r>
-          </a:p>
-          <a:p>
-            <a:pPr marR="0" lvl="0" rtl="0"/>
-            <a:r>
-              <a:rPr lang="en-US" b="0" i="0" u="none" strike="noStrike" kern="100" baseline="0">
-                <a:solidFill>
-                  <a:srgbClr val="0F4761"/>
-                </a:solidFill>
-                <a:latin typeface="Times New Roman" panose="02020603050405020304" pitchFamily="18" charset="0"/>
-              </a:rPr>
-              <a:t> </a:t>
-            </a:r>
-            <a:r>
-              <a:rPr lang="en-US" b="1" i="0" u="none" strike="noStrike" kern="100" baseline="0">
-                <a:solidFill>
-                  <a:srgbClr val="0F4761"/>
-                </a:solidFill>
-                <a:latin typeface="Times New Roman" panose="02020603050405020304" pitchFamily="18" charset="0"/>
-              </a:rPr>
-              <a:t>Benefits</a:t>
-            </a:r>
-            <a:r>
-              <a:rPr lang="en-US" b="0" i="0" u="none" strike="noStrike" kern="100" baseline="0">
-                <a:solidFill>
-                  <a:srgbClr val="0F4761"/>
-                </a:solidFill>
-                <a:latin typeface="Times New Roman" panose="02020603050405020304" pitchFamily="18" charset="0"/>
-              </a:rPr>
-              <a:t>: Gain </a:t>
-            </a:r>
-            <a:r>
-              <a:rPr lang="en-US" b="1" i="0" u="none" strike="noStrike" kern="100" baseline="0">
-                <a:solidFill>
-                  <a:srgbClr val="0F4761"/>
-                </a:solidFill>
-                <a:latin typeface="Times New Roman" panose="02020603050405020304" pitchFamily="18" charset="0"/>
-              </a:rPr>
-              <a:t>deeper insights</a:t>
-            </a:r>
-            <a:r>
-              <a:rPr lang="en-US" b="0" i="0" u="none" strike="noStrike" kern="100" baseline="0">
-                <a:solidFill>
-                  <a:srgbClr val="0F4761"/>
-                </a:solidFill>
-                <a:latin typeface="Times New Roman" panose="02020603050405020304" pitchFamily="18" charset="0"/>
-              </a:rPr>
-              <a:t>, </a:t>
-            </a:r>
-            <a:r>
-              <a:rPr lang="en-US" b="1" i="0" u="none" strike="noStrike" kern="100" baseline="0">
-                <a:solidFill>
-                  <a:srgbClr val="0F4761"/>
-                </a:solidFill>
-                <a:latin typeface="Times New Roman" panose="02020603050405020304" pitchFamily="18" charset="0"/>
-              </a:rPr>
-              <a:t>take control of your monitoring</a:t>
-            </a:r>
-            <a:r>
-              <a:rPr lang="en-US" b="0" i="0" u="none" strike="noStrike" kern="100" baseline="0">
-                <a:solidFill>
-                  <a:srgbClr val="0F4761"/>
-                </a:solidFill>
-                <a:latin typeface="Times New Roman" panose="02020603050405020304" pitchFamily="18" charset="0"/>
-              </a:rPr>
-              <a:t>, and make </a:t>
-            </a:r>
-            <a:r>
-              <a:rPr lang="en-US" b="1" i="0" u="none" strike="noStrike" kern="100" baseline="0">
-                <a:solidFill>
-                  <a:srgbClr val="0F4761"/>
-                </a:solidFill>
-                <a:latin typeface="Times New Roman" panose="02020603050405020304" pitchFamily="18" charset="0"/>
-              </a:rPr>
-              <a:t>informed decisions</a:t>
-            </a:r>
-            <a:r>
-              <a:rPr lang="en-US" b="0" i="0" u="none" strike="noStrike" kern="100" baseline="0">
-                <a:solidFill>
-                  <a:srgbClr val="0F4761"/>
-                </a:solidFill>
-                <a:latin typeface="Times New Roman" panose="02020603050405020304" pitchFamily="18" charset="0"/>
-              </a:rPr>
-              <a:t> [1-3].</a:t>
-            </a:r>
-          </a:p>
-          <a:p>
-            <a:pPr marR="0" lvl="0" rtl="0"/>
-            <a:r>
-              <a:rPr lang="en-US" b="0" i="0" u="none" strike="noStrike" kern="100" baseline="0">
-                <a:solidFill>
-                  <a:srgbClr val="0F4761"/>
-                </a:solidFill>
-                <a:latin typeface="Times New Roman" panose="02020603050405020304" pitchFamily="18" charset="0"/>
-              </a:rPr>
-              <a:t> </a:t>
-            </a:r>
-            <a:r>
-              <a:rPr lang="en-US" b="1" i="0" u="none" strike="noStrike" kern="100" baseline="0">
-                <a:solidFill>
-                  <a:srgbClr val="0F4761"/>
-                </a:solidFill>
-                <a:latin typeface="Times New Roman" panose="02020603050405020304" pitchFamily="18" charset="0"/>
-              </a:rPr>
-              <a:t>Further Exploration</a:t>
-            </a:r>
-            <a:r>
-              <a:rPr lang="en-US" b="0" i="0" u="none" strike="noStrike" kern="100" baseline="0">
-                <a:solidFill>
-                  <a:srgbClr val="0F4761"/>
-                </a:solidFill>
-                <a:latin typeface="Times New Roman" panose="02020603050405020304" pitchFamily="18" charset="0"/>
-              </a:rPr>
-              <a:t>: What other metrics can you collect? How can you expand this solution?</a:t>
-            </a:r>
-          </a:p>
-          <a:p>
-            <a:pPr marR="0" lvl="0" rtl="0"/>
-            <a:r>
-              <a:rPr lang="en-US" b="0" i="0" u="none" strike="noStrike" kern="100" baseline="0">
-                <a:solidFill>
-                  <a:srgbClr val="0F4761"/>
-                </a:solidFill>
-                <a:latin typeface="Times New Roman" panose="02020603050405020304" pitchFamily="18" charset="0"/>
-              </a:rPr>
-              <a:t> </a:t>
-            </a:r>
-            <a:r>
-              <a:rPr lang="en-US" b="1" i="0" u="none" strike="noStrike" kern="100" baseline="0">
-                <a:solidFill>
-                  <a:srgbClr val="0F4761"/>
-                </a:solidFill>
-                <a:latin typeface="Times New Roman" panose="02020603050405020304" pitchFamily="18" charset="0"/>
-              </a:rPr>
-              <a:t>Resources</a:t>
-            </a:r>
-            <a:r>
-              <a:rPr lang="en-US" b="0" i="0" u="none" strike="noStrike" kern="100" baseline="0">
-                <a:solidFill>
-                  <a:srgbClr val="0F4761"/>
-                </a:solidFill>
-                <a:latin typeface="Times New Roman" panose="02020603050405020304" pitchFamily="18" charset="0"/>
-              </a:rPr>
-              <a:t>: Links to sample scripts, PowerBI templates, and additional learning materials.</a:t>
+              <a:t>Alerts</a:t>
+            </a:r>
+            <a:r>
+              <a:rPr lang="en-US" b="0" i="0" u="none" strike="noStrike" kern="100" baseline="0">
+                <a:solidFill>
+                  <a:srgbClr val="0F4761"/>
+                </a:solidFill>
+                <a:latin typeface="Times New Roman" panose="02020603050405020304" pitchFamily="18" charset="0"/>
+              </a:rPr>
+              <a:t>: Setting up data-driven alerts for critical thresholds.</a:t>
             </a:r>
           </a:p>
         </p:txBody>
@@ -5567,7 +4924,7 @@
     </p:spTree>
     <p:extLst>
       <p:ext uri="{BB962C8B-B14F-4D97-AF65-F5344CB8AC3E}">
-        <p14:creationId xmlns:p14="http://schemas.microsoft.com/office/powerpoint/2010/main" val="3545578724"/>
+        <p14:creationId xmlns:p14="http://schemas.microsoft.com/office/powerpoint/2010/main" val="3248119280"/>
       </p:ext>
     </p:extLst>
   </p:cSld>
@@ -5599,7 +4956,7 @@
           <p:cNvPr id="2" name="Title 1">
             <a:extLst>
               <a:ext uri="{FF2B5EF4-FFF2-40B4-BE49-F238E27FC236}">
-                <a16:creationId xmlns:a16="http://schemas.microsoft.com/office/drawing/2014/main" id="{DCF86A19-934B-D4A8-D6FA-0DF65614C229}"/>
+                <a16:creationId xmlns:a16="http://schemas.microsoft.com/office/drawing/2014/main" id="{B1D3D612-0A29-243A-2FD7-0B844C8E5F15}"/>
               </a:ext>
             </a:extLst>
           </p:cNvPr>
@@ -5623,7 +4980,7 @@
                 </a:solidFill>
                 <a:latin typeface="Times New Roman" panose="02020603050405020304" pitchFamily="18" charset="0"/>
               </a:rPr>
-              <a:t>Slide 17: Q&amp;A / Thank You</a:t>
+              <a:t>Slide 15: Part 3: PowerBI - Demonstration/Lab Prep</a:t>
             </a:r>
           </a:p>
         </p:txBody>
@@ -5633,7 +4990,7 @@
           <p:cNvPr id="3" name="Text Placeholder 2">
             <a:extLst>
               <a:ext uri="{FF2B5EF4-FFF2-40B4-BE49-F238E27FC236}">
-                <a16:creationId xmlns:a16="http://schemas.microsoft.com/office/drawing/2014/main" id="{30CE9D2C-F27A-85AA-5286-61D4000A287A}"/>
+                <a16:creationId xmlns:a16="http://schemas.microsoft.com/office/drawing/2014/main" id="{B86D2796-9E04-4679-DF6F-E027E6264146}"/>
               </a:ext>
             </a:extLst>
           </p:cNvPr>
@@ -5651,7 +5008,7 @@
           <a:p>
             <a:pPr marR="0" lvl="0" rtl="0"/>
             <a:r>
-              <a:rPr lang="en-US" b="0" i="0" u="none" strike="noStrike" kern="100" baseline="0">
+              <a:rPr lang="en-US" b="0" i="0" u="none" strike="noStrike" kern="100" baseline="0" dirty="0">
                 <a:solidFill>
                   <a:srgbClr val="0F4761"/>
                 </a:solidFill>
@@ -5660,19 +5017,28 @@
               <a:t> </a:t>
             </a:r>
             <a:r>
-              <a:rPr lang="en-US" b="1" i="0" u="none" strike="noStrike" kern="100" baseline="0">
-                <a:solidFill>
-                  <a:srgbClr val="0F4761"/>
-                </a:solidFill>
-                <a:latin typeface="Times New Roman" panose="02020603050405020304" pitchFamily="18" charset="0"/>
-              </a:rPr>
-              <a:t>Open for Questions</a:t>
+              <a:rPr lang="en-US" b="1" i="0" u="none" strike="noStrike" kern="100" baseline="0" dirty="0">
+                <a:solidFill>
+                  <a:srgbClr val="0F4761"/>
+                </a:solidFill>
+                <a:latin typeface="Times New Roman" panose="02020603050405020304" pitchFamily="18" charset="0"/>
+              </a:rPr>
+              <a:t>Brief Demo</a:t>
+            </a:r>
+            <a:r>
+              <a:rPr lang="en-US" b="0" i="0" u="none" strike="noStrike" kern="100" baseline="0" dirty="0">
+                <a:solidFill>
+                  <a:srgbClr val="0F4761"/>
+                </a:solidFill>
+                <a:latin typeface="Times New Roman" panose="02020603050405020304" pitchFamily="18" charset="0"/>
+              </a:rPr>
+              <a:t>: Showcase a pre-built PowerBI dashboard leveraging the collected data.</a:t>
             </a:r>
           </a:p>
           <a:p>
             <a:pPr marR="0" lvl="0" rtl="0"/>
             <a:r>
-              <a:rPr lang="en-US" b="0" i="0" u="none" strike="noStrike" kern="100" baseline="0">
+              <a:rPr lang="en-US" b="0" i="0" u="none" strike="noStrike" kern="100" baseline="0" dirty="0">
                 <a:solidFill>
                   <a:srgbClr val="0F4761"/>
                 </a:solidFill>
@@ -5681,49 +5047,22 @@
               <a:t> </a:t>
             </a:r>
             <a:r>
-              <a:rPr lang="en-US" b="1" i="0" u="none" strike="noStrike" kern="100" baseline="0">
-                <a:solidFill>
-                  <a:srgbClr val="0F4761"/>
-                </a:solidFill>
-                <a:latin typeface="Times New Roman" panose="02020603050405020304" pitchFamily="18" charset="0"/>
-              </a:rPr>
-              <a:t>Contact Information</a:t>
-            </a:r>
-          </a:p>
-          <a:p>
-            <a:pPr marR="0" lvl="0" rtl="0"/>
-            <a:r>
-              <a:rPr lang="en-US" b="0" i="0" u="none" strike="noStrike" kern="100" baseline="0">
-                <a:solidFill>
-                  <a:srgbClr val="0F4761"/>
-                </a:solidFill>
-                <a:latin typeface="Times New Roman" panose="02020603050405020304" pitchFamily="18" charset="0"/>
-              </a:rPr>
-              <a:t>--------------------------------------------------------------------------------</a:t>
-            </a:r>
-          </a:p>
-          <a:p>
-            <a:pPr marR="0" lvl="0" rtl="0"/>
-            <a:r>
-              <a:rPr lang="en-US" b="1" i="0" u="none" strike="noStrike" kern="100" baseline="0">
-                <a:solidFill>
-                  <a:srgbClr val="0F4761"/>
-                </a:solidFill>
-                <a:latin typeface="Times New Roman" panose="02020603050405020304" pitchFamily="18" charset="0"/>
-              </a:rPr>
-              <a:t>Supporting Labs</a:t>
-            </a:r>
-          </a:p>
-          <a:p>
-            <a:pPr marR="0" lvl="0" rtl="0"/>
-            <a:r>
-              <a:rPr lang="en-US" b="0" i="0" u="none" strike="noStrike" kern="100" baseline="0">
-                <a:solidFill>
-                  <a:srgbClr val="0F4761"/>
-                </a:solidFill>
-                <a:latin typeface="Times New Roman" panose="02020603050405020304" pitchFamily="18" charset="0"/>
-              </a:rPr>
-              <a:t>These labs are designed to be hands-on and directly reinforce the concepts taught in each section, aiming for active participation within the 60-minute session. Each lab should have pre-requisites set up (e.g., SQL Server instance accessible, Powershell ISE/VS Code, PowerBI Desktop installed).</a:t>
+              <a:rPr lang="en-US" b="1" i="0" u="none" strike="noStrike" kern="100" baseline="0" dirty="0">
+                <a:solidFill>
+                  <a:srgbClr val="0F4761"/>
+                </a:solidFill>
+                <a:latin typeface="Times New Roman" panose="02020603050405020304" pitchFamily="18" charset="0"/>
+              </a:rPr>
+              <a:t>Transition to Lab</a:t>
+            </a:r>
+            <a:r>
+              <a:rPr lang="en-US" b="0" i="0" u="none" strike="noStrike" kern="100" baseline="0" dirty="0">
+                <a:solidFill>
+                  <a:srgbClr val="0F4761"/>
+                </a:solidFill>
+                <a:latin typeface="Times New Roman" panose="02020603050405020304" pitchFamily="18" charset="0"/>
+              </a:rPr>
+              <a:t>: Prepare attendees to build their own basic report.</a:t>
             </a:r>
           </a:p>
         </p:txBody>
@@ -5731,7 +5070,7 @@
     </p:spTree>
     <p:extLst>
       <p:ext uri="{BB962C8B-B14F-4D97-AF65-F5344CB8AC3E}">
-        <p14:creationId xmlns:p14="http://schemas.microsoft.com/office/powerpoint/2010/main" val="3213802642"/>
+        <p14:creationId xmlns:p14="http://schemas.microsoft.com/office/powerpoint/2010/main" val="1381814583"/>
       </p:ext>
     </p:extLst>
   </p:cSld>
@@ -5763,7 +5102,7 @@
           <p:cNvPr id="2" name="Title 1">
             <a:extLst>
               <a:ext uri="{FF2B5EF4-FFF2-40B4-BE49-F238E27FC236}">
-                <a16:creationId xmlns:a16="http://schemas.microsoft.com/office/drawing/2014/main" id="{8C793FDD-86F6-F17C-3820-8ABDB64132AE}"/>
+                <a16:creationId xmlns:a16="http://schemas.microsoft.com/office/drawing/2014/main" id="{1AE32FB2-B4F4-3350-4F7A-7B4DB3C8A086}"/>
               </a:ext>
             </a:extLst>
           </p:cNvPr>
@@ -5787,7 +5126,7 @@
                 </a:solidFill>
                 <a:latin typeface="Times New Roman" panose="02020603050405020304" pitchFamily="18" charset="0"/>
               </a:rPr>
-              <a:t>Lab 1: Powershell to Collect Your Data (Approx. 10-15 minutes)</a:t>
+              <a:t>Lab 3: PowerBI to Visualize Your Data (Approx. 10-15 minutes)</a:t>
             </a:r>
           </a:p>
         </p:txBody>
@@ -5797,7 +5136,7 @@
           <p:cNvPr id="3" name="Text Placeholder 2">
             <a:extLst>
               <a:ext uri="{FF2B5EF4-FFF2-40B4-BE49-F238E27FC236}">
-                <a16:creationId xmlns:a16="http://schemas.microsoft.com/office/drawing/2014/main" id="{489FEDA4-CEE4-C388-CCA2-4DC1157F4C38}"/>
+                <a16:creationId xmlns:a16="http://schemas.microsoft.com/office/drawing/2014/main" id="{EDDDB4CC-80BE-2459-5976-402E7D09B75D}"/>
               </a:ext>
             </a:extLst>
           </p:cNvPr>
@@ -5810,7 +5149,9 @@
         </p:nvSpPr>
         <p:spPr/>
         <p:txBody>
-          <a:bodyPr/>
+          <a:bodyPr>
+            <a:normAutofit fontScale="62500" lnSpcReduction="20000"/>
+          </a:bodyPr>
           <a:lstStyle/>
           <a:p>
             <a:pPr marR="0" lvl="0" rtl="0"/>
@@ -5839,7 +5180,7 @@
                 </a:solidFill>
                 <a:latin typeface="Times New Roman" panose="02020603050405020304" pitchFamily="18" charset="0"/>
               </a:rPr>
-              <a:t>: To execute a basic Powershell script to collect a specific SQL Server metric and observe its output.</a:t>
+              <a:t>: To connect PowerBI to the newly created SQL Server table and create a basic visualization.</a:t>
             </a:r>
           </a:p>
           <a:p>
@@ -5890,7 +5231,7 @@
                 </a:solidFill>
                 <a:latin typeface="Times New Roman" panose="02020603050405020304" pitchFamily="18" charset="0"/>
               </a:rPr>
-              <a:t>Open Powershell ISE/VS Code</a:t>
+              <a:t>Open PowerBI Desktop</a:t>
             </a:r>
             <a:r>
               <a:rPr lang="en-US" b="0" i="0" u="none" strike="noStrike" kern="100" baseline="0">
@@ -5920,16 +5261,16 @@
                 </a:solidFill>
                 <a:latin typeface="Times New Roman" panose="02020603050405020304" pitchFamily="18" charset="0"/>
               </a:rPr>
-              <a:t>Create a new Powershell script (Get-SqlCpu.ps1)</a:t>
-            </a:r>
-            <a:r>
-              <a:rPr lang="en-US" b="0" i="0" u="none" strike="noStrike" kern="100" baseline="0">
-                <a:solidFill>
-                  <a:srgbClr val="0F4761"/>
-                </a:solidFill>
-                <a:latin typeface="Times New Roman" panose="02020603050405020304" pitchFamily="18" charset="0"/>
-              </a:rPr>
-              <a:t>.</a:t>
+              <a:t>Connect to your SQL Server instance</a:t>
+            </a:r>
+            <a:r>
+              <a:rPr lang="en-US" b="0" i="0" u="none" strike="noStrike" kern="100" baseline="0">
+                <a:solidFill>
+                  <a:srgbClr val="0F4761"/>
+                </a:solidFill>
+                <a:latin typeface="Times New Roman" panose="02020603050405020304" pitchFamily="18" charset="0"/>
+              </a:rPr>
+              <a:t> and select the SQLMonitorDB and the dbo.CpuHistory table.</a:t>
             </a:r>
           </a:p>
           <a:p>
@@ -5950,16 +5291,16 @@
                 </a:solidFill>
                 <a:latin typeface="Times New Roman" panose="02020603050405020304" pitchFamily="18" charset="0"/>
               </a:rPr>
-              <a:t>Write a script</a:t>
-            </a:r>
-            <a:r>
-              <a:rPr lang="en-US" b="0" i="0" u="none" strike="noStrike" kern="100" baseline="0">
-                <a:solidFill>
-                  <a:srgbClr val="0F4761"/>
-                </a:solidFill>
-                <a:latin typeface="Times New Roman" panose="02020603050405020304" pitchFamily="18" charset="0"/>
-              </a:rPr>
-              <a:t> to connect to your local (or provided) SQL Server instance and retrieve the current CPU utilization (e.g., using dm_os_performance_counters or sys.dm_os_ring_buffers).</a:t>
+              <a:t>Load the data</a:t>
+            </a:r>
+            <a:r>
+              <a:rPr lang="en-US" b="0" i="0" u="none" strike="noStrike" kern="100" baseline="0">
+                <a:solidFill>
+                  <a:srgbClr val="0F4761"/>
+                </a:solidFill>
+                <a:latin typeface="Times New Roman" panose="02020603050405020304" pitchFamily="18" charset="0"/>
+              </a:rPr>
+              <a:t> into PowerBI.</a:t>
             </a:r>
           </a:p>
           <a:p>
@@ -5980,16 +5321,28 @@
                 </a:solidFill>
                 <a:latin typeface="Times New Roman" panose="02020603050405020304" pitchFamily="18" charset="0"/>
               </a:rPr>
-              <a:t>Execute the script</a:t>
-            </a:r>
-            <a:r>
-              <a:rPr lang="en-US" b="0" i="0" u="none" strike="noStrike" kern="100" baseline="0">
-                <a:solidFill>
-                  <a:srgbClr val="0F4761"/>
-                </a:solidFill>
-                <a:latin typeface="Times New Roman" panose="02020603050405020304" pitchFamily="18" charset="0"/>
-              </a:rPr>
-              <a:t> and </a:t>
+              <a:t>Create a simple Line Chart</a:t>
+            </a:r>
+            <a:r>
+              <a:rPr lang="en-US" b="0" i="0" u="none" strike="noStrike" kern="100" baseline="0">
+                <a:solidFill>
+                  <a:srgbClr val="0F4761"/>
+                </a:solidFill>
+                <a:latin typeface="Times New Roman" panose="02020603050405020304" pitchFamily="18" charset="0"/>
+              </a:rPr>
+              <a:t> visualization showing CPU utilization over time, using the timestamp and CPU value columns.</a:t>
+            </a:r>
+          </a:p>
+          <a:p>
+            <a:pPr marR="0" lvl="0" rtl="0"/>
+            <a:r>
+              <a:rPr lang="en-US" b="0" i="0" u="none" strike="noStrike" kern="100" baseline="0">
+                <a:solidFill>
+                  <a:srgbClr val="0F4761"/>
+                </a:solidFill>
+                <a:latin typeface="Times New Roman" panose="02020603050405020304" pitchFamily="18" charset="0"/>
+              </a:rPr>
+              <a:t>    5. </a:t>
             </a:r>
             <a:r>
               <a:rPr lang="en-US" b="1" i="0" u="none" strike="noStrike" kern="100" baseline="0">
@@ -5998,16 +5351,16 @@
                 </a:solidFill>
                 <a:latin typeface="Times New Roman" panose="02020603050405020304" pitchFamily="18" charset="0"/>
               </a:rPr>
-              <a:t>inspect the output</a:t>
-            </a:r>
-            <a:r>
-              <a:rPr lang="en-US" b="0" i="0" u="none" strike="noStrike" kern="100" baseline="0">
-                <a:solidFill>
-                  <a:srgbClr val="0F4761"/>
-                </a:solidFill>
-                <a:latin typeface="Times New Roman" panose="02020603050405020304" pitchFamily="18" charset="0"/>
-              </a:rPr>
-              <a:t> (e.g., to console or a simple text file).</a:t>
+              <a:t>Add a Title</a:t>
+            </a:r>
+            <a:r>
+              <a:rPr lang="en-US" b="0" i="0" u="none" strike="noStrike" kern="100" baseline="0">
+                <a:solidFill>
+                  <a:srgbClr val="0F4761"/>
+                </a:solidFill>
+                <a:latin typeface="Times New Roman" panose="02020603050405020304" pitchFamily="18" charset="0"/>
+              </a:rPr>
+              <a:t> to the report.</a:t>
             </a:r>
           </a:p>
           <a:p>
@@ -6037,7 +5390,7 @@
                 </a:solidFill>
                 <a:latin typeface="Times New Roman" panose="02020603050405020304" pitchFamily="18" charset="0"/>
               </a:rPr>
-              <a:t>: Understand how to initiate data collection using Powershell, a </a:t>
+              <a:t>: Experience how PowerBI enables </a:t>
             </a:r>
             <a:r>
               <a:rPr lang="en-US" b="1" i="0" u="none" strike="noStrike" kern="100" baseline="0">
@@ -6046,24 +5399,72 @@
                 </a:solidFill>
                 <a:latin typeface="Times New Roman" panose="02020603050405020304" pitchFamily="18" charset="0"/>
               </a:rPr>
-              <a:t>versatile tool</a:t>
-            </a:r>
-            <a:r>
-              <a:rPr lang="en-US" b="0" i="0" u="none" strike="noStrike" kern="100" baseline="0">
-                <a:solidFill>
-                  <a:srgbClr val="0F4761"/>
-                </a:solidFill>
-                <a:latin typeface="Times New Roman" panose="02020603050405020304" pitchFamily="18" charset="0"/>
-              </a:rPr>
-              <a:t> for gathering performance metrics [2, 4].</a:t>
-            </a:r>
+              <a:t>creating interactive and insightful visualizations</a:t>
+            </a:r>
+            <a:r>
+              <a:rPr lang="en-US" b="0" i="0" u="none" strike="noStrike" kern="100" baseline="0">
+                <a:solidFill>
+                  <a:srgbClr val="0F4761"/>
+                </a:solidFill>
+                <a:latin typeface="Times New Roman" panose="02020603050405020304" pitchFamily="18" charset="0"/>
+              </a:rPr>
+              <a:t> and helps </a:t>
+            </a:r>
+            <a:r>
+              <a:rPr lang="en-US" b="1" i="0" u="none" strike="noStrike" kern="100" baseline="0">
+                <a:solidFill>
+                  <a:srgbClr val="0F4761"/>
+                </a:solidFill>
+                <a:latin typeface="Times New Roman" panose="02020603050405020304" pitchFamily="18" charset="0"/>
+              </a:rPr>
+              <a:t>interpret complex data</a:t>
+            </a:r>
+            <a:r>
+              <a:rPr lang="en-US" b="0" i="0" u="none" strike="noStrike" kern="100" baseline="0">
+                <a:solidFill>
+                  <a:srgbClr val="0F4761"/>
+                </a:solidFill>
+                <a:latin typeface="Times New Roman" panose="02020603050405020304" pitchFamily="18" charset="0"/>
+              </a:rPr>
+              <a:t> [2, 4].</a:t>
+            </a:r>
+          </a:p>
+          <a:p>
+            <a:pPr marR="0" lvl="0" rtl="0"/>
+            <a:r>
+              <a:rPr lang="en-US" b="0" i="0" u="none" strike="noStrike" kern="100" baseline="0">
+                <a:solidFill>
+                  <a:srgbClr val="0F4761"/>
+                </a:solidFill>
+                <a:latin typeface="Times New Roman" panose="02020603050405020304" pitchFamily="18" charset="0"/>
+              </a:rPr>
+              <a:t>--------------------------------------------------------------------------------</a:t>
+            </a:r>
+          </a:p>
+          <a:p>
+            <a:pPr marR="0" lvl="0" rtl="0"/>
+            <a:r>
+              <a:rPr lang="en-US" b="0" i="1" u="none" strike="noStrike" kern="100" baseline="0">
+                <a:solidFill>
+                  <a:srgbClr val="0F4761"/>
+                </a:solidFill>
+                <a:latin typeface="Times New Roman" panose="02020603050405020304" pitchFamily="18" charset="0"/>
+              </a:rPr>
+              <a:t>Note: The specific tools like dbatools or SQLCMD were not explicitly detailed in the provided sources [1-4] as part of the session's key components. They are generally known tools for Powershell and SQL Server interaction. This information is provided to enhance the practicality of the labs but is not directly from the given sources. Please independently verify the appropriateness of including them in your session.</a:t>
+            </a:r>
+            <a:endParaRPr lang="en-US" b="0" i="0" u="none" strike="noStrike" kern="100" baseline="0">
+              <a:solidFill>
+                <a:srgbClr val="0F4761"/>
+              </a:solidFill>
+              <a:latin typeface="Times New Roman" panose="02020603050405020304" pitchFamily="18" charset="0"/>
+            </a:endParaRPr>
           </a:p>
         </p:txBody>
       </p:sp>
     </p:spTree>
     <p:extLst>
       <p:ext uri="{BB962C8B-B14F-4D97-AF65-F5344CB8AC3E}">
-        <p14:creationId xmlns:p14="http://schemas.microsoft.com/office/powerpoint/2010/main" val="4009258998"/>
+        <p14:creationId xmlns:p14="http://schemas.microsoft.com/office/powerpoint/2010/main" val="3632237096"/>
       </p:ext>
     </p:extLst>
   </p:cSld>
@@ -6095,7 +5496,7 @@
           <p:cNvPr id="2" name="Title 1">
             <a:extLst>
               <a:ext uri="{FF2B5EF4-FFF2-40B4-BE49-F238E27FC236}">
-                <a16:creationId xmlns:a16="http://schemas.microsoft.com/office/drawing/2014/main" id="{8C861E73-C46B-21A4-B723-B904DCB3A417}"/>
+                <a16:creationId xmlns:a16="http://schemas.microsoft.com/office/drawing/2014/main" id="{2334FB08-5538-10CB-5411-03EC8014015C}"/>
               </a:ext>
             </a:extLst>
           </p:cNvPr>
@@ -6119,7 +5520,7 @@
                 </a:solidFill>
                 <a:latin typeface="Times New Roman" panose="02020603050405020304" pitchFamily="18" charset="0"/>
               </a:rPr>
-              <a:t>Lab 2: SQL Server to Host Your Data (Approx. 10-15 minutes)</a:t>
+              <a:t>Slide 16: Key Takeaways &amp; Next Steps</a:t>
             </a:r>
           </a:p>
         </p:txBody>
@@ -6129,7 +5530,7 @@
           <p:cNvPr id="3" name="Text Placeholder 2">
             <a:extLst>
               <a:ext uri="{FF2B5EF4-FFF2-40B4-BE49-F238E27FC236}">
-                <a16:creationId xmlns:a16="http://schemas.microsoft.com/office/drawing/2014/main" id="{C16F8E84-8D76-42D1-4DDC-C31BE1798A10}"/>
+                <a16:creationId xmlns:a16="http://schemas.microsoft.com/office/drawing/2014/main" id="{9BCE943D-438C-D7FC-7297-A31C12C01CA9}"/>
               </a:ext>
             </a:extLst>
           </p:cNvPr>
@@ -6142,9 +5543,7 @@
         </p:nvSpPr>
         <p:spPr/>
         <p:txBody>
-          <a:bodyPr>
-            <a:normAutofit fontScale="92500" lnSpcReduction="20000"/>
-          </a:bodyPr>
+          <a:bodyPr/>
           <a:lstStyle/>
           <a:p>
             <a:pPr marR="0" lvl="0" rtl="0"/>
@@ -6164,16 +5563,52 @@
                 </a:solidFill>
                 <a:latin typeface="Times New Roman" panose="02020603050405020304" pitchFamily="18" charset="0"/>
               </a:rPr>
-              <a:t>Objective</a:t>
-            </a:r>
-            <a:r>
-              <a:rPr lang="en-US" b="0" i="0" u="none" strike="noStrike" kern="100" baseline="0">
-                <a:solidFill>
-                  <a:srgbClr val="0F4761"/>
-                </a:solidFill>
-                <a:latin typeface="Times New Roman" panose="02020603050405020304" pitchFamily="18" charset="0"/>
-              </a:rPr>
-              <a:t>: To create a simple table in a SQL Server database and manually insert data collected from the previous lab.</a:t>
+              <a:t>Recap</a:t>
+            </a:r>
+            <a:r>
+              <a:rPr lang="en-US" b="0" i="0" u="none" strike="noStrike" kern="100" baseline="0">
+                <a:solidFill>
+                  <a:srgbClr val="0F4761"/>
+                </a:solidFill>
+                <a:latin typeface="Times New Roman" panose="02020603050405020304" pitchFamily="18" charset="0"/>
+              </a:rPr>
+              <a:t>: You can </a:t>
+            </a:r>
+            <a:r>
+              <a:rPr lang="en-US" b="1" i="0" u="none" strike="noStrike" kern="100" baseline="0">
+                <a:solidFill>
+                  <a:srgbClr val="0F4761"/>
+                </a:solidFill>
+                <a:latin typeface="Times New Roman" panose="02020603050405020304" pitchFamily="18" charset="0"/>
+              </a:rPr>
+              <a:t>build a custom monitoring tool, for free</a:t>
+            </a:r>
+            <a:r>
+              <a:rPr lang="en-US" b="0" i="0" u="none" strike="noStrike" kern="100" baseline="0">
+                <a:solidFill>
+                  <a:srgbClr val="0F4761"/>
+                </a:solidFill>
+                <a:latin typeface="Times New Roman" panose="02020603050405020304" pitchFamily="18" charset="0"/>
+              </a:rPr>
+              <a:t> [1-3], using </a:t>
+            </a:r>
+            <a:r>
+              <a:rPr lang="en-US" b="1" i="0" u="none" strike="noStrike" kern="100" baseline="0">
+                <a:solidFill>
+                  <a:srgbClr val="0F4761"/>
+                </a:solidFill>
+                <a:latin typeface="Times New Roman" panose="02020603050405020304" pitchFamily="18" charset="0"/>
+              </a:rPr>
+              <a:t>Powershell, SQL Server, and PowerBI</a:t>
+            </a:r>
+            <a:r>
+              <a:rPr lang="en-US" b="0" i="0" u="none" strike="noStrike" kern="100" baseline="0">
+                <a:solidFill>
+                  <a:srgbClr val="0F4761"/>
+                </a:solidFill>
+                <a:latin typeface="Times New Roman" panose="02020603050405020304" pitchFamily="18" charset="0"/>
+              </a:rPr>
+              <a:t> [2, 4].</a:t>
             </a:r>
           </a:p>
           <a:p>
@@ -6194,16 +5629,70 @@
                 </a:solidFill>
                 <a:latin typeface="Times New Roman" panose="02020603050405020304" pitchFamily="18" charset="0"/>
               </a:rPr>
-              <a:t>Task</a:t>
-            </a:r>
-            <a:r>
-              <a:rPr lang="en-US" b="0" i="0" u="none" strike="noStrike" kern="100" baseline="0">
-                <a:solidFill>
-                  <a:srgbClr val="0F4761"/>
-                </a:solidFill>
-                <a:latin typeface="Times New Roman" panose="02020603050405020304" pitchFamily="18" charset="0"/>
-              </a:rPr>
-              <a:t>:</a:t>
+              <a:t>Benefits</a:t>
+            </a:r>
+            <a:r>
+              <a:rPr lang="en-US" b="0" i="0" u="none" strike="noStrike" kern="100" baseline="0">
+                <a:solidFill>
+                  <a:srgbClr val="0F4761"/>
+                </a:solidFill>
+                <a:latin typeface="Times New Roman" panose="02020603050405020304" pitchFamily="18" charset="0"/>
+              </a:rPr>
+              <a:t>: Gain </a:t>
+            </a:r>
+            <a:r>
+              <a:rPr lang="en-US" b="1" i="0" u="none" strike="noStrike" kern="100" baseline="0">
+                <a:solidFill>
+                  <a:srgbClr val="0F4761"/>
+                </a:solidFill>
+                <a:latin typeface="Times New Roman" panose="02020603050405020304" pitchFamily="18" charset="0"/>
+              </a:rPr>
+              <a:t>deeper insights</a:t>
+            </a:r>
+            <a:r>
+              <a:rPr lang="en-US" b="0" i="0" u="none" strike="noStrike" kern="100" baseline="0">
+                <a:solidFill>
+                  <a:srgbClr val="0F4761"/>
+                </a:solidFill>
+                <a:latin typeface="Times New Roman" panose="02020603050405020304" pitchFamily="18" charset="0"/>
+              </a:rPr>
+              <a:t>, </a:t>
+            </a:r>
+            <a:r>
+              <a:rPr lang="en-US" b="1" i="0" u="none" strike="noStrike" kern="100" baseline="0">
+                <a:solidFill>
+                  <a:srgbClr val="0F4761"/>
+                </a:solidFill>
+                <a:latin typeface="Times New Roman" panose="02020603050405020304" pitchFamily="18" charset="0"/>
+              </a:rPr>
+              <a:t>take control of your monitoring</a:t>
+            </a:r>
+            <a:r>
+              <a:rPr lang="en-US" b="0" i="0" u="none" strike="noStrike" kern="100" baseline="0">
+                <a:solidFill>
+                  <a:srgbClr val="0F4761"/>
+                </a:solidFill>
+                <a:latin typeface="Times New Roman" panose="02020603050405020304" pitchFamily="18" charset="0"/>
+              </a:rPr>
+              <a:t>, and make </a:t>
+            </a:r>
+            <a:r>
+              <a:rPr lang="en-US" b="1" i="0" u="none" strike="noStrike" kern="100" baseline="0">
+                <a:solidFill>
+                  <a:srgbClr val="0F4761"/>
+                </a:solidFill>
+                <a:latin typeface="Times New Roman" panose="02020603050405020304" pitchFamily="18" charset="0"/>
+              </a:rPr>
+              <a:t>informed decisions</a:t>
+            </a:r>
+            <a:r>
+              <a:rPr lang="en-US" b="0" i="0" u="none" strike="noStrike" kern="100" baseline="0">
+                <a:solidFill>
+                  <a:srgbClr val="0F4761"/>
+                </a:solidFill>
+                <a:latin typeface="Times New Roman" panose="02020603050405020304" pitchFamily="18" charset="0"/>
+              </a:rPr>
+              <a:t> [1-3].</a:t>
             </a:r>
           </a:p>
           <a:p>
@@ -6215,7 +5704,7 @@
                 </a:solidFill>
                 <a:latin typeface="Times New Roman" panose="02020603050405020304" pitchFamily="18" charset="0"/>
               </a:rPr>
-              <a:t>    1. </a:t>
+              <a:t> </a:t>
             </a:r>
             <a:r>
               <a:rPr lang="en-US" b="1" i="0" u="none" strike="noStrike" kern="100" baseline="0">
@@ -6224,16 +5713,16 @@
                 </a:solidFill>
                 <a:latin typeface="Times New Roman" panose="02020603050405020304" pitchFamily="18" charset="0"/>
               </a:rPr>
-              <a:t>Connect to your SQL Server instance</a:t>
-            </a:r>
-            <a:r>
-              <a:rPr lang="en-US" b="0" i="0" u="none" strike="noStrike" kern="100" baseline="0">
-                <a:solidFill>
-                  <a:srgbClr val="0F4761"/>
-                </a:solidFill>
-                <a:latin typeface="Times New Roman" panose="02020603050405020304" pitchFamily="18" charset="0"/>
-              </a:rPr>
-              <a:t> using SQL Server Management Studio (SSMS).</a:t>
+              <a:t>Further Exploration</a:t>
+            </a:r>
+            <a:r>
+              <a:rPr lang="en-US" b="0" i="0" u="none" strike="noStrike" kern="100" baseline="0">
+                <a:solidFill>
+                  <a:srgbClr val="0F4761"/>
+                </a:solidFill>
+                <a:latin typeface="Times New Roman" panose="02020603050405020304" pitchFamily="18" charset="0"/>
+              </a:rPr>
+              <a:t>: What other metrics can you collect? How can you expand this solution?</a:t>
             </a:r>
           </a:p>
           <a:p>
@@ -6245,7 +5734,7 @@
                 </a:solidFill>
                 <a:latin typeface="Times New Roman" panose="02020603050405020304" pitchFamily="18" charset="0"/>
               </a:rPr>
-              <a:t>    2. </a:t>
+              <a:t> </a:t>
             </a:r>
             <a:r>
               <a:rPr lang="en-US" b="1" i="0" u="none" strike="noStrike" kern="100" baseline="0">
@@ -6254,154 +5743,16 @@
                 </a:solidFill>
                 <a:latin typeface="Times New Roman" panose="02020603050405020304" pitchFamily="18" charset="0"/>
               </a:rPr>
-              <a:t>Create a new database</a:t>
-            </a:r>
-            <a:r>
-              <a:rPr lang="en-US" b="0" i="0" u="none" strike="noStrike" kern="100" baseline="0">
-                <a:solidFill>
-                  <a:srgbClr val="0F4761"/>
-                </a:solidFill>
-                <a:latin typeface="Times New Roman" panose="02020603050405020304" pitchFamily="18" charset="0"/>
-              </a:rPr>
-              <a:t> specifically for monitoring (e.g., SQLMonitorDB).</a:t>
-            </a:r>
-          </a:p>
-          <a:p>
-            <a:pPr marR="0" lvl="0" rtl="0"/>
-            <a:r>
-              <a:rPr lang="en-US" b="0" i="0" u="none" strike="noStrike" kern="100" baseline="0">
-                <a:solidFill>
-                  <a:srgbClr val="0F4761"/>
-                </a:solidFill>
-                <a:latin typeface="Times New Roman" panose="02020603050405020304" pitchFamily="18" charset="0"/>
-              </a:rPr>
-              <a:t>    3. </a:t>
-            </a:r>
-            <a:r>
-              <a:rPr lang="en-US" b="1" i="0" u="none" strike="noStrike" kern="100" baseline="0">
-                <a:solidFill>
-                  <a:srgbClr val="0F4761"/>
-                </a:solidFill>
-                <a:latin typeface="Times New Roman" panose="02020603050405020304" pitchFamily="18" charset="0"/>
-              </a:rPr>
-              <a:t>Create a table</a:t>
-            </a:r>
-            <a:r>
-              <a:rPr lang="en-US" b="0" i="0" u="none" strike="noStrike" kern="100" baseline="0">
-                <a:solidFill>
-                  <a:srgbClr val="0F4761"/>
-                </a:solidFill>
-                <a:latin typeface="Times New Roman" panose="02020603050405020304" pitchFamily="18" charset="0"/>
-              </a:rPr>
-              <a:t> within SQLMonitorDB (e.g., dbo.CpuHistory) with appropriate columns to store the CPU utilization and a timestamp.</a:t>
-            </a:r>
-          </a:p>
-          <a:p>
-            <a:pPr marR="0" lvl="0" rtl="0"/>
-            <a:r>
-              <a:rPr lang="en-US" b="0" i="0" u="none" strike="noStrike" kern="100" baseline="0">
-                <a:solidFill>
-                  <a:srgbClr val="0F4761"/>
-                </a:solidFill>
-                <a:latin typeface="Times New Roman" panose="02020603050405020304" pitchFamily="18" charset="0"/>
-              </a:rPr>
-              <a:t>    4. </a:t>
-            </a:r>
-            <a:r>
-              <a:rPr lang="en-US" b="1" i="0" u="none" strike="noStrike" kern="100" baseline="0">
-                <a:solidFill>
-                  <a:srgbClr val="0F4761"/>
-                </a:solidFill>
-                <a:latin typeface="Times New Roman" panose="02020603050405020304" pitchFamily="18" charset="0"/>
-              </a:rPr>
-              <a:t>Write and execute an INSERT statement</a:t>
-            </a:r>
-            <a:r>
-              <a:rPr lang="en-US" b="0" i="0" u="none" strike="noStrike" kern="100" baseline="0">
-                <a:solidFill>
-                  <a:srgbClr val="0F4761"/>
-                </a:solidFill>
-                <a:latin typeface="Times New Roman" panose="02020603050405020304" pitchFamily="18" charset="0"/>
-              </a:rPr>
-              <a:t> to manually add a few rows of sample CPU data into your new dbo.CpuHistory table, mimicking data collected by Powershell.</a:t>
-            </a:r>
-          </a:p>
-          <a:p>
-            <a:pPr marR="0" lvl="0" rtl="0"/>
-            <a:r>
-              <a:rPr lang="en-US" b="0" i="0" u="none" strike="noStrike" kern="100" baseline="0">
-                <a:solidFill>
-                  <a:srgbClr val="0F4761"/>
-                </a:solidFill>
-                <a:latin typeface="Times New Roman" panose="02020603050405020304" pitchFamily="18" charset="0"/>
-              </a:rPr>
-              <a:t>    5. </a:t>
-            </a:r>
-            <a:r>
-              <a:rPr lang="en-US" b="1" i="0" u="none" strike="noStrike" kern="100" baseline="0">
-                <a:solidFill>
-                  <a:srgbClr val="0F4761"/>
-                </a:solidFill>
-                <a:latin typeface="Times New Roman" panose="02020603050405020304" pitchFamily="18" charset="0"/>
-              </a:rPr>
-              <a:t>Run a SELECT query</a:t>
-            </a:r>
-            <a:r>
-              <a:rPr lang="en-US" b="0" i="0" u="none" strike="noStrike" kern="100" baseline="0">
-                <a:solidFill>
-                  <a:srgbClr val="0F4761"/>
-                </a:solidFill>
-                <a:latin typeface="Times New Roman" panose="02020603050405020304" pitchFamily="18" charset="0"/>
-              </a:rPr>
-              <a:t> to verify the data is stored [2, 4].</a:t>
-            </a:r>
-          </a:p>
-          <a:p>
-            <a:pPr marR="0" lvl="0" rtl="0"/>
-            <a:r>
-              <a:rPr lang="en-US" b="0" i="0" u="none" strike="noStrike" kern="100" baseline="0">
-                <a:solidFill>
-                  <a:srgbClr val="0F4761"/>
-                </a:solidFill>
-                <a:latin typeface="Times New Roman" panose="02020603050405020304" pitchFamily="18" charset="0"/>
-              </a:rPr>
-              <a:t> </a:t>
-            </a:r>
-            <a:r>
-              <a:rPr lang="en-US" b="1" i="0" u="none" strike="noStrike" kern="100" baseline="0">
-                <a:solidFill>
-                  <a:srgbClr val="0F4761"/>
-                </a:solidFill>
-                <a:latin typeface="Times New Roman" panose="02020603050405020304" pitchFamily="18" charset="0"/>
-              </a:rPr>
-              <a:t>Learning Outcome</a:t>
-            </a:r>
-            <a:r>
-              <a:rPr lang="en-US" b="0" i="0" u="none" strike="noStrike" kern="100" baseline="0">
-                <a:solidFill>
-                  <a:srgbClr val="0F4761"/>
-                </a:solidFill>
-                <a:latin typeface="Times New Roman" panose="02020603050405020304" pitchFamily="18" charset="0"/>
-              </a:rPr>
-              <a:t>: Grasp the concept of SQL Server as a </a:t>
-            </a:r>
-            <a:r>
-              <a:rPr lang="en-US" b="1" i="0" u="none" strike="noStrike" kern="100" baseline="0">
-                <a:solidFill>
-                  <a:srgbClr val="0F4761"/>
-                </a:solidFill>
-                <a:latin typeface="Times New Roman" panose="02020603050405020304" pitchFamily="18" charset="0"/>
-              </a:rPr>
-              <a:t>central repository for structured storage of historical information</a:t>
-            </a:r>
-            <a:r>
-              <a:rPr lang="en-US" b="0" i="0" u="none" strike="noStrike" kern="100" baseline="0">
-                <a:solidFill>
-                  <a:srgbClr val="0F4761"/>
-                </a:solidFill>
-                <a:latin typeface="Times New Roman" panose="02020603050405020304" pitchFamily="18" charset="0"/>
-              </a:rPr>
-              <a:t> [2, 4].</a:t>
+              <a:t>Resources</a:t>
+            </a:r>
+            <a:r>
+              <a:rPr lang="en-US" b="0" i="0" u="none" strike="noStrike" kern="100" baseline="0">
+                <a:solidFill>
+                  <a:srgbClr val="0F4761"/>
+                </a:solidFill>
+                <a:latin typeface="Times New Roman" panose="02020603050405020304" pitchFamily="18" charset="0"/>
+              </a:rPr>
+              <a:t>: Links to sample scripts, PowerBI templates, and additional learning materials.</a:t>
             </a:r>
           </a:p>
         </p:txBody>
@@ -6409,7 +5760,7 @@
     </p:spTree>
     <p:extLst>
       <p:ext uri="{BB962C8B-B14F-4D97-AF65-F5344CB8AC3E}">
-        <p14:creationId xmlns:p14="http://schemas.microsoft.com/office/powerpoint/2010/main" val="2248362403"/>
+        <p14:creationId xmlns:p14="http://schemas.microsoft.com/office/powerpoint/2010/main" val="3545578724"/>
       </p:ext>
     </p:extLst>
   </p:cSld>
@@ -6455,19 +5806,19 @@
         <p:spPr/>
         <p:txBody>
           <a:bodyPr>
-            <a:normAutofit fontScale="90000"/>
+            <a:normAutofit/>
           </a:bodyPr>
           <a:lstStyle/>
           <a:p>
             <a:pPr marR="0" rtl="0"/>
             <a:r>
-              <a:rPr lang="en-US" b="0" i="0" u="none" strike="noStrike" kern="100" baseline="0">
-                <a:solidFill>
-                  <a:srgbClr val="0F4761"/>
-                </a:solidFill>
-                <a:latin typeface="Times New Roman" panose="02020603050405020304" pitchFamily="18" charset="0"/>
-              </a:rPr>
-              <a:t>Slide 2: Why Custom Monitoring? (Problem &amp; Objective)</a:t>
+              <a:rPr lang="en-US" b="0" i="0" u="none" strike="noStrike" kern="100" baseline="0" dirty="0">
+                <a:solidFill>
+                  <a:srgbClr val="0F4761"/>
+                </a:solidFill>
+                <a:latin typeface="Times New Roman" panose="02020603050405020304" pitchFamily="18" charset="0"/>
+              </a:rPr>
+              <a:t>Why Custom Monitoring?</a:t>
             </a:r>
           </a:p>
         </p:txBody>
@@ -6488,12 +5839,22 @@
             <p:ph type="body" idx="1"/>
           </p:nvPr>
         </p:nvSpPr>
-        <p:spPr/>
-        <p:txBody>
-          <a:bodyPr/>
-          <a:lstStyle/>
-          <a:p>
-            <a:endParaRPr lang="en-US"/>
+        <p:spPr>
+          <a:xfrm>
+            <a:off x="521208" y="1865376"/>
+            <a:ext cx="5166360" cy="658368"/>
+          </a:xfrm>
+        </p:spPr>
+        <p:txBody>
+          <a:bodyPr>
+            <a:normAutofit/>
+          </a:bodyPr>
+          <a:lstStyle/>
+          <a:p>
+            <a:r>
+              <a:rPr lang="en-US" sz="2800" b="1" dirty="0"/>
+              <a:t>Problem</a:t>
+            </a:r>
           </a:p>
         </p:txBody>
       </p:sp>
@@ -6513,268 +5874,75 @@
             <p:ph sz="half" idx="2"/>
           </p:nvPr>
         </p:nvSpPr>
-        <p:spPr/>
+        <p:spPr>
+          <a:xfrm>
+            <a:off x="521208" y="2523744"/>
+            <a:ext cx="5166360" cy="1959356"/>
+          </a:xfrm>
+        </p:spPr>
         <p:txBody>
           <a:bodyPr>
-            <a:normAutofit fontScale="85000" lnSpcReduction="20000"/>
+            <a:normAutofit fontScale="85000" lnSpcReduction="10000"/>
           </a:bodyPr>
           <a:lstStyle/>
           <a:p>
             <a:pPr marR="0" lvl="0" rtl="0"/>
             <a:r>
-              <a:rPr lang="en-US" b="0" i="0" u="none" strike="noStrike" kern="100" baseline="0">
-                <a:solidFill>
-                  <a:srgbClr val="0F4761"/>
-                </a:solidFill>
-                <a:latin typeface="Times New Roman" panose="02020603050405020304" pitchFamily="18" charset="0"/>
-              </a:rPr>
-              <a:t> </a:t>
-            </a:r>
-            <a:r>
-              <a:rPr lang="en-US" b="1" i="0" u="none" strike="noStrike" kern="100" baseline="0">
-                <a:solidFill>
-                  <a:srgbClr val="0F4761"/>
-                </a:solidFill>
-                <a:latin typeface="Times New Roman" panose="02020603050405020304" pitchFamily="18" charset="0"/>
-              </a:rPr>
-              <a:t>The Challenge with Off-the-Shelf Tools</a:t>
-            </a:r>
-            <a:r>
-              <a:rPr lang="en-US" b="0" i="0" u="none" strike="noStrike" kern="100" baseline="0">
-                <a:solidFill>
-                  <a:srgbClr val="0F4761"/>
-                </a:solidFill>
-                <a:latin typeface="Times New Roman" panose="02020603050405020304" pitchFamily="18" charset="0"/>
-              </a:rPr>
-              <a:t>: "Every tool is missing something" [1, 2]. They may not fully satisfy tailored needs [2].</a:t>
-            </a:r>
-          </a:p>
-          <a:p>
-            <a:pPr marR="0" lvl="0" rtl="0"/>
-            <a:r>
-              <a:rPr lang="en-US" b="0" i="0" u="none" strike="noStrike" kern="100" baseline="0">
-                <a:solidFill>
-                  <a:srgbClr val="0F4761"/>
-                </a:solidFill>
-                <a:latin typeface="Times New Roman" panose="02020603050405020304" pitchFamily="18" charset="0"/>
-              </a:rPr>
-              <a:t> </a:t>
-            </a:r>
-            <a:r>
-              <a:rPr lang="en-US" b="1" i="0" u="none" strike="noStrike" kern="100" baseline="0">
-                <a:solidFill>
-                  <a:srgbClr val="0F4761"/>
-                </a:solidFill>
-                <a:latin typeface="Times New Roman" panose="02020603050405020304" pitchFamily="18" charset="0"/>
-              </a:rPr>
-              <a:t>The Goal</a:t>
-            </a:r>
-            <a:r>
-              <a:rPr lang="en-US" b="0" i="0" u="none" strike="noStrike" kern="100" baseline="0">
-                <a:solidFill>
-                  <a:srgbClr val="0F4761"/>
-                </a:solidFill>
-                <a:latin typeface="Times New Roman" panose="02020603050405020304" pitchFamily="18" charset="0"/>
-              </a:rPr>
-              <a:t>: To </a:t>
-            </a:r>
-            <a:r>
-              <a:rPr lang="en-US" b="1" i="0" u="none" strike="noStrike" kern="100" baseline="0">
-                <a:solidFill>
-                  <a:srgbClr val="0F4761"/>
-                </a:solidFill>
-                <a:latin typeface="Times New Roman" panose="02020603050405020304" pitchFamily="18" charset="0"/>
-              </a:rPr>
-              <a:t>increase the observability of your SQL Server Estate</a:t>
-            </a:r>
-            <a:r>
-              <a:rPr lang="en-US" b="0" i="0" u="none" strike="noStrike" kern="100" baseline="0">
-                <a:solidFill>
-                  <a:srgbClr val="0F4761"/>
-                </a:solidFill>
-                <a:latin typeface="Times New Roman" panose="02020603050405020304" pitchFamily="18" charset="0"/>
-              </a:rPr>
-              <a:t> [1-3].</a:t>
-            </a:r>
-          </a:p>
-          <a:p>
-            <a:pPr marR="0" lvl="0" rtl="0"/>
-            <a:r>
-              <a:rPr lang="en-US" b="0" i="0" u="none" strike="noStrike" kern="100" baseline="0">
-                <a:solidFill>
-                  <a:srgbClr val="0F4761"/>
-                </a:solidFill>
-                <a:latin typeface="Times New Roman" panose="02020603050405020304" pitchFamily="18" charset="0"/>
-              </a:rPr>
-              <a:t> </a:t>
-            </a:r>
-            <a:r>
-              <a:rPr lang="en-US" b="1" i="0" u="none" strike="noStrike" kern="100" baseline="0">
-                <a:solidFill>
-                  <a:srgbClr val="0F4761"/>
-                </a:solidFill>
-                <a:latin typeface="Times New Roman" panose="02020603050405020304" pitchFamily="18" charset="0"/>
-              </a:rPr>
-              <a:t>The Benefit</a:t>
-            </a:r>
-            <a:r>
-              <a:rPr lang="en-US" b="0" i="0" u="none" strike="noStrike" kern="100" baseline="0">
-                <a:solidFill>
-                  <a:srgbClr val="0F4761"/>
-                </a:solidFill>
-                <a:latin typeface="Times New Roman" panose="02020603050405020304" pitchFamily="18" charset="0"/>
-              </a:rPr>
-              <a:t>: Enabling </a:t>
-            </a:r>
-            <a:r>
-              <a:rPr lang="en-US" b="1" i="0" u="none" strike="noStrike" kern="100" baseline="0">
-                <a:solidFill>
-                  <a:srgbClr val="0F4761"/>
-                </a:solidFill>
-                <a:latin typeface="Times New Roman" panose="02020603050405020304" pitchFamily="18" charset="0"/>
-              </a:rPr>
-              <a:t>informed decisions</a:t>
-            </a:r>
-            <a:r>
-              <a:rPr lang="en-US" b="0" i="0" u="none" strike="noStrike" kern="100" baseline="0">
-                <a:solidFill>
-                  <a:srgbClr val="0F4761"/>
-                </a:solidFill>
-                <a:latin typeface="Times New Roman" panose="02020603050405020304" pitchFamily="18" charset="0"/>
-              </a:rPr>
-              <a:t> regarding your database environment [1-3].</a:t>
-            </a:r>
-          </a:p>
-          <a:p>
-            <a:pPr marR="0" lvl="0" rtl="0"/>
-            <a:r>
-              <a:rPr lang="en-US" b="0" i="0" u="none" strike="noStrike" kern="100" baseline="0">
-                <a:solidFill>
-                  <a:srgbClr val="0F4761"/>
-                </a:solidFill>
-                <a:latin typeface="Times New Roman" panose="02020603050405020304" pitchFamily="18" charset="0"/>
-              </a:rPr>
-              <a:t> </a:t>
-            </a:r>
-            <a:r>
-              <a:rPr lang="en-US" b="1" i="0" u="none" strike="noStrike" kern="100" baseline="0">
-                <a:solidFill>
-                  <a:srgbClr val="0F4761"/>
-                </a:solidFill>
-                <a:latin typeface="Times New Roman" panose="02020603050405020304" pitchFamily="18" charset="0"/>
-              </a:rPr>
-              <a:t>Solution</a:t>
-            </a:r>
-            <a:r>
-              <a:rPr lang="en-US" b="0" i="0" u="none" strike="noStrike" kern="100" baseline="0">
-                <a:solidFill>
-                  <a:srgbClr val="0F4761"/>
-                </a:solidFill>
-                <a:latin typeface="Times New Roman" panose="02020603050405020304" pitchFamily="18" charset="0"/>
-              </a:rPr>
-              <a:t>: </a:t>
-            </a:r>
-            <a:r>
-              <a:rPr lang="en-US" b="1" i="0" u="none" strike="noStrike" kern="100" baseline="0">
-                <a:solidFill>
-                  <a:srgbClr val="0F4761"/>
-                </a:solidFill>
-                <a:latin typeface="Times New Roman" panose="02020603050405020304" pitchFamily="18" charset="0"/>
-              </a:rPr>
-              <a:t>Build a custom tool, for free</a:t>
-            </a:r>
-            <a:r>
-              <a:rPr lang="en-US" b="0" i="0" u="none" strike="noStrike" kern="100" baseline="0">
-                <a:solidFill>
-                  <a:srgbClr val="0F4761"/>
-                </a:solidFill>
-                <a:latin typeface="Times New Roman" panose="02020603050405020304" pitchFamily="18" charset="0"/>
-              </a:rPr>
-              <a:t> [1-3], allowing you to </a:t>
-            </a:r>
-            <a:r>
-              <a:rPr lang="en-US" b="1" i="0" u="none" strike="noStrike" kern="100" baseline="0">
-                <a:solidFill>
-                  <a:srgbClr val="0F4761"/>
-                </a:solidFill>
-                <a:latin typeface="Times New Roman" panose="02020603050405020304" pitchFamily="18" charset="0"/>
-              </a:rPr>
-              <a:t>monitor the specific metrics you care about</a:t>
-            </a:r>
-            <a:r>
-              <a:rPr lang="en-US" b="0" i="0" u="none" strike="noStrike" kern="100" baseline="0">
-                <a:solidFill>
-                  <a:srgbClr val="0F4761"/>
-                </a:solidFill>
-                <a:latin typeface="Times New Roman" panose="02020603050405020304" pitchFamily="18" charset="0"/>
-              </a:rPr>
-              <a:t> [1-3].</a:t>
-            </a:r>
-          </a:p>
-          <a:p>
-            <a:pPr marR="0" lvl="0" rtl="0"/>
-            <a:r>
-              <a:rPr lang="en-US" b="0" i="0" u="none" strike="noStrike" kern="100" baseline="0">
-                <a:solidFill>
-                  <a:srgbClr val="0F4761"/>
-                </a:solidFill>
-                <a:latin typeface="Times New Roman" panose="02020603050405020304" pitchFamily="18" charset="0"/>
-              </a:rPr>
-              <a:t> </a:t>
-            </a:r>
-            <a:r>
-              <a:rPr lang="en-US" b="1" i="0" u="none" strike="noStrike" kern="100" baseline="0">
-                <a:solidFill>
-                  <a:srgbClr val="0F4761"/>
-                </a:solidFill>
-                <a:latin typeface="Times New Roman" panose="02020603050405020304" pitchFamily="18" charset="0"/>
-              </a:rPr>
-              <a:t>What this session will empower you to do</a:t>
-            </a:r>
-            <a:r>
-              <a:rPr lang="en-US" b="0" i="0" u="none" strike="noStrike" kern="100" baseline="0">
-                <a:solidFill>
-                  <a:srgbClr val="0F4761"/>
-                </a:solidFill>
-                <a:latin typeface="Times New Roman" panose="02020603050405020304" pitchFamily="18" charset="0"/>
-              </a:rPr>
-              <a:t>: </a:t>
-            </a:r>
-            <a:r>
-              <a:rPr lang="en-US" b="1" i="0" u="none" strike="noStrike" kern="100" baseline="0">
-                <a:solidFill>
-                  <a:srgbClr val="0F4761"/>
-                </a:solidFill>
-                <a:latin typeface="Times New Roman" panose="02020603050405020304" pitchFamily="18" charset="0"/>
-              </a:rPr>
-              <a:t>Take control of your SQL Server monitoring</a:t>
-            </a:r>
-            <a:r>
-              <a:rPr lang="en-US" b="0" i="0" u="none" strike="noStrike" kern="100" baseline="0">
-                <a:solidFill>
-                  <a:srgbClr val="0F4761"/>
-                </a:solidFill>
-                <a:latin typeface="Times New Roman" panose="02020603050405020304" pitchFamily="18" charset="0"/>
-              </a:rPr>
-              <a:t> and gain </a:t>
-            </a:r>
-            <a:r>
-              <a:rPr lang="en-US" b="1" i="0" u="none" strike="noStrike" kern="100" baseline="0">
-                <a:solidFill>
-                  <a:srgbClr val="0F4761"/>
-                </a:solidFill>
-                <a:latin typeface="Times New Roman" panose="02020603050405020304" pitchFamily="18" charset="0"/>
-              </a:rPr>
-              <a:t>deeper insights into your systems</a:t>
-            </a:r>
-            <a:r>
-              <a:rPr lang="en-US" b="0" i="0" u="none" strike="noStrike" kern="100" baseline="0">
-                <a:solidFill>
-                  <a:srgbClr val="0F4761"/>
-                </a:solidFill>
-                <a:latin typeface="Times New Roman" panose="02020603050405020304" pitchFamily="18" charset="0"/>
-              </a:rPr>
-              <a:t> [1-3].</a:t>
+              <a:rPr lang="en-US" kern="100" dirty="0">
+                <a:solidFill>
+                  <a:srgbClr val="0F4761"/>
+                </a:solidFill>
+                <a:latin typeface="Times New Roman" panose="02020603050405020304" pitchFamily="18" charset="0"/>
+              </a:rPr>
+              <a:t>Monitoring and Alerting tools</a:t>
+            </a:r>
+          </a:p>
+          <a:p>
+            <a:pPr lvl="1"/>
+            <a:r>
+              <a:rPr lang="en-US" b="0" i="0" u="none" strike="noStrike" kern="100" baseline="0" dirty="0">
+                <a:solidFill>
+                  <a:srgbClr val="0F4761"/>
+                </a:solidFill>
+                <a:latin typeface="Times New Roman" panose="02020603050405020304" pitchFamily="18" charset="0"/>
+              </a:rPr>
+              <a:t>Can be expensive</a:t>
+            </a:r>
+          </a:p>
+          <a:p>
+            <a:pPr lvl="1"/>
+            <a:r>
+              <a:rPr lang="en-US" b="0" i="0" u="none" strike="noStrike" kern="100" baseline="0" dirty="0">
+                <a:solidFill>
+                  <a:srgbClr val="0F4761"/>
+                </a:solidFill>
+                <a:latin typeface="Times New Roman" panose="02020603050405020304" pitchFamily="18" charset="0"/>
+              </a:rPr>
+              <a:t>Are not easily modified </a:t>
+            </a:r>
+          </a:p>
+          <a:p>
+            <a:pPr lvl="1"/>
+            <a:r>
+              <a:rPr lang="en-US" kern="100" dirty="0">
+                <a:solidFill>
+                  <a:srgbClr val="0F4761"/>
+                </a:solidFill>
+                <a:latin typeface="Times New Roman" panose="02020603050405020304" pitchFamily="18" charset="0"/>
+              </a:rPr>
+              <a:t>Usually don’t have everything we’d want</a:t>
+            </a:r>
+          </a:p>
+          <a:p>
+            <a:pPr lvl="1"/>
+            <a:r>
+              <a:rPr lang="en-US" b="0" i="0" u="none" strike="noStrike" kern="100" baseline="0" dirty="0">
+                <a:solidFill>
+                  <a:srgbClr val="0F4761"/>
+                </a:solidFill>
+                <a:latin typeface="Times New Roman" panose="02020603050405020304" pitchFamily="18" charset="0"/>
+              </a:rPr>
+              <a:t>Rely on external support and troubleshooting</a:t>
             </a:r>
           </a:p>
         </p:txBody>
@@ -6795,21 +5963,31 @@
             <p:ph type="body" sz="quarter" idx="3"/>
           </p:nvPr>
         </p:nvSpPr>
-        <p:spPr/>
-        <p:txBody>
-          <a:bodyPr/>
-          <a:lstStyle/>
-          <a:p>
-            <a:endParaRPr lang="en-US"/>
-          </a:p>
-        </p:txBody>
-      </p:sp>
-      <p:sp>
-        <p:nvSpPr>
-          <p:cNvPr id="7" name="Content Placeholder 6">
+        <p:spPr>
+          <a:xfrm>
+            <a:off x="6519672" y="1865376"/>
+            <a:ext cx="5166360" cy="658368"/>
+          </a:xfrm>
+        </p:spPr>
+        <p:txBody>
+          <a:bodyPr>
+            <a:normAutofit/>
+          </a:bodyPr>
+          <a:lstStyle/>
+          <a:p>
+            <a:r>
+              <a:rPr lang="en-US" sz="2800" b="1" dirty="0"/>
+              <a:t>Solution</a:t>
+            </a:r>
+          </a:p>
+        </p:txBody>
+      </p:sp>
+      <p:sp>
+        <p:nvSpPr>
+          <p:cNvPr id="9" name="Content Placeholder 8">
             <a:extLst>
               <a:ext uri="{FF2B5EF4-FFF2-40B4-BE49-F238E27FC236}">
-                <a16:creationId xmlns:a16="http://schemas.microsoft.com/office/drawing/2014/main" id="{BBA2F860-99F4-01E4-E398-8B3ED7D9D5AD}"/>
+                <a16:creationId xmlns:a16="http://schemas.microsoft.com/office/drawing/2014/main" id="{305AC6CA-3826-8AC5-614B-4EC08C1FC57F}"/>
               </a:ext>
             </a:extLst>
           </p:cNvPr>
@@ -6820,14 +5998,172 @@
             <p:ph sz="quarter" idx="4"/>
           </p:nvPr>
         </p:nvSpPr>
-        <p:spPr/>
+        <p:spPr>
+          <a:xfrm>
+            <a:off x="6519672" y="2523744"/>
+            <a:ext cx="5166360" cy="2139697"/>
+          </a:xfrm>
+        </p:spPr>
         <p:txBody>
           <a:bodyPr>
-            <a:normAutofit fontScale="85000" lnSpcReduction="20000"/>
+            <a:normAutofit fontScale="85000" lnSpcReduction="10000"/>
           </a:bodyPr>
           <a:lstStyle/>
           <a:p>
-            <a:endParaRPr lang="en-US"/>
+            <a:r>
+              <a:rPr lang="en-US" b="1" dirty="0">
+                <a:solidFill>
+                  <a:srgbClr val="477286"/>
+                </a:solidFill>
+                <a:latin typeface="Times New Roman" panose="02020603050405020304" pitchFamily="18" charset="0"/>
+                <a:cs typeface="Times New Roman" panose="02020603050405020304" pitchFamily="18" charset="0"/>
+              </a:rPr>
+              <a:t>Custom solution</a:t>
+            </a:r>
+          </a:p>
+          <a:p>
+            <a:pPr lvl="1"/>
+            <a:r>
+              <a:rPr lang="en-US" b="1" dirty="0">
+                <a:solidFill>
+                  <a:srgbClr val="477286"/>
+                </a:solidFill>
+                <a:latin typeface="Times New Roman" panose="02020603050405020304" pitchFamily="18" charset="0"/>
+                <a:cs typeface="Times New Roman" panose="02020603050405020304" pitchFamily="18" charset="0"/>
+              </a:rPr>
+              <a:t>Free (at least in the iteration shared today)</a:t>
+            </a:r>
+          </a:p>
+          <a:p>
+            <a:pPr lvl="1"/>
+            <a:r>
+              <a:rPr lang="en-US" b="1" dirty="0">
+                <a:solidFill>
+                  <a:srgbClr val="477286"/>
+                </a:solidFill>
+                <a:latin typeface="Times New Roman" panose="02020603050405020304" pitchFamily="18" charset="0"/>
+                <a:cs typeface="Times New Roman" panose="02020603050405020304" pitchFamily="18" charset="0"/>
+              </a:rPr>
+              <a:t>Can change whenever you want</a:t>
+            </a:r>
+          </a:p>
+          <a:p>
+            <a:pPr lvl="1"/>
+            <a:r>
+              <a:rPr lang="en-US" b="1" dirty="0">
+                <a:solidFill>
+                  <a:srgbClr val="477286"/>
+                </a:solidFill>
+                <a:latin typeface="Times New Roman" panose="02020603050405020304" pitchFamily="18" charset="0"/>
+                <a:cs typeface="Times New Roman" panose="02020603050405020304" pitchFamily="18" charset="0"/>
+              </a:rPr>
+              <a:t>100% custom to the metrics you want</a:t>
+            </a:r>
+          </a:p>
+          <a:p>
+            <a:pPr lvl="1"/>
+            <a:r>
+              <a:rPr lang="en-US" b="1" dirty="0">
+                <a:solidFill>
+                  <a:srgbClr val="477286"/>
+                </a:solidFill>
+                <a:latin typeface="Times New Roman" panose="02020603050405020304" pitchFamily="18" charset="0"/>
+                <a:cs typeface="Times New Roman" panose="02020603050405020304" pitchFamily="18" charset="0"/>
+              </a:rPr>
+              <a:t>You are the owner, developer, and troubleshooter.</a:t>
+            </a:r>
+          </a:p>
+        </p:txBody>
+      </p:sp>
+      <p:sp>
+        <p:nvSpPr>
+          <p:cNvPr id="10" name="Rectangle 9">
+            <a:extLst>
+              <a:ext uri="{FF2B5EF4-FFF2-40B4-BE49-F238E27FC236}">
+                <a16:creationId xmlns:a16="http://schemas.microsoft.com/office/drawing/2014/main" id="{7E07AF0D-3C56-3A64-3065-3983F03A19F2}"/>
+              </a:ext>
+            </a:extLst>
+          </p:cNvPr>
+          <p:cNvSpPr/>
+          <p:nvPr/>
+        </p:nvSpPr>
+        <p:spPr>
+          <a:xfrm>
+            <a:off x="521208" y="5041900"/>
+            <a:ext cx="11164824" cy="1435100"/>
+          </a:xfrm>
+          <a:prstGeom prst="rect">
+            <a:avLst/>
+          </a:prstGeom>
+          <a:solidFill>
+            <a:srgbClr val="477286"/>
+          </a:solidFill>
+          <a:ln>
+            <a:noFill/>
+          </a:ln>
+        </p:spPr>
+        <p:style>
+          <a:lnRef idx="2">
+            <a:schemeClr val="accent1">
+              <a:shade val="15000"/>
+            </a:schemeClr>
+          </a:lnRef>
+          <a:fillRef idx="1">
+            <a:schemeClr val="accent1"/>
+          </a:fillRef>
+          <a:effectRef idx="0">
+            <a:schemeClr val="accent1"/>
+          </a:effectRef>
+          <a:fontRef idx="minor">
+            <a:schemeClr val="lt1"/>
+          </a:fontRef>
+        </p:style>
+        <p:txBody>
+          <a:bodyPr rtlCol="0" anchor="ctr"/>
+          <a:lstStyle/>
+          <a:p>
+            <a:pPr algn="ctr"/>
+            <a:r>
+              <a:rPr lang="en-US" sz="2400" b="1" i="1" kern="100" dirty="0">
+                <a:solidFill>
+                  <a:schemeClr val="bg1"/>
+                </a:solidFill>
+                <a:latin typeface="Times New Roman" panose="02020603050405020304" pitchFamily="18" charset="0"/>
+              </a:rPr>
+              <a:t>Take control of your SQL Server monitoring</a:t>
+            </a:r>
+            <a:r>
+              <a:rPr lang="en-US" sz="2400" i="1" kern="100" dirty="0">
+                <a:solidFill>
+                  <a:schemeClr val="bg1"/>
+                </a:solidFill>
+                <a:latin typeface="Times New Roman" panose="02020603050405020304" pitchFamily="18" charset="0"/>
+              </a:rPr>
+              <a:t> and gain </a:t>
+            </a:r>
+            <a:r>
+              <a:rPr lang="en-US" sz="2400" b="1" i="1" kern="100" dirty="0">
+                <a:solidFill>
+                  <a:schemeClr val="bg1"/>
+                </a:solidFill>
+                <a:latin typeface="Times New Roman" panose="02020603050405020304" pitchFamily="18" charset="0"/>
+              </a:rPr>
+              <a:t>deeper insights into your systems</a:t>
+            </a:r>
+            <a:r>
+              <a:rPr lang="en-US" sz="2400" i="1" kern="100" dirty="0">
+                <a:solidFill>
+                  <a:schemeClr val="bg1"/>
+                </a:solidFill>
+                <a:latin typeface="Times New Roman" panose="02020603050405020304" pitchFamily="18" charset="0"/>
+              </a:rPr>
+              <a:t> </a:t>
+            </a:r>
+            <a:endParaRPr lang="en-US" sz="2400" i="1" dirty="0">
+              <a:solidFill>
+                <a:schemeClr val="bg1"/>
+              </a:solidFill>
+            </a:endParaRPr>
           </a:p>
         </p:txBody>
       </p:sp>
@@ -6866,7 +6202,7 @@
           <p:cNvPr id="2" name="Title 1">
             <a:extLst>
               <a:ext uri="{FF2B5EF4-FFF2-40B4-BE49-F238E27FC236}">
-                <a16:creationId xmlns:a16="http://schemas.microsoft.com/office/drawing/2014/main" id="{1AE32FB2-B4F4-3350-4F7A-7B4DB3C8A086}"/>
+                <a16:creationId xmlns:a16="http://schemas.microsoft.com/office/drawing/2014/main" id="{DCF86A19-934B-D4A8-D6FA-0DF65614C229}"/>
               </a:ext>
             </a:extLst>
           </p:cNvPr>
@@ -6879,18 +6215,20 @@
         </p:nvSpPr>
         <p:spPr/>
         <p:txBody>
-          <a:bodyPr/>
+          <a:bodyPr>
+            <a:noAutofit/>
+          </a:bodyPr>
           <a:lstStyle/>
           <a:p>
             <a:pPr marR="0" rtl="0"/>
             <a:r>
-              <a:rPr lang="en-US" b="0" i="0" u="none" strike="noStrike" kern="100" baseline="0">
-                <a:solidFill>
-                  <a:srgbClr val="0F4761"/>
-                </a:solidFill>
-                <a:latin typeface="Times New Roman" panose="02020603050405020304" pitchFamily="18" charset="0"/>
-              </a:rPr>
-              <a:t>Lab 3: PowerBI to Visualize Your Data (Approx. 10-15 minutes)</a:t>
+              <a:rPr lang="en-US" sz="3600" b="1" i="0" u="none" strike="noStrike" kern="100" baseline="0" dirty="0">
+                <a:solidFill>
+                  <a:srgbClr val="7030A0"/>
+                </a:solidFill>
+                <a:latin typeface="Times New Roman" panose="02020603050405020304" pitchFamily="18" charset="0"/>
+              </a:rPr>
+              <a:t>Thank You!</a:t>
             </a:r>
           </a:p>
         </p:txBody>
@@ -6900,7 +6238,7 @@
           <p:cNvPr id="3" name="Text Placeholder 2">
             <a:extLst>
               <a:ext uri="{FF2B5EF4-FFF2-40B4-BE49-F238E27FC236}">
-                <a16:creationId xmlns:a16="http://schemas.microsoft.com/office/drawing/2014/main" id="{EDDDB4CC-80BE-2459-5976-402E7D09B75D}"/>
+                <a16:creationId xmlns:a16="http://schemas.microsoft.com/office/drawing/2014/main" id="{30CE9D2C-F27A-85AA-5286-61D4000A287A}"/>
               </a:ext>
             </a:extLst>
           </p:cNvPr>
@@ -6911,312 +6249,81 @@
             <p:ph type="body" idx="1"/>
           </p:nvPr>
         </p:nvSpPr>
-        <p:spPr/>
+        <p:spPr>
+          <a:xfrm>
+            <a:off x="3687572" y="2451100"/>
+            <a:ext cx="2362200" cy="2574036"/>
+          </a:xfrm>
+        </p:spPr>
         <p:txBody>
           <a:bodyPr>
-            <a:normAutofit fontScale="77500" lnSpcReduction="20000"/>
+            <a:normAutofit fontScale="92500" lnSpcReduction="10000"/>
           </a:bodyPr>
           <a:lstStyle/>
           <a:p>
-            <a:pPr marR="0" lvl="0" rtl="0"/>
-            <a:r>
-              <a:rPr lang="en-US" b="0" i="0" u="none" strike="noStrike" kern="100" baseline="0">
-                <a:solidFill>
-                  <a:srgbClr val="0F4761"/>
-                </a:solidFill>
-                <a:latin typeface="Times New Roman" panose="02020603050405020304" pitchFamily="18" charset="0"/>
-              </a:rPr>
-              <a:t> </a:t>
-            </a:r>
-            <a:r>
-              <a:rPr lang="en-US" b="1" i="0" u="none" strike="noStrike" kern="100" baseline="0">
-                <a:solidFill>
-                  <a:srgbClr val="0F4761"/>
-                </a:solidFill>
-                <a:latin typeface="Times New Roman" panose="02020603050405020304" pitchFamily="18" charset="0"/>
-              </a:rPr>
-              <a:t>Objective</a:t>
-            </a:r>
-            <a:r>
-              <a:rPr lang="en-US" b="0" i="0" u="none" strike="noStrike" kern="100" baseline="0">
-                <a:solidFill>
-                  <a:srgbClr val="0F4761"/>
-                </a:solidFill>
-                <a:latin typeface="Times New Roman" panose="02020603050405020304" pitchFamily="18" charset="0"/>
-              </a:rPr>
-              <a:t>: To connect PowerBI to the newly created SQL Server table and create a basic visualization.</a:t>
-            </a:r>
-          </a:p>
-          <a:p>
-            <a:pPr marR="0" lvl="0" rtl="0"/>
-            <a:r>
-              <a:rPr lang="en-US" b="0" i="0" u="none" strike="noStrike" kern="100" baseline="0">
-                <a:solidFill>
-                  <a:srgbClr val="0F4761"/>
-                </a:solidFill>
-                <a:latin typeface="Times New Roman" panose="02020603050405020304" pitchFamily="18" charset="0"/>
-              </a:rPr>
-              <a:t> </a:t>
-            </a:r>
-            <a:r>
-              <a:rPr lang="en-US" b="1" i="0" u="none" strike="noStrike" kern="100" baseline="0">
-                <a:solidFill>
-                  <a:srgbClr val="0F4761"/>
-                </a:solidFill>
-                <a:latin typeface="Times New Roman" panose="02020603050405020304" pitchFamily="18" charset="0"/>
-              </a:rPr>
-              <a:t>Task</a:t>
-            </a:r>
-            <a:r>
-              <a:rPr lang="en-US" b="0" i="0" u="none" strike="noStrike" kern="100" baseline="0">
-                <a:solidFill>
-                  <a:srgbClr val="0F4761"/>
-                </a:solidFill>
-                <a:latin typeface="Times New Roman" panose="02020603050405020304" pitchFamily="18" charset="0"/>
-              </a:rPr>
-              <a:t>:</a:t>
-            </a:r>
-          </a:p>
-          <a:p>
-            <a:pPr marR="0" lvl="0" rtl="0"/>
-            <a:r>
-              <a:rPr lang="en-US" b="0" i="0" u="none" strike="noStrike" kern="100" baseline="0">
-                <a:solidFill>
-                  <a:srgbClr val="0F4761"/>
-                </a:solidFill>
-                <a:latin typeface="Times New Roman" panose="02020603050405020304" pitchFamily="18" charset="0"/>
-              </a:rPr>
-              <a:t>    1. </a:t>
-            </a:r>
-            <a:r>
-              <a:rPr lang="en-US" b="1" i="0" u="none" strike="noStrike" kern="100" baseline="0">
-                <a:solidFill>
-                  <a:srgbClr val="0F4761"/>
-                </a:solidFill>
-                <a:latin typeface="Times New Roman" panose="02020603050405020304" pitchFamily="18" charset="0"/>
-              </a:rPr>
-              <a:t>Open PowerBI Desktop</a:t>
-            </a:r>
-            <a:r>
-              <a:rPr lang="en-US" b="0" i="0" u="none" strike="noStrike" kern="100" baseline="0">
-                <a:solidFill>
-                  <a:srgbClr val="0F4761"/>
-                </a:solidFill>
-                <a:latin typeface="Times New Roman" panose="02020603050405020304" pitchFamily="18" charset="0"/>
-              </a:rPr>
-              <a:t>.</a:t>
-            </a:r>
-          </a:p>
-          <a:p>
-            <a:pPr marR="0" lvl="0" rtl="0"/>
-            <a:r>
-              <a:rPr lang="en-US" b="0" i="0" u="none" strike="noStrike" kern="100" baseline="0">
-                <a:solidFill>
-                  <a:srgbClr val="0F4761"/>
-                </a:solidFill>
-                <a:latin typeface="Times New Roman" panose="02020603050405020304" pitchFamily="18" charset="0"/>
-              </a:rPr>
-              <a:t>    2. </a:t>
-            </a:r>
-            <a:r>
-              <a:rPr lang="en-US" b="1" i="0" u="none" strike="noStrike" kern="100" baseline="0">
-                <a:solidFill>
-                  <a:srgbClr val="0F4761"/>
-                </a:solidFill>
-                <a:latin typeface="Times New Roman" panose="02020603050405020304" pitchFamily="18" charset="0"/>
-              </a:rPr>
-              <a:t>Connect to your SQL Server instance</a:t>
-            </a:r>
-            <a:r>
-              <a:rPr lang="en-US" b="0" i="0" u="none" strike="noStrike" kern="100" baseline="0">
-                <a:solidFill>
-                  <a:srgbClr val="0F4761"/>
-                </a:solidFill>
-                <a:latin typeface="Times New Roman" panose="02020603050405020304" pitchFamily="18" charset="0"/>
-              </a:rPr>
-              <a:t> and select the SQLMonitorDB and the dbo.CpuHistory table.</a:t>
-            </a:r>
-          </a:p>
-          <a:p>
-            <a:pPr marR="0" lvl="0" rtl="0"/>
-            <a:r>
-              <a:rPr lang="en-US" b="0" i="0" u="none" strike="noStrike" kern="100" baseline="0">
-                <a:solidFill>
-                  <a:srgbClr val="0F4761"/>
-                </a:solidFill>
-                <a:latin typeface="Times New Roman" panose="02020603050405020304" pitchFamily="18" charset="0"/>
-              </a:rPr>
-              <a:t>    3. </a:t>
-            </a:r>
-            <a:r>
-              <a:rPr lang="en-US" b="1" i="0" u="none" strike="noStrike" kern="100" baseline="0">
-                <a:solidFill>
-                  <a:srgbClr val="0F4761"/>
-                </a:solidFill>
-                <a:latin typeface="Times New Roman" panose="02020603050405020304" pitchFamily="18" charset="0"/>
-              </a:rPr>
-              <a:t>Load the data</a:t>
-            </a:r>
-            <a:r>
-              <a:rPr lang="en-US" b="0" i="0" u="none" strike="noStrike" kern="100" baseline="0">
-                <a:solidFill>
-                  <a:srgbClr val="0F4761"/>
-                </a:solidFill>
-                <a:latin typeface="Times New Roman" panose="02020603050405020304" pitchFamily="18" charset="0"/>
-              </a:rPr>
-              <a:t> into PowerBI.</a:t>
-            </a:r>
-          </a:p>
-          <a:p>
-            <a:pPr marR="0" lvl="0" rtl="0"/>
-            <a:r>
-              <a:rPr lang="en-US" b="0" i="0" u="none" strike="noStrike" kern="100" baseline="0">
-                <a:solidFill>
-                  <a:srgbClr val="0F4761"/>
-                </a:solidFill>
-                <a:latin typeface="Times New Roman" panose="02020603050405020304" pitchFamily="18" charset="0"/>
-              </a:rPr>
-              <a:t>    4. </a:t>
-            </a:r>
-            <a:r>
-              <a:rPr lang="en-US" b="1" i="0" u="none" strike="noStrike" kern="100" baseline="0">
-                <a:solidFill>
-                  <a:srgbClr val="0F4761"/>
-                </a:solidFill>
-                <a:latin typeface="Times New Roman" panose="02020603050405020304" pitchFamily="18" charset="0"/>
-              </a:rPr>
-              <a:t>Create a simple Line Chart</a:t>
-            </a:r>
-            <a:r>
-              <a:rPr lang="en-US" b="0" i="0" u="none" strike="noStrike" kern="100" baseline="0">
-                <a:solidFill>
-                  <a:srgbClr val="0F4761"/>
-                </a:solidFill>
-                <a:latin typeface="Times New Roman" panose="02020603050405020304" pitchFamily="18" charset="0"/>
-              </a:rPr>
-              <a:t> visualization showing CPU utilization over time, using the timestamp and CPU value columns.</a:t>
-            </a:r>
-          </a:p>
-          <a:p>
-            <a:pPr marR="0" lvl="0" rtl="0"/>
-            <a:r>
-              <a:rPr lang="en-US" b="0" i="0" u="none" strike="noStrike" kern="100" baseline="0">
-                <a:solidFill>
-                  <a:srgbClr val="0F4761"/>
-                </a:solidFill>
-                <a:latin typeface="Times New Roman" panose="02020603050405020304" pitchFamily="18" charset="0"/>
-              </a:rPr>
-              <a:t>    5. </a:t>
-            </a:r>
-            <a:r>
-              <a:rPr lang="en-US" b="1" i="0" u="none" strike="noStrike" kern="100" baseline="0">
-                <a:solidFill>
-                  <a:srgbClr val="0F4761"/>
-                </a:solidFill>
-                <a:latin typeface="Times New Roman" panose="02020603050405020304" pitchFamily="18" charset="0"/>
-              </a:rPr>
-              <a:t>Add a Title</a:t>
-            </a:r>
-            <a:r>
-              <a:rPr lang="en-US" b="0" i="0" u="none" strike="noStrike" kern="100" baseline="0">
-                <a:solidFill>
-                  <a:srgbClr val="0F4761"/>
-                </a:solidFill>
-                <a:latin typeface="Times New Roman" panose="02020603050405020304" pitchFamily="18" charset="0"/>
-              </a:rPr>
-              <a:t> to the report.</a:t>
-            </a:r>
-          </a:p>
-          <a:p>
-            <a:pPr marR="0" lvl="0" rtl="0"/>
-            <a:r>
-              <a:rPr lang="en-US" b="0" i="0" u="none" strike="noStrike" kern="100" baseline="0">
-                <a:solidFill>
-                  <a:srgbClr val="0F4761"/>
-                </a:solidFill>
-                <a:latin typeface="Times New Roman" panose="02020603050405020304" pitchFamily="18" charset="0"/>
-              </a:rPr>
-              <a:t> </a:t>
-            </a:r>
-            <a:r>
-              <a:rPr lang="en-US" b="1" i="0" u="none" strike="noStrike" kern="100" baseline="0">
-                <a:solidFill>
-                  <a:srgbClr val="0F4761"/>
-                </a:solidFill>
-                <a:latin typeface="Times New Roman" panose="02020603050405020304" pitchFamily="18" charset="0"/>
-              </a:rPr>
-              <a:t>Learning Outcome</a:t>
-            </a:r>
-            <a:r>
-              <a:rPr lang="en-US" b="0" i="0" u="none" strike="noStrike" kern="100" baseline="0">
-                <a:solidFill>
-                  <a:srgbClr val="0F4761"/>
-                </a:solidFill>
-                <a:latin typeface="Times New Roman" panose="02020603050405020304" pitchFamily="18" charset="0"/>
-              </a:rPr>
-              <a:t>: Experience how PowerBI enables </a:t>
-            </a:r>
-            <a:r>
-              <a:rPr lang="en-US" b="1" i="0" u="none" strike="noStrike" kern="100" baseline="0">
-                <a:solidFill>
-                  <a:srgbClr val="0F4761"/>
-                </a:solidFill>
-                <a:latin typeface="Times New Roman" panose="02020603050405020304" pitchFamily="18" charset="0"/>
-              </a:rPr>
-              <a:t>creating interactive and insightful visualizations</a:t>
-            </a:r>
-            <a:r>
-              <a:rPr lang="en-US" b="0" i="0" u="none" strike="noStrike" kern="100" baseline="0">
-                <a:solidFill>
-                  <a:srgbClr val="0F4761"/>
-                </a:solidFill>
-                <a:latin typeface="Times New Roman" panose="02020603050405020304" pitchFamily="18" charset="0"/>
-              </a:rPr>
-              <a:t> and helps </a:t>
-            </a:r>
-            <a:r>
-              <a:rPr lang="en-US" b="1" i="0" u="none" strike="noStrike" kern="100" baseline="0">
-                <a:solidFill>
-                  <a:srgbClr val="0F4761"/>
-                </a:solidFill>
-                <a:latin typeface="Times New Roman" panose="02020603050405020304" pitchFamily="18" charset="0"/>
-              </a:rPr>
-              <a:t>interpret complex data</a:t>
-            </a:r>
-            <a:r>
-              <a:rPr lang="en-US" b="0" i="0" u="none" strike="noStrike" kern="100" baseline="0">
-                <a:solidFill>
-                  <a:srgbClr val="0F4761"/>
-                </a:solidFill>
-                <a:latin typeface="Times New Roman" panose="02020603050405020304" pitchFamily="18" charset="0"/>
-              </a:rPr>
-              <a:t> [2, 4].</a:t>
-            </a:r>
-          </a:p>
-          <a:p>
-            <a:pPr marR="0" lvl="0" rtl="0"/>
-            <a:r>
-              <a:rPr lang="en-US" b="0" i="0" u="none" strike="noStrike" kern="100" baseline="0">
-                <a:solidFill>
-                  <a:srgbClr val="0F4761"/>
-                </a:solidFill>
-                <a:latin typeface="Times New Roman" panose="02020603050405020304" pitchFamily="18" charset="0"/>
-              </a:rPr>
-              <a:t>--------------------------------------------------------------------------------</a:t>
-            </a:r>
-          </a:p>
-          <a:p>
-            <a:pPr marR="0" lvl="0" rtl="0"/>
-            <a:r>
-              <a:rPr lang="en-US" b="0" i="1" u="none" strike="noStrike" kern="100" baseline="0">
-                <a:solidFill>
-                  <a:srgbClr val="0F4761"/>
-                </a:solidFill>
-                <a:latin typeface="Times New Roman" panose="02020603050405020304" pitchFamily="18" charset="0"/>
-              </a:rPr>
-              <a:t>Note: The specific tools like dbatools or SQLCMD were not explicitly detailed in the provided sources [1-4] as part of the session's key components. They are generally known tools for Powershell and SQL Server interaction. This information is provided to enhance the practicality of the labs but is not directly from the given sources. Please independently verify the appropriateness of including them in your session.</a:t>
-            </a:r>
-            <a:endParaRPr lang="en-US" b="0" i="0" u="none" strike="noStrike" kern="100" baseline="0">
+            <a:r>
+              <a:rPr lang="en-US" b="1" i="0" u="none" strike="noStrike" kern="100" baseline="0" dirty="0">
+                <a:solidFill>
+                  <a:srgbClr val="0F4761"/>
+                </a:solidFill>
+                <a:latin typeface="Times New Roman" panose="02020603050405020304" pitchFamily="18" charset="0"/>
+              </a:rPr>
+              <a:t>Slides</a:t>
+            </a:r>
+          </a:p>
+          <a:p>
+            <a:r>
+              <a:rPr lang="en-US" b="1" i="0" u="none" strike="noStrike" kern="100" baseline="0" dirty="0">
+                <a:solidFill>
+                  <a:srgbClr val="0F4761"/>
+                </a:solidFill>
+                <a:latin typeface="Times New Roman" panose="02020603050405020304" pitchFamily="18" charset="0"/>
+              </a:rPr>
+              <a:t>Scripts</a:t>
+            </a:r>
+          </a:p>
+          <a:p>
+            <a:r>
+              <a:rPr lang="en-US" b="1" kern="100" dirty="0">
+                <a:solidFill>
+                  <a:srgbClr val="0F4761"/>
+                </a:solidFill>
+                <a:latin typeface="Times New Roman" panose="02020603050405020304" pitchFamily="18" charset="0"/>
+              </a:rPr>
+              <a:t>D</a:t>
+            </a:r>
+            <a:r>
+              <a:rPr lang="en-US" b="1" i="0" u="none" strike="noStrike" kern="100" baseline="0" dirty="0">
+                <a:solidFill>
+                  <a:srgbClr val="0F4761"/>
+                </a:solidFill>
+                <a:latin typeface="Times New Roman" panose="02020603050405020304" pitchFamily="18" charset="0"/>
+              </a:rPr>
+              <a:t>emos!</a:t>
+            </a:r>
+          </a:p>
+          <a:p>
+            <a:r>
+              <a:rPr lang="en-US" b="1" kern="100" dirty="0">
+                <a:solidFill>
+                  <a:srgbClr val="0F4761"/>
+                </a:solidFill>
+                <a:latin typeface="Times New Roman" panose="02020603050405020304" pitchFamily="18" charset="0"/>
+              </a:rPr>
+              <a:t>Extra resources </a:t>
+            </a:r>
+          </a:p>
+          <a:p>
+            <a:r>
+              <a:rPr lang="en-US" b="1" kern="100" dirty="0">
+                <a:solidFill>
+                  <a:srgbClr val="0F4761"/>
+                </a:solidFill>
+                <a:latin typeface="Times New Roman" panose="02020603050405020304" pitchFamily="18" charset="0"/>
+              </a:rPr>
+              <a:t>Contact info </a:t>
+            </a:r>
+            <a:endParaRPr lang="en-US" b="1" i="0" u="none" strike="noStrike" kern="100" baseline="0" dirty="0">
               <a:solidFill>
                 <a:srgbClr val="0F4761"/>
               </a:solidFill>
@@ -7225,10 +6332,144 @@
           </a:p>
         </p:txBody>
       </p:sp>
+      <p:pic>
+        <p:nvPicPr>
+          <p:cNvPr id="5" name="Picture 4" descr="A qr code on a white square&#10;&#10;AI-generated content may be incorrect.">
+            <a:extLst>
+              <a:ext uri="{FF2B5EF4-FFF2-40B4-BE49-F238E27FC236}">
+                <a16:creationId xmlns:a16="http://schemas.microsoft.com/office/drawing/2014/main" id="{4409B6CF-0080-709E-C7CA-0669B3C51572}"/>
+              </a:ext>
+            </a:extLst>
+          </p:cNvPr>
+          <p:cNvPicPr>
+            <a:picLocks noChangeAspect="1"/>
+          </p:cNvPicPr>
+          <p:nvPr/>
+        </p:nvPicPr>
+        <p:blipFill>
+          <a:blip r:embed="rId2">
+            <a:extLst>
+              <a:ext uri="{28A0092B-C50C-407E-A947-70E740481C1C}">
+                <a14:useLocalDpi xmlns:a14="http://schemas.microsoft.com/office/drawing/2010/main" val="0"/>
+              </a:ext>
+            </a:extLst>
+          </a:blip>
+          <a:stretch>
+            <a:fillRect/>
+          </a:stretch>
+        </p:blipFill>
+        <p:spPr>
+          <a:xfrm>
+            <a:off x="796545" y="2406650"/>
+            <a:ext cx="2730500" cy="2730500"/>
+          </a:xfrm>
+          <a:prstGeom prst="rect">
+            <a:avLst/>
+          </a:prstGeom>
+        </p:spPr>
+      </p:pic>
+      <p:sp>
+        <p:nvSpPr>
+          <p:cNvPr id="6" name="Arrow: Left 5">
+            <a:extLst>
+              <a:ext uri="{FF2B5EF4-FFF2-40B4-BE49-F238E27FC236}">
+                <a16:creationId xmlns:a16="http://schemas.microsoft.com/office/drawing/2014/main" id="{1F4F6AB7-3798-A891-B201-C58F2EA46FC0}"/>
+              </a:ext>
+            </a:extLst>
+          </p:cNvPr>
+          <p:cNvSpPr/>
+          <p:nvPr/>
+        </p:nvSpPr>
+        <p:spPr>
+          <a:xfrm>
+            <a:off x="3527045" y="4833112"/>
+            <a:ext cx="2139190" cy="384048"/>
+          </a:xfrm>
+          <a:prstGeom prst="leftArrow">
+            <a:avLst/>
+          </a:prstGeom>
+        </p:spPr>
+        <p:style>
+          <a:lnRef idx="2">
+            <a:schemeClr val="accent4">
+              <a:shade val="15000"/>
+            </a:schemeClr>
+          </a:lnRef>
+          <a:fillRef idx="1">
+            <a:schemeClr val="accent4"/>
+          </a:fillRef>
+          <a:effectRef idx="0">
+            <a:schemeClr val="accent4"/>
+          </a:effectRef>
+          <a:fontRef idx="minor">
+            <a:schemeClr val="lt1"/>
+          </a:fontRef>
+        </p:style>
+        <p:txBody>
+          <a:bodyPr rtlCol="0" anchor="ctr"/>
+          <a:lstStyle/>
+          <a:p>
+            <a:pPr algn="ctr"/>
+            <a:endParaRPr lang="en-US"/>
+          </a:p>
+        </p:txBody>
+      </p:sp>
+      <p:pic>
+        <p:nvPicPr>
+          <p:cNvPr id="8" name="Picture 7" descr="A person and person posing for a picture with a baby&#10;&#10;AI-generated content may be incorrect.">
+            <a:extLst>
+              <a:ext uri="{FF2B5EF4-FFF2-40B4-BE49-F238E27FC236}">
+                <a16:creationId xmlns:a16="http://schemas.microsoft.com/office/drawing/2014/main" id="{4961847D-80F1-A0DE-8E87-EF44C4F1DDBB}"/>
+              </a:ext>
+            </a:extLst>
+          </p:cNvPr>
+          <p:cNvPicPr>
+            <a:picLocks noChangeAspect="1"/>
+          </p:cNvPicPr>
+          <p:nvPr/>
+        </p:nvPicPr>
+        <p:blipFill>
+          <a:blip r:embed="rId3">
+            <a:extLst>
+              <a:ext uri="{28A0092B-C50C-407E-A947-70E740481C1C}">
+                <a14:useLocalDpi xmlns:a14="http://schemas.microsoft.com/office/drawing/2010/main" val="0"/>
+              </a:ext>
+            </a:extLst>
+          </a:blip>
+          <a:stretch>
+            <a:fillRect/>
+          </a:stretch>
+        </p:blipFill>
+        <p:spPr>
+          <a:xfrm rot="21258354">
+            <a:off x="7181391" y="2251553"/>
+            <a:ext cx="3940617" cy="2955463"/>
+          </a:xfrm>
+          <a:prstGeom prst="round2DiagRect">
+            <a:avLst>
+              <a:gd name="adj1" fmla="val 16667"/>
+              <a:gd name="adj2" fmla="val 0"/>
+            </a:avLst>
+          </a:prstGeom>
+          <a:ln w="88900" cap="sq">
+            <a:solidFill>
+              <a:srgbClr val="FFFFFF"/>
+            </a:solidFill>
+            <a:miter lim="800000"/>
+          </a:ln>
+          <a:effectLst>
+            <a:outerShdw blurRad="254000" algn="tl" rotWithShape="0">
+              <a:srgbClr val="000000">
+                <a:alpha val="43000"/>
+              </a:srgbClr>
+            </a:outerShdw>
+          </a:effectLst>
+        </p:spPr>
+      </p:pic>
     </p:spTree>
     <p:extLst>
       <p:ext uri="{BB962C8B-B14F-4D97-AF65-F5344CB8AC3E}">
-        <p14:creationId xmlns:p14="http://schemas.microsoft.com/office/powerpoint/2010/main" val="3632237096"/>
+        <p14:creationId xmlns:p14="http://schemas.microsoft.com/office/powerpoint/2010/main" val="3213802642"/>
       </p:ext>
     </p:extLst>
   </p:cSld>
@@ -7278,13 +6519,13 @@
           <a:p>
             <a:pPr marR="0" rtl="0"/>
             <a:r>
-              <a:rPr lang="en-US" b="0" i="0" u="none" strike="noStrike" kern="100" baseline="0">
-                <a:solidFill>
-                  <a:srgbClr val="0F4761"/>
-                </a:solidFill>
-                <a:latin typeface="Times New Roman" panose="02020603050405020304" pitchFamily="18" charset="0"/>
-              </a:rPr>
-              <a:t>Slide 3: Session Overview (The 3 Pillars)</a:t>
+              <a:rPr lang="en-US" b="0" i="0" u="none" strike="noStrike" kern="100" baseline="0" dirty="0">
+                <a:solidFill>
+                  <a:srgbClr val="0F4761"/>
+                </a:solidFill>
+                <a:latin typeface="Times New Roman" panose="02020603050405020304" pitchFamily="18" charset="0"/>
+              </a:rPr>
+              <a:t>Session Overview</a:t>
             </a:r>
           </a:p>
         </p:txBody>
@@ -7312,172 +6553,67 @@
           </a:bodyPr>
           <a:lstStyle/>
           <a:p>
-            <a:pPr marR="0" lvl="0" rtl="0"/>
-            <a:r>
-              <a:rPr lang="en-US" b="0" i="0" u="none" strike="noStrike" kern="100" baseline="0" dirty="0">
-                <a:solidFill>
-                  <a:srgbClr val="0F4761"/>
-                </a:solidFill>
-                <a:latin typeface="Times New Roman" panose="02020603050405020304" pitchFamily="18" charset="0"/>
-              </a:rPr>
-              <a:t> </a:t>
-            </a:r>
-            <a:r>
-              <a:rPr lang="en-US" b="1" i="0" u="none" strike="noStrike" kern="100" baseline="0" dirty="0">
-                <a:solidFill>
-                  <a:srgbClr val="0F4761"/>
-                </a:solidFill>
-                <a:latin typeface="Times New Roman" panose="02020603050405020304" pitchFamily="18" charset="0"/>
-              </a:rPr>
-              <a:t>Our Approach</a:t>
-            </a:r>
-            <a:r>
-              <a:rPr lang="en-US" b="0" i="0" u="none" strike="noStrike" kern="100" baseline="0" dirty="0">
-                <a:solidFill>
-                  <a:srgbClr val="0F4761"/>
-                </a:solidFill>
-                <a:latin typeface="Times New Roman" panose="02020603050405020304" pitchFamily="18" charset="0"/>
-              </a:rPr>
-              <a:t>: Building a custom solution with three key components:</a:t>
-            </a:r>
-          </a:p>
-          <a:p>
-            <a:pPr marR="0" lvl="0" rtl="0"/>
-            <a:r>
-              <a:rPr lang="en-US" b="0" i="0" u="none" strike="noStrike" kern="100" baseline="0" dirty="0">
-                <a:solidFill>
-                  <a:srgbClr val="0F4761"/>
-                </a:solidFill>
-                <a:latin typeface="Times New Roman" panose="02020603050405020304" pitchFamily="18" charset="0"/>
-              </a:rPr>
-              <a:t>    ◦ </a:t>
-            </a:r>
-            <a:r>
-              <a:rPr lang="en-US" b="1" i="0" u="none" strike="noStrike" kern="100" baseline="0" dirty="0">
-                <a:solidFill>
-                  <a:srgbClr val="0F4761"/>
-                </a:solidFill>
-                <a:latin typeface="Times New Roman" panose="02020603050405020304" pitchFamily="18" charset="0"/>
-              </a:rPr>
-              <a:t>Part 1: </a:t>
-            </a:r>
-            <a:r>
-              <a:rPr lang="en-US" b="1" i="0" u="none" strike="noStrike" kern="100" baseline="0" dirty="0" err="1">
-                <a:solidFill>
-                  <a:srgbClr val="0F4761"/>
-                </a:solidFill>
-                <a:latin typeface="Times New Roman" panose="02020603050405020304" pitchFamily="18" charset="0"/>
-              </a:rPr>
-              <a:t>Powershell</a:t>
-            </a:r>
-            <a:r>
-              <a:rPr lang="en-US" b="1" i="0" u="none" strike="noStrike" kern="100" baseline="0" dirty="0">
-                <a:solidFill>
-                  <a:srgbClr val="0F4761"/>
-                </a:solidFill>
-                <a:latin typeface="Times New Roman" panose="02020603050405020304" pitchFamily="18" charset="0"/>
-              </a:rPr>
-              <a:t> to Collect Your Data</a:t>
-            </a:r>
-            <a:r>
-              <a:rPr lang="en-US" b="0" i="0" u="none" strike="noStrike" kern="100" baseline="0" dirty="0">
-                <a:solidFill>
-                  <a:srgbClr val="0F4761"/>
-                </a:solidFill>
-                <a:latin typeface="Times New Roman" panose="02020603050405020304" pitchFamily="18" charset="0"/>
-              </a:rPr>
-              <a:t> [3, 4]</a:t>
-            </a:r>
-          </a:p>
-          <a:p>
-            <a:pPr marR="0" lvl="0" rtl="0"/>
-            <a:r>
-              <a:rPr lang="en-US" b="0" i="0" u="none" strike="noStrike" kern="100" baseline="0" dirty="0">
-                <a:solidFill>
-                  <a:srgbClr val="0F4761"/>
-                </a:solidFill>
-                <a:latin typeface="Times New Roman" panose="02020603050405020304" pitchFamily="18" charset="0"/>
-              </a:rPr>
-              <a:t>    ◦ </a:t>
-            </a:r>
-            <a:r>
-              <a:rPr lang="en-US" b="1" i="0" u="none" strike="noStrike" kern="100" baseline="0" dirty="0">
-                <a:solidFill>
-                  <a:srgbClr val="0F4761"/>
-                </a:solidFill>
-                <a:latin typeface="Times New Roman" panose="02020603050405020304" pitchFamily="18" charset="0"/>
-              </a:rPr>
-              <a:t>Part 2: SQL Server to Host Your Data</a:t>
-            </a:r>
-            <a:r>
-              <a:rPr lang="en-US" b="0" i="0" u="none" strike="noStrike" kern="100" baseline="0" dirty="0">
-                <a:solidFill>
-                  <a:srgbClr val="0F4761"/>
-                </a:solidFill>
-                <a:latin typeface="Times New Roman" panose="02020603050405020304" pitchFamily="18" charset="0"/>
-              </a:rPr>
-              <a:t> [3, 4]</a:t>
-            </a:r>
-          </a:p>
-          <a:p>
-            <a:pPr marR="0" lvl="0" rtl="0"/>
-            <a:r>
-              <a:rPr lang="en-US" b="0" i="0" u="none" strike="noStrike" kern="100" baseline="0" dirty="0">
-                <a:solidFill>
-                  <a:srgbClr val="0F4761"/>
-                </a:solidFill>
-                <a:latin typeface="Times New Roman" panose="02020603050405020304" pitchFamily="18" charset="0"/>
-              </a:rPr>
-              <a:t>    ◦ </a:t>
-            </a:r>
-            <a:r>
-              <a:rPr lang="en-US" b="1" i="0" u="none" strike="noStrike" kern="100" baseline="0" dirty="0">
-                <a:solidFill>
-                  <a:srgbClr val="0F4761"/>
-                </a:solidFill>
-                <a:latin typeface="Times New Roman" panose="02020603050405020304" pitchFamily="18" charset="0"/>
-              </a:rPr>
-              <a:t>Part 3: PowerBI to Visualize Your Data</a:t>
-            </a:r>
-            <a:r>
-              <a:rPr lang="en-US" b="0" i="0" u="none" strike="noStrike" kern="100" baseline="0" dirty="0">
-                <a:solidFill>
-                  <a:srgbClr val="0F4761"/>
-                </a:solidFill>
-                <a:latin typeface="Times New Roman" panose="02020603050405020304" pitchFamily="18" charset="0"/>
-              </a:rPr>
-              <a:t> [3, 4]</a:t>
-            </a:r>
-          </a:p>
-          <a:p>
-            <a:pPr marR="0" lvl="0" rtl="0"/>
-            <a:r>
-              <a:rPr lang="en-US" b="0" i="0" u="none" strike="noStrike" kern="100" baseline="0" dirty="0">
-                <a:solidFill>
-                  <a:srgbClr val="0F4761"/>
-                </a:solidFill>
-                <a:latin typeface="Times New Roman" panose="02020603050405020304" pitchFamily="18" charset="0"/>
-              </a:rPr>
-              <a:t> </a:t>
-            </a:r>
-            <a:r>
-              <a:rPr lang="en-US" b="1" i="0" u="none" strike="noStrike" kern="100" baseline="0" dirty="0">
-                <a:solidFill>
-                  <a:srgbClr val="0F4761"/>
-                </a:solidFill>
-                <a:latin typeface="Times New Roman" panose="02020603050405020304" pitchFamily="18" charset="0"/>
-              </a:rPr>
-              <a:t>Time Allocation</a:t>
-            </a:r>
-            <a:r>
-              <a:rPr lang="en-US" b="0" i="0" u="none" strike="noStrike" kern="100" baseline="0" dirty="0">
-                <a:solidFill>
-                  <a:srgbClr val="0F4761"/>
-                </a:solidFill>
-                <a:latin typeface="Times New Roman" panose="02020603050405020304" pitchFamily="18" charset="0"/>
-              </a:rPr>
-              <a:t>: Each part will be approximately 15-20 minutes [4].</a:t>
-            </a:r>
+            <a:pPr marL="514350" indent="-514350">
+              <a:buFont typeface="+mj-lt"/>
+              <a:buAutoNum type="arabicPeriod"/>
+            </a:pPr>
+            <a:r>
+              <a:rPr lang="en-US" sz="2800" b="1" i="0" u="none" strike="noStrike" kern="100" baseline="0" dirty="0">
+                <a:solidFill>
+                  <a:schemeClr val="tx1"/>
+                </a:solidFill>
+                <a:latin typeface="Times New Roman" panose="02020603050405020304" pitchFamily="18" charset="0"/>
+              </a:rPr>
+              <a:t>PowerShell to Collect Your Data</a:t>
+            </a:r>
+            <a:endParaRPr lang="en-US" sz="2800" b="0" i="0" u="none" strike="noStrike" kern="100" baseline="0" dirty="0">
+              <a:solidFill>
+                <a:schemeClr val="tx1"/>
+              </a:solidFill>
+              <a:latin typeface="Times New Roman" panose="02020603050405020304" pitchFamily="18" charset="0"/>
+            </a:endParaRPr>
+          </a:p>
+          <a:p>
+            <a:pPr marL="514350" indent="-514350">
+              <a:buFont typeface="+mj-lt"/>
+              <a:buAutoNum type="arabicPeriod"/>
+            </a:pPr>
+            <a:r>
+              <a:rPr lang="en-US" sz="2800" b="1" i="0" u="none" strike="noStrike" kern="100" baseline="0" dirty="0">
+                <a:solidFill>
+                  <a:schemeClr val="tx1"/>
+                </a:solidFill>
+                <a:latin typeface="Times New Roman" panose="02020603050405020304" pitchFamily="18" charset="0"/>
+              </a:rPr>
+              <a:t>SQL Server to Host Your Data</a:t>
+            </a:r>
+            <a:endParaRPr lang="en-US" sz="2800" b="0" i="0" u="none" strike="noStrike" kern="100" baseline="0" dirty="0">
+              <a:solidFill>
+                <a:schemeClr val="tx1"/>
+              </a:solidFill>
+              <a:latin typeface="Times New Roman" panose="02020603050405020304" pitchFamily="18" charset="0"/>
+            </a:endParaRPr>
+          </a:p>
+          <a:p>
+            <a:pPr marL="514350" indent="-514350">
+              <a:buFont typeface="+mj-lt"/>
+              <a:buAutoNum type="arabicPeriod"/>
+            </a:pPr>
+            <a:r>
+              <a:rPr lang="en-US" sz="2800" b="1" i="0" u="none" strike="noStrike" kern="100" baseline="0" dirty="0">
+                <a:solidFill>
+                  <a:schemeClr val="tx1"/>
+                </a:solidFill>
+                <a:latin typeface="Times New Roman" panose="02020603050405020304" pitchFamily="18" charset="0"/>
+              </a:rPr>
+              <a:t>PowerBI to Visualize Your Data</a:t>
+            </a:r>
+            <a:endParaRPr lang="en-US" sz="2800" b="0" i="0" u="none" strike="noStrike" kern="100" baseline="0" dirty="0">
+              <a:solidFill>
+                <a:schemeClr val="tx1"/>
+              </a:solidFill>
+              <a:latin typeface="Times New Roman" panose="02020603050405020304" pitchFamily="18" charset="0"/>
+            </a:endParaRPr>
           </a:p>
         </p:txBody>
       </p:sp>
@@ -7546,25 +6682,7 @@
                 </a:solidFill>
                 <a:latin typeface="Times New Roman" panose="02020603050405020304" pitchFamily="18" charset="0"/>
               </a:rPr>
-              <a:t>Slide 4: Part 1: </a:t>
-            </a:r>
-            <a:r>
-              <a:rPr lang="en-US" kern="100" dirty="0" err="1">
-                <a:solidFill>
-                  <a:srgbClr val="0F4761"/>
-                </a:solidFill>
-                <a:latin typeface="Times New Roman" panose="02020603050405020304" pitchFamily="18" charset="0"/>
-              </a:rPr>
-              <a:t>Powershell</a:t>
-            </a:r>
-            <a:r>
-              <a:rPr lang="en-US" kern="100" dirty="0">
-                <a:solidFill>
-                  <a:srgbClr val="0F4761"/>
-                </a:solidFill>
-                <a:latin typeface="Times New Roman" panose="02020603050405020304" pitchFamily="18" charset="0"/>
-              </a:rPr>
-              <a:t> to Collect Your Data - Introduction</a:t>
+              <a:t>PowerShell to Collect Your Data</a:t>
             </a:r>
           </a:p>
         </p:txBody>
@@ -7594,163 +6712,305 @@
           <a:p>
             <a:pPr lvl="0"/>
             <a:r>
+              <a:rPr lang="en-US" b="1" kern="100" dirty="0">
+                <a:solidFill>
+                  <a:srgbClr val="0F4761"/>
+                </a:solidFill>
+                <a:latin typeface="Times New Roman" panose="02020603050405020304" pitchFamily="18" charset="0"/>
+              </a:rPr>
+              <a:t>Why </a:t>
+            </a:r>
+            <a:r>
+              <a:rPr lang="en-US" b="1" kern="100" dirty="0" err="1">
+                <a:solidFill>
+                  <a:srgbClr val="0F4761"/>
+                </a:solidFill>
+                <a:latin typeface="Times New Roman" panose="02020603050405020304" pitchFamily="18" charset="0"/>
+              </a:rPr>
+              <a:t>Powershell</a:t>
+            </a:r>
+            <a:r>
+              <a:rPr lang="en-US" b="1" kern="100" dirty="0">
+                <a:solidFill>
+                  <a:srgbClr val="0F4761"/>
+                </a:solidFill>
+                <a:latin typeface="Times New Roman" panose="02020603050405020304" pitchFamily="18" charset="0"/>
+              </a:rPr>
+              <a:t>?</a:t>
+            </a:r>
+            <a:endParaRPr lang="en-US" kern="100" dirty="0">
+              <a:solidFill>
+                <a:srgbClr val="0F4761"/>
+              </a:solidFill>
+              <a:latin typeface="Times New Roman" panose="02020603050405020304" pitchFamily="18" charset="0"/>
+            </a:endParaRPr>
+          </a:p>
+        </p:txBody>
+      </p:sp>
+      <p:sp>
+        <p:nvSpPr>
+          <p:cNvPr id="4" name="Content Placeholder 3">
+            <a:extLst>
+              <a:ext uri="{FF2B5EF4-FFF2-40B4-BE49-F238E27FC236}">
+                <a16:creationId xmlns:a16="http://schemas.microsoft.com/office/drawing/2014/main" id="{164575B8-AF3B-B1CF-F437-1779E4326973}"/>
+              </a:ext>
+            </a:extLst>
+          </p:cNvPr>
+          <p:cNvSpPr>
+            <a:spLocks noGrp="1"/>
+          </p:cNvSpPr>
+          <p:nvPr>
+            <p:ph sz="half" idx="2"/>
+          </p:nvPr>
+        </p:nvSpPr>
+        <p:spPr/>
+        <p:txBody>
+          <a:bodyPr>
+            <a:normAutofit/>
+          </a:bodyPr>
+          <a:lstStyle/>
+          <a:p>
+            <a:pPr marL="285750" lvl="0" indent="-285750">
+              <a:buFont typeface="Arial" panose="020B0604020202020204" pitchFamily="34" charset="0"/>
+              <a:buChar char="•"/>
+            </a:pPr>
+            <a:r>
+              <a:rPr lang="en-US" sz="1600" b="1" kern="100" dirty="0">
+                <a:solidFill>
+                  <a:srgbClr val="0F4761"/>
+                </a:solidFill>
+                <a:latin typeface="Times New Roman" panose="02020603050405020304" pitchFamily="18" charset="0"/>
+              </a:rPr>
+              <a:t>Free and Open-Source: </a:t>
+            </a:r>
+            <a:r>
+              <a:rPr lang="en-US" sz="1600" kern="100" dirty="0">
+                <a:solidFill>
+                  <a:srgbClr val="0F4761"/>
+                </a:solidFill>
+                <a:latin typeface="Times New Roman" panose="02020603050405020304" pitchFamily="18" charset="0"/>
+              </a:rPr>
+              <a:t>It was made open-source and cross-platform in 2016, with its source code available on GitHub.</a:t>
+            </a:r>
+          </a:p>
+          <a:p>
+            <a:pPr marL="285750" lvl="0" indent="-285750">
+              <a:buFont typeface="Arial" panose="020B0604020202020204" pitchFamily="34" charset="0"/>
+              <a:buChar char="•"/>
+            </a:pPr>
+            <a:r>
+              <a:rPr lang="en-US" sz="1600" b="1" kern="100" dirty="0">
+                <a:solidFill>
+                  <a:srgbClr val="0F4761"/>
+                </a:solidFill>
+                <a:latin typeface="Times New Roman" panose="02020603050405020304" pitchFamily="18" charset="0"/>
+              </a:rPr>
+              <a:t>Multi-Platform: </a:t>
+            </a:r>
+            <a:r>
+              <a:rPr lang="en-US" sz="1600" kern="100" dirty="0">
+                <a:solidFill>
+                  <a:srgbClr val="0F4761"/>
+                </a:solidFill>
+                <a:latin typeface="Times New Roman" panose="02020603050405020304" pitchFamily="18" charset="0"/>
+              </a:rPr>
+              <a:t>PowerShell works seamlessly across Windows, Linux, and macOS environments.</a:t>
+            </a:r>
+          </a:p>
+          <a:p>
+            <a:pPr marL="285750" lvl="0" indent="-285750">
+              <a:buFont typeface="Arial" panose="020B0604020202020204" pitchFamily="34" charset="0"/>
+              <a:buChar char="•"/>
+            </a:pPr>
+            <a:r>
+              <a:rPr lang="en-US" sz="1600" b="1" kern="100" dirty="0">
+                <a:solidFill>
+                  <a:srgbClr val="0F4761"/>
+                </a:solidFill>
+                <a:latin typeface="Times New Roman" panose="02020603050405020304" pitchFamily="18" charset="0"/>
+              </a:rPr>
+              <a:t>Highly Extensible: </a:t>
+            </a:r>
+            <a:r>
+              <a:rPr lang="en-US" sz="1600" kern="100" dirty="0">
+                <a:solidFill>
+                  <a:srgbClr val="0F4761"/>
+                </a:solidFill>
+                <a:latin typeface="Times New Roman" panose="02020603050405020304" pitchFamily="18" charset="0"/>
+              </a:rPr>
+              <a:t>Developers and administrators can add cmdlets and providers to PowerShell. Users are not limited to built-in cmdlets.</a:t>
+            </a:r>
+          </a:p>
+          <a:p>
+            <a:pPr marL="285750" lvl="0" indent="-285750">
+              <a:buFont typeface="Arial" panose="020B0604020202020204" pitchFamily="34" charset="0"/>
+              <a:buChar char="•"/>
+            </a:pPr>
+            <a:r>
+              <a:rPr lang="en-US" sz="1600" b="1" kern="100" dirty="0">
+                <a:solidFill>
+                  <a:srgbClr val="0F4761"/>
+                </a:solidFill>
+                <a:latin typeface="Times New Roman" panose="02020603050405020304" pitchFamily="18" charset="0"/>
+              </a:rPr>
+              <a:t>Deep Integration with Microsoft Products: </a:t>
+            </a:r>
+            <a:r>
+              <a:rPr lang="en-US" sz="1600" kern="100" dirty="0">
+                <a:solidFill>
+                  <a:srgbClr val="0F4761"/>
+                </a:solidFill>
+                <a:latin typeface="Times New Roman" panose="02020603050405020304" pitchFamily="18" charset="0"/>
+              </a:rPr>
+              <a:t>Most Microsoft applications, including SQL Server, Exchange Server, and SharePoint, expose their management interfaces via PowerShell cmdlets.</a:t>
+            </a:r>
+            <a:endParaRPr lang="en-US" sz="1600" dirty="0"/>
+          </a:p>
+        </p:txBody>
+      </p:sp>
+      <p:sp>
+        <p:nvSpPr>
+          <p:cNvPr id="5" name="Text Placeholder 4">
+            <a:extLst>
+              <a:ext uri="{FF2B5EF4-FFF2-40B4-BE49-F238E27FC236}">
+                <a16:creationId xmlns:a16="http://schemas.microsoft.com/office/drawing/2014/main" id="{20E27CE2-306D-33D1-E5B6-675C3025B506}"/>
+              </a:ext>
+            </a:extLst>
+          </p:cNvPr>
+          <p:cNvSpPr>
+            <a:spLocks noGrp="1"/>
+          </p:cNvSpPr>
+          <p:nvPr>
+            <p:ph type="body" sz="quarter" idx="3"/>
+          </p:nvPr>
+        </p:nvSpPr>
+        <p:spPr/>
+        <p:txBody>
+          <a:bodyPr>
+            <a:normAutofit/>
+          </a:bodyPr>
+          <a:lstStyle/>
+          <a:p>
+            <a:r>
+              <a:rPr lang="en-US" b="1" kern="100" dirty="0">
+                <a:solidFill>
+                  <a:srgbClr val="0F4761"/>
+                </a:solidFill>
+                <a:latin typeface="Times New Roman" panose="02020603050405020304" pitchFamily="18" charset="0"/>
+              </a:rPr>
+              <a:t>What data can we collect?</a:t>
+            </a:r>
+            <a:r>
               <a:rPr lang="en-US" kern="100" dirty="0">
                 <a:solidFill>
                   <a:srgbClr val="0F4761"/>
                 </a:solidFill>
                 <a:latin typeface="Times New Roman" panose="02020603050405020304" pitchFamily="18" charset="0"/>
               </a:rPr>
-              <a:t> </a:t>
-            </a:r>
-            <a:r>
-              <a:rPr lang="en-US" b="1" kern="100" dirty="0">
-                <a:solidFill>
-                  <a:srgbClr val="0F4761"/>
-                </a:solidFill>
-                <a:latin typeface="Times New Roman" panose="02020603050405020304" pitchFamily="18" charset="0"/>
-              </a:rPr>
-              <a:t>Purpose</a:t>
-            </a:r>
-            <a:r>
-              <a:rPr lang="en-US" kern="100" dirty="0">
-                <a:solidFill>
-                  <a:srgbClr val="0F4761"/>
-                </a:solidFill>
-                <a:latin typeface="Times New Roman" panose="02020603050405020304" pitchFamily="18" charset="0"/>
-              </a:rPr>
-              <a:t>: </a:t>
-            </a:r>
-            <a:r>
-              <a:rPr lang="en-US" b="1" kern="100" dirty="0">
-                <a:solidFill>
-                  <a:srgbClr val="0F4761"/>
-                </a:solidFill>
-                <a:latin typeface="Times New Roman" panose="02020603050405020304" pitchFamily="18" charset="0"/>
-              </a:rPr>
-              <a:t>Automated collection of data</a:t>
-            </a:r>
-            <a:r>
-              <a:rPr lang="en-US" kern="100" dirty="0">
-                <a:solidFill>
-                  <a:srgbClr val="0F4761"/>
-                </a:solidFill>
-                <a:latin typeface="Times New Roman" panose="02020603050405020304" pitchFamily="18" charset="0"/>
-              </a:rPr>
-              <a:t> from SQL Server instances [2, 4].</a:t>
-            </a:r>
-          </a:p>
-          <a:p>
-            <a:pPr lvl="0"/>
-            <a:r>
-              <a:rPr lang="en-US" kern="100" dirty="0">
-                <a:solidFill>
-                  <a:srgbClr val="0F4761"/>
-                </a:solidFill>
-                <a:latin typeface="Times New Roman" panose="02020603050405020304" pitchFamily="18" charset="0"/>
-              </a:rPr>
-              <a:t> </a:t>
-            </a:r>
-            <a:r>
-              <a:rPr lang="en-US" b="1" kern="100" dirty="0">
-                <a:solidFill>
-                  <a:srgbClr val="0F4761"/>
-                </a:solidFill>
-                <a:latin typeface="Times New Roman" panose="02020603050405020304" pitchFamily="18" charset="0"/>
-              </a:rPr>
-              <a:t>Why </a:t>
-            </a:r>
-            <a:r>
-              <a:rPr lang="en-US" b="1" kern="100" dirty="0" err="1">
-                <a:solidFill>
-                  <a:srgbClr val="0F4761"/>
-                </a:solidFill>
-                <a:latin typeface="Times New Roman" panose="02020603050405020304" pitchFamily="18" charset="0"/>
-              </a:rPr>
-              <a:t>Powershell</a:t>
-            </a:r>
-            <a:r>
-              <a:rPr lang="en-US" b="1" kern="100" dirty="0">
-                <a:solidFill>
-                  <a:srgbClr val="0F4761"/>
-                </a:solidFill>
-                <a:latin typeface="Times New Roman" panose="02020603050405020304" pitchFamily="18" charset="0"/>
-              </a:rPr>
-              <a:t>?</a:t>
-            </a:r>
-            <a:r>
-              <a:rPr lang="en-US" kern="100" dirty="0">
-                <a:solidFill>
-                  <a:srgbClr val="0F4761"/>
-                </a:solidFill>
-                <a:latin typeface="Times New Roman" panose="02020603050405020304" pitchFamily="18" charset="0"/>
-              </a:rPr>
-              <a:t>: It's a </a:t>
-            </a:r>
-            <a:r>
-              <a:rPr lang="en-US" b="1" kern="100" dirty="0">
-                <a:solidFill>
-                  <a:srgbClr val="0F4761"/>
-                </a:solidFill>
-                <a:latin typeface="Times New Roman" panose="02020603050405020304" pitchFamily="18" charset="0"/>
-              </a:rPr>
-              <a:t>versatile tool</a:t>
-            </a:r>
-            <a:r>
-              <a:rPr lang="en-US" kern="100" dirty="0">
-                <a:solidFill>
-                  <a:srgbClr val="0F4761"/>
-                </a:solidFill>
-                <a:latin typeface="Times New Roman" panose="02020603050405020304" pitchFamily="18" charset="0"/>
-              </a:rPr>
-              <a:t> for interacting with SQL Server and operating systems [2, 4].</a:t>
-            </a:r>
-          </a:p>
-          <a:p>
-            <a:pPr lvl="0"/>
-            <a:r>
-              <a:rPr lang="en-US" kern="100" dirty="0">
-                <a:solidFill>
-                  <a:srgbClr val="0F4761"/>
-                </a:solidFill>
-                <a:latin typeface="Times New Roman" panose="02020603050405020304" pitchFamily="18" charset="0"/>
-              </a:rPr>
-              <a:t> </a:t>
-            </a:r>
-            <a:r>
-              <a:rPr lang="en-US" b="1" kern="100" dirty="0">
-                <a:solidFill>
-                  <a:srgbClr val="0F4761"/>
-                </a:solidFill>
-                <a:latin typeface="Times New Roman" panose="02020603050405020304" pitchFamily="18" charset="0"/>
-              </a:rPr>
-              <a:t>What data can we collect?</a:t>
-            </a:r>
-            <a:r>
-              <a:rPr lang="en-US" kern="100" dirty="0">
-                <a:solidFill>
-                  <a:srgbClr val="0F4761"/>
-                </a:solidFill>
-                <a:latin typeface="Times New Roman" panose="02020603050405020304" pitchFamily="18" charset="0"/>
-              </a:rPr>
-              <a:t>: A </a:t>
-            </a:r>
-            <a:r>
-              <a:rPr lang="en-US" b="1" kern="100" dirty="0">
-                <a:solidFill>
-                  <a:srgbClr val="0F4761"/>
-                </a:solidFill>
-                <a:latin typeface="Times New Roman" panose="02020603050405020304" pitchFamily="18" charset="0"/>
-              </a:rPr>
-              <a:t>wide array of performance metrics, configuration details, and health checks</a:t>
-            </a:r>
-            <a:r>
-              <a:rPr lang="en-US" kern="100" dirty="0">
-                <a:solidFill>
-                  <a:srgbClr val="0F4761"/>
-                </a:solidFill>
-                <a:latin typeface="Times New Roman" panose="02020603050405020304" pitchFamily="18" charset="0"/>
-              </a:rPr>
-              <a:t> [2, 4].</a:t>
+              <a:t>:</a:t>
+            </a:r>
+            <a:endParaRPr lang="en-US" dirty="0"/>
+          </a:p>
+        </p:txBody>
+      </p:sp>
+      <p:sp>
+        <p:nvSpPr>
+          <p:cNvPr id="6" name="Content Placeholder 5">
+            <a:extLst>
+              <a:ext uri="{FF2B5EF4-FFF2-40B4-BE49-F238E27FC236}">
+                <a16:creationId xmlns:a16="http://schemas.microsoft.com/office/drawing/2014/main" id="{07C18259-BFE7-ABB0-617F-2E3A4CC675C6}"/>
+              </a:ext>
+            </a:extLst>
+          </p:cNvPr>
+          <p:cNvSpPr>
+            <a:spLocks noGrp="1"/>
+          </p:cNvSpPr>
+          <p:nvPr>
+            <p:ph sz="quarter" idx="4"/>
+          </p:nvPr>
+        </p:nvSpPr>
+        <p:spPr/>
+        <p:txBody>
+          <a:bodyPr>
+            <a:normAutofit/>
+          </a:bodyPr>
+          <a:lstStyle/>
+          <a:p>
+            <a:pPr marL="285750" indent="-285750">
+              <a:buFont typeface="Arial" panose="020B0604020202020204" pitchFamily="34" charset="0"/>
+              <a:buChar char="•"/>
+            </a:pPr>
+            <a:r>
+              <a:rPr lang="en-US" sz="1600" b="1" dirty="0">
+                <a:solidFill>
+                  <a:srgbClr val="1C516A"/>
+                </a:solidFill>
+                <a:latin typeface="Times New Roman" panose="02020603050405020304" pitchFamily="18" charset="0"/>
+                <a:cs typeface="Times New Roman" panose="02020603050405020304" pitchFamily="18" charset="0"/>
+              </a:rPr>
+              <a:t>Performance Metrics: </a:t>
+            </a:r>
+            <a:r>
+              <a:rPr lang="en-US" sz="1600" dirty="0">
+                <a:solidFill>
+                  <a:srgbClr val="1C516A"/>
+                </a:solidFill>
+                <a:latin typeface="Times New Roman" panose="02020603050405020304" pitchFamily="18" charset="0"/>
+                <a:cs typeface="Times New Roman" panose="02020603050405020304" pitchFamily="18" charset="0"/>
+              </a:rPr>
+              <a:t>performance metrics, including CPU, Memory, and Disk I/O</a:t>
+            </a:r>
+          </a:p>
+          <a:p>
+            <a:pPr marL="285750" indent="-285750">
+              <a:buFont typeface="Arial" panose="020B0604020202020204" pitchFamily="34" charset="0"/>
+              <a:buChar char="•"/>
+            </a:pPr>
+            <a:r>
+              <a:rPr lang="en-US" sz="1600" b="1" dirty="0">
+                <a:solidFill>
+                  <a:srgbClr val="1C516A"/>
+                </a:solidFill>
+                <a:latin typeface="Times New Roman" panose="02020603050405020304" pitchFamily="18" charset="0"/>
+                <a:cs typeface="Times New Roman" panose="02020603050405020304" pitchFamily="18" charset="0"/>
+              </a:rPr>
+              <a:t>Configuration Details: </a:t>
+            </a:r>
+            <a:r>
+              <a:rPr lang="en-US" sz="1600" dirty="0">
+                <a:solidFill>
+                  <a:srgbClr val="1C516A"/>
+                </a:solidFill>
+                <a:latin typeface="Times New Roman" panose="02020603050405020304" pitchFamily="18" charset="0"/>
+                <a:cs typeface="Times New Roman" panose="02020603050405020304" pitchFamily="18" charset="0"/>
+              </a:rPr>
+              <a:t>PowerShell can gather detailed configuration details, such as database settings and instance properties.</a:t>
+            </a:r>
+          </a:p>
+          <a:p>
+            <a:pPr marL="285750" indent="-285750">
+              <a:buFont typeface="Arial" panose="020B0604020202020204" pitchFamily="34" charset="0"/>
+              <a:buChar char="•"/>
+            </a:pPr>
+            <a:r>
+              <a:rPr lang="en-US" sz="1600" b="1" dirty="0">
+                <a:solidFill>
+                  <a:srgbClr val="1C516A"/>
+                </a:solidFill>
+                <a:latin typeface="Times New Roman" panose="02020603050405020304" pitchFamily="18" charset="0"/>
+                <a:cs typeface="Times New Roman" panose="02020603050405020304" pitchFamily="18" charset="0"/>
+              </a:rPr>
+              <a:t>Health &amp; Status Information: </a:t>
+            </a:r>
+            <a:r>
+              <a:rPr lang="en-US" sz="1600" dirty="0">
+                <a:solidFill>
+                  <a:srgbClr val="1C516A"/>
+                </a:solidFill>
+                <a:latin typeface="Times New Roman" panose="02020603050405020304" pitchFamily="18" charset="0"/>
+                <a:cs typeface="Times New Roman" panose="02020603050405020304" pitchFamily="18" charset="0"/>
+              </a:rPr>
+              <a:t>It enables health checks and collection of status data, such as the health status of Availability Groups, often by executing custom T-SQL queries.</a:t>
             </a:r>
           </a:p>
         </p:txBody>
@@ -7808,13 +7068,13 @@
           <a:p>
             <a:pPr marR="0" rtl="0"/>
             <a:r>
-              <a:rPr lang="en-US" b="0" i="0" u="none" strike="noStrike" kern="100" baseline="0">
-                <a:solidFill>
-                  <a:srgbClr val="0F4761"/>
-                </a:solidFill>
-                <a:latin typeface="Times New Roman" panose="02020603050405020304" pitchFamily="18" charset="0"/>
-              </a:rPr>
-              <a:t>Slide 5: Part 1: Powershell - Key Concepts &amp; Examples</a:t>
+              <a:rPr lang="en-US" b="0" i="0" u="none" strike="noStrike" kern="100" baseline="0" dirty="0">
+                <a:solidFill>
+                  <a:srgbClr val="0F4761"/>
+                </a:solidFill>
+                <a:latin typeface="Times New Roman" panose="02020603050405020304" pitchFamily="18" charset="0"/>
+              </a:rPr>
+              <a:t>PowerShell – Anatomy of the Collection script</a:t>
             </a:r>
           </a:p>
         </p:txBody>
@@ -7842,7 +7102,7 @@
           <a:p>
             <a:pPr marR="0" lvl="0" rtl="0"/>
             <a:r>
-              <a:rPr lang="en-US" b="0" i="0" u="none" strike="noStrike" kern="100" baseline="0">
+              <a:rPr lang="en-US" b="0" i="0" u="none" strike="noStrike" kern="100" baseline="0" dirty="0">
                 <a:solidFill>
                   <a:srgbClr val="0F4761"/>
                 </a:solidFill>
@@ -7851,7 +7111,7 @@
               <a:t> </a:t>
             </a:r>
             <a:r>
-              <a:rPr lang="en-US" b="1" i="0" u="none" strike="noStrike" kern="100" baseline="0">
+              <a:rPr lang="en-US" b="1" i="0" u="none" strike="noStrike" kern="100" baseline="0" dirty="0">
                 <a:solidFill>
                   <a:srgbClr val="0F4761"/>
                 </a:solidFill>
@@ -7860,16 +7120,34 @@
               <a:t>Connecting to SQL Server</a:t>
             </a:r>
             <a:r>
-              <a:rPr lang="en-US" b="0" i="0" u="none" strike="noStrike" kern="100" baseline="0">
-                <a:solidFill>
-                  <a:srgbClr val="0F4761"/>
-                </a:solidFill>
-                <a:latin typeface="Times New Roman" panose="02020603050405020304" pitchFamily="18" charset="0"/>
-              </a:rPr>
-              <a:t> using SQLCMD or dbatools (if time permits to mention external tools - </a:t>
-            </a:r>
-            <a:r>
-              <a:rPr lang="en-US" b="0" i="1" u="none" strike="noStrike" kern="100" baseline="0">
+              <a:rPr lang="en-US" b="0" i="0" u="none" strike="noStrike" kern="100" baseline="0" dirty="0">
+                <a:solidFill>
+                  <a:srgbClr val="0F4761"/>
+                </a:solidFill>
+                <a:latin typeface="Times New Roman" panose="02020603050405020304" pitchFamily="18" charset="0"/>
+              </a:rPr>
+              <a:t> using SQLCMD or </a:t>
+            </a:r>
+            <a:r>
+              <a:rPr lang="en-US" b="0" i="0" u="none" strike="noStrike" kern="100" baseline="0" dirty="0" err="1">
+                <a:solidFill>
+                  <a:srgbClr val="0F4761"/>
+                </a:solidFill>
+                <a:latin typeface="Times New Roman" panose="02020603050405020304" pitchFamily="18" charset="0"/>
+              </a:rPr>
+              <a:t>dbatools</a:t>
+            </a:r>
+            <a:r>
+              <a:rPr lang="en-US" b="0" i="0" u="none" strike="noStrike" kern="100" baseline="0" dirty="0">
+                <a:solidFill>
+                  <a:srgbClr val="0F4761"/>
+                </a:solidFill>
+                <a:latin typeface="Times New Roman" panose="02020603050405020304" pitchFamily="18" charset="0"/>
+              </a:rPr>
+              <a:t> (if time permits to mention external tools - </a:t>
+            </a:r>
+            <a:r>
+              <a:rPr lang="en-US" b="0" i="1" u="none" strike="noStrike" kern="100" baseline="0" dirty="0">
                 <a:solidFill>
                   <a:srgbClr val="0F4761"/>
                 </a:solidFill>
@@ -7878,7 +7156,7 @@
               <a:t>note to presenter: this specific tool is not in sources, consider if it's necessary to mention outside info</a:t>
             </a:r>
             <a:r>
-              <a:rPr lang="en-US" b="0" i="0" u="none" strike="noStrike" kern="100" baseline="0">
+              <a:rPr lang="en-US" b="0" i="0" u="none" strike="noStrike" kern="100" baseline="0" dirty="0">
                 <a:solidFill>
                   <a:srgbClr val="0F4761"/>
                 </a:solidFill>
@@ -7890,7 +7168,7 @@
           <a:p>
             <a:pPr marR="0" lvl="0" rtl="0"/>
             <a:r>
-              <a:rPr lang="en-US" b="0" i="0" u="none" strike="noStrike" kern="100" baseline="0">
+              <a:rPr lang="en-US" b="0" i="0" u="none" strike="noStrike" kern="100" baseline="0" dirty="0">
                 <a:solidFill>
                   <a:srgbClr val="0F4761"/>
                 </a:solidFill>
@@ -7899,7 +7177,7 @@
               <a:t> </a:t>
             </a:r>
             <a:r>
-              <a:rPr lang="en-US" b="1" i="0" u="none" strike="noStrike" kern="100" baseline="0">
+              <a:rPr lang="en-US" b="1" i="0" u="none" strike="noStrike" kern="100" baseline="0" dirty="0">
                 <a:solidFill>
                   <a:srgbClr val="0F4761"/>
                 </a:solidFill>
@@ -7908,7 +7186,7 @@
               <a:t>Collecting Performance Counters</a:t>
             </a:r>
             <a:r>
-              <a:rPr lang="en-US" b="0" i="0" u="none" strike="noStrike" kern="100" baseline="0">
+              <a:rPr lang="en-US" b="0" i="0" u="none" strike="noStrike" kern="100" baseline="0" dirty="0">
                 <a:solidFill>
                   <a:srgbClr val="0F4761"/>
                 </a:solidFill>
@@ -7920,7 +7198,7 @@
           <a:p>
             <a:pPr marR="0" lvl="0" rtl="0"/>
             <a:r>
-              <a:rPr lang="en-US" b="0" i="0" u="none" strike="noStrike" kern="100" baseline="0">
+              <a:rPr lang="en-US" b="0" i="0" u="none" strike="noStrike" kern="100" baseline="0" dirty="0">
                 <a:solidFill>
                   <a:srgbClr val="0F4761"/>
                 </a:solidFill>
@@ -7929,7 +7207,7 @@
               <a:t> </a:t>
             </a:r>
             <a:r>
-              <a:rPr lang="en-US" b="1" i="0" u="none" strike="noStrike" kern="100" baseline="0">
+              <a:rPr lang="en-US" b="1" i="0" u="none" strike="noStrike" kern="100" baseline="0" dirty="0">
                 <a:solidFill>
                   <a:srgbClr val="0F4761"/>
                 </a:solidFill>
@@ -7938,7 +7216,7 @@
               <a:t>Gathering Configuration Details</a:t>
             </a:r>
             <a:r>
-              <a:rPr lang="en-US" b="0" i="0" u="none" strike="noStrike" kern="100" baseline="0">
+              <a:rPr lang="en-US" b="0" i="0" u="none" strike="noStrike" kern="100" baseline="0" dirty="0">
                 <a:solidFill>
                   <a:srgbClr val="0F4761"/>
                 </a:solidFill>
@@ -7950,7 +7228,7 @@
           <a:p>
             <a:pPr marR="0" lvl="0" rtl="0"/>
             <a:r>
-              <a:rPr lang="en-US" b="0" i="0" u="none" strike="noStrike" kern="100" baseline="0">
+              <a:rPr lang="en-US" b="0" i="0" u="none" strike="noStrike" kern="100" baseline="0" dirty="0">
                 <a:solidFill>
                   <a:srgbClr val="0F4761"/>
                 </a:solidFill>
@@ -7959,7 +7237,7 @@
               <a:t> </a:t>
             </a:r>
             <a:r>
-              <a:rPr lang="en-US" b="1" i="0" u="none" strike="noStrike" kern="100" baseline="0">
+              <a:rPr lang="en-US" b="1" i="0" u="none" strike="noStrike" kern="100" baseline="0" dirty="0">
                 <a:solidFill>
                   <a:srgbClr val="0F4761"/>
                 </a:solidFill>
@@ -7968,7 +7246,7 @@
               <a:t>Executing Custom T-SQL Queries</a:t>
             </a:r>
             <a:r>
-              <a:rPr lang="en-US" b="0" i="0" u="none" strike="noStrike" kern="100" baseline="0">
+              <a:rPr lang="en-US" b="0" i="0" u="none" strike="noStrike" kern="100" baseline="0" dirty="0">
                 <a:solidFill>
                   <a:srgbClr val="0F4761"/>
                 </a:solidFill>
@@ -7980,7 +7258,7 @@
           <a:p>
             <a:pPr marR="0" lvl="0" rtl="0"/>
             <a:r>
-              <a:rPr lang="en-US" b="0" i="0" u="none" strike="noStrike" kern="100" baseline="0">
+              <a:rPr lang="en-US" b="0" i="0" u="none" strike="noStrike" kern="100" baseline="0" dirty="0">
                 <a:solidFill>
                   <a:srgbClr val="0F4761"/>
                 </a:solidFill>
@@ -7989,7 +7267,7 @@
               <a:t> </a:t>
             </a:r>
             <a:r>
-              <a:rPr lang="en-US" b="1" i="0" u="none" strike="noStrike" kern="100" baseline="0">
+              <a:rPr lang="en-US" b="1" i="0" u="none" strike="noStrike" kern="100" baseline="0" dirty="0">
                 <a:solidFill>
                   <a:srgbClr val="0F4761"/>
                 </a:solidFill>
@@ -7998,7 +7276,7 @@
               <a:t>Outputting Data</a:t>
             </a:r>
             <a:r>
-              <a:rPr lang="en-US" b="0" i="0" u="none" strike="noStrike" kern="100" baseline="0">
+              <a:rPr lang="en-US" b="0" i="0" u="none" strike="noStrike" kern="100" baseline="0" dirty="0">
                 <a:solidFill>
                   <a:srgbClr val="0F4761"/>
                 </a:solidFill>
@@ -8044,7 +7322,7 @@
           <p:cNvPr id="2" name="Title 1">
             <a:extLst>
               <a:ext uri="{FF2B5EF4-FFF2-40B4-BE49-F238E27FC236}">
-                <a16:creationId xmlns:a16="http://schemas.microsoft.com/office/drawing/2014/main" id="{81464D80-518F-331A-F809-819F23AA084E}"/>
+                <a16:creationId xmlns:a16="http://schemas.microsoft.com/office/drawing/2014/main" id="{8C793FDD-86F6-F17C-3820-8ABDB64132AE}"/>
               </a:ext>
             </a:extLst>
           </p:cNvPr>
@@ -8068,7 +7346,7 @@
                 </a:solidFill>
                 <a:latin typeface="Times New Roman" panose="02020603050405020304" pitchFamily="18" charset="0"/>
               </a:rPr>
-              <a:t>Slide 6: Part 1: Powershell - Demonstration/Lab Prep</a:t>
+              <a:t>Lab 1: Powershell to Collect Your Data (Approx. 10-15 minutes)</a:t>
             </a:r>
           </a:p>
         </p:txBody>
@@ -8078,7 +7356,7 @@
           <p:cNvPr id="3" name="Text Placeholder 2">
             <a:extLst>
               <a:ext uri="{FF2B5EF4-FFF2-40B4-BE49-F238E27FC236}">
-                <a16:creationId xmlns:a16="http://schemas.microsoft.com/office/drawing/2014/main" id="{7F6C322F-4DEA-ED54-6451-080DBA3B0F68}"/>
+                <a16:creationId xmlns:a16="http://schemas.microsoft.com/office/drawing/2014/main" id="{489FEDA4-CEE4-C388-CCA2-4DC1157F4C38}"/>
               </a:ext>
             </a:extLst>
           </p:cNvPr>
@@ -8091,12 +7369,14 @@
         </p:nvSpPr>
         <p:spPr/>
         <p:txBody>
-          <a:bodyPr/>
+          <a:bodyPr>
+            <a:normAutofit fontScale="85000" lnSpcReduction="20000"/>
+          </a:bodyPr>
           <a:lstStyle/>
           <a:p>
             <a:pPr marR="0" lvl="0" rtl="0"/>
             <a:r>
-              <a:rPr lang="en-US" b="0" i="0" u="none" strike="noStrike" kern="100" baseline="0">
+              <a:rPr lang="en-US" b="0" i="0" u="none" strike="noStrike" kern="100" baseline="0" dirty="0">
                 <a:solidFill>
                   <a:srgbClr val="0F4761"/>
                 </a:solidFill>
@@ -8105,28 +7385,46 @@
               <a:t> </a:t>
             </a:r>
             <a:r>
-              <a:rPr lang="en-US" b="1" i="0" u="none" strike="noStrike" kern="100" baseline="0">
-                <a:solidFill>
-                  <a:srgbClr val="0F4761"/>
-                </a:solidFill>
-                <a:latin typeface="Times New Roman" panose="02020603050405020304" pitchFamily="18" charset="0"/>
-              </a:rPr>
-              <a:t>Brief Demo</a:t>
-            </a:r>
-            <a:r>
-              <a:rPr lang="en-US" b="0" i="0" u="none" strike="noStrike" kern="100" baseline="0">
-                <a:solidFill>
-                  <a:srgbClr val="0F4761"/>
-                </a:solidFill>
-                <a:latin typeface="Times New Roman" panose="02020603050405020304" pitchFamily="18" charset="0"/>
-              </a:rPr>
-              <a:t>: Show a simple Powershell script collecting a few key metrics.</a:t>
+              <a:rPr lang="en-US" b="1" i="0" u="none" strike="noStrike" kern="100" baseline="0" dirty="0">
+                <a:solidFill>
+                  <a:srgbClr val="0F4761"/>
+                </a:solidFill>
+                <a:latin typeface="Times New Roman" panose="02020603050405020304" pitchFamily="18" charset="0"/>
+              </a:rPr>
+              <a:t>Objective</a:t>
+            </a:r>
+            <a:r>
+              <a:rPr lang="en-US" b="0" i="0" u="none" strike="noStrike" kern="100" baseline="0" dirty="0">
+                <a:solidFill>
+                  <a:srgbClr val="0F4761"/>
+                </a:solidFill>
+                <a:latin typeface="Times New Roman" panose="02020603050405020304" pitchFamily="18" charset="0"/>
+              </a:rPr>
+              <a:t>: To execute a basic </a:t>
+            </a:r>
+            <a:r>
+              <a:rPr lang="en-US" b="0" i="0" u="none" strike="noStrike" kern="100" baseline="0" dirty="0" err="1">
+                <a:solidFill>
+                  <a:srgbClr val="0F4761"/>
+                </a:solidFill>
+                <a:latin typeface="Times New Roman" panose="02020603050405020304" pitchFamily="18" charset="0"/>
+              </a:rPr>
+              <a:t>Powershell</a:t>
+            </a:r>
+            <a:r>
+              <a:rPr lang="en-US" b="0" i="0" u="none" strike="noStrike" kern="100" baseline="0" dirty="0">
+                <a:solidFill>
+                  <a:srgbClr val="0F4761"/>
+                </a:solidFill>
+                <a:latin typeface="Times New Roman" panose="02020603050405020304" pitchFamily="18" charset="0"/>
+              </a:rPr>
+              <a:t> script to collect a specific SQL Server metric and observe its output.</a:t>
             </a:r>
           </a:p>
           <a:p>
             <a:pPr marR="0" lvl="0" rtl="0"/>
             <a:r>
-              <a:rPr lang="en-US" b="0" i="0" u="none" strike="noStrike" kern="100" baseline="0">
+              <a:rPr lang="en-US" b="0" i="0" u="none" strike="noStrike" kern="100" baseline="0" dirty="0">
                 <a:solidFill>
                   <a:srgbClr val="0F4761"/>
                 </a:solidFill>
@@ -8135,30 +7433,321 @@
               <a:t> </a:t>
             </a:r>
             <a:r>
-              <a:rPr lang="en-US" b="1" i="0" u="none" strike="noStrike" kern="100" baseline="0">
-                <a:solidFill>
-                  <a:srgbClr val="0F4761"/>
-                </a:solidFill>
-                <a:latin typeface="Times New Roman" panose="02020603050405020304" pitchFamily="18" charset="0"/>
-              </a:rPr>
-              <a:t>Transition to Lab</a:t>
-            </a:r>
-            <a:r>
-              <a:rPr lang="en-US" b="0" i="0" u="none" strike="noStrike" kern="100" baseline="0">
-                <a:solidFill>
-                  <a:srgbClr val="0F4761"/>
-                </a:solidFill>
-                <a:latin typeface="Times New Roman" panose="02020603050405020304" pitchFamily="18" charset="0"/>
-              </a:rPr>
-              <a:t>: Prepare attendees for their first hands-on exercise.</a:t>
-            </a:r>
+              <a:rPr lang="en-US" b="1" i="0" u="none" strike="noStrike" kern="100" baseline="0" dirty="0">
+                <a:solidFill>
+                  <a:srgbClr val="0F4761"/>
+                </a:solidFill>
+                <a:latin typeface="Times New Roman" panose="02020603050405020304" pitchFamily="18" charset="0"/>
+              </a:rPr>
+              <a:t>Task</a:t>
+            </a:r>
+            <a:r>
+              <a:rPr lang="en-US" b="0" i="0" u="none" strike="noStrike" kern="100" baseline="0" dirty="0">
+                <a:solidFill>
+                  <a:srgbClr val="0F4761"/>
+                </a:solidFill>
+                <a:latin typeface="Times New Roman" panose="02020603050405020304" pitchFamily="18" charset="0"/>
+              </a:rPr>
+              <a:t>:</a:t>
+            </a:r>
+          </a:p>
+          <a:p>
+            <a:pPr marR="0" lvl="0" rtl="0"/>
+            <a:r>
+              <a:rPr lang="en-US" b="0" i="0" u="none" strike="noStrike" kern="100" baseline="0" dirty="0">
+                <a:solidFill>
+                  <a:srgbClr val="0F4761"/>
+                </a:solidFill>
+                <a:latin typeface="Times New Roman" panose="02020603050405020304" pitchFamily="18" charset="0"/>
+              </a:rPr>
+              <a:t>    1. </a:t>
+            </a:r>
+            <a:r>
+              <a:rPr lang="en-US" b="1" i="0" u="none" strike="noStrike" kern="100" baseline="0" dirty="0">
+                <a:solidFill>
+                  <a:srgbClr val="0F4761"/>
+                </a:solidFill>
+                <a:latin typeface="Times New Roman" panose="02020603050405020304" pitchFamily="18" charset="0"/>
+              </a:rPr>
+              <a:t>Open </a:t>
+            </a:r>
+            <a:r>
+              <a:rPr lang="en-US" b="1" i="0" u="none" strike="noStrike" kern="100" baseline="0" dirty="0" err="1">
+                <a:solidFill>
+                  <a:srgbClr val="0F4761"/>
+                </a:solidFill>
+                <a:latin typeface="Times New Roman" panose="02020603050405020304" pitchFamily="18" charset="0"/>
+              </a:rPr>
+              <a:t>Powershell</a:t>
+            </a:r>
+            <a:r>
+              <a:rPr lang="en-US" b="1" i="0" u="none" strike="noStrike" kern="100" baseline="0" dirty="0">
+                <a:solidFill>
+                  <a:srgbClr val="0F4761"/>
+                </a:solidFill>
+                <a:latin typeface="Times New Roman" panose="02020603050405020304" pitchFamily="18" charset="0"/>
+              </a:rPr>
+              <a:t> ISE/VS Code</a:t>
+            </a:r>
+            <a:r>
+              <a:rPr lang="en-US" b="0" i="0" u="none" strike="noStrike" kern="100" baseline="0" dirty="0">
+                <a:solidFill>
+                  <a:srgbClr val="0F4761"/>
+                </a:solidFill>
+                <a:latin typeface="Times New Roman" panose="02020603050405020304" pitchFamily="18" charset="0"/>
+              </a:rPr>
+              <a:t>.</a:t>
+            </a:r>
+          </a:p>
+          <a:p>
+            <a:pPr marR="0" lvl="0" rtl="0"/>
+            <a:r>
+              <a:rPr lang="en-US" b="0" i="0" u="none" strike="noStrike" kern="100" baseline="0" dirty="0">
+                <a:solidFill>
+                  <a:srgbClr val="0F4761"/>
+                </a:solidFill>
+                <a:latin typeface="Times New Roman" panose="02020603050405020304" pitchFamily="18" charset="0"/>
+              </a:rPr>
+              <a:t>    2. </a:t>
+            </a:r>
+            <a:r>
+              <a:rPr lang="en-US" b="1" i="0" u="none" strike="noStrike" kern="100" baseline="0" dirty="0">
+                <a:solidFill>
+                  <a:srgbClr val="0F4761"/>
+                </a:solidFill>
+                <a:latin typeface="Times New Roman" panose="02020603050405020304" pitchFamily="18" charset="0"/>
+              </a:rPr>
+              <a:t>Create a new </a:t>
+            </a:r>
+            <a:r>
+              <a:rPr lang="en-US" b="1" i="0" u="none" strike="noStrike" kern="100" baseline="0" dirty="0" err="1">
+                <a:solidFill>
+                  <a:srgbClr val="0F4761"/>
+                </a:solidFill>
+                <a:latin typeface="Times New Roman" panose="02020603050405020304" pitchFamily="18" charset="0"/>
+              </a:rPr>
+              <a:t>Powershell</a:t>
+            </a:r>
+            <a:r>
+              <a:rPr lang="en-US" b="1" i="0" u="none" strike="noStrike" kern="100" baseline="0" dirty="0">
+                <a:solidFill>
+                  <a:srgbClr val="0F4761"/>
+                </a:solidFill>
+                <a:latin typeface="Times New Roman" panose="02020603050405020304" pitchFamily="18" charset="0"/>
+              </a:rPr>
+              <a:t> script (Get-SqlCpu.ps1)</a:t>
+            </a:r>
+            <a:r>
+              <a:rPr lang="en-US" b="0" i="0" u="none" strike="noStrike" kern="100" baseline="0" dirty="0">
+                <a:solidFill>
+                  <a:srgbClr val="0F4761"/>
+                </a:solidFill>
+                <a:latin typeface="Times New Roman" panose="02020603050405020304" pitchFamily="18" charset="0"/>
+              </a:rPr>
+              <a:t>.</a:t>
+            </a:r>
+          </a:p>
+          <a:p>
+            <a:pPr marR="0" lvl="0" rtl="0"/>
+            <a:r>
+              <a:rPr lang="en-US" b="0" i="0" u="none" strike="noStrike" kern="100" baseline="0" dirty="0">
+                <a:solidFill>
+                  <a:srgbClr val="0F4761"/>
+                </a:solidFill>
+                <a:latin typeface="Times New Roman" panose="02020603050405020304" pitchFamily="18" charset="0"/>
+              </a:rPr>
+              <a:t>    3. </a:t>
+            </a:r>
+            <a:r>
+              <a:rPr lang="en-US" b="1" i="0" u="none" strike="noStrike" kern="100" baseline="0" dirty="0">
+                <a:solidFill>
+                  <a:srgbClr val="0F4761"/>
+                </a:solidFill>
+                <a:latin typeface="Times New Roman" panose="02020603050405020304" pitchFamily="18" charset="0"/>
+              </a:rPr>
+              <a:t>Write a script</a:t>
+            </a:r>
+            <a:r>
+              <a:rPr lang="en-US" b="0" i="0" u="none" strike="noStrike" kern="100" baseline="0" dirty="0">
+                <a:solidFill>
+                  <a:srgbClr val="0F4761"/>
+                </a:solidFill>
+                <a:latin typeface="Times New Roman" panose="02020603050405020304" pitchFamily="18" charset="0"/>
+              </a:rPr>
+              <a:t> to connect to your local (or provided) SQL Server instance and retrieve the current CPU utilization (e.g., using </a:t>
+            </a:r>
+            <a:r>
+              <a:rPr lang="en-US" b="0" i="0" u="none" strike="noStrike" kern="100" baseline="0" dirty="0" err="1">
+                <a:solidFill>
+                  <a:srgbClr val="0F4761"/>
+                </a:solidFill>
+                <a:latin typeface="Times New Roman" panose="02020603050405020304" pitchFamily="18" charset="0"/>
+              </a:rPr>
+              <a:t>dm_os_performance_counters</a:t>
+            </a:r>
+            <a:r>
+              <a:rPr lang="en-US" b="0" i="0" u="none" strike="noStrike" kern="100" baseline="0" dirty="0">
+                <a:solidFill>
+                  <a:srgbClr val="0F4761"/>
+                </a:solidFill>
+                <a:latin typeface="Times New Roman" panose="02020603050405020304" pitchFamily="18" charset="0"/>
+              </a:rPr>
+              <a:t> or </a:t>
+            </a:r>
+            <a:r>
+              <a:rPr lang="en-US" b="0" i="0" u="none" strike="noStrike" kern="100" baseline="0" dirty="0" err="1">
+                <a:solidFill>
+                  <a:srgbClr val="0F4761"/>
+                </a:solidFill>
+                <a:latin typeface="Times New Roman" panose="02020603050405020304" pitchFamily="18" charset="0"/>
+              </a:rPr>
+              <a:t>sys.dm_os_ring_buffers</a:t>
+            </a:r>
+            <a:r>
+              <a:rPr lang="en-US" b="0" i="0" u="none" strike="noStrike" kern="100" baseline="0" dirty="0">
+                <a:solidFill>
+                  <a:srgbClr val="0F4761"/>
+                </a:solidFill>
+                <a:latin typeface="Times New Roman" panose="02020603050405020304" pitchFamily="18" charset="0"/>
+              </a:rPr>
+              <a:t>).</a:t>
+            </a:r>
+          </a:p>
+          <a:p>
+            <a:pPr marR="0" lvl="0" rtl="0"/>
+            <a:r>
+              <a:rPr lang="en-US" b="0" i="0" u="none" strike="noStrike" kern="100" baseline="0" dirty="0">
+                <a:solidFill>
+                  <a:srgbClr val="0F4761"/>
+                </a:solidFill>
+                <a:latin typeface="Times New Roman" panose="02020603050405020304" pitchFamily="18" charset="0"/>
+              </a:rPr>
+              <a:t>    4. </a:t>
+            </a:r>
+            <a:r>
+              <a:rPr lang="en-US" b="1" i="0" u="none" strike="noStrike" kern="100" baseline="0" dirty="0">
+                <a:solidFill>
+                  <a:srgbClr val="0F4761"/>
+                </a:solidFill>
+                <a:latin typeface="Times New Roman" panose="02020603050405020304" pitchFamily="18" charset="0"/>
+              </a:rPr>
+              <a:t>Execute the script</a:t>
+            </a:r>
+            <a:r>
+              <a:rPr lang="en-US" b="0" i="0" u="none" strike="noStrike" kern="100" baseline="0" dirty="0">
+                <a:solidFill>
+                  <a:srgbClr val="0F4761"/>
+                </a:solidFill>
+                <a:latin typeface="Times New Roman" panose="02020603050405020304" pitchFamily="18" charset="0"/>
+              </a:rPr>
+              <a:t> and </a:t>
+            </a:r>
+            <a:r>
+              <a:rPr lang="en-US" b="1" i="0" u="none" strike="noStrike" kern="100" baseline="0" dirty="0">
+                <a:solidFill>
+                  <a:srgbClr val="0F4761"/>
+                </a:solidFill>
+                <a:latin typeface="Times New Roman" panose="02020603050405020304" pitchFamily="18" charset="0"/>
+              </a:rPr>
+              <a:t>inspect the output</a:t>
+            </a:r>
+            <a:r>
+              <a:rPr lang="en-US" b="0" i="0" u="none" strike="noStrike" kern="100" baseline="0" dirty="0">
+                <a:solidFill>
+                  <a:srgbClr val="0F4761"/>
+                </a:solidFill>
+                <a:latin typeface="Times New Roman" panose="02020603050405020304" pitchFamily="18" charset="0"/>
+              </a:rPr>
+              <a:t> (e.g., to console or a simple text file).</a:t>
+            </a:r>
+          </a:p>
+          <a:p>
+            <a:pPr marR="0" lvl="0" rtl="0"/>
+            <a:r>
+              <a:rPr lang="en-US" b="0" i="0" u="none" strike="noStrike" kern="100" baseline="0" dirty="0">
+                <a:solidFill>
+                  <a:srgbClr val="0F4761"/>
+                </a:solidFill>
+                <a:latin typeface="Times New Roman" panose="02020603050405020304" pitchFamily="18" charset="0"/>
+              </a:rPr>
+              <a:t> </a:t>
+            </a:r>
+            <a:r>
+              <a:rPr lang="en-US" b="1" i="0" u="none" strike="noStrike" kern="100" baseline="0" dirty="0">
+                <a:solidFill>
+                  <a:srgbClr val="0F4761"/>
+                </a:solidFill>
+                <a:latin typeface="Times New Roman" panose="02020603050405020304" pitchFamily="18" charset="0"/>
+              </a:rPr>
+              <a:t>Learning Outcome</a:t>
+            </a:r>
+            <a:r>
+              <a:rPr lang="en-US" b="0" i="0" u="none" strike="noStrike" kern="100" baseline="0" dirty="0">
+                <a:solidFill>
+                  <a:srgbClr val="0F4761"/>
+                </a:solidFill>
+                <a:latin typeface="Times New Roman" panose="02020603050405020304" pitchFamily="18" charset="0"/>
+              </a:rPr>
+              <a:t>: Understand how to initiate data collection using </a:t>
+            </a:r>
+            <a:r>
+              <a:rPr lang="en-US" b="0" i="0" u="none" strike="noStrike" kern="100" baseline="0" dirty="0" err="1">
+                <a:solidFill>
+                  <a:srgbClr val="0F4761"/>
+                </a:solidFill>
+                <a:latin typeface="Times New Roman" panose="02020603050405020304" pitchFamily="18" charset="0"/>
+              </a:rPr>
+              <a:t>Powershell</a:t>
+            </a:r>
+            <a:r>
+              <a:rPr lang="en-US" b="0" i="0" u="none" strike="noStrike" kern="100" baseline="0" dirty="0">
+                <a:solidFill>
+                  <a:srgbClr val="0F4761"/>
+                </a:solidFill>
+                <a:latin typeface="Times New Roman" panose="02020603050405020304" pitchFamily="18" charset="0"/>
+              </a:rPr>
+              <a:t>, a </a:t>
+            </a:r>
+            <a:r>
+              <a:rPr lang="en-US" b="1" i="0" u="none" strike="noStrike" kern="100" baseline="0" dirty="0">
+                <a:solidFill>
+                  <a:srgbClr val="0F4761"/>
+                </a:solidFill>
+                <a:latin typeface="Times New Roman" panose="02020603050405020304" pitchFamily="18" charset="0"/>
+              </a:rPr>
+              <a:t>versatile tool</a:t>
+            </a:r>
+            <a:r>
+              <a:rPr lang="en-US" b="0" i="0" u="none" strike="noStrike" kern="100" baseline="0" dirty="0">
+                <a:solidFill>
+                  <a:srgbClr val="0F4761"/>
+                </a:solidFill>
+                <a:latin typeface="Times New Roman" panose="02020603050405020304" pitchFamily="18" charset="0"/>
+              </a:rPr>
+              <a:t> for gathering </a:t>
+            </a:r>
+            <a:r>
+              <a:rPr lang="en-US" b="0" i="0" u="none" strike="noStrike" kern="100" baseline="0">
+                <a:solidFill>
+                  <a:srgbClr val="0F4761"/>
+                </a:solidFill>
+                <a:latin typeface="Times New Roman" panose="02020603050405020304" pitchFamily="18" charset="0"/>
+              </a:rPr>
+              <a:t>performance metrics.</a:t>
+            </a:r>
+            <a:endParaRPr lang="en-US" b="0" i="0" u="none" strike="noStrike" kern="100" baseline="0" dirty="0">
+              <a:solidFill>
+                <a:srgbClr val="0F4761"/>
+              </a:solidFill>
+              <a:latin typeface="Times New Roman" panose="02020603050405020304" pitchFamily="18" charset="0"/>
+            </a:endParaRPr>
           </a:p>
         </p:txBody>
       </p:sp>
     </p:spTree>
     <p:extLst>
       <p:ext uri="{BB962C8B-B14F-4D97-AF65-F5344CB8AC3E}">
-        <p14:creationId xmlns:p14="http://schemas.microsoft.com/office/powerpoint/2010/main" val="1347132433"/>
+        <p14:creationId xmlns:p14="http://schemas.microsoft.com/office/powerpoint/2010/main" val="4009258998"/>
       </p:ext>
     </p:extLst>
   </p:cSld>
@@ -8190,7 +7779,7 @@
           <p:cNvPr id="2" name="Title 1">
             <a:extLst>
               <a:ext uri="{FF2B5EF4-FFF2-40B4-BE49-F238E27FC236}">
-                <a16:creationId xmlns:a16="http://schemas.microsoft.com/office/drawing/2014/main" id="{39980878-92F7-B37D-1C4D-F90D4340B77A}"/>
+                <a16:creationId xmlns:a16="http://schemas.microsoft.com/office/drawing/2014/main" id="{81464D80-518F-331A-F809-819F23AA084E}"/>
               </a:ext>
             </a:extLst>
           </p:cNvPr>
@@ -8214,7 +7803,7 @@
                 </a:solidFill>
                 <a:latin typeface="Times New Roman" panose="02020603050405020304" pitchFamily="18" charset="0"/>
               </a:rPr>
-              <a:t>Slide 7: Part 2: SQL Server to Host Your Data - Introduction</a:t>
+              <a:t>Slide 6: Part 1: Powershell - Demonstration/Lab Prep</a:t>
             </a:r>
           </a:p>
         </p:txBody>
@@ -8224,7 +7813,7 @@
           <p:cNvPr id="3" name="Text Placeholder 2">
             <a:extLst>
               <a:ext uri="{FF2B5EF4-FFF2-40B4-BE49-F238E27FC236}">
-                <a16:creationId xmlns:a16="http://schemas.microsoft.com/office/drawing/2014/main" id="{B3706914-ADB7-AB35-3675-DA0E149272AB}"/>
+                <a16:creationId xmlns:a16="http://schemas.microsoft.com/office/drawing/2014/main" id="{7F6C322F-4DEA-ED54-6451-080DBA3B0F68}"/>
               </a:ext>
             </a:extLst>
           </p:cNvPr>
@@ -8257,16 +7846,28 @@
                 </a:solidFill>
                 <a:latin typeface="Times New Roman" panose="02020603050405020304" pitchFamily="18" charset="0"/>
               </a:rPr>
-              <a:t>Purpose</a:t>
-            </a:r>
-            <a:r>
-              <a:rPr lang="en-US" b="0" i="0" u="none" strike="noStrike" kern="100" baseline="0">
-                <a:solidFill>
-                  <a:srgbClr val="0F4761"/>
-                </a:solidFill>
-                <a:latin typeface="Times New Roman" panose="02020603050405020304" pitchFamily="18" charset="0"/>
-              </a:rPr>
-              <a:t>: Serving as the </a:t>
+              <a:t>Brief Demo</a:t>
+            </a:r>
+            <a:r>
+              <a:rPr lang="en-US" b="0" i="0" u="none" strike="noStrike" kern="100" baseline="0">
+                <a:solidFill>
+                  <a:srgbClr val="0F4761"/>
+                </a:solidFill>
+                <a:latin typeface="Times New Roman" panose="02020603050405020304" pitchFamily="18" charset="0"/>
+              </a:rPr>
+              <a:t>: Show a simple Powershell script collecting a few key metrics.</a:t>
+            </a:r>
+          </a:p>
+          <a:p>
+            <a:pPr marR="0" lvl="0" rtl="0"/>
+            <a:r>
+              <a:rPr lang="en-US" b="0" i="0" u="none" strike="noStrike" kern="100" baseline="0">
+                <a:solidFill>
+                  <a:srgbClr val="0F4761"/>
+                </a:solidFill>
+                <a:latin typeface="Times New Roman" panose="02020603050405020304" pitchFamily="18" charset="0"/>
+              </a:rPr>
+              <a:t> </a:t>
             </a:r>
             <a:r>
               <a:rPr lang="en-US" b="1" i="0" u="none" strike="noStrike" kern="100" baseline="0">
@@ -8275,112 +7876,16 @@
                 </a:solidFill>
                 <a:latin typeface="Times New Roman" panose="02020603050405020304" pitchFamily="18" charset="0"/>
               </a:rPr>
-              <a:t>central repository for all the collected monitoring data</a:t>
-            </a:r>
-            <a:r>
-              <a:rPr lang="en-US" b="0" i="0" u="none" strike="noStrike" kern="100" baseline="0">
-                <a:solidFill>
-                  <a:srgbClr val="0F4761"/>
-                </a:solidFill>
-                <a:latin typeface="Times New Roman" panose="02020603050405020304" pitchFamily="18" charset="0"/>
-              </a:rPr>
-              <a:t> [2, 4].</a:t>
-            </a:r>
-          </a:p>
-          <a:p>
-            <a:pPr marR="0" lvl="0" rtl="0"/>
-            <a:r>
-              <a:rPr lang="en-US" b="0" i="0" u="none" strike="noStrike" kern="100" baseline="0">
-                <a:solidFill>
-                  <a:srgbClr val="0F4761"/>
-                </a:solidFill>
-                <a:latin typeface="Times New Roman" panose="02020603050405020304" pitchFamily="18" charset="0"/>
-              </a:rPr>
-              <a:t> </a:t>
-            </a:r>
-            <a:r>
-              <a:rPr lang="en-US" b="1" i="0" u="none" strike="noStrike" kern="100" baseline="0">
-                <a:solidFill>
-                  <a:srgbClr val="0F4761"/>
-                </a:solidFill>
-                <a:latin typeface="Times New Roman" panose="02020603050405020304" pitchFamily="18" charset="0"/>
-              </a:rPr>
-              <a:t>Why SQL Server itself?</a:t>
-            </a:r>
-            <a:r>
-              <a:rPr lang="en-US" b="0" i="0" u="none" strike="noStrike" kern="100" baseline="0">
-                <a:solidFill>
-                  <a:srgbClr val="0F4761"/>
-                </a:solidFill>
-                <a:latin typeface="Times New Roman" panose="02020603050405020304" pitchFamily="18" charset="0"/>
-              </a:rPr>
-              <a:t>: Facilitates </a:t>
-            </a:r>
-            <a:r>
-              <a:rPr lang="en-US" b="1" i="0" u="none" strike="noStrike" kern="100" baseline="0">
-                <a:solidFill>
-                  <a:srgbClr val="0F4761"/>
-                </a:solidFill>
-                <a:latin typeface="Times New Roman" panose="02020603050405020304" pitchFamily="18" charset="0"/>
-              </a:rPr>
-              <a:t>structured storage of historical information</a:t>
-            </a:r>
-            <a:r>
-              <a:rPr lang="en-US" b="0" i="0" u="none" strike="noStrike" kern="100" baseline="0">
-                <a:solidFill>
-                  <a:srgbClr val="0F4761"/>
-                </a:solidFill>
-                <a:latin typeface="Times New Roman" panose="02020603050405020304" pitchFamily="18" charset="0"/>
-              </a:rPr>
-              <a:t> [2, 4].</a:t>
-            </a:r>
-          </a:p>
-          <a:p>
-            <a:pPr marR="0" lvl="0" rtl="0"/>
-            <a:r>
-              <a:rPr lang="en-US" b="0" i="0" u="none" strike="noStrike" kern="100" baseline="0">
-                <a:solidFill>
-                  <a:srgbClr val="0F4761"/>
-                </a:solidFill>
-                <a:latin typeface="Times New Roman" panose="02020603050405020304" pitchFamily="18" charset="0"/>
-              </a:rPr>
-              <a:t> </a:t>
-            </a:r>
-            <a:r>
-              <a:rPr lang="en-US" b="1" i="0" u="none" strike="noStrike" kern="100" baseline="0">
-                <a:solidFill>
-                  <a:srgbClr val="0F4761"/>
-                </a:solidFill>
-                <a:latin typeface="Times New Roman" panose="02020603050405020304" pitchFamily="18" charset="0"/>
-              </a:rPr>
-              <a:t>Benefits</a:t>
-            </a:r>
-            <a:r>
-              <a:rPr lang="en-US" b="0" i="0" u="none" strike="noStrike" kern="100" baseline="0">
-                <a:solidFill>
-                  <a:srgbClr val="0F4761"/>
-                </a:solidFill>
-                <a:latin typeface="Times New Roman" panose="02020603050405020304" pitchFamily="18" charset="0"/>
-              </a:rPr>
-              <a:t>: Enables </a:t>
-            </a:r>
-            <a:r>
-              <a:rPr lang="en-US" b="1" i="0" u="none" strike="noStrike" kern="100" baseline="0">
-                <a:solidFill>
-                  <a:srgbClr val="0F4761"/>
-                </a:solidFill>
-                <a:latin typeface="Times New Roman" panose="02020603050405020304" pitchFamily="18" charset="0"/>
-              </a:rPr>
-              <a:t>easy querying, reporting, and long-term trend analysis</a:t>
-            </a:r>
-            <a:r>
-              <a:rPr lang="en-US" b="0" i="0" u="none" strike="noStrike" kern="100" baseline="0">
-                <a:solidFill>
-                  <a:srgbClr val="0F4761"/>
-                </a:solidFill>
-                <a:latin typeface="Times New Roman" panose="02020603050405020304" pitchFamily="18" charset="0"/>
-              </a:rPr>
-              <a:t> [2, 4].</a:t>
+              <a:t>Transition to Lab</a:t>
+            </a:r>
+            <a:r>
+              <a:rPr lang="en-US" b="0" i="0" u="none" strike="noStrike" kern="100" baseline="0">
+                <a:solidFill>
+                  <a:srgbClr val="0F4761"/>
+                </a:solidFill>
+                <a:latin typeface="Times New Roman" panose="02020603050405020304" pitchFamily="18" charset="0"/>
+              </a:rPr>
+              <a:t>: Prepare attendees for their first hands-on exercise.</a:t>
             </a:r>
           </a:p>
         </p:txBody>
@@ -8388,7 +7893,7 @@
     </p:spTree>
     <p:extLst>
       <p:ext uri="{BB962C8B-B14F-4D97-AF65-F5344CB8AC3E}">
-        <p14:creationId xmlns:p14="http://schemas.microsoft.com/office/powerpoint/2010/main" val="1487260231"/>
+        <p14:creationId xmlns:p14="http://schemas.microsoft.com/office/powerpoint/2010/main" val="1347132433"/>
       </p:ext>
     </p:extLst>
   </p:cSld>
@@ -8420,7 +7925,7 @@
           <p:cNvPr id="2" name="Title 1">
             <a:extLst>
               <a:ext uri="{FF2B5EF4-FFF2-40B4-BE49-F238E27FC236}">
-                <a16:creationId xmlns:a16="http://schemas.microsoft.com/office/drawing/2014/main" id="{4C6247D5-8E14-6094-9612-BE925E5B9D8D}"/>
+                <a16:creationId xmlns:a16="http://schemas.microsoft.com/office/drawing/2014/main" id="{39980878-92F7-B37D-1C4D-F90D4340B77A}"/>
               </a:ext>
             </a:extLst>
           </p:cNvPr>
@@ -8438,13 +7943,13 @@
           <a:p>
             <a:pPr marR="0" rtl="0"/>
             <a:r>
-              <a:rPr lang="en-US" b="0" i="0" u="none" strike="noStrike" kern="100" baseline="0">
-                <a:solidFill>
-                  <a:srgbClr val="0F4761"/>
-                </a:solidFill>
-                <a:latin typeface="Times New Roman" panose="02020603050405020304" pitchFamily="18" charset="0"/>
-              </a:rPr>
-              <a:t>Slide 8: Part 2: SQL Server - Key Concepts &amp; Schema Design</a:t>
+              <a:rPr lang="en-US" b="0" i="0" u="none" strike="noStrike" kern="100" baseline="0" dirty="0">
+                <a:solidFill>
+                  <a:srgbClr val="0F4761"/>
+                </a:solidFill>
+                <a:latin typeface="Times New Roman" panose="02020603050405020304" pitchFamily="18" charset="0"/>
+              </a:rPr>
+              <a:t>Slide 7: Part 2: SQL Server to Host Your Data - Introduction</a:t>
             </a:r>
           </a:p>
         </p:txBody>
@@ -8454,7 +7959,7 @@
           <p:cNvPr id="3" name="Text Placeholder 2">
             <a:extLst>
               <a:ext uri="{FF2B5EF4-FFF2-40B4-BE49-F238E27FC236}">
-                <a16:creationId xmlns:a16="http://schemas.microsoft.com/office/drawing/2014/main" id="{AFFA12FE-4FA0-4588-5B97-136CFA37974A}"/>
+                <a16:creationId xmlns:a16="http://schemas.microsoft.com/office/drawing/2014/main" id="{B3706914-ADB7-AB35-3675-DA0E149272AB}"/>
               </a:ext>
             </a:extLst>
           </p:cNvPr>
@@ -8487,16 +7992,34 @@
                 </a:solidFill>
                 <a:latin typeface="Times New Roman" panose="02020603050405020304" pitchFamily="18" charset="0"/>
               </a:rPr>
-              <a:t>Database Design Principles</a:t>
-            </a:r>
-            <a:r>
-              <a:rPr lang="en-US" b="0" i="0" u="none" strike="noStrike" kern="100" baseline="0">
-                <a:solidFill>
-                  <a:srgbClr val="0F4761"/>
-                </a:solidFill>
-                <a:latin typeface="Times New Roman" panose="02020603050405020304" pitchFamily="18" charset="0"/>
-              </a:rPr>
-              <a:t>: Considerations for performance and scalability of monitoring data.</a:t>
+              <a:t>Purpose</a:t>
+            </a:r>
+            <a:r>
+              <a:rPr lang="en-US" b="0" i="0" u="none" strike="noStrike" kern="100" baseline="0">
+                <a:solidFill>
+                  <a:srgbClr val="0F4761"/>
+                </a:solidFill>
+                <a:latin typeface="Times New Roman" panose="02020603050405020304" pitchFamily="18" charset="0"/>
+              </a:rPr>
+              <a:t>: Serving as the </a:t>
+            </a:r>
+            <a:r>
+              <a:rPr lang="en-US" b="1" i="0" u="none" strike="noStrike" kern="100" baseline="0">
+                <a:solidFill>
+                  <a:srgbClr val="0F4761"/>
+                </a:solidFill>
+                <a:latin typeface="Times New Roman" panose="02020603050405020304" pitchFamily="18" charset="0"/>
+              </a:rPr>
+              <a:t>central repository for all the collected monitoring data</a:t>
+            </a:r>
+            <a:r>
+              <a:rPr lang="en-US" b="0" i="0" u="none" strike="noStrike" kern="100" baseline="0">
+                <a:solidFill>
+                  <a:srgbClr val="0F4761"/>
+                </a:solidFill>
+                <a:latin typeface="Times New Roman" panose="02020603050405020304" pitchFamily="18" charset="0"/>
+              </a:rPr>
+              <a:t> [2, 4].</a:t>
             </a:r>
           </a:p>
           <a:p>
@@ -8517,16 +8040,34 @@
                 </a:solidFill>
                 <a:latin typeface="Times New Roman" panose="02020603050405020304" pitchFamily="18" charset="0"/>
               </a:rPr>
-              <a:t>Table Structures</a:t>
-            </a:r>
-            <a:r>
-              <a:rPr lang="en-US" b="0" i="0" u="none" strike="noStrike" kern="100" baseline="0">
-                <a:solidFill>
-                  <a:srgbClr val="0F4761"/>
-                </a:solidFill>
-                <a:latin typeface="Times New Roman" panose="02020603050405020304" pitchFamily="18" charset="0"/>
-              </a:rPr>
-              <a:t>: Examples of tables for different metric types (e.g., instance metrics, database metrics, job status).</a:t>
+              <a:t>Why SQL Server itself?</a:t>
+            </a:r>
+            <a:r>
+              <a:rPr lang="en-US" b="0" i="0" u="none" strike="noStrike" kern="100" baseline="0">
+                <a:solidFill>
+                  <a:srgbClr val="0F4761"/>
+                </a:solidFill>
+                <a:latin typeface="Times New Roman" panose="02020603050405020304" pitchFamily="18" charset="0"/>
+              </a:rPr>
+              <a:t>: Facilitates </a:t>
+            </a:r>
+            <a:r>
+              <a:rPr lang="en-US" b="1" i="0" u="none" strike="noStrike" kern="100" baseline="0">
+                <a:solidFill>
+                  <a:srgbClr val="0F4761"/>
+                </a:solidFill>
+                <a:latin typeface="Times New Roman" panose="02020603050405020304" pitchFamily="18" charset="0"/>
+              </a:rPr>
+              <a:t>structured storage of historical information</a:t>
+            </a:r>
+            <a:r>
+              <a:rPr lang="en-US" b="0" i="0" u="none" strike="noStrike" kern="100" baseline="0">
+                <a:solidFill>
+                  <a:srgbClr val="0F4761"/>
+                </a:solidFill>
+                <a:latin typeface="Times New Roman" panose="02020603050405020304" pitchFamily="18" charset="0"/>
+              </a:rPr>
+              <a:t> [2, 4].</a:t>
             </a:r>
           </a:p>
           <a:p>
@@ -8547,28 +8088,16 @@
                 </a:solidFill>
                 <a:latin typeface="Times New Roman" panose="02020603050405020304" pitchFamily="18" charset="0"/>
               </a:rPr>
-              <a:t>Data Types</a:t>
-            </a:r>
-            <a:r>
-              <a:rPr lang="en-US" b="0" i="0" u="none" strike="noStrike" kern="100" baseline="0">
-                <a:solidFill>
-                  <a:srgbClr val="0F4761"/>
-                </a:solidFill>
-                <a:latin typeface="Times New Roman" panose="02020603050405020304" pitchFamily="18" charset="0"/>
-              </a:rPr>
-              <a:t>: Choosing appropriate data types for efficient storage.</a:t>
-            </a:r>
-          </a:p>
-          <a:p>
-            <a:pPr marR="0" lvl="0" rtl="0"/>
-            <a:r>
-              <a:rPr lang="en-US" b="0" i="0" u="none" strike="noStrike" kern="100" baseline="0">
-                <a:solidFill>
-                  <a:srgbClr val="0F4761"/>
-                </a:solidFill>
-                <a:latin typeface="Times New Roman" panose="02020603050405020304" pitchFamily="18" charset="0"/>
-              </a:rPr>
-              <a:t> </a:t>
+              <a:t>Benefits</a:t>
+            </a:r>
+            <a:r>
+              <a:rPr lang="en-US" b="0" i="0" u="none" strike="noStrike" kern="100" baseline="0">
+                <a:solidFill>
+                  <a:srgbClr val="0F4761"/>
+                </a:solidFill>
+                <a:latin typeface="Times New Roman" panose="02020603050405020304" pitchFamily="18" charset="0"/>
+              </a:rPr>
+              <a:t>: Enables </a:t>
             </a:r>
             <a:r>
               <a:rPr lang="en-US" b="1" i="0" u="none" strike="noStrike" kern="100" baseline="0">
@@ -8577,46 +8106,16 @@
                 </a:solidFill>
                 <a:latin typeface="Times New Roman" panose="02020603050405020304" pitchFamily="18" charset="0"/>
               </a:rPr>
-              <a:t>Indexes</a:t>
-            </a:r>
-            <a:r>
-              <a:rPr lang="en-US" b="0" i="0" u="none" strike="noStrike" kern="100" baseline="0">
-                <a:solidFill>
-                  <a:srgbClr val="0F4761"/>
-                </a:solidFill>
-                <a:latin typeface="Times New Roman" panose="02020603050405020304" pitchFamily="18" charset="0"/>
-              </a:rPr>
-              <a:t>: Crucial for query performance when analyzing historical data.</a:t>
-            </a:r>
-          </a:p>
-          <a:p>
-            <a:pPr marR="0" lvl="0" rtl="0"/>
-            <a:r>
-              <a:rPr lang="en-US" b="0" i="0" u="none" strike="noStrike" kern="100" baseline="0">
-                <a:solidFill>
-                  <a:srgbClr val="0F4761"/>
-                </a:solidFill>
-                <a:latin typeface="Times New Roman" panose="02020603050405020304" pitchFamily="18" charset="0"/>
-              </a:rPr>
-              <a:t> </a:t>
-            </a:r>
-            <a:r>
-              <a:rPr lang="en-US" b="1" i="0" u="none" strike="noStrike" kern="100" baseline="0">
-                <a:solidFill>
-                  <a:srgbClr val="0F4761"/>
-                </a:solidFill>
-                <a:latin typeface="Times New Roman" panose="02020603050405020304" pitchFamily="18" charset="0"/>
-              </a:rPr>
-              <a:t>Data Retention</a:t>
-            </a:r>
-            <a:r>
-              <a:rPr lang="en-US" b="0" i="0" u="none" strike="noStrike" kern="100" baseline="0">
-                <a:solidFill>
-                  <a:srgbClr val="0F4761"/>
-                </a:solidFill>
-                <a:latin typeface="Times New Roman" panose="02020603050405020304" pitchFamily="18" charset="0"/>
-              </a:rPr>
-              <a:t>: Strategies for managing data growth (e.g., archiving, purging).</a:t>
+              <a:t>easy querying, reporting, and long-term trend analysis</a:t>
+            </a:r>
+            <a:r>
+              <a:rPr lang="en-US" b="0" i="0" u="none" strike="noStrike" kern="100" baseline="0">
+                <a:solidFill>
+                  <a:srgbClr val="0F4761"/>
+                </a:solidFill>
+                <a:latin typeface="Times New Roman" panose="02020603050405020304" pitchFamily="18" charset="0"/>
+              </a:rPr>
+              <a:t> [2, 4].</a:t>
             </a:r>
           </a:p>
         </p:txBody>
@@ -8624,7 +8123,7 @@
     </p:spTree>
     <p:extLst>
       <p:ext uri="{BB962C8B-B14F-4D97-AF65-F5344CB8AC3E}">
-        <p14:creationId xmlns:p14="http://schemas.microsoft.com/office/powerpoint/2010/main" val="753310909"/>
+        <p14:creationId xmlns:p14="http://schemas.microsoft.com/office/powerpoint/2010/main" val="1487260231"/>
       </p:ext>
     </p:extLst>
   </p:cSld>
@@ -8656,7 +8155,7 @@
           <p:cNvPr id="2" name="Title 1">
             <a:extLst>
               <a:ext uri="{FF2B5EF4-FFF2-40B4-BE49-F238E27FC236}">
-                <a16:creationId xmlns:a16="http://schemas.microsoft.com/office/drawing/2014/main" id="{C4F6C270-A8F5-32AA-2CD4-134C7D696FD9}"/>
+                <a16:creationId xmlns:a16="http://schemas.microsoft.com/office/drawing/2014/main" id="{4C6247D5-8E14-6094-9612-BE925E5B9D8D}"/>
               </a:ext>
             </a:extLst>
           </p:cNvPr>
@@ -8674,13 +8173,13 @@
           <a:p>
             <a:pPr marR="0" rtl="0"/>
             <a:r>
-              <a:rPr lang="fr-FR" b="0" i="0" u="none" strike="noStrike" kern="100" baseline="0">
-                <a:solidFill>
-                  <a:srgbClr val="0F4761"/>
-                </a:solidFill>
-                <a:latin typeface="Times New Roman" panose="02020603050405020304" pitchFamily="18" charset="0"/>
-              </a:rPr>
-              <a:t>Slide 9: Part 2: SQL Server - Ingestion &amp; Maintenance</a:t>
+              <a:rPr lang="en-US" b="0" i="0" u="none" strike="noStrike" kern="100" baseline="0">
+                <a:solidFill>
+                  <a:srgbClr val="0F4761"/>
+                </a:solidFill>
+                <a:latin typeface="Times New Roman" panose="02020603050405020304" pitchFamily="18" charset="0"/>
+              </a:rPr>
+              <a:t>Slide 8: Part 2: SQL Server - Key Concepts &amp; Schema Design</a:t>
             </a:r>
           </a:p>
         </p:txBody>
@@ -8690,7 +8189,7 @@
           <p:cNvPr id="3" name="Text Placeholder 2">
             <a:extLst>
               <a:ext uri="{FF2B5EF4-FFF2-40B4-BE49-F238E27FC236}">
-                <a16:creationId xmlns:a16="http://schemas.microsoft.com/office/drawing/2014/main" id="{29CE66E4-11E3-7A37-07F0-862AF07B50B4}"/>
+                <a16:creationId xmlns:a16="http://schemas.microsoft.com/office/drawing/2014/main" id="{AFFA12FE-4FA0-4588-5B97-136CFA37974A}"/>
               </a:ext>
             </a:extLst>
           </p:cNvPr>
@@ -8723,16 +8222,16 @@
                 </a:solidFill>
                 <a:latin typeface="Times New Roman" panose="02020603050405020304" pitchFamily="18" charset="0"/>
               </a:rPr>
-              <a:t>Ingestion Methods</a:t>
-            </a:r>
-            <a:r>
-              <a:rPr lang="en-US" b="0" i="0" u="none" strike="noStrike" kern="100" baseline="0">
-                <a:solidFill>
-                  <a:srgbClr val="0F4761"/>
-                </a:solidFill>
-                <a:latin typeface="Times New Roman" panose="02020603050405020304" pitchFamily="18" charset="0"/>
-              </a:rPr>
-              <a:t>: How Powershell will insert data into SQL Server (e.g., Invoke-Sqlcmd, Bulk Insert).</a:t>
+              <a:t>Database Design Principles</a:t>
+            </a:r>
+            <a:r>
+              <a:rPr lang="en-US" b="0" i="0" u="none" strike="noStrike" kern="100" baseline="0">
+                <a:solidFill>
+                  <a:srgbClr val="0F4761"/>
+                </a:solidFill>
+                <a:latin typeface="Times New Roman" panose="02020603050405020304" pitchFamily="18" charset="0"/>
+              </a:rPr>
+              <a:t>: Considerations for performance and scalability of monitoring data.</a:t>
             </a:r>
           </a:p>
           <a:p>
@@ -8753,16 +8252,16 @@
                 </a:solidFill>
                 <a:latin typeface="Times New Roman" panose="02020603050405020304" pitchFamily="18" charset="0"/>
               </a:rPr>
-              <a:t>SQL Server Agent Jobs</a:t>
-            </a:r>
-            <a:r>
-              <a:rPr lang="en-US" b="0" i="0" u="none" strike="noStrike" kern="100" baseline="0">
-                <a:solidFill>
-                  <a:srgbClr val="0F4761"/>
-                </a:solidFill>
-                <a:latin typeface="Times New Roman" panose="02020603050405020304" pitchFamily="18" charset="0"/>
-              </a:rPr>
-              <a:t>: Scheduling Powershell scripts for automated data collection.</a:t>
+              <a:t>Table Structures</a:t>
+            </a:r>
+            <a:r>
+              <a:rPr lang="en-US" b="0" i="0" u="none" strike="noStrike" kern="100" baseline="0">
+                <a:solidFill>
+                  <a:srgbClr val="0F4761"/>
+                </a:solidFill>
+                <a:latin typeface="Times New Roman" panose="02020603050405020304" pitchFamily="18" charset="0"/>
+              </a:rPr>
+              <a:t>: Examples of tables for different metric types (e.g., instance metrics, database metrics, job status).</a:t>
             </a:r>
           </a:p>
           <a:p>
@@ -8783,16 +8282,76 @@
                 </a:solidFill>
                 <a:latin typeface="Times New Roman" panose="02020603050405020304" pitchFamily="18" charset="0"/>
               </a:rPr>
-              <a:t>Maintenance Tasks</a:t>
-            </a:r>
-            <a:r>
-              <a:rPr lang="en-US" b="0" i="0" u="none" strike="noStrike" kern="100" baseline="0">
-                <a:solidFill>
-                  <a:srgbClr val="0F4761"/>
-                </a:solidFill>
-                <a:latin typeface="Times New Roman" panose="02020603050405020304" pitchFamily="18" charset="0"/>
-              </a:rPr>
-              <a:t>: Backup, index maintenance, and cleanup.</a:t>
+              <a:t>Data Types</a:t>
+            </a:r>
+            <a:r>
+              <a:rPr lang="en-US" b="0" i="0" u="none" strike="noStrike" kern="100" baseline="0">
+                <a:solidFill>
+                  <a:srgbClr val="0F4761"/>
+                </a:solidFill>
+                <a:latin typeface="Times New Roman" panose="02020603050405020304" pitchFamily="18" charset="0"/>
+              </a:rPr>
+              <a:t>: Choosing appropriate data types for efficient storage.</a:t>
+            </a:r>
+          </a:p>
+          <a:p>
+            <a:pPr marR="0" lvl="0" rtl="0"/>
+            <a:r>
+              <a:rPr lang="en-US" b="0" i="0" u="none" strike="noStrike" kern="100" baseline="0">
+                <a:solidFill>
+                  <a:srgbClr val="0F4761"/>
+                </a:solidFill>
+                <a:latin typeface="Times New Roman" panose="02020603050405020304" pitchFamily="18" charset="0"/>
+              </a:rPr>
+              <a:t> </a:t>
+            </a:r>
+            <a:r>
+              <a:rPr lang="en-US" b="1" i="0" u="none" strike="noStrike" kern="100" baseline="0">
+                <a:solidFill>
+                  <a:srgbClr val="0F4761"/>
+                </a:solidFill>
+                <a:latin typeface="Times New Roman" panose="02020603050405020304" pitchFamily="18" charset="0"/>
+              </a:rPr>
+              <a:t>Indexes</a:t>
+            </a:r>
+            <a:r>
+              <a:rPr lang="en-US" b="0" i="0" u="none" strike="noStrike" kern="100" baseline="0">
+                <a:solidFill>
+                  <a:srgbClr val="0F4761"/>
+                </a:solidFill>
+                <a:latin typeface="Times New Roman" panose="02020603050405020304" pitchFamily="18" charset="0"/>
+              </a:rPr>
+              <a:t>: Crucial for query performance when analyzing historical data.</a:t>
+            </a:r>
+          </a:p>
+          <a:p>
+            <a:pPr marR="0" lvl="0" rtl="0"/>
+            <a:r>
+              <a:rPr lang="en-US" b="0" i="0" u="none" strike="noStrike" kern="100" baseline="0">
+                <a:solidFill>
+                  <a:srgbClr val="0F4761"/>
+                </a:solidFill>
+                <a:latin typeface="Times New Roman" panose="02020603050405020304" pitchFamily="18" charset="0"/>
+              </a:rPr>
+              <a:t> </a:t>
+            </a:r>
+            <a:r>
+              <a:rPr lang="en-US" b="1" i="0" u="none" strike="noStrike" kern="100" baseline="0">
+                <a:solidFill>
+                  <a:srgbClr val="0F4761"/>
+                </a:solidFill>
+                <a:latin typeface="Times New Roman" panose="02020603050405020304" pitchFamily="18" charset="0"/>
+              </a:rPr>
+              <a:t>Data Retention</a:t>
+            </a:r>
+            <a:r>
+              <a:rPr lang="en-US" b="0" i="0" u="none" strike="noStrike" kern="100" baseline="0">
+                <a:solidFill>
+                  <a:srgbClr val="0F4761"/>
+                </a:solidFill>
+                <a:latin typeface="Times New Roman" panose="02020603050405020304" pitchFamily="18" charset="0"/>
+              </a:rPr>
+              <a:t>: Strategies for managing data growth (e.g., archiving, purging).</a:t>
             </a:r>
           </a:p>
         </p:txBody>
@@ -8800,7 +8359,7 @@
     </p:spTree>
     <p:extLst>
       <p:ext uri="{BB962C8B-B14F-4D97-AF65-F5344CB8AC3E}">
-        <p14:creationId xmlns:p14="http://schemas.microsoft.com/office/powerpoint/2010/main" val="3579246247"/>
+        <p14:creationId xmlns:p14="http://schemas.microsoft.com/office/powerpoint/2010/main" val="753310909"/>
       </p:ext>
     </p:extLst>
   </p:cSld>
@@ -8811,59 +8370,119 @@
 </file>
 
 <file path=ppt/theme/theme1.xml><?xml version="1.0" encoding="utf-8"?>
-<a:theme xmlns:a="http://schemas.openxmlformats.org/drawingml/2006/main" name="GestaltVTI">
+<a:theme xmlns:a="http://schemas.openxmlformats.org/drawingml/2006/main" name="Office 2013 - 2022 Theme">
   <a:themeElements>
-    <a:clrScheme name="Gestalt">
+    <a:clrScheme name="Office 2013 - 2022 Theme">
       <a:dk1>
-        <a:srgbClr val="000000"/>
+        <a:sysClr val="windowText" lastClr="000000"/>
       </a:dk1>
       <a:lt1>
         <a:sysClr val="window" lastClr="FFFFFF"/>
       </a:lt1>
       <a:dk2>
-        <a:srgbClr val="262626"/>
+        <a:srgbClr val="44546A"/>
       </a:dk2>
       <a:lt2>
-        <a:srgbClr val="F7F7F7"/>
+        <a:srgbClr val="E7E6E6"/>
       </a:lt2>
       <a:accent1>
-        <a:srgbClr val="EBA000"/>
+        <a:srgbClr val="4472C4"/>
       </a:accent1>
       <a:accent2>
-        <a:srgbClr val="00BAC8"/>
+        <a:srgbClr val="ED7D31"/>
       </a:accent2>
       <a:accent3>
-        <a:srgbClr val="E64823"/>
+        <a:srgbClr val="A5A5A5"/>
       </a:accent3>
       <a:accent4>
-        <a:srgbClr val="4D5AFF"/>
+        <a:srgbClr val="FFC000"/>
       </a:accent4>
       <a:accent5>
-        <a:srgbClr val="FE5D21"/>
+        <a:srgbClr val="5B9BD5"/>
       </a:accent5>
       <a:accent6>
-        <a:srgbClr val="00C777"/>
+        <a:srgbClr val="70AD47"/>
       </a:accent6>
       <a:hlink>
-        <a:srgbClr val="2998E3"/>
+        <a:srgbClr val="0563C1"/>
       </a:hlink>
       <a:folHlink>
-        <a:srgbClr val="939393"/>
+        <a:srgbClr val="954F72"/>
       </a:folHlink>
     </a:clrScheme>
-    <a:fontScheme name="Gestalt">
+    <a:fontScheme name="Office 2013 - 2022 Theme">
       <a:majorFont>
-        <a:latin typeface="Bierstadt"/>
+        <a:latin typeface="Calibri Light" panose="020F0302020204030204"/>
         <a:ea typeface=""/>
         <a:cs typeface=""/>
+        <a:font script="Jpan" typeface="游ゴシック Light"/>
+        <a:font script="Hang" typeface="맑은 고딕"/>
+        <a:font script="Hans" typeface="等线 Light"/>
+        <a:font script="Hant" typeface="新細明體"/>
+        <a:font script="Arab" typeface="Times New Roman"/>
+        <a:font script="Hebr" typeface="Times New Roman"/>
+        <a:font script="Thai" typeface="Angsana New"/>
+        <a:font script="Ethi" typeface="Nyala"/>
+        <a:font script="Beng" typeface="Vrinda"/>
+        <a:font script="Gujr" typeface="Shruti"/>
+        <a:font script="Khmr" typeface="MoolBoran"/>
+        <a:font script="Knda" typeface="Tunga"/>
+        <a:font script="Guru" typeface="Raavi"/>
+        <a:font script="Cans" typeface="Euphemia"/>
+        <a:font script="Cher" typeface="Plantagenet Cherokee"/>
+        <a:font script="Yiii" typeface="Microsoft Yi Baiti"/>
+        <a:font script="Tibt" typeface="Microsoft Himalaya"/>
+        <a:font script="Thaa" typeface="MV Boli"/>
+        <a:font script="Deva" typeface="Mangal"/>
+        <a:font script="Telu" typeface="Gautami"/>
+        <a:font script="Taml" typeface="Latha"/>
+        <a:font script="Syrc" typeface="Estrangelo Edessa"/>
+        <a:font script="Orya" typeface="Kalinga"/>
+        <a:font script="Mlym" typeface="Kartika"/>
+        <a:font script="Laoo" typeface="DokChampa"/>
+        <a:font script="Sinh" typeface="Iskoola Pota"/>
+        <a:font script="Mong" typeface="Mongolian Baiti"/>
+        <a:font script="Viet" typeface="Times New Roman"/>
+        <a:font script="Uigh" typeface="Microsoft Uighur"/>
+        <a:font script="Geor" typeface="Sylfaen"/>
       </a:majorFont>
       <a:minorFont>
-        <a:latin typeface="Bierstadt"/>
+        <a:latin typeface="Calibri" panose="020F0502020204030204"/>
         <a:ea typeface=""/>
         <a:cs typeface=""/>
+        <a:font script="Jpan" typeface="游ゴシック"/>
+        <a:font script="Hang" typeface="맑은 고딕"/>
+        <a:font script="Hans" typeface="等线"/>
+        <a:font script="Hant" typeface="新細明體"/>
+        <a:font script="Arab" typeface="Arial"/>
+        <a:font script="Hebr" typeface="Arial"/>
+        <a:font script="Thai" typeface="Cordia New"/>
+        <a:font script="Ethi" typeface="Nyala"/>
+        <a:font script="Beng" typeface="Vrinda"/>
+        <a:font script="Gujr" typeface="Shruti"/>
+        <a:font script="Khmr" typeface="DaunPenh"/>
+        <a:font script="Knda" typeface="Tunga"/>
+        <a:font script="Guru" typeface="Raavi"/>
+        <a:font script="Cans" typeface="Euphemia"/>
+        <a:font script="Cher" typeface="Plantagenet Cherokee"/>
+        <a:font script="Yiii" typeface="Microsoft Yi Baiti"/>
+        <a:font script="Tibt" typeface="Microsoft Himalaya"/>
+        <a:font script="Thaa" typeface="MV Boli"/>
+        <a:font script="Deva" typeface="Mangal"/>
+        <a:font script="Telu" typeface="Gautami"/>
+        <a:font script="Taml" typeface="Latha"/>
+        <a:font script="Syrc" typeface="Estrangelo Edessa"/>
+        <a:font script="Orya" typeface="Kalinga"/>
+        <a:font script="Mlym" typeface="Kartika"/>
+        <a:font script="Laoo" typeface="DokChampa"/>
+        <a:font script="Sinh" typeface="Iskoola Pota"/>
+        <a:font script="Mong" typeface="Mongolian Baiti"/>
+        <a:font script="Viet" typeface="Arial"/>
+        <a:font script="Uigh" typeface="Microsoft Uighur"/>
+        <a:font script="Geor" typeface="Sylfaen"/>
       </a:minorFont>
     </a:fontScheme>
-    <a:fmtScheme name="Office">
+    <a:fmtScheme name="Office 2013 - 2022 Theme">
       <a:fillStyleLst>
         <a:solidFill>
           <a:schemeClr val="phClr"/>
@@ -8922,6 +8541,13 @@
         </a:gradFill>
       </a:fillStyleLst>
       <a:lnStyleLst>
+        <a:ln w="6350" cap="flat" cmpd="sng" algn="ctr">
+          <a:solidFill>
+            <a:schemeClr val="phClr"/>
+          </a:solidFill>
+          <a:prstDash val="solid"/>
+          <a:miter lim="800000"/>
+        </a:ln>
         <a:ln w="12700" cap="flat" cmpd="sng" algn="ctr">
           <a:solidFill>
             <a:schemeClr val="phClr"/>
@@ -8930,13 +8556,6 @@
           <a:miter lim="800000"/>
         </a:ln>
         <a:ln w="19050" cap="flat" cmpd="sng" algn="ctr">
-          <a:solidFill>
-            <a:schemeClr val="phClr"/>
-          </a:solidFill>
-          <a:prstDash val="solid"/>
-          <a:miter lim="800000"/>
-        </a:ln>
-        <a:ln w="25400" cap="flat" cmpd="sng" algn="ctr">
           <a:solidFill>
             <a:schemeClr val="phClr"/>
           </a:solidFill>
@@ -9001,31 +8620,11 @@
       </a:bgFillStyleLst>
     </a:fmtScheme>
   </a:themeElements>
-  <a:objectDefaults>
-    <a:lnDef>
-      <a:spPr/>
-      <a:bodyPr/>
-      <a:lstStyle/>
-      <a:style>
-        <a:lnRef idx="2">
-          <a:schemeClr val="accent1"/>
-        </a:lnRef>
-        <a:fillRef idx="0">
-          <a:schemeClr val="accent1"/>
-        </a:fillRef>
-        <a:effectRef idx="1">
-          <a:schemeClr val="accent1"/>
-        </a:effectRef>
-        <a:fontRef idx="minor">
-          <a:schemeClr val="tx1"/>
-        </a:fontRef>
-      </a:style>
-    </a:lnDef>
-  </a:objectDefaults>
+  <a:objectDefaults/>
   <a:extraClrSchemeLst/>
   <a:extLst>
     <a:ext uri="{05A4C25C-085E-4340-85A3-A5531E510DB2}">
-      <thm15:themeFamily xmlns:thm15="http://schemas.microsoft.com/office/thememl/2012/main" name="GestaltVTI" id="{4F87C71D-53D1-4B71-BF97-FD0EA4B25665}" vid="{A110AFC4-8D8A-4C02-8885-7BA370B379B5}"/>
+      <thm15:themeFamily xmlns:thm15="http://schemas.microsoft.com/office/thememl/2012/main" name="Office 2013 - 2022 Theme" id="{62F939B6-93AF-4DB8-9C6B-D6C7DFDC589F}" vid="{4A3C46E8-61CC-4603-A589-7422A47A8E4A}"/>
     </a:ext>
   </a:extLst>
 </a:theme>
